--- a/Slides_NetMed_Sprint2.pptx
+++ b/Slides_NetMed_Sprint2.pptx
@@ -7,6 +7,7 @@
   <p:sldIdLst>
     <p:sldId id="256" r:id="rId2"/>
     <p:sldId id="257" r:id="rId3"/>
+    <p:sldId id="258" r:id="rId4"/>
   </p:sldIdLst>
   <p:sldSz cx="12192000" cy="6858000"/>
   <p:notesSz cx="6858000" cy="9144000"/>
@@ -105,13 +106,18 @@
       </a:defRPr>
     </a:lvl9pPr>
   </p:defaultTextStyle>
+  <p:extLst>
+    <p:ext uri="{EFAFB233-063F-42B5-8137-9DF3F51BA10A}">
+      <p15:sldGuideLst xmlns:p15="http://schemas.microsoft.com/office/powerpoint/2012/main"/>
+    </p:ext>
+  </p:extLst>
 </p:presentation>
 </file>
 
 <file path=ppt/revisionInfo.xml><?xml version="1.0" encoding="utf-8"?>
 <p1510:revInfo xmlns:a="http://schemas.openxmlformats.org/drawingml/2006/main" xmlns:r="http://schemas.openxmlformats.org/officeDocument/2006/relationships" xmlns:p1510="http://schemas.microsoft.com/office/powerpoint/2015/10/main">
   <p1510:revLst>
-    <p1510:client id="{5B440EA2-DE11-412C-A505-B0319508B54D}" v="7" dt="2024-05-02T22:03:38.783"/>
+    <p1510:client id="{5B440EA2-DE11-412C-A505-B0319508B54D}" v="224" dt="2024-05-04T13:38:02.963"/>
   </p1510:revLst>
 </p1510:revInfo>
 </file>
@@ -121,7 +127,7 @@
   <pc:docChgLst>
     <pc:chgData name="VAGNER JOSÉ DI BENEDETTO VILLELA DE ANDRADE ." userId="39095851-9987-426c-992c-64b07dc30090" providerId="ADAL" clId="{5B440EA2-DE11-412C-A505-B0319508B54D}"/>
     <pc:docChg chg="undo custSel addSld modSld">
-      <pc:chgData name="VAGNER JOSÉ DI BENEDETTO VILLELA DE ANDRADE ." userId="39095851-9987-426c-992c-64b07dc30090" providerId="ADAL" clId="{5B440EA2-DE11-412C-A505-B0319508B54D}" dt="2024-05-02T22:04:11.548" v="208" actId="1076"/>
+      <pc:chgData name="VAGNER JOSÉ DI BENEDETTO VILLELA DE ANDRADE ." userId="39095851-9987-426c-992c-64b07dc30090" providerId="ADAL" clId="{5B440EA2-DE11-412C-A505-B0319508B54D}" dt="2024-05-04T13:38:31.247" v="692" actId="1076"/>
       <pc:docMkLst>
         <pc:docMk/>
       </pc:docMkLst>
@@ -427,6 +433,173 @@
           </ac:cxnSpMkLst>
         </pc:cxnChg>
       </pc:sldChg>
+      <pc:sldChg chg="addSp delSp modSp new mod">
+        <pc:chgData name="VAGNER JOSÉ DI BENEDETTO VILLELA DE ANDRADE ." userId="39095851-9987-426c-992c-64b07dc30090" providerId="ADAL" clId="{5B440EA2-DE11-412C-A505-B0319508B54D}" dt="2024-05-04T13:38:31.247" v="692" actId="1076"/>
+        <pc:sldMkLst>
+          <pc:docMk/>
+          <pc:sldMk cId="53127966" sldId="258"/>
+        </pc:sldMkLst>
+        <pc:spChg chg="mod">
+          <ac:chgData name="VAGNER JOSÉ DI BENEDETTO VILLELA DE ANDRADE ." userId="39095851-9987-426c-992c-64b07dc30090" providerId="ADAL" clId="{5B440EA2-DE11-412C-A505-B0319508B54D}" dt="2024-05-04T13:17:13.165" v="248" actId="20577"/>
+          <ac:spMkLst>
+            <pc:docMk/>
+            <pc:sldMk cId="53127966" sldId="258"/>
+            <ac:spMk id="2" creationId="{4513B46C-8276-1518-93A5-526E041946FC}"/>
+          </ac:spMkLst>
+        </pc:spChg>
+        <pc:spChg chg="mod">
+          <ac:chgData name="VAGNER JOSÉ DI BENEDETTO VILLELA DE ANDRADE ." userId="39095851-9987-426c-992c-64b07dc30090" providerId="ADAL" clId="{5B440EA2-DE11-412C-A505-B0319508B54D}" dt="2024-05-04T13:37:55.951" v="685" actId="1076"/>
+          <ac:spMkLst>
+            <pc:docMk/>
+            <pc:sldMk cId="53127966" sldId="258"/>
+            <ac:spMk id="3" creationId="{5161CDC8-FF07-0AD5-6381-DD5D23BA23D4}"/>
+          </ac:spMkLst>
+        </pc:spChg>
+        <pc:spChg chg="add mod">
+          <ac:chgData name="VAGNER JOSÉ DI BENEDETTO VILLELA DE ANDRADE ." userId="39095851-9987-426c-992c-64b07dc30090" providerId="ADAL" clId="{5B440EA2-DE11-412C-A505-B0319508B54D}" dt="2024-05-04T13:37:35.608" v="682" actId="1076"/>
+          <ac:spMkLst>
+            <pc:docMk/>
+            <pc:sldMk cId="53127966" sldId="258"/>
+            <ac:spMk id="4" creationId="{69653506-C7EF-3417-0623-767B75632118}"/>
+          </ac:spMkLst>
+        </pc:spChg>
+        <pc:spChg chg="add mod">
+          <ac:chgData name="VAGNER JOSÉ DI BENEDETTO VILLELA DE ANDRADE ." userId="39095851-9987-426c-992c-64b07dc30090" providerId="ADAL" clId="{5B440EA2-DE11-412C-A505-B0319508B54D}" dt="2024-05-04T13:37:35.608" v="682" actId="1076"/>
+          <ac:spMkLst>
+            <pc:docMk/>
+            <pc:sldMk cId="53127966" sldId="258"/>
+            <ac:spMk id="8" creationId="{C3369C1D-136B-54E8-3981-7C2EDC2AFA7F}"/>
+          </ac:spMkLst>
+        </pc:spChg>
+        <pc:spChg chg="add del mod">
+          <ac:chgData name="VAGNER JOSÉ DI BENEDETTO VILLELA DE ANDRADE ." userId="39095851-9987-426c-992c-64b07dc30090" providerId="ADAL" clId="{5B440EA2-DE11-412C-A505-B0319508B54D}" dt="2024-05-04T13:27:47.665" v="553"/>
+          <ac:spMkLst>
+            <pc:docMk/>
+            <pc:sldMk cId="53127966" sldId="258"/>
+            <ac:spMk id="9" creationId="{947CFC2B-F4FB-4C7F-56FA-86E6E0EE79AE}"/>
+          </ac:spMkLst>
+        </pc:spChg>
+        <pc:spChg chg="add mod">
+          <ac:chgData name="VAGNER JOSÉ DI BENEDETTO VILLELA DE ANDRADE ." userId="39095851-9987-426c-992c-64b07dc30090" providerId="ADAL" clId="{5B440EA2-DE11-412C-A505-B0319508B54D}" dt="2024-05-04T13:37:35.608" v="682" actId="1076"/>
+          <ac:spMkLst>
+            <pc:docMk/>
+            <pc:sldMk cId="53127966" sldId="258"/>
+            <ac:spMk id="11" creationId="{F1FD733B-1603-551D-9FC5-27D724BC858D}"/>
+          </ac:spMkLst>
+        </pc:spChg>
+        <pc:spChg chg="add mod">
+          <ac:chgData name="VAGNER JOSÉ DI BENEDETTO VILLELA DE ANDRADE ." userId="39095851-9987-426c-992c-64b07dc30090" providerId="ADAL" clId="{5B440EA2-DE11-412C-A505-B0319508B54D}" dt="2024-05-04T13:37:35.608" v="682" actId="1076"/>
+          <ac:spMkLst>
+            <pc:docMk/>
+            <pc:sldMk cId="53127966" sldId="258"/>
+            <ac:spMk id="13" creationId="{167A2AA1-3F45-D352-67E0-D09C55F5E60F}"/>
+          </ac:spMkLst>
+        </pc:spChg>
+        <pc:spChg chg="add mod">
+          <ac:chgData name="VAGNER JOSÉ DI BENEDETTO VILLELA DE ANDRADE ." userId="39095851-9987-426c-992c-64b07dc30090" providerId="ADAL" clId="{5B440EA2-DE11-412C-A505-B0319508B54D}" dt="2024-05-04T13:37:35.608" v="682" actId="1076"/>
+          <ac:spMkLst>
+            <pc:docMk/>
+            <pc:sldMk cId="53127966" sldId="258"/>
+            <ac:spMk id="15" creationId="{7AE60127-37B0-DBA1-1337-4D79A0CD6557}"/>
+          </ac:spMkLst>
+        </pc:spChg>
+        <pc:spChg chg="add mod">
+          <ac:chgData name="VAGNER JOSÉ DI BENEDETTO VILLELA DE ANDRADE ." userId="39095851-9987-426c-992c-64b07dc30090" providerId="ADAL" clId="{5B440EA2-DE11-412C-A505-B0319508B54D}" dt="2024-05-04T13:38:31.247" v="692" actId="1076"/>
+          <ac:spMkLst>
+            <pc:docMk/>
+            <pc:sldMk cId="53127966" sldId="258"/>
+            <ac:spMk id="16" creationId="{6ACF3904-1EFF-12EA-8577-2DA04B669099}"/>
+          </ac:spMkLst>
+        </pc:spChg>
+        <pc:picChg chg="add del mod">
+          <ac:chgData name="VAGNER JOSÉ DI BENEDETTO VILLELA DE ANDRADE ." userId="39095851-9987-426c-992c-64b07dc30090" providerId="ADAL" clId="{5B440EA2-DE11-412C-A505-B0319508B54D}" dt="2024-05-04T13:26:41.602" v="532" actId="478"/>
+          <ac:picMkLst>
+            <pc:docMk/>
+            <pc:sldMk cId="53127966" sldId="258"/>
+            <ac:picMk id="5" creationId="{41338202-B35F-86F0-0177-007FD1582F2E}"/>
+          </ac:picMkLst>
+        </pc:picChg>
+        <pc:picChg chg="add del mod">
+          <ac:chgData name="VAGNER JOSÉ DI BENEDETTO VILLELA DE ANDRADE ." userId="39095851-9987-426c-992c-64b07dc30090" providerId="ADAL" clId="{5B440EA2-DE11-412C-A505-B0319508B54D}" dt="2024-05-04T13:26:47.645" v="534" actId="478"/>
+          <ac:picMkLst>
+            <pc:docMk/>
+            <pc:sldMk cId="53127966" sldId="258"/>
+            <ac:picMk id="6" creationId="{CDE9AF5F-B5D3-5431-68E1-5E21D151CEFD}"/>
+          </ac:picMkLst>
+        </pc:picChg>
+        <pc:picChg chg="add del mod">
+          <ac:chgData name="VAGNER JOSÉ DI BENEDETTO VILLELA DE ANDRADE ." userId="39095851-9987-426c-992c-64b07dc30090" providerId="ADAL" clId="{5B440EA2-DE11-412C-A505-B0319508B54D}" dt="2024-05-04T13:26:45.234" v="533" actId="478"/>
+          <ac:picMkLst>
+            <pc:docMk/>
+            <pc:sldMk cId="53127966" sldId="258"/>
+            <ac:picMk id="7" creationId="{91FFC547-D56D-50EA-31B2-C4538DD8D377}"/>
+          </ac:picMkLst>
+        </pc:picChg>
+        <pc:picChg chg="add mod">
+          <ac:chgData name="VAGNER JOSÉ DI BENEDETTO VILLELA DE ANDRADE ." userId="39095851-9987-426c-992c-64b07dc30090" providerId="ADAL" clId="{5B440EA2-DE11-412C-A505-B0319508B54D}" dt="2024-05-04T13:37:35.608" v="682" actId="1076"/>
+          <ac:picMkLst>
+            <pc:docMk/>
+            <pc:sldMk cId="53127966" sldId="258"/>
+            <ac:picMk id="10" creationId="{38166DD5-B561-E941-B9DF-B7A5CFF0422C}"/>
+          </ac:picMkLst>
+        </pc:picChg>
+        <pc:picChg chg="add mod">
+          <ac:chgData name="VAGNER JOSÉ DI BENEDETTO VILLELA DE ANDRADE ." userId="39095851-9987-426c-992c-64b07dc30090" providerId="ADAL" clId="{5B440EA2-DE11-412C-A505-B0319508B54D}" dt="2024-05-04T13:37:35.608" v="682" actId="1076"/>
+          <ac:picMkLst>
+            <pc:docMk/>
+            <pc:sldMk cId="53127966" sldId="258"/>
+            <ac:picMk id="12" creationId="{7923D9CC-8864-F46E-68B5-1C96138C1508}"/>
+          </ac:picMkLst>
+        </pc:picChg>
+        <pc:picChg chg="add mod">
+          <ac:chgData name="VAGNER JOSÉ DI BENEDETTO VILLELA DE ANDRADE ." userId="39095851-9987-426c-992c-64b07dc30090" providerId="ADAL" clId="{5B440EA2-DE11-412C-A505-B0319508B54D}" dt="2024-05-04T13:37:35.608" v="682" actId="1076"/>
+          <ac:picMkLst>
+            <pc:docMk/>
+            <pc:sldMk cId="53127966" sldId="258"/>
+            <ac:picMk id="14" creationId="{E9F3F5D2-3972-8075-51D6-085620EFBB7D}"/>
+          </ac:picMkLst>
+        </pc:picChg>
+        <pc:picChg chg="add mod">
+          <ac:chgData name="VAGNER JOSÉ DI BENEDETTO VILLELA DE ANDRADE ." userId="39095851-9987-426c-992c-64b07dc30090" providerId="ADAL" clId="{5B440EA2-DE11-412C-A505-B0319508B54D}" dt="2024-05-04T13:37:35.608" v="682" actId="1076"/>
+          <ac:picMkLst>
+            <pc:docMk/>
+            <pc:sldMk cId="53127966" sldId="258"/>
+            <ac:picMk id="1026" creationId="{A4B7FC50-3CF9-2392-5CED-4A22B3985719}"/>
+          </ac:picMkLst>
+        </pc:picChg>
+        <pc:picChg chg="add mod">
+          <ac:chgData name="VAGNER JOSÉ DI BENEDETTO VILLELA DE ANDRADE ." userId="39095851-9987-426c-992c-64b07dc30090" providerId="ADAL" clId="{5B440EA2-DE11-412C-A505-B0319508B54D}" dt="2024-05-04T13:37:35.608" v="682" actId="1076"/>
+          <ac:picMkLst>
+            <pc:docMk/>
+            <pc:sldMk cId="53127966" sldId="258"/>
+            <ac:picMk id="1028" creationId="{B01FDC99-A2BA-A7F5-027F-D811DE509FC7}"/>
+          </ac:picMkLst>
+        </pc:picChg>
+        <pc:picChg chg="add mod">
+          <ac:chgData name="VAGNER JOSÉ DI BENEDETTO VILLELA DE ANDRADE ." userId="39095851-9987-426c-992c-64b07dc30090" providerId="ADAL" clId="{5B440EA2-DE11-412C-A505-B0319508B54D}" dt="2024-05-04T13:24:52.922" v="442"/>
+          <ac:picMkLst>
+            <pc:docMk/>
+            <pc:sldMk cId="53127966" sldId="258"/>
+            <ac:picMk id="1030" creationId="{90B70726-94FE-4B9D-DE1C-15526A247B55}"/>
+          </ac:picMkLst>
+        </pc:picChg>
+        <pc:picChg chg="add mod">
+          <ac:chgData name="VAGNER JOSÉ DI BENEDETTO VILLELA DE ANDRADE ." userId="39095851-9987-426c-992c-64b07dc30090" providerId="ADAL" clId="{5B440EA2-DE11-412C-A505-B0319508B54D}" dt="2024-05-04T13:24:52.667" v="441"/>
+          <ac:picMkLst>
+            <pc:docMk/>
+            <pc:sldMk cId="53127966" sldId="258"/>
+            <ac:picMk id="1032" creationId="{06A63FA0-0AA8-DBF1-F824-826A6B1858AE}"/>
+          </ac:picMkLst>
+        </pc:picChg>
+        <pc:picChg chg="add mod">
+          <ac:chgData name="VAGNER JOSÉ DI BENEDETTO VILLELA DE ANDRADE ." userId="39095851-9987-426c-992c-64b07dc30090" providerId="ADAL" clId="{5B440EA2-DE11-412C-A505-B0319508B54D}" dt="2024-05-04T13:24:52.422" v="440"/>
+          <ac:picMkLst>
+            <pc:docMk/>
+            <pc:sldMk cId="53127966" sldId="258"/>
+            <ac:picMk id="1034" creationId="{8B74B3F5-897F-6047-B907-855974322EEA}"/>
+          </ac:picMkLst>
+        </pc:picChg>
+      </pc:sldChg>
     </pc:docChg>
   </pc:docChgLst>
 </pc:chgInfo>
@@ -579,7 +752,7 @@
           <a:p>
             <a:fld id="{C593B007-2F9B-4FAC-9C9C-D9E65130C08A}" type="datetimeFigureOut">
               <a:rPr lang="pt-BR" smtClean="0"/>
-              <a:t>02/05/2024</a:t>
+              <a:t>04/05/2024</a:t>
             </a:fld>
             <a:endParaRPr lang="pt-BR"/>
           </a:p>
@@ -777,7 +950,7 @@
           <a:p>
             <a:fld id="{C593B007-2F9B-4FAC-9C9C-D9E65130C08A}" type="datetimeFigureOut">
               <a:rPr lang="pt-BR" smtClean="0"/>
-              <a:t>02/05/2024</a:t>
+              <a:t>04/05/2024</a:t>
             </a:fld>
             <a:endParaRPr lang="pt-BR"/>
           </a:p>
@@ -985,7 +1158,7 @@
           <a:p>
             <a:fld id="{C593B007-2F9B-4FAC-9C9C-D9E65130C08A}" type="datetimeFigureOut">
               <a:rPr lang="pt-BR" smtClean="0"/>
-              <a:t>02/05/2024</a:t>
+              <a:t>04/05/2024</a:t>
             </a:fld>
             <a:endParaRPr lang="pt-BR"/>
           </a:p>
@@ -1183,7 +1356,7 @@
           <a:p>
             <a:fld id="{C593B007-2F9B-4FAC-9C9C-D9E65130C08A}" type="datetimeFigureOut">
               <a:rPr lang="pt-BR" smtClean="0"/>
-              <a:t>02/05/2024</a:t>
+              <a:t>04/05/2024</a:t>
             </a:fld>
             <a:endParaRPr lang="pt-BR"/>
           </a:p>
@@ -1458,7 +1631,7 @@
           <a:p>
             <a:fld id="{C593B007-2F9B-4FAC-9C9C-D9E65130C08A}" type="datetimeFigureOut">
               <a:rPr lang="pt-BR" smtClean="0"/>
-              <a:t>02/05/2024</a:t>
+              <a:t>04/05/2024</a:t>
             </a:fld>
             <a:endParaRPr lang="pt-BR"/>
           </a:p>
@@ -1723,7 +1896,7 @@
           <a:p>
             <a:fld id="{C593B007-2F9B-4FAC-9C9C-D9E65130C08A}" type="datetimeFigureOut">
               <a:rPr lang="pt-BR" smtClean="0"/>
-              <a:t>02/05/2024</a:t>
+              <a:t>04/05/2024</a:t>
             </a:fld>
             <a:endParaRPr lang="pt-BR"/>
           </a:p>
@@ -2135,7 +2308,7 @@
           <a:p>
             <a:fld id="{C593B007-2F9B-4FAC-9C9C-D9E65130C08A}" type="datetimeFigureOut">
               <a:rPr lang="pt-BR" smtClean="0"/>
-              <a:t>02/05/2024</a:t>
+              <a:t>04/05/2024</a:t>
             </a:fld>
             <a:endParaRPr lang="pt-BR"/>
           </a:p>
@@ -2276,7 +2449,7 @@
           <a:p>
             <a:fld id="{C593B007-2F9B-4FAC-9C9C-D9E65130C08A}" type="datetimeFigureOut">
               <a:rPr lang="pt-BR" smtClean="0"/>
-              <a:t>02/05/2024</a:t>
+              <a:t>04/05/2024</a:t>
             </a:fld>
             <a:endParaRPr lang="pt-BR"/>
           </a:p>
@@ -2389,7 +2562,7 @@
           <a:p>
             <a:fld id="{C593B007-2F9B-4FAC-9C9C-D9E65130C08A}" type="datetimeFigureOut">
               <a:rPr lang="pt-BR" smtClean="0"/>
-              <a:t>02/05/2024</a:t>
+              <a:t>04/05/2024</a:t>
             </a:fld>
             <a:endParaRPr lang="pt-BR"/>
           </a:p>
@@ -2700,7 +2873,7 @@
           <a:p>
             <a:fld id="{C593B007-2F9B-4FAC-9C9C-D9E65130C08A}" type="datetimeFigureOut">
               <a:rPr lang="pt-BR" smtClean="0"/>
-              <a:t>02/05/2024</a:t>
+              <a:t>04/05/2024</a:t>
             </a:fld>
             <a:endParaRPr lang="pt-BR"/>
           </a:p>
@@ -2988,7 +3161,7 @@
           <a:p>
             <a:fld id="{C593B007-2F9B-4FAC-9C9C-D9E65130C08A}" type="datetimeFigureOut">
               <a:rPr lang="pt-BR" smtClean="0"/>
-              <a:t>02/05/2024</a:t>
+              <a:t>04/05/2024</a:t>
             </a:fld>
             <a:endParaRPr lang="pt-BR"/>
           </a:p>
@@ -3229,7 +3402,7 @@
           <a:p>
             <a:fld id="{C593B007-2F9B-4FAC-9C9C-D9E65130C08A}" type="datetimeFigureOut">
               <a:rPr lang="pt-BR" smtClean="0"/>
-              <a:t>02/05/2024</a:t>
+              <a:t>04/05/2024</a:t>
             </a:fld>
             <a:endParaRPr lang="pt-BR"/>
           </a:p>
@@ -4600,6 +4773,619 @@
 </p:sld>
 </file>
 
+<file path=ppt/slides/slide3.xml><?xml version="1.0" encoding="utf-8"?>
+<p:sld xmlns:a="http://schemas.openxmlformats.org/drawingml/2006/main" xmlns:r="http://schemas.openxmlformats.org/officeDocument/2006/relationships" xmlns:p="http://schemas.openxmlformats.org/presentationml/2006/main">
+  <p:cSld>
+    <p:spTree>
+      <p:nvGrpSpPr>
+        <p:cNvPr id="1" name=""/>
+        <p:cNvGrpSpPr/>
+        <p:nvPr/>
+      </p:nvGrpSpPr>
+      <p:grpSpPr>
+        <a:xfrm>
+          <a:off x="0" y="0"/>
+          <a:ext cx="0" cy="0"/>
+          <a:chOff x="0" y="0"/>
+          <a:chExt cx="0" cy="0"/>
+        </a:xfrm>
+      </p:grpSpPr>
+      <p:sp>
+        <p:nvSpPr>
+          <p:cNvPr id="2" name="Título 1">
+            <a:extLst>
+              <a:ext uri="{FF2B5EF4-FFF2-40B4-BE49-F238E27FC236}">
+                <a16:creationId xmlns:a16="http://schemas.microsoft.com/office/drawing/2014/main" id="{4513B46C-8276-1518-93A5-526E041946FC}"/>
+              </a:ext>
+            </a:extLst>
+          </p:cNvPr>
+          <p:cNvSpPr>
+            <a:spLocks noGrp="1"/>
+          </p:cNvSpPr>
+          <p:nvPr>
+            <p:ph type="title"/>
+          </p:nvPr>
+        </p:nvSpPr>
+        <p:spPr/>
+        <p:txBody>
+          <a:bodyPr/>
+          <a:lstStyle/>
+          <a:p>
+            <a:r>
+              <a:rPr lang="pt-BR" dirty="0"/>
+              <a:t>Metodologia e Organização</a:t>
+            </a:r>
+          </a:p>
+        </p:txBody>
+      </p:sp>
+      <p:sp>
+        <p:nvSpPr>
+          <p:cNvPr id="3" name="Espaço Reservado para Conteúdo 2">
+            <a:extLst>
+              <a:ext uri="{FF2B5EF4-FFF2-40B4-BE49-F238E27FC236}">
+                <a16:creationId xmlns:a16="http://schemas.microsoft.com/office/drawing/2014/main" id="{5161CDC8-FF07-0AD5-6381-DD5D23BA23D4}"/>
+              </a:ext>
+            </a:extLst>
+          </p:cNvPr>
+          <p:cNvSpPr>
+            <a:spLocks noGrp="1"/>
+          </p:cNvSpPr>
+          <p:nvPr>
+            <p:ph idx="1"/>
+          </p:nvPr>
+        </p:nvSpPr>
+        <p:spPr>
+          <a:xfrm>
+            <a:off x="1001593" y="1605782"/>
+            <a:ext cx="3350051" cy="4887093"/>
+          </a:xfrm>
+        </p:spPr>
+        <p:txBody>
+          <a:bodyPr>
+            <a:normAutofit/>
+          </a:bodyPr>
+          <a:lstStyle/>
+          <a:p>
+            <a:pPr marL="0" indent="0">
+              <a:buNone/>
+            </a:pPr>
+            <a:r>
+              <a:rPr lang="pt-BR" sz="6000" dirty="0"/>
+              <a:t>SCRUM:</a:t>
+            </a:r>
+          </a:p>
+          <a:p>
+            <a:r>
+              <a:rPr lang="pt-BR" sz="2000" dirty="0"/>
+              <a:t>Daily</a:t>
+            </a:r>
+          </a:p>
+          <a:p>
+            <a:r>
+              <a:rPr lang="pt-BR" sz="2000" dirty="0"/>
+              <a:t>Sprints</a:t>
+            </a:r>
+          </a:p>
+          <a:p>
+            <a:r>
+              <a:rPr lang="pt-BR" sz="2000" dirty="0"/>
+              <a:t>Sprint Planning</a:t>
+            </a:r>
+          </a:p>
+          <a:p>
+            <a:r>
+              <a:rPr lang="pt-BR" sz="2000" dirty="0"/>
+              <a:t>Sprint </a:t>
+            </a:r>
+            <a:r>
+              <a:rPr lang="pt-BR" sz="2000" dirty="0" err="1"/>
+              <a:t>Retrospective</a:t>
+            </a:r>
+            <a:endParaRPr lang="pt-BR" sz="2000" dirty="0"/>
+          </a:p>
+          <a:p>
+            <a:endParaRPr lang="pt-BR" sz="1800" dirty="0"/>
+          </a:p>
+          <a:p>
+            <a:pPr marL="0" indent="0">
+              <a:buNone/>
+            </a:pPr>
+            <a:endParaRPr lang="pt-BR" sz="1800" dirty="0"/>
+          </a:p>
+        </p:txBody>
+      </p:sp>
+      <p:pic>
+        <p:nvPicPr>
+          <p:cNvPr id="1026" name="Picture 2">
+            <a:extLst>
+              <a:ext uri="{FF2B5EF4-FFF2-40B4-BE49-F238E27FC236}">
+                <a16:creationId xmlns:a16="http://schemas.microsoft.com/office/drawing/2014/main" id="{A4B7FC50-3CF9-2392-5CED-4A22B3985719}"/>
+              </a:ext>
+            </a:extLst>
+          </p:cNvPr>
+          <p:cNvPicPr>
+            <a:picLocks noChangeAspect="1" noChangeArrowheads="1"/>
+          </p:cNvPicPr>
+          <p:nvPr/>
+        </p:nvPicPr>
+        <p:blipFill>
+          <a:blip r:embed="rId2">
+            <a:extLst>
+              <a:ext uri="{28A0092B-C50C-407E-A947-70E740481C1C}">
+                <a14:useLocalDpi xmlns:a14="http://schemas.microsoft.com/office/drawing/2010/main" val="0"/>
+              </a:ext>
+            </a:extLst>
+          </a:blip>
+          <a:srcRect/>
+          <a:stretch>
+            <a:fillRect/>
+          </a:stretch>
+        </p:blipFill>
+        <p:spPr bwMode="auto">
+          <a:xfrm>
+            <a:off x="7389059" y="1312312"/>
+            <a:ext cx="1182963" cy="1182963"/>
+          </a:xfrm>
+          <a:prstGeom prst="rect">
+            <a:avLst/>
+          </a:prstGeom>
+          <a:noFill/>
+          <a:extLst>
+            <a:ext uri="{909E8E84-426E-40DD-AFC4-6F175D3DCCD1}">
+              <a14:hiddenFill xmlns:a14="http://schemas.microsoft.com/office/drawing/2010/main">
+                <a:solidFill>
+                  <a:srgbClr val="FFFFFF"/>
+                </a:solidFill>
+              </a14:hiddenFill>
+            </a:ext>
+          </a:extLst>
+        </p:spPr>
+      </p:pic>
+      <p:sp>
+        <p:nvSpPr>
+          <p:cNvPr id="4" name="CaixaDeTexto 3">
+            <a:extLst>
+              <a:ext uri="{FF2B5EF4-FFF2-40B4-BE49-F238E27FC236}">
+                <a16:creationId xmlns:a16="http://schemas.microsoft.com/office/drawing/2014/main" id="{69653506-C7EF-3417-0623-767B75632118}"/>
+              </a:ext>
+            </a:extLst>
+          </p:cNvPr>
+          <p:cNvSpPr txBox="1"/>
+          <p:nvPr/>
+        </p:nvSpPr>
+        <p:spPr>
+          <a:xfrm>
+            <a:off x="8546569" y="1401063"/>
+            <a:ext cx="3062868" cy="1015663"/>
+          </a:xfrm>
+          <a:prstGeom prst="rect">
+            <a:avLst/>
+          </a:prstGeom>
+          <a:noFill/>
+        </p:spPr>
+        <p:txBody>
+          <a:bodyPr wrap="square" rtlCol="0">
+            <a:spAutoFit/>
+          </a:bodyPr>
+          <a:lstStyle/>
+          <a:p>
+            <a:r>
+              <a:rPr lang="pt-BR" sz="6000" dirty="0"/>
+              <a:t>GitHub</a:t>
+            </a:r>
+            <a:endParaRPr lang="pt-BR" sz="4400" dirty="0"/>
+          </a:p>
+        </p:txBody>
+      </p:sp>
+      <p:pic>
+        <p:nvPicPr>
+          <p:cNvPr id="1028" name="Picture 4" descr="Pasta - ícones de arquivos e pastas grátis">
+            <a:extLst>
+              <a:ext uri="{FF2B5EF4-FFF2-40B4-BE49-F238E27FC236}">
+                <a16:creationId xmlns:a16="http://schemas.microsoft.com/office/drawing/2014/main" id="{B01FDC99-A2BA-A7F5-027F-D811DE509FC7}"/>
+              </a:ext>
+            </a:extLst>
+          </p:cNvPr>
+          <p:cNvPicPr>
+            <a:picLocks noChangeAspect="1" noChangeArrowheads="1"/>
+          </p:cNvPicPr>
+          <p:nvPr/>
+        </p:nvPicPr>
+        <p:blipFill>
+          <a:blip r:embed="rId3">
+            <a:extLst>
+              <a:ext uri="{28A0092B-C50C-407E-A947-70E740481C1C}">
+                <a14:useLocalDpi xmlns:a14="http://schemas.microsoft.com/office/drawing/2010/main" val="0"/>
+              </a:ext>
+            </a:extLst>
+          </a:blip>
+          <a:srcRect/>
+          <a:stretch>
+            <a:fillRect/>
+          </a:stretch>
+        </p:blipFill>
+        <p:spPr bwMode="auto">
+          <a:xfrm>
+            <a:off x="7846029" y="2661894"/>
+            <a:ext cx="442565" cy="442565"/>
+          </a:xfrm>
+          <a:prstGeom prst="rect">
+            <a:avLst/>
+          </a:prstGeom>
+          <a:noFill/>
+          <a:extLst>
+            <a:ext uri="{909E8E84-426E-40DD-AFC4-6F175D3DCCD1}">
+              <a14:hiddenFill xmlns:a14="http://schemas.microsoft.com/office/drawing/2010/main">
+                <a:solidFill>
+                  <a:srgbClr val="FFFFFF"/>
+                </a:solidFill>
+              </a14:hiddenFill>
+            </a:ext>
+          </a:extLst>
+        </p:spPr>
+      </p:pic>
+      <p:sp>
+        <p:nvSpPr>
+          <p:cNvPr id="8" name="CaixaDeTexto 7">
+            <a:extLst>
+              <a:ext uri="{FF2B5EF4-FFF2-40B4-BE49-F238E27FC236}">
+                <a16:creationId xmlns:a16="http://schemas.microsoft.com/office/drawing/2014/main" id="{C3369C1D-136B-54E8-3981-7C2EDC2AFA7F}"/>
+              </a:ext>
+            </a:extLst>
+          </p:cNvPr>
+          <p:cNvSpPr txBox="1"/>
+          <p:nvPr/>
+        </p:nvSpPr>
+        <p:spPr>
+          <a:xfrm>
+            <a:off x="8406582" y="2661329"/>
+            <a:ext cx="2519921" cy="461665"/>
+          </a:xfrm>
+          <a:prstGeom prst="rect">
+            <a:avLst/>
+          </a:prstGeom>
+          <a:noFill/>
+        </p:spPr>
+        <p:txBody>
+          <a:bodyPr wrap="none" rtlCol="0">
+            <a:spAutoFit/>
+          </a:bodyPr>
+          <a:lstStyle/>
+          <a:p>
+            <a:r>
+              <a:rPr lang="pt-BR" sz="2400" dirty="0" err="1"/>
+              <a:t>Banco_de_Dados</a:t>
+            </a:r>
+            <a:endParaRPr lang="pt-BR" dirty="0"/>
+          </a:p>
+        </p:txBody>
+      </p:sp>
+      <p:pic>
+        <p:nvPicPr>
+          <p:cNvPr id="10" name="Picture 4" descr="Pasta - ícones de arquivos e pastas grátis">
+            <a:extLst>
+              <a:ext uri="{FF2B5EF4-FFF2-40B4-BE49-F238E27FC236}">
+                <a16:creationId xmlns:a16="http://schemas.microsoft.com/office/drawing/2014/main" id="{38166DD5-B561-E941-B9DF-B7A5CFF0422C}"/>
+              </a:ext>
+            </a:extLst>
+          </p:cNvPr>
+          <p:cNvPicPr>
+            <a:picLocks noChangeAspect="1" noChangeArrowheads="1"/>
+          </p:cNvPicPr>
+          <p:nvPr/>
+        </p:nvPicPr>
+        <p:blipFill>
+          <a:blip r:embed="rId3">
+            <a:extLst>
+              <a:ext uri="{28A0092B-C50C-407E-A947-70E740481C1C}">
+                <a14:useLocalDpi xmlns:a14="http://schemas.microsoft.com/office/drawing/2010/main" val="0"/>
+              </a:ext>
+            </a:extLst>
+          </a:blip>
+          <a:srcRect/>
+          <a:stretch>
+            <a:fillRect/>
+          </a:stretch>
+        </p:blipFill>
+        <p:spPr bwMode="auto">
+          <a:xfrm>
+            <a:off x="7846029" y="3482050"/>
+            <a:ext cx="442565" cy="442565"/>
+          </a:xfrm>
+          <a:prstGeom prst="rect">
+            <a:avLst/>
+          </a:prstGeom>
+          <a:noFill/>
+          <a:extLst>
+            <a:ext uri="{909E8E84-426E-40DD-AFC4-6F175D3DCCD1}">
+              <a14:hiddenFill xmlns:a14="http://schemas.microsoft.com/office/drawing/2010/main">
+                <a:solidFill>
+                  <a:srgbClr val="FFFFFF"/>
+                </a:solidFill>
+              </a14:hiddenFill>
+            </a:ext>
+          </a:extLst>
+        </p:spPr>
+      </p:pic>
+      <p:sp>
+        <p:nvSpPr>
+          <p:cNvPr id="11" name="CaixaDeTexto 10">
+            <a:extLst>
+              <a:ext uri="{FF2B5EF4-FFF2-40B4-BE49-F238E27FC236}">
+                <a16:creationId xmlns:a16="http://schemas.microsoft.com/office/drawing/2014/main" id="{F1FD733B-1603-551D-9FC5-27D724BC858D}"/>
+              </a:ext>
+            </a:extLst>
+          </p:cNvPr>
+          <p:cNvSpPr txBox="1"/>
+          <p:nvPr/>
+        </p:nvSpPr>
+        <p:spPr>
+          <a:xfrm>
+            <a:off x="8406582" y="3481485"/>
+            <a:ext cx="1911229" cy="461665"/>
+          </a:xfrm>
+          <a:prstGeom prst="rect">
+            <a:avLst/>
+          </a:prstGeom>
+          <a:noFill/>
+        </p:spPr>
+        <p:txBody>
+          <a:bodyPr wrap="none" rtlCol="0">
+            <a:spAutoFit/>
+          </a:bodyPr>
+          <a:lstStyle/>
+          <a:p>
+            <a:r>
+              <a:rPr lang="pt-BR" sz="2400" dirty="0"/>
+              <a:t>Documentos</a:t>
+            </a:r>
+            <a:endParaRPr lang="pt-BR" dirty="0"/>
+          </a:p>
+        </p:txBody>
+      </p:sp>
+      <p:pic>
+        <p:nvPicPr>
+          <p:cNvPr id="12" name="Picture 4" descr="Pasta - ícones de arquivos e pastas grátis">
+            <a:extLst>
+              <a:ext uri="{FF2B5EF4-FFF2-40B4-BE49-F238E27FC236}">
+                <a16:creationId xmlns:a16="http://schemas.microsoft.com/office/drawing/2014/main" id="{7923D9CC-8864-F46E-68B5-1C96138C1508}"/>
+              </a:ext>
+            </a:extLst>
+          </p:cNvPr>
+          <p:cNvPicPr>
+            <a:picLocks noChangeAspect="1" noChangeArrowheads="1"/>
+          </p:cNvPicPr>
+          <p:nvPr/>
+        </p:nvPicPr>
+        <p:blipFill>
+          <a:blip r:embed="rId3">
+            <a:extLst>
+              <a:ext uri="{28A0092B-C50C-407E-A947-70E740481C1C}">
+                <a14:useLocalDpi xmlns:a14="http://schemas.microsoft.com/office/drawing/2010/main" val="0"/>
+              </a:ext>
+            </a:extLst>
+          </a:blip>
+          <a:srcRect/>
+          <a:stretch>
+            <a:fillRect/>
+          </a:stretch>
+        </p:blipFill>
+        <p:spPr bwMode="auto">
+          <a:xfrm>
+            <a:off x="7851465" y="4275822"/>
+            <a:ext cx="442565" cy="442565"/>
+          </a:xfrm>
+          <a:prstGeom prst="rect">
+            <a:avLst/>
+          </a:prstGeom>
+          <a:noFill/>
+          <a:extLst>
+            <a:ext uri="{909E8E84-426E-40DD-AFC4-6F175D3DCCD1}">
+              <a14:hiddenFill xmlns:a14="http://schemas.microsoft.com/office/drawing/2010/main">
+                <a:solidFill>
+                  <a:srgbClr val="FFFFFF"/>
+                </a:solidFill>
+              </a14:hiddenFill>
+            </a:ext>
+          </a:extLst>
+        </p:spPr>
+      </p:pic>
+      <p:sp>
+        <p:nvSpPr>
+          <p:cNvPr id="13" name="CaixaDeTexto 12">
+            <a:extLst>
+              <a:ext uri="{FF2B5EF4-FFF2-40B4-BE49-F238E27FC236}">
+                <a16:creationId xmlns:a16="http://schemas.microsoft.com/office/drawing/2014/main" id="{167A2AA1-3F45-D352-67E0-D09C55F5E60F}"/>
+              </a:ext>
+            </a:extLst>
+          </p:cNvPr>
+          <p:cNvSpPr txBox="1"/>
+          <p:nvPr/>
+        </p:nvSpPr>
+        <p:spPr>
+          <a:xfrm>
+            <a:off x="8412018" y="4275257"/>
+            <a:ext cx="2120260" cy="461665"/>
+          </a:xfrm>
+          <a:prstGeom prst="rect">
+            <a:avLst/>
+          </a:prstGeom>
+          <a:noFill/>
+        </p:spPr>
+        <p:txBody>
+          <a:bodyPr wrap="none" rtlCol="0">
+            <a:spAutoFit/>
+          </a:bodyPr>
+          <a:lstStyle/>
+          <a:p>
+            <a:r>
+              <a:rPr lang="pt-BR" sz="2400" dirty="0" err="1"/>
+              <a:t>Login_Netmed</a:t>
+            </a:r>
+            <a:endParaRPr lang="pt-BR" dirty="0"/>
+          </a:p>
+        </p:txBody>
+      </p:sp>
+      <p:pic>
+        <p:nvPicPr>
+          <p:cNvPr id="14" name="Picture 4" descr="Pasta - ícones de arquivos e pastas grátis">
+            <a:extLst>
+              <a:ext uri="{FF2B5EF4-FFF2-40B4-BE49-F238E27FC236}">
+                <a16:creationId xmlns:a16="http://schemas.microsoft.com/office/drawing/2014/main" id="{E9F3F5D2-3972-8075-51D6-085620EFBB7D}"/>
+              </a:ext>
+            </a:extLst>
+          </p:cNvPr>
+          <p:cNvPicPr>
+            <a:picLocks noChangeAspect="1" noChangeArrowheads="1"/>
+          </p:cNvPicPr>
+          <p:nvPr/>
+        </p:nvPicPr>
+        <p:blipFill>
+          <a:blip r:embed="rId3">
+            <a:extLst>
+              <a:ext uri="{28A0092B-C50C-407E-A947-70E740481C1C}">
+                <a14:useLocalDpi xmlns:a14="http://schemas.microsoft.com/office/drawing/2010/main" val="0"/>
+              </a:ext>
+            </a:extLst>
+          </a:blip>
+          <a:srcRect/>
+          <a:stretch>
+            <a:fillRect/>
+          </a:stretch>
+        </p:blipFill>
+        <p:spPr bwMode="auto">
+          <a:xfrm>
+            <a:off x="7851465" y="5115078"/>
+            <a:ext cx="442565" cy="442565"/>
+          </a:xfrm>
+          <a:prstGeom prst="rect">
+            <a:avLst/>
+          </a:prstGeom>
+          <a:noFill/>
+          <a:extLst>
+            <a:ext uri="{909E8E84-426E-40DD-AFC4-6F175D3DCCD1}">
+              <a14:hiddenFill xmlns:a14="http://schemas.microsoft.com/office/drawing/2010/main">
+                <a:solidFill>
+                  <a:srgbClr val="FFFFFF"/>
+                </a:solidFill>
+              </a14:hiddenFill>
+            </a:ext>
+          </a:extLst>
+        </p:spPr>
+      </p:pic>
+      <p:sp>
+        <p:nvSpPr>
+          <p:cNvPr id="15" name="CaixaDeTexto 14">
+            <a:extLst>
+              <a:ext uri="{FF2B5EF4-FFF2-40B4-BE49-F238E27FC236}">
+                <a16:creationId xmlns:a16="http://schemas.microsoft.com/office/drawing/2014/main" id="{7AE60127-37B0-DBA1-1337-4D79A0CD6557}"/>
+              </a:ext>
+            </a:extLst>
+          </p:cNvPr>
+          <p:cNvSpPr txBox="1"/>
+          <p:nvPr/>
+        </p:nvSpPr>
+        <p:spPr>
+          <a:xfrm>
+            <a:off x="8412018" y="5114513"/>
+            <a:ext cx="2494529" cy="461665"/>
+          </a:xfrm>
+          <a:prstGeom prst="rect">
+            <a:avLst/>
+          </a:prstGeom>
+          <a:noFill/>
+        </p:spPr>
+        <p:txBody>
+          <a:bodyPr wrap="none" rtlCol="0">
+            <a:spAutoFit/>
+          </a:bodyPr>
+          <a:lstStyle/>
+          <a:p>
+            <a:r>
+              <a:rPr lang="pt-BR" sz="2400" u="sng" dirty="0" err="1"/>
+              <a:t>Site_Institucional</a:t>
+            </a:r>
+            <a:endParaRPr lang="pt-BR" u="sng" dirty="0"/>
+          </a:p>
+        </p:txBody>
+      </p:sp>
+      <p:sp>
+        <p:nvSpPr>
+          <p:cNvPr id="16" name="CaixaDeTexto 15">
+            <a:extLst>
+              <a:ext uri="{FF2B5EF4-FFF2-40B4-BE49-F238E27FC236}">
+                <a16:creationId xmlns:a16="http://schemas.microsoft.com/office/drawing/2014/main" id="{6ACF3904-1EFF-12EA-8577-2DA04B669099}"/>
+              </a:ext>
+            </a:extLst>
+          </p:cNvPr>
+          <p:cNvSpPr txBox="1"/>
+          <p:nvPr/>
+        </p:nvSpPr>
+        <p:spPr>
+          <a:xfrm>
+            <a:off x="4686252" y="1557881"/>
+            <a:ext cx="1911229" cy="2154436"/>
+          </a:xfrm>
+          <a:prstGeom prst="rect">
+            <a:avLst/>
+          </a:prstGeom>
+          <a:noFill/>
+        </p:spPr>
+        <p:txBody>
+          <a:bodyPr wrap="square" rtlCol="0">
+            <a:spAutoFit/>
+          </a:bodyPr>
+          <a:lstStyle/>
+          <a:p>
+            <a:pPr marL="0" indent="0">
+              <a:buNone/>
+            </a:pPr>
+            <a:r>
+              <a:rPr lang="pt-BR" sz="6000" dirty="0"/>
+              <a:t>EOS:</a:t>
+            </a:r>
+          </a:p>
+          <a:p>
+            <a:pPr marL="342900" indent="-342900">
+              <a:buFont typeface="Arial" panose="020B0604020202020204" pitchFamily="34" charset="0"/>
+              <a:buChar char="•"/>
+            </a:pPr>
+            <a:r>
+              <a:rPr lang="pt-BR" sz="2000" dirty="0"/>
+              <a:t>L-10</a:t>
+            </a:r>
+          </a:p>
+          <a:p>
+            <a:pPr marL="342900" indent="-342900">
+              <a:buFont typeface="Arial" panose="020B0604020202020204" pitchFamily="34" charset="0"/>
+              <a:buChar char="•"/>
+            </a:pPr>
+            <a:r>
+              <a:rPr lang="pt-BR" sz="2000" dirty="0"/>
+              <a:t>IDS</a:t>
+            </a:r>
+          </a:p>
+          <a:p>
+            <a:endParaRPr lang="pt-BR" sz="1600" dirty="0"/>
+          </a:p>
+          <a:p>
+            <a:endParaRPr lang="pt-BR" dirty="0"/>
+          </a:p>
+        </p:txBody>
+      </p:sp>
+    </p:spTree>
+    <p:extLst>
+      <p:ext uri="{BB962C8B-B14F-4D97-AF65-F5344CB8AC3E}">
+        <p14:creationId xmlns:p14="http://schemas.microsoft.com/office/powerpoint/2010/main" val="53127966"/>
+      </p:ext>
+    </p:extLst>
+  </p:cSld>
+  <p:clrMapOvr>
+    <a:masterClrMapping/>
+  </p:clrMapOvr>
+</p:sld>
+</file>
+
 <file path=ppt/theme/theme1.xml><?xml version="1.0" encoding="utf-8"?>
 <a:theme xmlns:a="http://schemas.openxmlformats.org/drawingml/2006/main" name="Tema do Office">
   <a:themeElements>

--- a/Slides_NetMed_Sprint2.pptx
+++ b/Slides_NetMed_Sprint2.pptx
@@ -7,7 +7,15 @@
   <p:sldIdLst>
     <p:sldId id="256" r:id="rId2"/>
     <p:sldId id="257" r:id="rId3"/>
-    <p:sldId id="258" r:id="rId4"/>
+    <p:sldId id="262" r:id="rId4"/>
+    <p:sldId id="259" r:id="rId5"/>
+    <p:sldId id="263" r:id="rId6"/>
+    <p:sldId id="264" r:id="rId7"/>
+    <p:sldId id="265" r:id="rId8"/>
+    <p:sldId id="266" r:id="rId9"/>
+    <p:sldId id="267" r:id="rId10"/>
+    <p:sldId id="260" r:id="rId11"/>
+    <p:sldId id="261" r:id="rId12"/>
   </p:sldIdLst>
   <p:sldSz cx="12192000" cy="6858000"/>
   <p:notesSz cx="6858000" cy="9144000"/>
@@ -117,13 +125,863 @@
 <file path=ppt/revisionInfo.xml><?xml version="1.0" encoding="utf-8"?>
 <p1510:revInfo xmlns:a="http://schemas.openxmlformats.org/drawingml/2006/main" xmlns:r="http://schemas.openxmlformats.org/officeDocument/2006/relationships" xmlns:p1510="http://schemas.microsoft.com/office/powerpoint/2015/10/main">
   <p1510:revLst>
-    <p1510:client id="{5B440EA2-DE11-412C-A505-B0319508B54D}" v="224" dt="2024-05-04T13:38:02.963"/>
+    <p1510:client id="{8082530A-CFC6-4E58-BB3B-959648091726}" v="382" dt="2024-05-05T18:36:44.339"/>
   </p1510:revLst>
 </p1510:revInfo>
 </file>
 
 <file path=ppt/changesInfos/changesInfo1.xml><?xml version="1.0" encoding="utf-8"?>
 <pc:chgInfo xmlns:a="http://schemas.openxmlformats.org/drawingml/2006/main" xmlns:r="http://schemas.openxmlformats.org/officeDocument/2006/relationships" xmlns:ac="http://schemas.microsoft.com/office/drawing/2013/main/command" xmlns:pc="http://schemas.microsoft.com/office/powerpoint/2013/main/command">
+  <pc:docChgLst>
+    <pc:chgData name="Ketelyn Medina" userId="4342a56e1256850b" providerId="LiveId" clId="{8082530A-CFC6-4E58-BB3B-959648091726}"/>
+    <pc:docChg chg="undo custSel addSld delSld modSld sldOrd">
+      <pc:chgData name="Ketelyn Medina" userId="4342a56e1256850b" providerId="LiveId" clId="{8082530A-CFC6-4E58-BB3B-959648091726}" dt="2024-05-05T18:41:15.111" v="2019" actId="14100"/>
+      <pc:docMkLst>
+        <pc:docMk/>
+      </pc:docMkLst>
+      <pc:sldChg chg="delSp modSp mod modTransition setBg">
+        <pc:chgData name="Ketelyn Medina" userId="4342a56e1256850b" providerId="LiveId" clId="{8082530A-CFC6-4E58-BB3B-959648091726}" dt="2024-05-05T18:18:04.633" v="1045" actId="478"/>
+        <pc:sldMkLst>
+          <pc:docMk/>
+          <pc:sldMk cId="2763673367" sldId="256"/>
+        </pc:sldMkLst>
+        <pc:spChg chg="mod">
+          <ac:chgData name="Ketelyn Medina" userId="4342a56e1256850b" providerId="LiveId" clId="{8082530A-CFC6-4E58-BB3B-959648091726}" dt="2024-05-05T18:16:20.234" v="773" actId="20577"/>
+          <ac:spMkLst>
+            <pc:docMk/>
+            <pc:sldMk cId="2763673367" sldId="256"/>
+            <ac:spMk id="3" creationId="{4DDA0383-46E0-281C-8AE9-B92E84EF859C}"/>
+          </ac:spMkLst>
+        </pc:spChg>
+        <pc:spChg chg="del mod">
+          <ac:chgData name="Ketelyn Medina" userId="4342a56e1256850b" providerId="LiveId" clId="{8082530A-CFC6-4E58-BB3B-959648091726}" dt="2024-05-05T18:18:04.633" v="1045" actId="478"/>
+          <ac:spMkLst>
+            <pc:docMk/>
+            <pc:sldMk cId="2763673367" sldId="256"/>
+            <ac:spMk id="5" creationId="{F9E05431-9436-DE25-E0FC-AA20248FE1F2}"/>
+          </ac:spMkLst>
+        </pc:spChg>
+        <pc:picChg chg="mod">
+          <ac:chgData name="Ketelyn Medina" userId="4342a56e1256850b" providerId="LiveId" clId="{8082530A-CFC6-4E58-BB3B-959648091726}" dt="2024-05-05T18:17:57.352" v="1042" actId="29295"/>
+          <ac:picMkLst>
+            <pc:docMk/>
+            <pc:sldMk cId="2763673367" sldId="256"/>
+            <ac:picMk id="9" creationId="{D95693EB-31CE-4CCC-6D95-0ADBD48BD569}"/>
+          </ac:picMkLst>
+        </pc:picChg>
+      </pc:sldChg>
+      <pc:sldChg chg="modSp mod modTransition">
+        <pc:chgData name="Ketelyn Medina" userId="4342a56e1256850b" providerId="LiveId" clId="{8082530A-CFC6-4E58-BB3B-959648091726}" dt="2024-05-04T14:19:13.339" v="556"/>
+        <pc:sldMkLst>
+          <pc:docMk/>
+          <pc:sldMk cId="1293696960" sldId="257"/>
+        </pc:sldMkLst>
+        <pc:spChg chg="mod">
+          <ac:chgData name="Ketelyn Medina" userId="4342a56e1256850b" providerId="LiveId" clId="{8082530A-CFC6-4E58-BB3B-959648091726}" dt="2024-05-04T14:17:03.552" v="544" actId="27636"/>
+          <ac:spMkLst>
+            <pc:docMk/>
+            <pc:sldMk cId="1293696960" sldId="257"/>
+            <ac:spMk id="2" creationId="{20C3634F-5961-75A1-7A12-38E0737A4070}"/>
+          </ac:spMkLst>
+        </pc:spChg>
+      </pc:sldChg>
+      <pc:sldChg chg="addSp delSp modSp del mod ord">
+        <pc:chgData name="Ketelyn Medina" userId="4342a56e1256850b" providerId="LiveId" clId="{8082530A-CFC6-4E58-BB3B-959648091726}" dt="2024-05-05T18:22:54.507" v="1118" actId="47"/>
+        <pc:sldMkLst>
+          <pc:docMk/>
+          <pc:sldMk cId="53127966" sldId="258"/>
+        </pc:sldMkLst>
+        <pc:spChg chg="mod">
+          <ac:chgData name="Ketelyn Medina" userId="4342a56e1256850b" providerId="LiveId" clId="{8082530A-CFC6-4E58-BB3B-959648091726}" dt="2024-05-04T13:45:11.865" v="2" actId="14100"/>
+          <ac:spMkLst>
+            <pc:docMk/>
+            <pc:sldMk cId="53127966" sldId="258"/>
+            <ac:spMk id="2" creationId="{4513B46C-8276-1518-93A5-526E041946FC}"/>
+          </ac:spMkLst>
+        </pc:spChg>
+        <pc:spChg chg="mod">
+          <ac:chgData name="Ketelyn Medina" userId="4342a56e1256850b" providerId="LiveId" clId="{8082530A-CFC6-4E58-BB3B-959648091726}" dt="2024-05-04T13:45:35.827" v="3" actId="2711"/>
+          <ac:spMkLst>
+            <pc:docMk/>
+            <pc:sldMk cId="53127966" sldId="258"/>
+            <ac:spMk id="3" creationId="{5161CDC8-FF07-0AD5-6381-DD5D23BA23D4}"/>
+          </ac:spMkLst>
+        </pc:spChg>
+        <pc:spChg chg="mod">
+          <ac:chgData name="Ketelyn Medina" userId="4342a56e1256850b" providerId="LiveId" clId="{8082530A-CFC6-4E58-BB3B-959648091726}" dt="2024-05-04T13:45:58.556" v="6" actId="2711"/>
+          <ac:spMkLst>
+            <pc:docMk/>
+            <pc:sldMk cId="53127966" sldId="258"/>
+            <ac:spMk id="4" creationId="{69653506-C7EF-3417-0623-767B75632118}"/>
+          </ac:spMkLst>
+        </pc:spChg>
+        <pc:spChg chg="add del">
+          <ac:chgData name="Ketelyn Medina" userId="4342a56e1256850b" providerId="LiveId" clId="{8082530A-CFC6-4E58-BB3B-959648091726}" dt="2024-05-04T13:46:48.953" v="12" actId="22"/>
+          <ac:spMkLst>
+            <pc:docMk/>
+            <pc:sldMk cId="53127966" sldId="258"/>
+            <ac:spMk id="6" creationId="{6F42A4BD-0916-3E5A-6FF4-59183A5BD582}"/>
+          </ac:spMkLst>
+        </pc:spChg>
+        <pc:spChg chg="mod">
+          <ac:chgData name="Ketelyn Medina" userId="4342a56e1256850b" providerId="LiveId" clId="{8082530A-CFC6-4E58-BB3B-959648091726}" dt="2024-05-04T13:46:15.369" v="7" actId="2711"/>
+          <ac:spMkLst>
+            <pc:docMk/>
+            <pc:sldMk cId="53127966" sldId="258"/>
+            <ac:spMk id="8" creationId="{C3369C1D-136B-54E8-3981-7C2EDC2AFA7F}"/>
+          </ac:spMkLst>
+        </pc:spChg>
+        <pc:spChg chg="mod">
+          <ac:chgData name="Ketelyn Medina" userId="4342a56e1256850b" providerId="LiveId" clId="{8082530A-CFC6-4E58-BB3B-959648091726}" dt="2024-05-04T13:46:20.335" v="8" actId="2711"/>
+          <ac:spMkLst>
+            <pc:docMk/>
+            <pc:sldMk cId="53127966" sldId="258"/>
+            <ac:spMk id="11" creationId="{F1FD733B-1603-551D-9FC5-27D724BC858D}"/>
+          </ac:spMkLst>
+        </pc:spChg>
+        <pc:spChg chg="mod">
+          <ac:chgData name="Ketelyn Medina" userId="4342a56e1256850b" providerId="LiveId" clId="{8082530A-CFC6-4E58-BB3B-959648091726}" dt="2024-05-04T13:46:31.811" v="9" actId="2711"/>
+          <ac:spMkLst>
+            <pc:docMk/>
+            <pc:sldMk cId="53127966" sldId="258"/>
+            <ac:spMk id="13" creationId="{167A2AA1-3F45-D352-67E0-D09C55F5E60F}"/>
+          </ac:spMkLst>
+        </pc:spChg>
+        <pc:spChg chg="mod">
+          <ac:chgData name="Ketelyn Medina" userId="4342a56e1256850b" providerId="LiveId" clId="{8082530A-CFC6-4E58-BB3B-959648091726}" dt="2024-05-04T13:46:39.699" v="10" actId="2711"/>
+          <ac:spMkLst>
+            <pc:docMk/>
+            <pc:sldMk cId="53127966" sldId="258"/>
+            <ac:spMk id="15" creationId="{7AE60127-37B0-DBA1-1337-4D79A0CD6557}"/>
+          </ac:spMkLst>
+        </pc:spChg>
+        <pc:spChg chg="mod">
+          <ac:chgData name="Ketelyn Medina" userId="4342a56e1256850b" providerId="LiveId" clId="{8082530A-CFC6-4E58-BB3B-959648091726}" dt="2024-05-04T13:45:49.525" v="5" actId="14100"/>
+          <ac:spMkLst>
+            <pc:docMk/>
+            <pc:sldMk cId="53127966" sldId="258"/>
+            <ac:spMk id="16" creationId="{6ACF3904-1EFF-12EA-8577-2DA04B669099}"/>
+          </ac:spMkLst>
+        </pc:spChg>
+      </pc:sldChg>
+      <pc:sldChg chg="addSp modSp add mod ord">
+        <pc:chgData name="Ketelyn Medina" userId="4342a56e1256850b" providerId="LiveId" clId="{8082530A-CFC6-4E58-BB3B-959648091726}" dt="2024-05-05T18:22:41.119" v="1117" actId="404"/>
+        <pc:sldMkLst>
+          <pc:docMk/>
+          <pc:sldMk cId="3053839141" sldId="259"/>
+        </pc:sldMkLst>
+        <pc:spChg chg="mod">
+          <ac:chgData name="Ketelyn Medina" userId="4342a56e1256850b" providerId="LiveId" clId="{8082530A-CFC6-4E58-BB3B-959648091726}" dt="2024-05-05T18:22:41.119" v="1117" actId="404"/>
+          <ac:spMkLst>
+            <pc:docMk/>
+            <pc:sldMk cId="3053839141" sldId="259"/>
+            <ac:spMk id="2" creationId="{4513B46C-8276-1518-93A5-526E041946FC}"/>
+          </ac:spMkLst>
+        </pc:spChg>
+        <pc:spChg chg="mod">
+          <ac:chgData name="Ketelyn Medina" userId="4342a56e1256850b" providerId="LiveId" clId="{8082530A-CFC6-4E58-BB3B-959648091726}" dt="2024-05-05T18:22:20.054" v="1112" actId="1076"/>
+          <ac:spMkLst>
+            <pc:docMk/>
+            <pc:sldMk cId="3053839141" sldId="259"/>
+            <ac:spMk id="3" creationId="{5161CDC8-FF07-0AD5-6381-DD5D23BA23D4}"/>
+          </ac:spMkLst>
+        </pc:spChg>
+        <pc:spChg chg="mod">
+          <ac:chgData name="Ketelyn Medina" userId="4342a56e1256850b" providerId="LiveId" clId="{8082530A-CFC6-4E58-BB3B-959648091726}" dt="2024-05-05T18:22:05.342" v="1110" actId="1076"/>
+          <ac:spMkLst>
+            <pc:docMk/>
+            <pc:sldMk cId="3053839141" sldId="259"/>
+            <ac:spMk id="4" creationId="{69653506-C7EF-3417-0623-767B75632118}"/>
+          </ac:spMkLst>
+        </pc:spChg>
+        <pc:spChg chg="mod">
+          <ac:chgData name="Ketelyn Medina" userId="4342a56e1256850b" providerId="LiveId" clId="{8082530A-CFC6-4E58-BB3B-959648091726}" dt="2024-05-05T18:22:05.342" v="1110" actId="1076"/>
+          <ac:spMkLst>
+            <pc:docMk/>
+            <pc:sldMk cId="3053839141" sldId="259"/>
+            <ac:spMk id="8" creationId="{C3369C1D-136B-54E8-3981-7C2EDC2AFA7F}"/>
+          </ac:spMkLst>
+        </pc:spChg>
+        <pc:spChg chg="mod">
+          <ac:chgData name="Ketelyn Medina" userId="4342a56e1256850b" providerId="LiveId" clId="{8082530A-CFC6-4E58-BB3B-959648091726}" dt="2024-05-05T18:22:05.342" v="1110" actId="1076"/>
+          <ac:spMkLst>
+            <pc:docMk/>
+            <pc:sldMk cId="3053839141" sldId="259"/>
+            <ac:spMk id="11" creationId="{F1FD733B-1603-551D-9FC5-27D724BC858D}"/>
+          </ac:spMkLst>
+        </pc:spChg>
+        <pc:spChg chg="mod">
+          <ac:chgData name="Ketelyn Medina" userId="4342a56e1256850b" providerId="LiveId" clId="{8082530A-CFC6-4E58-BB3B-959648091726}" dt="2024-05-05T18:22:05.342" v="1110" actId="1076"/>
+          <ac:spMkLst>
+            <pc:docMk/>
+            <pc:sldMk cId="3053839141" sldId="259"/>
+            <ac:spMk id="13" creationId="{167A2AA1-3F45-D352-67E0-D09C55F5E60F}"/>
+          </ac:spMkLst>
+        </pc:spChg>
+        <pc:spChg chg="mod">
+          <ac:chgData name="Ketelyn Medina" userId="4342a56e1256850b" providerId="LiveId" clId="{8082530A-CFC6-4E58-BB3B-959648091726}" dt="2024-05-05T18:22:05.342" v="1110" actId="1076"/>
+          <ac:spMkLst>
+            <pc:docMk/>
+            <pc:sldMk cId="3053839141" sldId="259"/>
+            <ac:spMk id="15" creationId="{7AE60127-37B0-DBA1-1337-4D79A0CD6557}"/>
+          </ac:spMkLst>
+        </pc:spChg>
+        <pc:spChg chg="mod">
+          <ac:chgData name="Ketelyn Medina" userId="4342a56e1256850b" providerId="LiveId" clId="{8082530A-CFC6-4E58-BB3B-959648091726}" dt="2024-05-05T18:22:11.280" v="1111" actId="1076"/>
+          <ac:spMkLst>
+            <pc:docMk/>
+            <pc:sldMk cId="3053839141" sldId="259"/>
+            <ac:spMk id="16" creationId="{6ACF3904-1EFF-12EA-8577-2DA04B669099}"/>
+          </ac:spMkLst>
+        </pc:spChg>
+        <pc:grpChg chg="add mod">
+          <ac:chgData name="Ketelyn Medina" userId="4342a56e1256850b" providerId="LiveId" clId="{8082530A-CFC6-4E58-BB3B-959648091726}" dt="2024-05-05T18:22:05.342" v="1110" actId="1076"/>
+          <ac:grpSpMkLst>
+            <pc:docMk/>
+            <pc:sldMk cId="3053839141" sldId="259"/>
+            <ac:grpSpMk id="5" creationId="{E5B1075F-FBE6-707B-4B87-408F2FC21B93}"/>
+          </ac:grpSpMkLst>
+        </pc:grpChg>
+        <pc:picChg chg="mod">
+          <ac:chgData name="Ketelyn Medina" userId="4342a56e1256850b" providerId="LiveId" clId="{8082530A-CFC6-4E58-BB3B-959648091726}" dt="2024-05-05T18:22:05.342" v="1110" actId="1076"/>
+          <ac:picMkLst>
+            <pc:docMk/>
+            <pc:sldMk cId="3053839141" sldId="259"/>
+            <ac:picMk id="10" creationId="{38166DD5-B561-E941-B9DF-B7A5CFF0422C}"/>
+          </ac:picMkLst>
+        </pc:picChg>
+        <pc:picChg chg="mod">
+          <ac:chgData name="Ketelyn Medina" userId="4342a56e1256850b" providerId="LiveId" clId="{8082530A-CFC6-4E58-BB3B-959648091726}" dt="2024-05-05T18:22:05.342" v="1110" actId="1076"/>
+          <ac:picMkLst>
+            <pc:docMk/>
+            <pc:sldMk cId="3053839141" sldId="259"/>
+            <ac:picMk id="12" creationId="{7923D9CC-8864-F46E-68B5-1C96138C1508}"/>
+          </ac:picMkLst>
+        </pc:picChg>
+        <pc:picChg chg="mod">
+          <ac:chgData name="Ketelyn Medina" userId="4342a56e1256850b" providerId="LiveId" clId="{8082530A-CFC6-4E58-BB3B-959648091726}" dt="2024-05-05T18:22:05.342" v="1110" actId="1076"/>
+          <ac:picMkLst>
+            <pc:docMk/>
+            <pc:sldMk cId="3053839141" sldId="259"/>
+            <ac:picMk id="14" creationId="{E9F3F5D2-3972-8075-51D6-085620EFBB7D}"/>
+          </ac:picMkLst>
+        </pc:picChg>
+        <pc:picChg chg="mod">
+          <ac:chgData name="Ketelyn Medina" userId="4342a56e1256850b" providerId="LiveId" clId="{8082530A-CFC6-4E58-BB3B-959648091726}" dt="2024-05-05T18:22:05.342" v="1110" actId="1076"/>
+          <ac:picMkLst>
+            <pc:docMk/>
+            <pc:sldMk cId="3053839141" sldId="259"/>
+            <ac:picMk id="1026" creationId="{A4B7FC50-3CF9-2392-5CED-4A22B3985719}"/>
+          </ac:picMkLst>
+        </pc:picChg>
+        <pc:picChg chg="mod">
+          <ac:chgData name="Ketelyn Medina" userId="4342a56e1256850b" providerId="LiveId" clId="{8082530A-CFC6-4E58-BB3B-959648091726}" dt="2024-05-05T18:22:05.342" v="1110" actId="1076"/>
+          <ac:picMkLst>
+            <pc:docMk/>
+            <pc:sldMk cId="3053839141" sldId="259"/>
+            <ac:picMk id="1028" creationId="{B01FDC99-A2BA-A7F5-027F-D811DE509FC7}"/>
+          </ac:picMkLst>
+        </pc:picChg>
+      </pc:sldChg>
+      <pc:sldChg chg="addSp delSp modSp add mod ord setBg">
+        <pc:chgData name="Ketelyn Medina" userId="4342a56e1256850b" providerId="LiveId" clId="{8082530A-CFC6-4E58-BB3B-959648091726}" dt="2024-05-05T18:14:03.414" v="562"/>
+        <pc:sldMkLst>
+          <pc:docMk/>
+          <pc:sldMk cId="3985326264" sldId="260"/>
+        </pc:sldMkLst>
+        <pc:spChg chg="del">
+          <ac:chgData name="Ketelyn Medina" userId="4342a56e1256850b" providerId="LiveId" clId="{8082530A-CFC6-4E58-BB3B-959648091726}" dt="2024-05-04T13:55:38.568" v="72" actId="478"/>
+          <ac:spMkLst>
+            <pc:docMk/>
+            <pc:sldMk cId="3985326264" sldId="260"/>
+            <ac:spMk id="2" creationId="{4513B46C-8276-1518-93A5-526E041946FC}"/>
+          </ac:spMkLst>
+        </pc:spChg>
+        <pc:spChg chg="del">
+          <ac:chgData name="Ketelyn Medina" userId="4342a56e1256850b" providerId="LiveId" clId="{8082530A-CFC6-4E58-BB3B-959648091726}" dt="2024-05-04T13:55:42.398" v="74" actId="478"/>
+          <ac:spMkLst>
+            <pc:docMk/>
+            <pc:sldMk cId="3985326264" sldId="260"/>
+            <ac:spMk id="3" creationId="{5161CDC8-FF07-0AD5-6381-DD5D23BA23D4}"/>
+          </ac:spMkLst>
+        </pc:spChg>
+        <pc:spChg chg="add del mod">
+          <ac:chgData name="Ketelyn Medina" userId="4342a56e1256850b" providerId="LiveId" clId="{8082530A-CFC6-4E58-BB3B-959648091726}" dt="2024-05-04T13:55:40.635" v="73" actId="478"/>
+          <ac:spMkLst>
+            <pc:docMk/>
+            <pc:sldMk cId="3985326264" sldId="260"/>
+            <ac:spMk id="7" creationId="{C561222E-7E4A-FE18-D849-F1D2643F6999}"/>
+          </ac:spMkLst>
+        </pc:spChg>
+        <pc:spChg chg="del mod">
+          <ac:chgData name="Ketelyn Medina" userId="4342a56e1256850b" providerId="LiveId" clId="{8082530A-CFC6-4E58-BB3B-959648091726}" dt="2024-05-04T13:55:53.682" v="80" actId="478"/>
+          <ac:spMkLst>
+            <pc:docMk/>
+            <pc:sldMk cId="3985326264" sldId="260"/>
+            <ac:spMk id="8" creationId="{C3369C1D-136B-54E8-3981-7C2EDC2AFA7F}"/>
+          </ac:spMkLst>
+        </pc:spChg>
+        <pc:spChg chg="del">
+          <ac:chgData name="Ketelyn Medina" userId="4342a56e1256850b" providerId="LiveId" clId="{8082530A-CFC6-4E58-BB3B-959648091726}" dt="2024-05-04T13:55:55.224" v="81" actId="478"/>
+          <ac:spMkLst>
+            <pc:docMk/>
+            <pc:sldMk cId="3985326264" sldId="260"/>
+            <ac:spMk id="11" creationId="{F1FD733B-1603-551D-9FC5-27D724BC858D}"/>
+          </ac:spMkLst>
+        </pc:spChg>
+        <pc:spChg chg="del mod">
+          <ac:chgData name="Ketelyn Medina" userId="4342a56e1256850b" providerId="LiveId" clId="{8082530A-CFC6-4E58-BB3B-959648091726}" dt="2024-05-04T13:56:00.022" v="86" actId="478"/>
+          <ac:spMkLst>
+            <pc:docMk/>
+            <pc:sldMk cId="3985326264" sldId="260"/>
+            <ac:spMk id="13" creationId="{167A2AA1-3F45-D352-67E0-D09C55F5E60F}"/>
+          </ac:spMkLst>
+        </pc:spChg>
+        <pc:spChg chg="del">
+          <ac:chgData name="Ketelyn Medina" userId="4342a56e1256850b" providerId="LiveId" clId="{8082530A-CFC6-4E58-BB3B-959648091726}" dt="2024-05-04T13:56:01.822" v="87" actId="478"/>
+          <ac:spMkLst>
+            <pc:docMk/>
+            <pc:sldMk cId="3985326264" sldId="260"/>
+            <ac:spMk id="15" creationId="{7AE60127-37B0-DBA1-1337-4D79A0CD6557}"/>
+          </ac:spMkLst>
+        </pc:spChg>
+        <pc:spChg chg="del">
+          <ac:chgData name="Ketelyn Medina" userId="4342a56e1256850b" providerId="LiveId" clId="{8082530A-CFC6-4E58-BB3B-959648091726}" dt="2024-05-04T13:55:46.714" v="76" actId="478"/>
+          <ac:spMkLst>
+            <pc:docMk/>
+            <pc:sldMk cId="3985326264" sldId="260"/>
+            <ac:spMk id="16" creationId="{6ACF3904-1EFF-12EA-8577-2DA04B669099}"/>
+          </ac:spMkLst>
+        </pc:spChg>
+        <pc:spChg chg="add del mod">
+          <ac:chgData name="Ketelyn Medina" userId="4342a56e1256850b" providerId="LiveId" clId="{8082530A-CFC6-4E58-BB3B-959648091726}" dt="2024-05-04T13:55:44.682" v="75" actId="478"/>
+          <ac:spMkLst>
+            <pc:docMk/>
+            <pc:sldMk cId="3985326264" sldId="260"/>
+            <ac:spMk id="17" creationId="{C875E4D0-7992-CE0D-4803-37BCCA38A72C}"/>
+          </ac:spMkLst>
+        </pc:spChg>
+        <pc:spChg chg="add del mod">
+          <ac:chgData name="Ketelyn Medina" userId="4342a56e1256850b" providerId="LiveId" clId="{8082530A-CFC6-4E58-BB3B-959648091726}" dt="2024-05-04T14:01:29.923" v="203" actId="478"/>
+          <ac:spMkLst>
+            <pc:docMk/>
+            <pc:sldMk cId="3985326264" sldId="260"/>
+            <ac:spMk id="18" creationId="{49C34B81-B234-728C-05CD-ABBE7E1BC47F}"/>
+          </ac:spMkLst>
+        </pc:spChg>
+        <pc:spChg chg="add del mod">
+          <ac:chgData name="Ketelyn Medina" userId="4342a56e1256850b" providerId="LiveId" clId="{8082530A-CFC6-4E58-BB3B-959648091726}" dt="2024-05-04T14:09:13.589" v="355" actId="478"/>
+          <ac:spMkLst>
+            <pc:docMk/>
+            <pc:sldMk cId="3985326264" sldId="260"/>
+            <ac:spMk id="19" creationId="{F0F86861-B139-492B-B666-D3A101024DD9}"/>
+          </ac:spMkLst>
+        </pc:spChg>
+        <pc:grpChg chg="del">
+          <ac:chgData name="Ketelyn Medina" userId="4342a56e1256850b" providerId="LiveId" clId="{8082530A-CFC6-4E58-BB3B-959648091726}" dt="2024-05-04T13:55:49.109" v="77" actId="478"/>
+          <ac:grpSpMkLst>
+            <pc:docMk/>
+            <pc:sldMk cId="3985326264" sldId="260"/>
+            <ac:grpSpMk id="5" creationId="{E5B1075F-FBE6-707B-4B87-408F2FC21B93}"/>
+          </ac:grpSpMkLst>
+        </pc:grpChg>
+        <pc:picChg chg="del">
+          <ac:chgData name="Ketelyn Medina" userId="4342a56e1256850b" providerId="LiveId" clId="{8082530A-CFC6-4E58-BB3B-959648091726}" dt="2024-05-04T13:55:56.246" v="82" actId="478"/>
+          <ac:picMkLst>
+            <pc:docMk/>
+            <pc:sldMk cId="3985326264" sldId="260"/>
+            <ac:picMk id="10" creationId="{38166DD5-B561-E941-B9DF-B7A5CFF0422C}"/>
+          </ac:picMkLst>
+        </pc:picChg>
+        <pc:picChg chg="del">
+          <ac:chgData name="Ketelyn Medina" userId="4342a56e1256850b" providerId="LiveId" clId="{8082530A-CFC6-4E58-BB3B-959648091726}" dt="2024-05-04T13:55:57.447" v="83" actId="478"/>
+          <ac:picMkLst>
+            <pc:docMk/>
+            <pc:sldMk cId="3985326264" sldId="260"/>
+            <ac:picMk id="12" creationId="{7923D9CC-8864-F46E-68B5-1C96138C1508}"/>
+          </ac:picMkLst>
+        </pc:picChg>
+        <pc:picChg chg="del">
+          <ac:chgData name="Ketelyn Medina" userId="4342a56e1256850b" providerId="LiveId" clId="{8082530A-CFC6-4E58-BB3B-959648091726}" dt="2024-05-04T13:55:57.704" v="84" actId="478"/>
+          <ac:picMkLst>
+            <pc:docMk/>
+            <pc:sldMk cId="3985326264" sldId="260"/>
+            <ac:picMk id="14" creationId="{E9F3F5D2-3972-8075-51D6-085620EFBB7D}"/>
+          </ac:picMkLst>
+        </pc:picChg>
+        <pc:picChg chg="del">
+          <ac:chgData name="Ketelyn Medina" userId="4342a56e1256850b" providerId="LiveId" clId="{8082530A-CFC6-4E58-BB3B-959648091726}" dt="2024-05-04T13:55:50.574" v="78" actId="478"/>
+          <ac:picMkLst>
+            <pc:docMk/>
+            <pc:sldMk cId="3985326264" sldId="260"/>
+            <ac:picMk id="1028" creationId="{B01FDC99-A2BA-A7F5-027F-D811DE509FC7}"/>
+          </ac:picMkLst>
+        </pc:picChg>
+      </pc:sldChg>
+      <pc:sldChg chg="addSp modSp add mod ord modTransition">
+        <pc:chgData name="Ketelyn Medina" userId="4342a56e1256850b" providerId="LiveId" clId="{8082530A-CFC6-4E58-BB3B-959648091726}" dt="2024-05-05T18:16:24.073" v="776"/>
+        <pc:sldMkLst>
+          <pc:docMk/>
+          <pc:sldMk cId="936976568" sldId="261"/>
+        </pc:sldMkLst>
+        <pc:spChg chg="mod ord">
+          <ac:chgData name="Ketelyn Medina" userId="4342a56e1256850b" providerId="LiveId" clId="{8082530A-CFC6-4E58-BB3B-959648091726}" dt="2024-05-04T14:10:26.927" v="418" actId="166"/>
+          <ac:spMkLst>
+            <pc:docMk/>
+            <pc:sldMk cId="936976568" sldId="261"/>
+            <ac:spMk id="18" creationId="{49C34B81-B234-728C-05CD-ABBE7E1BC47F}"/>
+          </ac:spMkLst>
+        </pc:spChg>
+        <pc:picChg chg="add mod">
+          <ac:chgData name="Ketelyn Medina" userId="4342a56e1256850b" providerId="LiveId" clId="{8082530A-CFC6-4E58-BB3B-959648091726}" dt="2024-05-04T14:11:41.145" v="510" actId="29295"/>
+          <ac:picMkLst>
+            <pc:docMk/>
+            <pc:sldMk cId="936976568" sldId="261"/>
+            <ac:picMk id="2" creationId="{A0F43605-50CF-2F52-901C-5567AD23653B}"/>
+          </ac:picMkLst>
+        </pc:picChg>
+      </pc:sldChg>
+      <pc:sldChg chg="addSp delSp modSp add del mod ord modTransition setBg delDesignElem chgLayout">
+        <pc:chgData name="Ketelyn Medina" userId="4342a56e1256850b" providerId="LiveId" clId="{8082530A-CFC6-4E58-BB3B-959648091726}" dt="2024-05-05T18:20:24.578" v="1108"/>
+        <pc:sldMkLst>
+          <pc:docMk/>
+          <pc:sldMk cId="230846951" sldId="262"/>
+        </pc:sldMkLst>
+        <pc:spChg chg="del">
+          <ac:chgData name="Ketelyn Medina" userId="4342a56e1256850b" providerId="LiveId" clId="{8082530A-CFC6-4E58-BB3B-959648091726}" dt="2024-05-04T14:13:03.479" v="519" actId="478"/>
+          <ac:spMkLst>
+            <pc:docMk/>
+            <pc:sldMk cId="230846951" sldId="262"/>
+            <ac:spMk id="2" creationId="{5B851898-EE7A-A075-139C-7EC351221405}"/>
+          </ac:spMkLst>
+        </pc:spChg>
+        <pc:spChg chg="add mod">
+          <ac:chgData name="Ketelyn Medina" userId="4342a56e1256850b" providerId="LiveId" clId="{8082530A-CFC6-4E58-BB3B-959648091726}" dt="2024-05-05T18:20:09.046" v="1106" actId="1076"/>
+          <ac:spMkLst>
+            <pc:docMk/>
+            <pc:sldMk cId="230846951" sldId="262"/>
+            <ac:spMk id="2" creationId="{BF51CFD8-D552-A71D-BE12-450E14F80B68}"/>
+          </ac:spMkLst>
+        </pc:spChg>
+        <pc:spChg chg="del">
+          <ac:chgData name="Ketelyn Medina" userId="4342a56e1256850b" providerId="LiveId" clId="{8082530A-CFC6-4E58-BB3B-959648091726}" dt="2024-05-04T14:12:58.969" v="517" actId="478"/>
+          <ac:spMkLst>
+            <pc:docMk/>
+            <pc:sldMk cId="230846951" sldId="262"/>
+            <ac:spMk id="3" creationId="{4DDA0383-46E0-281C-8AE9-B92E84EF859C}"/>
+          </ac:spMkLst>
+        </pc:spChg>
+        <pc:spChg chg="del">
+          <ac:chgData name="Ketelyn Medina" userId="4342a56e1256850b" providerId="LiveId" clId="{8082530A-CFC6-4E58-BB3B-959648091726}" dt="2024-05-04T14:12:50.074" v="516" actId="478"/>
+          <ac:spMkLst>
+            <pc:docMk/>
+            <pc:sldMk cId="230846951" sldId="262"/>
+            <ac:spMk id="5" creationId="{F9E05431-9436-DE25-E0FC-AA20248FE1F2}"/>
+          </ac:spMkLst>
+        </pc:spChg>
+        <pc:spChg chg="add del mod">
+          <ac:chgData name="Ketelyn Medina" userId="4342a56e1256850b" providerId="LiveId" clId="{8082530A-CFC6-4E58-BB3B-959648091726}" dt="2024-05-04T14:13:01.084" v="518" actId="478"/>
+          <ac:spMkLst>
+            <pc:docMk/>
+            <pc:sldMk cId="230846951" sldId="262"/>
+            <ac:spMk id="7" creationId="{7419DB2E-36B8-0FB0-CC2E-44BB49FF72EF}"/>
+          </ac:spMkLst>
+        </pc:spChg>
+        <pc:spChg chg="add del mod">
+          <ac:chgData name="Ketelyn Medina" userId="4342a56e1256850b" providerId="LiveId" clId="{8082530A-CFC6-4E58-BB3B-959648091726}" dt="2024-05-04T14:13:05.162" v="520" actId="478"/>
+          <ac:spMkLst>
+            <pc:docMk/>
+            <pc:sldMk cId="230846951" sldId="262"/>
+            <ac:spMk id="10" creationId="{E58CED1D-84F9-236F-F887-47476B3F5781}"/>
+          </ac:spMkLst>
+        </pc:spChg>
+        <pc:spChg chg="add del mod ord">
+          <ac:chgData name="Ketelyn Medina" userId="4342a56e1256850b" providerId="LiveId" clId="{8082530A-CFC6-4E58-BB3B-959648091726}" dt="2024-05-04T14:13:12.886" v="522" actId="6264"/>
+          <ac:spMkLst>
+            <pc:docMk/>
+            <pc:sldMk cId="230846951" sldId="262"/>
+            <ac:spMk id="11" creationId="{1C876A39-7070-BAD4-D371-A2A9D519DE15}"/>
+          </ac:spMkLst>
+        </pc:spChg>
+        <pc:spChg chg="add del mod ord">
+          <ac:chgData name="Ketelyn Medina" userId="4342a56e1256850b" providerId="LiveId" clId="{8082530A-CFC6-4E58-BB3B-959648091726}" dt="2024-05-04T14:13:12.886" v="522" actId="6264"/>
+          <ac:spMkLst>
+            <pc:docMk/>
+            <pc:sldMk cId="230846951" sldId="262"/>
+            <ac:spMk id="12" creationId="{6292D44A-B562-FA91-7075-99502687CCE2}"/>
+          </ac:spMkLst>
+        </pc:spChg>
+        <pc:spChg chg="add del">
+          <ac:chgData name="Ketelyn Medina" userId="4342a56e1256850b" providerId="LiveId" clId="{8082530A-CFC6-4E58-BB3B-959648091726}" dt="2024-05-04T14:13:12.886" v="522" actId="6264"/>
+          <ac:spMkLst>
+            <pc:docMk/>
+            <pc:sldMk cId="230846951" sldId="262"/>
+            <ac:spMk id="14" creationId="{0671A8AE-40A1-4631-A6B8-581AFF065482}"/>
+          </ac:spMkLst>
+        </pc:spChg>
+        <pc:spChg chg="add del">
+          <ac:chgData name="Ketelyn Medina" userId="4342a56e1256850b" providerId="LiveId" clId="{8082530A-CFC6-4E58-BB3B-959648091726}" dt="2024-05-04T14:13:12.886" v="522" actId="6264"/>
+          <ac:spMkLst>
+            <pc:docMk/>
+            <pc:sldMk cId="230846951" sldId="262"/>
+            <ac:spMk id="16" creationId="{AB58EF07-17C2-48CF-ABB0-EEF1F17CB8F0}"/>
+          </ac:spMkLst>
+        </pc:spChg>
+        <pc:spChg chg="add del">
+          <ac:chgData name="Ketelyn Medina" userId="4342a56e1256850b" providerId="LiveId" clId="{8082530A-CFC6-4E58-BB3B-959648091726}" dt="2024-05-04T14:13:12.886" v="522" actId="6264"/>
+          <ac:spMkLst>
+            <pc:docMk/>
+            <pc:sldMk cId="230846951" sldId="262"/>
+            <ac:spMk id="18" creationId="{AF2F604E-43BE-4DC3-B983-E071523364F8}"/>
+          </ac:spMkLst>
+        </pc:spChg>
+        <pc:spChg chg="add del">
+          <ac:chgData name="Ketelyn Medina" userId="4342a56e1256850b" providerId="LiveId" clId="{8082530A-CFC6-4E58-BB3B-959648091726}" dt="2024-05-04T14:13:12.886" v="522" actId="6264"/>
+          <ac:spMkLst>
+            <pc:docMk/>
+            <pc:sldMk cId="230846951" sldId="262"/>
+            <ac:spMk id="20" creationId="{08C9B587-E65E-4B52-B37C-ABEBB6E87928}"/>
+          </ac:spMkLst>
+        </pc:spChg>
+        <pc:picChg chg="del">
+          <ac:chgData name="Ketelyn Medina" userId="4342a56e1256850b" providerId="LiveId" clId="{8082530A-CFC6-4E58-BB3B-959648091726}" dt="2024-05-04T14:12:44.146" v="515" actId="478"/>
+          <ac:picMkLst>
+            <pc:docMk/>
+            <pc:sldMk cId="230846951" sldId="262"/>
+            <ac:picMk id="9" creationId="{D95693EB-31CE-4CCC-6D95-0ADBD48BD569}"/>
+          </ac:picMkLst>
+        </pc:picChg>
+      </pc:sldChg>
+      <pc:sldChg chg="new del">
+        <pc:chgData name="Ketelyn Medina" userId="4342a56e1256850b" providerId="LiveId" clId="{8082530A-CFC6-4E58-BB3B-959648091726}" dt="2024-05-04T14:08:04.650" v="342" actId="680"/>
+        <pc:sldMkLst>
+          <pc:docMk/>
+          <pc:sldMk cId="1740905945" sldId="262"/>
+        </pc:sldMkLst>
+      </pc:sldChg>
+      <pc:sldChg chg="addSp delSp modSp add mod">
+        <pc:chgData name="Ketelyn Medina" userId="4342a56e1256850b" providerId="LiveId" clId="{8082530A-CFC6-4E58-BB3B-959648091726}" dt="2024-05-05T18:24:04.001" v="1152" actId="478"/>
+        <pc:sldMkLst>
+          <pc:docMk/>
+          <pc:sldMk cId="1617020131" sldId="263"/>
+        </pc:sldMkLst>
+        <pc:spChg chg="mod">
+          <ac:chgData name="Ketelyn Medina" userId="4342a56e1256850b" providerId="LiveId" clId="{8082530A-CFC6-4E58-BB3B-959648091726}" dt="2024-05-05T18:23:46.739" v="1136" actId="20577"/>
+          <ac:spMkLst>
+            <pc:docMk/>
+            <pc:sldMk cId="1617020131" sldId="263"/>
+            <ac:spMk id="2" creationId="{4513B46C-8276-1518-93A5-526E041946FC}"/>
+          </ac:spMkLst>
+        </pc:spChg>
+        <pc:spChg chg="del">
+          <ac:chgData name="Ketelyn Medina" userId="4342a56e1256850b" providerId="LiveId" clId="{8082530A-CFC6-4E58-BB3B-959648091726}" dt="2024-05-05T18:23:50.534" v="1137" actId="478"/>
+          <ac:spMkLst>
+            <pc:docMk/>
+            <pc:sldMk cId="1617020131" sldId="263"/>
+            <ac:spMk id="3" creationId="{5161CDC8-FF07-0AD5-6381-DD5D23BA23D4}"/>
+          </ac:spMkLst>
+        </pc:spChg>
+        <pc:spChg chg="mod">
+          <ac:chgData name="Ketelyn Medina" userId="4342a56e1256850b" providerId="LiveId" clId="{8082530A-CFC6-4E58-BB3B-959648091726}" dt="2024-05-05T18:23:53.919" v="1141" actId="20577"/>
+          <ac:spMkLst>
+            <pc:docMk/>
+            <pc:sldMk cId="1617020131" sldId="263"/>
+            <ac:spMk id="4" creationId="{69653506-C7EF-3417-0623-767B75632118}"/>
+          </ac:spMkLst>
+        </pc:spChg>
+        <pc:spChg chg="add del mod">
+          <ac:chgData name="Ketelyn Medina" userId="4342a56e1256850b" providerId="LiveId" clId="{8082530A-CFC6-4E58-BB3B-959648091726}" dt="2024-05-05T18:23:52.001" v="1138" actId="478"/>
+          <ac:spMkLst>
+            <pc:docMk/>
+            <pc:sldMk cId="1617020131" sldId="263"/>
+            <ac:spMk id="7" creationId="{E3E16FFC-4AD1-3BBB-80F3-C2BEB11C70F3}"/>
+          </ac:spMkLst>
+        </pc:spChg>
+        <pc:spChg chg="del mod">
+          <ac:chgData name="Ketelyn Medina" userId="4342a56e1256850b" providerId="LiveId" clId="{8082530A-CFC6-4E58-BB3B-959648091726}" dt="2024-05-05T18:23:56.504" v="1144" actId="478"/>
+          <ac:spMkLst>
+            <pc:docMk/>
+            <pc:sldMk cId="1617020131" sldId="263"/>
+            <ac:spMk id="8" creationId="{C3369C1D-136B-54E8-3981-7C2EDC2AFA7F}"/>
+          </ac:spMkLst>
+        </pc:spChg>
+        <pc:spChg chg="del">
+          <ac:chgData name="Ketelyn Medina" userId="4342a56e1256850b" providerId="LiveId" clId="{8082530A-CFC6-4E58-BB3B-959648091726}" dt="2024-05-05T18:24:04.001" v="1152" actId="478"/>
+          <ac:spMkLst>
+            <pc:docMk/>
+            <pc:sldMk cId="1617020131" sldId="263"/>
+            <ac:spMk id="11" creationId="{F1FD733B-1603-551D-9FC5-27D724BC858D}"/>
+          </ac:spMkLst>
+        </pc:spChg>
+        <pc:spChg chg="del">
+          <ac:chgData name="Ketelyn Medina" userId="4342a56e1256850b" providerId="LiveId" clId="{8082530A-CFC6-4E58-BB3B-959648091726}" dt="2024-05-05T18:24:02.664" v="1151" actId="478"/>
+          <ac:spMkLst>
+            <pc:docMk/>
+            <pc:sldMk cId="1617020131" sldId="263"/>
+            <ac:spMk id="13" creationId="{167A2AA1-3F45-D352-67E0-D09C55F5E60F}"/>
+          </ac:spMkLst>
+        </pc:spChg>
+        <pc:spChg chg="del mod">
+          <ac:chgData name="Ketelyn Medina" userId="4342a56e1256850b" providerId="LiveId" clId="{8082530A-CFC6-4E58-BB3B-959648091726}" dt="2024-05-05T18:24:01.548" v="1150" actId="478"/>
+          <ac:spMkLst>
+            <pc:docMk/>
+            <pc:sldMk cId="1617020131" sldId="263"/>
+            <ac:spMk id="15" creationId="{7AE60127-37B0-DBA1-1337-4D79A0CD6557}"/>
+          </ac:spMkLst>
+        </pc:spChg>
+        <pc:spChg chg="del mod">
+          <ac:chgData name="Ketelyn Medina" userId="4342a56e1256850b" providerId="LiveId" clId="{8082530A-CFC6-4E58-BB3B-959648091726}" dt="2024-05-05T18:23:53.307" v="1140" actId="478"/>
+          <ac:spMkLst>
+            <pc:docMk/>
+            <pc:sldMk cId="1617020131" sldId="263"/>
+            <ac:spMk id="16" creationId="{6ACF3904-1EFF-12EA-8577-2DA04B669099}"/>
+          </ac:spMkLst>
+        </pc:spChg>
+        <pc:grpChg chg="del">
+          <ac:chgData name="Ketelyn Medina" userId="4342a56e1256850b" providerId="LiveId" clId="{8082530A-CFC6-4E58-BB3B-959648091726}" dt="2024-05-05T18:23:54.669" v="1142" actId="478"/>
+          <ac:grpSpMkLst>
+            <pc:docMk/>
+            <pc:sldMk cId="1617020131" sldId="263"/>
+            <ac:grpSpMk id="5" creationId="{E5B1075F-FBE6-707B-4B87-408F2FC21B93}"/>
+          </ac:grpSpMkLst>
+        </pc:grpChg>
+        <pc:picChg chg="del">
+          <ac:chgData name="Ketelyn Medina" userId="4342a56e1256850b" providerId="LiveId" clId="{8082530A-CFC6-4E58-BB3B-959648091726}" dt="2024-05-05T18:23:57.634" v="1146" actId="478"/>
+          <ac:picMkLst>
+            <pc:docMk/>
+            <pc:sldMk cId="1617020131" sldId="263"/>
+            <ac:picMk id="10" creationId="{38166DD5-B561-E941-B9DF-B7A5CFF0422C}"/>
+          </ac:picMkLst>
+        </pc:picChg>
+        <pc:picChg chg="del">
+          <ac:chgData name="Ketelyn Medina" userId="4342a56e1256850b" providerId="LiveId" clId="{8082530A-CFC6-4E58-BB3B-959648091726}" dt="2024-05-05T18:23:58.074" v="1147" actId="478"/>
+          <ac:picMkLst>
+            <pc:docMk/>
+            <pc:sldMk cId="1617020131" sldId="263"/>
+            <ac:picMk id="12" creationId="{7923D9CC-8864-F46E-68B5-1C96138C1508}"/>
+          </ac:picMkLst>
+        </pc:picChg>
+        <pc:picChg chg="del">
+          <ac:chgData name="Ketelyn Medina" userId="4342a56e1256850b" providerId="LiveId" clId="{8082530A-CFC6-4E58-BB3B-959648091726}" dt="2024-05-05T18:23:58.476" v="1148" actId="478"/>
+          <ac:picMkLst>
+            <pc:docMk/>
+            <pc:sldMk cId="1617020131" sldId="263"/>
+            <ac:picMk id="14" creationId="{E9F3F5D2-3972-8075-51D6-085620EFBB7D}"/>
+          </ac:picMkLst>
+        </pc:picChg>
+        <pc:picChg chg="del">
+          <ac:chgData name="Ketelyn Medina" userId="4342a56e1256850b" providerId="LiveId" clId="{8082530A-CFC6-4E58-BB3B-959648091726}" dt="2024-05-05T18:23:57.169" v="1145" actId="478"/>
+          <ac:picMkLst>
+            <pc:docMk/>
+            <pc:sldMk cId="1617020131" sldId="263"/>
+            <ac:picMk id="1028" creationId="{B01FDC99-A2BA-A7F5-027F-D811DE509FC7}"/>
+          </ac:picMkLst>
+        </pc:picChg>
+      </pc:sldChg>
+      <pc:sldChg chg="new del">
+        <pc:chgData name="Ketelyn Medina" userId="4342a56e1256850b" providerId="LiveId" clId="{8082530A-CFC6-4E58-BB3B-959648091726}" dt="2024-05-04T14:08:04.106" v="341" actId="680"/>
+        <pc:sldMkLst>
+          <pc:docMk/>
+          <pc:sldMk cId="3809829661" sldId="263"/>
+        </pc:sldMkLst>
+      </pc:sldChg>
+      <pc:sldChg chg="new del">
+        <pc:chgData name="Ketelyn Medina" userId="4342a56e1256850b" providerId="LiveId" clId="{8082530A-CFC6-4E58-BB3B-959648091726}" dt="2024-05-04T14:08:03.877" v="340" actId="680"/>
+        <pc:sldMkLst>
+          <pc:docMk/>
+          <pc:sldMk cId="2286535172" sldId="264"/>
+        </pc:sldMkLst>
+      </pc:sldChg>
+      <pc:sldChg chg="modSp add mod">
+        <pc:chgData name="Ketelyn Medina" userId="4342a56e1256850b" providerId="LiveId" clId="{8082530A-CFC6-4E58-BB3B-959648091726}" dt="2024-05-05T18:24:16.966" v="1156" actId="20577"/>
+        <pc:sldMkLst>
+          <pc:docMk/>
+          <pc:sldMk cId="3028234208" sldId="264"/>
+        </pc:sldMkLst>
+        <pc:spChg chg="mod">
+          <ac:chgData name="Ketelyn Medina" userId="4342a56e1256850b" providerId="LiveId" clId="{8082530A-CFC6-4E58-BB3B-959648091726}" dt="2024-05-05T18:24:16.966" v="1156" actId="20577"/>
+          <ac:spMkLst>
+            <pc:docMk/>
+            <pc:sldMk cId="3028234208" sldId="264"/>
+            <ac:spMk id="2" creationId="{4513B46C-8276-1518-93A5-526E041946FC}"/>
+          </ac:spMkLst>
+        </pc:spChg>
+      </pc:sldChg>
+      <pc:sldChg chg="modSp add mod">
+        <pc:chgData name="Ketelyn Medina" userId="4342a56e1256850b" providerId="LiveId" clId="{8082530A-CFC6-4E58-BB3B-959648091726}" dt="2024-05-05T18:24:38.894" v="1161" actId="20577"/>
+        <pc:sldMkLst>
+          <pc:docMk/>
+          <pc:sldMk cId="4091252498" sldId="265"/>
+        </pc:sldMkLst>
+        <pc:spChg chg="mod">
+          <ac:chgData name="Ketelyn Medina" userId="4342a56e1256850b" providerId="LiveId" clId="{8082530A-CFC6-4E58-BB3B-959648091726}" dt="2024-05-05T18:24:38.894" v="1161" actId="20577"/>
+          <ac:spMkLst>
+            <pc:docMk/>
+            <pc:sldMk cId="4091252498" sldId="265"/>
+            <ac:spMk id="2" creationId="{4513B46C-8276-1518-93A5-526E041946FC}"/>
+          </ac:spMkLst>
+        </pc:spChg>
+      </pc:sldChg>
+      <pc:sldChg chg="addSp delSp modSp add mod">
+        <pc:chgData name="Ketelyn Medina" userId="4342a56e1256850b" providerId="LiveId" clId="{8082530A-CFC6-4E58-BB3B-959648091726}" dt="2024-05-05T18:33:27.367" v="1565" actId="1036"/>
+        <pc:sldMkLst>
+          <pc:docMk/>
+          <pc:sldMk cId="3975286133" sldId="266"/>
+        </pc:sldMkLst>
+        <pc:spChg chg="del">
+          <ac:chgData name="Ketelyn Medina" userId="4342a56e1256850b" providerId="LiveId" clId="{8082530A-CFC6-4E58-BB3B-959648091726}" dt="2024-05-05T18:25:21.190" v="1163" actId="478"/>
+          <ac:spMkLst>
+            <pc:docMk/>
+            <pc:sldMk cId="3975286133" sldId="266"/>
+            <ac:spMk id="2" creationId="{4513B46C-8276-1518-93A5-526E041946FC}"/>
+          </ac:spMkLst>
+        </pc:spChg>
+        <pc:spChg chg="add del mod">
+          <ac:chgData name="Ketelyn Medina" userId="4342a56e1256850b" providerId="LiveId" clId="{8082530A-CFC6-4E58-BB3B-959648091726}" dt="2024-05-05T18:25:23.517" v="1165" actId="478"/>
+          <ac:spMkLst>
+            <pc:docMk/>
+            <pc:sldMk cId="3975286133" sldId="266"/>
+            <ac:spMk id="4" creationId="{A3E6308A-E21D-DBB3-7B47-326839441D86}"/>
+          </ac:spMkLst>
+        </pc:spChg>
+        <pc:spChg chg="add del mod">
+          <ac:chgData name="Ketelyn Medina" userId="4342a56e1256850b" providerId="LiveId" clId="{8082530A-CFC6-4E58-BB3B-959648091726}" dt="2024-05-05T18:26:04.139" v="1170" actId="478"/>
+          <ac:spMkLst>
+            <pc:docMk/>
+            <pc:sldMk cId="3975286133" sldId="266"/>
+            <ac:spMk id="5" creationId="{CD5D0DFA-825B-6567-A3C1-35BF681A368D}"/>
+          </ac:spMkLst>
+        </pc:spChg>
+        <pc:spChg chg="add mod">
+          <ac:chgData name="Ketelyn Medina" userId="4342a56e1256850b" providerId="LiveId" clId="{8082530A-CFC6-4E58-BB3B-959648091726}" dt="2024-05-05T18:29:51.240" v="1210" actId="20577"/>
+          <ac:spMkLst>
+            <pc:docMk/>
+            <pc:sldMk cId="3975286133" sldId="266"/>
+            <ac:spMk id="6" creationId="{38563621-48BD-35F9-6511-8CD4F0AB0255}"/>
+          </ac:spMkLst>
+        </pc:spChg>
+        <pc:spChg chg="add mod ord">
+          <ac:chgData name="Ketelyn Medina" userId="4342a56e1256850b" providerId="LiveId" clId="{8082530A-CFC6-4E58-BB3B-959648091726}" dt="2024-05-05T18:29:42.334" v="1200" actId="1076"/>
+          <ac:spMkLst>
+            <pc:docMk/>
+            <pc:sldMk cId="3975286133" sldId="266"/>
+            <ac:spMk id="7" creationId="{89591122-9BDA-B1DC-83C5-582FBE8040DE}"/>
+          </ac:spMkLst>
+        </pc:spChg>
+        <pc:spChg chg="add mod">
+          <ac:chgData name="Ketelyn Medina" userId="4342a56e1256850b" providerId="LiveId" clId="{8082530A-CFC6-4E58-BB3B-959648091726}" dt="2024-05-05T18:33:27.367" v="1565" actId="1036"/>
+          <ac:spMkLst>
+            <pc:docMk/>
+            <pc:sldMk cId="3975286133" sldId="266"/>
+            <ac:spMk id="8" creationId="{11E245A8-0589-E184-57BD-64071F3E7DBC}"/>
+          </ac:spMkLst>
+        </pc:spChg>
+        <pc:spChg chg="add mod">
+          <ac:chgData name="Ketelyn Medina" userId="4342a56e1256850b" providerId="LiveId" clId="{8082530A-CFC6-4E58-BB3B-959648091726}" dt="2024-05-05T18:32:49.671" v="1497" actId="1076"/>
+          <ac:spMkLst>
+            <pc:docMk/>
+            <pc:sldMk cId="3975286133" sldId="266"/>
+            <ac:spMk id="9" creationId="{F8E54ECC-C108-E4E1-1D93-A126BC5205E4}"/>
+          </ac:spMkLst>
+        </pc:spChg>
+        <pc:spChg chg="add mod">
+          <ac:chgData name="Ketelyn Medina" userId="4342a56e1256850b" providerId="LiveId" clId="{8082530A-CFC6-4E58-BB3B-959648091726}" dt="2024-05-05T18:33:23.089" v="1557" actId="1035"/>
+          <ac:spMkLst>
+            <pc:docMk/>
+            <pc:sldMk cId="3975286133" sldId="266"/>
+            <ac:spMk id="10" creationId="{5E20E90A-338E-1E1B-6BED-86BE1E283FBB}"/>
+          </ac:spMkLst>
+        </pc:spChg>
+      </pc:sldChg>
+      <pc:sldChg chg="addSp modSp add mod">
+        <pc:chgData name="Ketelyn Medina" userId="4342a56e1256850b" providerId="LiveId" clId="{8082530A-CFC6-4E58-BB3B-959648091726}" dt="2024-05-05T18:41:15.111" v="2019" actId="14100"/>
+        <pc:sldMkLst>
+          <pc:docMk/>
+          <pc:sldMk cId="763755075" sldId="267"/>
+        </pc:sldMkLst>
+        <pc:spChg chg="add mod">
+          <ac:chgData name="Ketelyn Medina" userId="4342a56e1256850b" providerId="LiveId" clId="{8082530A-CFC6-4E58-BB3B-959648091726}" dt="2024-05-05T18:40:45.660" v="2003" actId="1035"/>
+          <ac:spMkLst>
+            <pc:docMk/>
+            <pc:sldMk cId="763755075" sldId="267"/>
+            <ac:spMk id="2" creationId="{0698AE17-AC4B-111C-2E40-07BD8BEF3A6F}"/>
+          </ac:spMkLst>
+        </pc:spChg>
+        <pc:spChg chg="add mod">
+          <ac:chgData name="Ketelyn Medina" userId="4342a56e1256850b" providerId="LiveId" clId="{8082530A-CFC6-4E58-BB3B-959648091726}" dt="2024-05-05T18:41:11.181" v="2018" actId="1036"/>
+          <ac:spMkLst>
+            <pc:docMk/>
+            <pc:sldMk cId="763755075" sldId="267"/>
+            <ac:spMk id="3" creationId="{891B84C8-505A-FFFE-DA01-46ADF443374B}"/>
+          </ac:spMkLst>
+        </pc:spChg>
+        <pc:spChg chg="add mod ord">
+          <ac:chgData name="Ketelyn Medina" userId="4342a56e1256850b" providerId="LiveId" clId="{8082530A-CFC6-4E58-BB3B-959648091726}" dt="2024-05-05T18:35:47.262" v="1594" actId="167"/>
+          <ac:spMkLst>
+            <pc:docMk/>
+            <pc:sldMk cId="763755075" sldId="267"/>
+            <ac:spMk id="4" creationId="{D61A0B57-C428-45B5-84A6-0C5ACB69650B}"/>
+          </ac:spMkLst>
+        </pc:spChg>
+        <pc:spChg chg="add mod">
+          <ac:chgData name="Ketelyn Medina" userId="4342a56e1256850b" providerId="LiveId" clId="{8082530A-CFC6-4E58-BB3B-959648091726}" dt="2024-05-05T18:41:15.111" v="2019" actId="14100"/>
+          <ac:spMkLst>
+            <pc:docMk/>
+            <pc:sldMk cId="763755075" sldId="267"/>
+            <ac:spMk id="5" creationId="{7F6C1108-6AB0-FD06-EE7C-072DC9BA704B}"/>
+          </ac:spMkLst>
+        </pc:spChg>
+        <pc:spChg chg="mod">
+          <ac:chgData name="Ketelyn Medina" userId="4342a56e1256850b" providerId="LiveId" clId="{8082530A-CFC6-4E58-BB3B-959648091726}" dt="2024-05-05T18:36:37.714" v="1605" actId="1076"/>
+          <ac:spMkLst>
+            <pc:docMk/>
+            <pc:sldMk cId="763755075" sldId="267"/>
+            <ac:spMk id="6" creationId="{38563621-48BD-35F9-6511-8CD4F0AB0255}"/>
+          </ac:spMkLst>
+        </pc:spChg>
+        <pc:spChg chg="mod ord">
+          <ac:chgData name="Ketelyn Medina" userId="4342a56e1256850b" providerId="LiveId" clId="{8082530A-CFC6-4E58-BB3B-959648091726}" dt="2024-05-05T18:36:58.163" v="1612" actId="1076"/>
+          <ac:spMkLst>
+            <pc:docMk/>
+            <pc:sldMk cId="763755075" sldId="267"/>
+            <ac:spMk id="7" creationId="{89591122-9BDA-B1DC-83C5-582FBE8040DE}"/>
+          </ac:spMkLst>
+        </pc:spChg>
+        <pc:spChg chg="mod">
+          <ac:chgData name="Ketelyn Medina" userId="4342a56e1256850b" providerId="LiveId" clId="{8082530A-CFC6-4E58-BB3B-959648091726}" dt="2024-05-05T18:36:42.425" v="1607" actId="1076"/>
+          <ac:spMkLst>
+            <pc:docMk/>
+            <pc:sldMk cId="763755075" sldId="267"/>
+            <ac:spMk id="8" creationId="{11E245A8-0589-E184-57BD-64071F3E7DBC}"/>
+          </ac:spMkLst>
+        </pc:spChg>
+        <pc:spChg chg="add mod">
+          <ac:chgData name="Ketelyn Medina" userId="4342a56e1256850b" providerId="LiveId" clId="{8082530A-CFC6-4E58-BB3B-959648091726}" dt="2024-05-05T18:40:58.671" v="2011" actId="14100"/>
+          <ac:spMkLst>
+            <pc:docMk/>
+            <pc:sldMk cId="763755075" sldId="267"/>
+            <ac:spMk id="11" creationId="{EC1031B5-4455-A8A1-E498-E567D02E32B1}"/>
+          </ac:spMkLst>
+        </pc:spChg>
+        <pc:spChg chg="add mod">
+          <ac:chgData name="Ketelyn Medina" userId="4342a56e1256850b" providerId="LiveId" clId="{8082530A-CFC6-4E58-BB3B-959648091726}" dt="2024-05-05T18:36:42.772" v="1608"/>
+          <ac:spMkLst>
+            <pc:docMk/>
+            <pc:sldMk cId="763755075" sldId="267"/>
+            <ac:spMk id="12" creationId="{A0644218-2919-E721-A878-7EB776E4E00A}"/>
+          </ac:spMkLst>
+        </pc:spChg>
+        <pc:spChg chg="add mod">
+          <ac:chgData name="Ketelyn Medina" userId="4342a56e1256850b" providerId="LiveId" clId="{8082530A-CFC6-4E58-BB3B-959648091726}" dt="2024-05-05T18:41:04.718" v="2012" actId="1076"/>
+          <ac:spMkLst>
+            <pc:docMk/>
+            <pc:sldMk cId="763755075" sldId="267"/>
+            <ac:spMk id="13" creationId="{083A9691-7D67-9B57-2076-BD83D12C11C7}"/>
+          </ac:spMkLst>
+        </pc:spChg>
+      </pc:sldChg>
+    </pc:docChg>
+  </pc:docChgLst>
   <pc:docChgLst>
     <pc:chgData name="VAGNER JOSÉ DI BENEDETTO VILLELA DE ANDRADE ." userId="39095851-9987-426c-992c-64b07dc30090" providerId="ADAL" clId="{5B440EA2-DE11-412C-A505-B0319508B54D}"/>
     <pc:docChg chg="undo custSel addSld modSld">
@@ -752,7 +1610,7 @@
           <a:p>
             <a:fld id="{C593B007-2F9B-4FAC-9C9C-D9E65130C08A}" type="datetimeFigureOut">
               <a:rPr lang="pt-BR" smtClean="0"/>
-              <a:t>04/05/2024</a:t>
+              <a:t>05/05/2024</a:t>
             </a:fld>
             <a:endParaRPr lang="pt-BR"/>
           </a:p>
@@ -950,7 +1808,7 @@
           <a:p>
             <a:fld id="{C593B007-2F9B-4FAC-9C9C-D9E65130C08A}" type="datetimeFigureOut">
               <a:rPr lang="pt-BR" smtClean="0"/>
-              <a:t>04/05/2024</a:t>
+              <a:t>05/05/2024</a:t>
             </a:fld>
             <a:endParaRPr lang="pt-BR"/>
           </a:p>
@@ -1158,7 +2016,7 @@
           <a:p>
             <a:fld id="{C593B007-2F9B-4FAC-9C9C-D9E65130C08A}" type="datetimeFigureOut">
               <a:rPr lang="pt-BR" smtClean="0"/>
-              <a:t>04/05/2024</a:t>
+              <a:t>05/05/2024</a:t>
             </a:fld>
             <a:endParaRPr lang="pt-BR"/>
           </a:p>
@@ -1356,7 +2214,7 @@
           <a:p>
             <a:fld id="{C593B007-2F9B-4FAC-9C9C-D9E65130C08A}" type="datetimeFigureOut">
               <a:rPr lang="pt-BR" smtClean="0"/>
-              <a:t>04/05/2024</a:t>
+              <a:t>05/05/2024</a:t>
             </a:fld>
             <a:endParaRPr lang="pt-BR"/>
           </a:p>
@@ -1631,7 +2489,7 @@
           <a:p>
             <a:fld id="{C593B007-2F9B-4FAC-9C9C-D9E65130C08A}" type="datetimeFigureOut">
               <a:rPr lang="pt-BR" smtClean="0"/>
-              <a:t>04/05/2024</a:t>
+              <a:t>05/05/2024</a:t>
             </a:fld>
             <a:endParaRPr lang="pt-BR"/>
           </a:p>
@@ -1896,7 +2754,7 @@
           <a:p>
             <a:fld id="{C593B007-2F9B-4FAC-9C9C-D9E65130C08A}" type="datetimeFigureOut">
               <a:rPr lang="pt-BR" smtClean="0"/>
-              <a:t>04/05/2024</a:t>
+              <a:t>05/05/2024</a:t>
             </a:fld>
             <a:endParaRPr lang="pt-BR"/>
           </a:p>
@@ -2308,7 +3166,7 @@
           <a:p>
             <a:fld id="{C593B007-2F9B-4FAC-9C9C-D9E65130C08A}" type="datetimeFigureOut">
               <a:rPr lang="pt-BR" smtClean="0"/>
-              <a:t>04/05/2024</a:t>
+              <a:t>05/05/2024</a:t>
             </a:fld>
             <a:endParaRPr lang="pt-BR"/>
           </a:p>
@@ -2449,7 +3307,7 @@
           <a:p>
             <a:fld id="{C593B007-2F9B-4FAC-9C9C-D9E65130C08A}" type="datetimeFigureOut">
               <a:rPr lang="pt-BR" smtClean="0"/>
-              <a:t>04/05/2024</a:t>
+              <a:t>05/05/2024</a:t>
             </a:fld>
             <a:endParaRPr lang="pt-BR"/>
           </a:p>
@@ -2562,7 +3420,7 @@
           <a:p>
             <a:fld id="{C593B007-2F9B-4FAC-9C9C-D9E65130C08A}" type="datetimeFigureOut">
               <a:rPr lang="pt-BR" smtClean="0"/>
-              <a:t>04/05/2024</a:t>
+              <a:t>05/05/2024</a:t>
             </a:fld>
             <a:endParaRPr lang="pt-BR"/>
           </a:p>
@@ -2873,7 +3731,7 @@
           <a:p>
             <a:fld id="{C593B007-2F9B-4FAC-9C9C-D9E65130C08A}" type="datetimeFigureOut">
               <a:rPr lang="pt-BR" smtClean="0"/>
-              <a:t>04/05/2024</a:t>
+              <a:t>05/05/2024</a:t>
             </a:fld>
             <a:endParaRPr lang="pt-BR"/>
           </a:p>
@@ -3161,7 +4019,7 @@
           <a:p>
             <a:fld id="{C593B007-2F9B-4FAC-9C9C-D9E65130C08A}" type="datetimeFigureOut">
               <a:rPr lang="pt-BR" smtClean="0"/>
-              <a:t>04/05/2024</a:t>
+              <a:t>05/05/2024</a:t>
             </a:fld>
             <a:endParaRPr lang="pt-BR"/>
           </a:p>
@@ -3402,7 +4260,7 @@
           <a:p>
             <a:fld id="{C593B007-2F9B-4FAC-9C9C-D9E65130C08A}" type="datetimeFigureOut">
               <a:rPr lang="pt-BR" smtClean="0"/>
-              <a:t>04/05/2024</a:t>
+              <a:t>05/05/2024</a:t>
             </a:fld>
             <a:endParaRPr lang="pt-BR"/>
           </a:p>
@@ -3807,9 +4665,13 @@
   <p:cSld>
     <p:bg>
       <p:bgPr>
-        <a:solidFill>
-          <a:schemeClr val="bg1"/>
-        </a:solidFill>
+        <a:blipFill dpi="0" rotWithShape="1">
+          <a:blip r:embed="rId2">
+            <a:lum/>
+          </a:blip>
+          <a:srcRect/>
+          <a:tile tx="0" ty="0" sx="100000" sy="100000" flip="none" algn="tl"/>
+        </a:blipFill>
         <a:effectLst/>
       </p:bgPr>
     </p:bg>
@@ -3902,7 +4764,8 @@
           <p:nvPr/>
         </p:nvPicPr>
         <p:blipFill rotWithShape="1">
-          <a:blip r:embed="rId2">
+          <a:blip r:embed="rId3">
+            <a:alphaModFix amt="85000"/>
             <a:extLst>
               <a:ext uri="{28A0092B-C50C-407E-A947-70E740481C1C}">
                 <a14:useLocalDpi xmlns:a14="http://schemas.microsoft.com/office/drawing/2010/main" val="0"/>
@@ -4261,38 +5124,6 @@
       </p:sp>
       <p:sp>
         <p:nvSpPr>
-          <p:cNvPr id="5" name="CaixaDeTexto 4">
-            <a:extLst>
-              <a:ext uri="{FF2B5EF4-FFF2-40B4-BE49-F238E27FC236}">
-                <a16:creationId xmlns:a16="http://schemas.microsoft.com/office/drawing/2014/main" id="{F9E05431-9436-DE25-E0FC-AA20248FE1F2}"/>
-              </a:ext>
-            </a:extLst>
-          </p:cNvPr>
-          <p:cNvSpPr txBox="1"/>
-          <p:nvPr/>
-        </p:nvSpPr>
-        <p:spPr>
-          <a:xfrm>
-            <a:off x="2782529" y="3232043"/>
-            <a:ext cx="6272980" cy="369332"/>
-          </a:xfrm>
-          <a:prstGeom prst="rect">
-            <a:avLst/>
-          </a:prstGeom>
-          <a:noFill/>
-        </p:spPr>
-        <p:txBody>
-          <a:bodyPr wrap="square">
-            <a:spAutoFit/>
-          </a:bodyPr>
-          <a:lstStyle/>
-          <a:p>
-            <a:endParaRPr lang="pt-BR" dirty="0"/>
-          </a:p>
-        </p:txBody>
-      </p:sp>
-      <p:sp>
-        <p:nvSpPr>
           <p:cNvPr id="6" name="Rectangle 1">
             <a:extLst>
               <a:ext uri="{FF2B5EF4-FFF2-40B4-BE49-F238E27FC236}">
@@ -4370,6 +5201,192 @@
   <p:clrMapOvr>
     <a:masterClrMapping/>
   </p:clrMapOvr>
+  <p:transition spd="slow">
+    <p:wipe dir="r"/>
+  </p:transition>
+</p:sld>
+</file>
+
+<file path=ppt/slides/slide10.xml><?xml version="1.0" encoding="utf-8"?>
+<p:sld xmlns:a="http://schemas.openxmlformats.org/drawingml/2006/main" xmlns:r="http://schemas.openxmlformats.org/officeDocument/2006/relationships" xmlns:p="http://schemas.openxmlformats.org/presentationml/2006/main">
+  <p:cSld>
+    <p:bg>
+      <p:bgPr>
+        <a:solidFill>
+          <a:srgbClr val="E63946"/>
+        </a:solidFill>
+        <a:effectLst/>
+      </p:bgPr>
+    </p:bg>
+    <p:spTree>
+      <p:nvGrpSpPr>
+        <p:cNvPr id="1" name=""/>
+        <p:cNvGrpSpPr/>
+        <p:nvPr/>
+      </p:nvGrpSpPr>
+      <p:grpSpPr>
+        <a:xfrm>
+          <a:off x="0" y="0"/>
+          <a:ext cx="0" cy="0"/>
+          <a:chOff x="0" y="0"/>
+          <a:chExt cx="0" cy="0"/>
+        </a:xfrm>
+      </p:grpSpPr>
+    </p:spTree>
+    <p:extLst>
+      <p:ext uri="{BB962C8B-B14F-4D97-AF65-F5344CB8AC3E}">
+        <p14:creationId xmlns:p14="http://schemas.microsoft.com/office/powerpoint/2010/main" val="3985326264"/>
+      </p:ext>
+    </p:extLst>
+  </p:cSld>
+  <p:clrMapOvr>
+    <a:masterClrMapping/>
+  </p:clrMapOvr>
+</p:sld>
+</file>
+
+<file path=ppt/slides/slide11.xml><?xml version="1.0" encoding="utf-8"?>
+<p:sld xmlns:a="http://schemas.openxmlformats.org/drawingml/2006/main" xmlns:r="http://schemas.openxmlformats.org/officeDocument/2006/relationships" xmlns:p="http://schemas.openxmlformats.org/presentationml/2006/main">
+  <p:cSld>
+    <p:bg>
+      <p:bgPr>
+        <a:solidFill>
+          <a:srgbClr val="EDF2F4"/>
+        </a:solidFill>
+        <a:effectLst/>
+      </p:bgPr>
+    </p:bg>
+    <p:spTree>
+      <p:nvGrpSpPr>
+        <p:cNvPr id="1" name=""/>
+        <p:cNvGrpSpPr/>
+        <p:nvPr/>
+      </p:nvGrpSpPr>
+      <p:grpSpPr>
+        <a:xfrm>
+          <a:off x="0" y="0"/>
+          <a:ext cx="0" cy="0"/>
+          <a:chOff x="0" y="0"/>
+          <a:chExt cx="0" cy="0"/>
+        </a:xfrm>
+      </p:grpSpPr>
+      <p:pic>
+        <p:nvPicPr>
+          <p:cNvPr id="2" name="Imagem 1" descr="Uma imagem contendo no interior, mesa, computador, grupo&#10;&#10;Descrição gerada automaticamente">
+            <a:extLst>
+              <a:ext uri="{FF2B5EF4-FFF2-40B4-BE49-F238E27FC236}">
+                <a16:creationId xmlns:a16="http://schemas.microsoft.com/office/drawing/2014/main" id="{A0F43605-50CF-2F52-901C-5567AD23653B}"/>
+              </a:ext>
+            </a:extLst>
+          </p:cNvPr>
+          <p:cNvPicPr>
+            <a:picLocks noChangeAspect="1"/>
+          </p:cNvPicPr>
+          <p:nvPr/>
+        </p:nvPicPr>
+        <p:blipFill rotWithShape="1">
+          <a:blip r:embed="rId2">
+            <a:alphaModFix amt="20000"/>
+            <a:extLst>
+              <a:ext uri="{28A0092B-C50C-407E-A947-70E740481C1C}">
+                <a14:useLocalDpi xmlns:a14="http://schemas.microsoft.com/office/drawing/2010/main" val="0"/>
+              </a:ext>
+            </a:extLst>
+          </a:blip>
+          <a:srcRect t="18522" r="9091" b="33470"/>
+          <a:stretch/>
+        </p:blipFill>
+        <p:spPr>
+          <a:xfrm>
+            <a:off x="2913888" y="0"/>
+            <a:ext cx="9278112" cy="6857990"/>
+          </a:xfrm>
+          <a:prstGeom prst="rect">
+            <a:avLst/>
+          </a:prstGeom>
+          <a:effectLst>
+            <a:outerShdw sx="1000" sy="1000" algn="ctr" rotWithShape="0">
+              <a:srgbClr val="000000"/>
+            </a:outerShdw>
+          </a:effectLst>
+        </p:spPr>
+      </p:pic>
+      <p:sp>
+        <p:nvSpPr>
+          <p:cNvPr id="18" name="Fluxograma: Atraso 17">
+            <a:extLst>
+              <a:ext uri="{FF2B5EF4-FFF2-40B4-BE49-F238E27FC236}">
+                <a16:creationId xmlns:a16="http://schemas.microsoft.com/office/drawing/2014/main" id="{49C34B81-B234-728C-05CD-ABBE7E1BC47F}"/>
+              </a:ext>
+            </a:extLst>
+          </p:cNvPr>
+          <p:cNvSpPr/>
+          <p:nvPr/>
+        </p:nvSpPr>
+        <p:spPr>
+          <a:xfrm>
+            <a:off x="0" y="0"/>
+            <a:ext cx="5425440" cy="6858000"/>
+          </a:xfrm>
+          <a:prstGeom prst="flowChartDelay">
+            <a:avLst/>
+          </a:prstGeom>
+          <a:solidFill>
+            <a:srgbClr val="E63946"/>
+          </a:solidFill>
+          <a:ln>
+            <a:noFill/>
+          </a:ln>
+        </p:spPr>
+        <p:style>
+          <a:lnRef idx="2">
+            <a:schemeClr val="accent1">
+              <a:shade val="15000"/>
+            </a:schemeClr>
+          </a:lnRef>
+          <a:fillRef idx="1">
+            <a:schemeClr val="accent1"/>
+          </a:fillRef>
+          <a:effectRef idx="0">
+            <a:schemeClr val="accent1"/>
+          </a:effectRef>
+          <a:fontRef idx="minor">
+            <a:schemeClr val="lt1"/>
+          </a:fontRef>
+        </p:style>
+        <p:txBody>
+          <a:bodyPr rtlCol="0" anchor="ctr"/>
+          <a:lstStyle/>
+          <a:p>
+            <a:pPr algn="ctr"/>
+            <a:endParaRPr lang="pt-BR" dirty="0">
+              <a:noFill/>
+            </a:endParaRPr>
+          </a:p>
+        </p:txBody>
+      </p:sp>
+    </p:spTree>
+    <p:extLst>
+      <p:ext uri="{BB962C8B-B14F-4D97-AF65-F5344CB8AC3E}">
+        <p14:creationId xmlns:p14="http://schemas.microsoft.com/office/powerpoint/2010/main" val="936976568"/>
+      </p:ext>
+    </p:extLst>
+  </p:cSld>
+  <p:clrMapOvr>
+    <a:masterClrMapping/>
+  </p:clrMapOvr>
+  <mc:AlternateContent xmlns:mc="http://schemas.openxmlformats.org/markup-compatibility/2006" xmlns:p14="http://schemas.microsoft.com/office/powerpoint/2010/main">
+    <mc:Choice Requires="p14">
+      <p:transition spd="slow" p14:dur="1250">
+        <p:cover/>
+      </p:transition>
+    </mc:Choice>
+    <mc:Fallback xmlns="">
+      <p:transition spd="slow">
+        <p:cover/>
+      </p:transition>
+    </mc:Fallback>
+  </mc:AlternateContent>
 </p:sld>
 </file>
 
@@ -4560,21 +5577,23 @@
         </p:nvSpPr>
         <p:spPr>
           <a:xfrm>
-            <a:off x="728663" y="1115219"/>
-            <a:ext cx="5505449" cy="2387600"/>
+            <a:off x="728663" y="2661919"/>
+            <a:ext cx="2380297" cy="840899"/>
           </a:xfrm>
         </p:spPr>
         <p:txBody>
           <a:bodyPr vert="horz" lIns="91440" tIns="45720" rIns="91440" bIns="45720" rtlCol="0" anchor="b">
-            <a:normAutofit/>
+            <a:normAutofit fontScale="90000"/>
           </a:bodyPr>
           <a:lstStyle/>
           <a:p>
             <a:r>
-              <a:rPr lang="en-US" sz="5000">
+              <a:rPr lang="en-US" sz="5000" dirty="0">
                 <a:solidFill>
                   <a:schemeClr val="bg1"/>
                 </a:solidFill>
+                <a:latin typeface="Verdana" panose="020B0604030504040204" pitchFamily="34" charset="0"/>
+                <a:ea typeface="Verdana" panose="020B0604030504040204" pitchFamily="34" charset="0"/>
               </a:rPr>
               <a:t>EQUIPE</a:t>
             </a:r>
@@ -4678,6 +5697,9 @@
   <p:clrMapOvr>
     <a:masterClrMapping/>
   </p:clrMapOvr>
+  <p:transition spd="slow">
+    <p:wipe dir="r"/>
+  </p:transition>
   <p:timing>
     <p:tnLst>
       <p:par>
@@ -4776,6 +5798,14 @@
 <file path=ppt/slides/slide3.xml><?xml version="1.0" encoding="utf-8"?>
 <p:sld xmlns:a="http://schemas.openxmlformats.org/drawingml/2006/main" xmlns:r="http://schemas.openxmlformats.org/officeDocument/2006/relationships" xmlns:p="http://schemas.openxmlformats.org/presentationml/2006/main">
   <p:cSld>
+    <p:bg>
+      <p:bgPr>
+        <a:solidFill>
+          <a:schemeClr val="tx1"/>
+        </a:solidFill>
+        <a:effectLst/>
+      </p:bgPr>
+    </p:bg>
     <p:spTree>
       <p:nvGrpSpPr>
         <p:cNvPr id="1" name=""/>
@@ -4790,6 +5820,459 @@
           <a:chExt cx="0" cy="0"/>
         </a:xfrm>
       </p:grpSpPr>
+      <p:sp useBgFill="1">
+        <p:nvSpPr>
+          <p:cNvPr id="14" name="Rectangle 13">
+            <a:extLst>
+              <a:ext uri="{FF2B5EF4-FFF2-40B4-BE49-F238E27FC236}">
+                <a16:creationId xmlns:a16="http://schemas.microsoft.com/office/drawing/2014/main" id="{0671A8AE-40A1-4631-A6B8-581AFF065482}"/>
+              </a:ext>
+              <a:ext uri="{C183D7F6-B498-43B3-948B-1728B52AA6E4}">
+                <adec:decorative xmlns:adec="http://schemas.microsoft.com/office/drawing/2017/decorative" val="1"/>
+              </a:ext>
+            </a:extLst>
+          </p:cNvPr>
+          <p:cNvSpPr>
+            <a:spLocks noGrp="1" noRot="1" noChangeAspect="1" noMove="1" noResize="1" noEditPoints="1" noAdjustHandles="1" noChangeArrowheads="1" noChangeShapeType="1" noTextEdit="1"/>
+          </p:cNvSpPr>
+          <p:nvPr>
+            <p:extLst>
+              <p:ext uri="{386F3935-93C4-4BCD-93E2-E3B085C9AB24}">
+                <p16:designElem xmlns:p16="http://schemas.microsoft.com/office/powerpoint/2015/main" val="1"/>
+              </p:ext>
+            </p:extLst>
+          </p:nvPr>
+        </p:nvSpPr>
+        <p:spPr>
+          <a:xfrm>
+            <a:off x="0" y="0"/>
+            <a:ext cx="12192000" cy="6858000"/>
+          </a:xfrm>
+          <a:prstGeom prst="rect">
+            <a:avLst/>
+          </a:prstGeom>
+          <a:ln>
+            <a:noFill/>
+          </a:ln>
+        </p:spPr>
+        <p:style>
+          <a:lnRef idx="2">
+            <a:schemeClr val="accent1">
+              <a:shade val="50000"/>
+            </a:schemeClr>
+          </a:lnRef>
+          <a:fillRef idx="1">
+            <a:schemeClr val="accent1"/>
+          </a:fillRef>
+          <a:effectRef idx="0">
+            <a:schemeClr val="accent1"/>
+          </a:effectRef>
+          <a:fontRef idx="minor">
+            <a:schemeClr val="lt1"/>
+          </a:fontRef>
+        </p:style>
+        <p:txBody>
+          <a:bodyPr rtlCol="0" anchor="ctr"/>
+          <a:lstStyle/>
+          <a:p>
+            <a:pPr algn="ctr"/>
+            <a:endParaRPr lang="en-US"/>
+          </a:p>
+        </p:txBody>
+      </p:sp>
+      <p:sp>
+        <p:nvSpPr>
+          <p:cNvPr id="16" name="Rectangle 15">
+            <a:extLst>
+              <a:ext uri="{FF2B5EF4-FFF2-40B4-BE49-F238E27FC236}">
+                <a16:creationId xmlns:a16="http://schemas.microsoft.com/office/drawing/2014/main" id="{AB58EF07-17C2-48CF-ABB0-EEF1F17CB8F0}"/>
+              </a:ext>
+              <a:ext uri="{C183D7F6-B498-43B3-948B-1728B52AA6E4}">
+                <adec:decorative xmlns:adec="http://schemas.microsoft.com/office/drawing/2017/decorative" val="1"/>
+              </a:ext>
+            </a:extLst>
+          </p:cNvPr>
+          <p:cNvSpPr>
+            <a:spLocks noGrp="1" noRot="1" noChangeAspect="1" noMove="1" noResize="1" noEditPoints="1" noAdjustHandles="1" noChangeArrowheads="1" noChangeShapeType="1" noTextEdit="1"/>
+          </p:cNvSpPr>
+          <p:nvPr>
+            <p:extLst>
+              <p:ext uri="{386F3935-93C4-4BCD-93E2-E3B085C9AB24}">
+                <p16:designElem xmlns:p16="http://schemas.microsoft.com/office/powerpoint/2015/main" val="1"/>
+              </p:ext>
+            </p:extLst>
+          </p:nvPr>
+        </p:nvSpPr>
+        <p:spPr>
+          <a:xfrm>
+            <a:off x="3" y="0"/>
+            <a:ext cx="9339206" cy="6858000"/>
+          </a:xfrm>
+          <a:prstGeom prst="rect">
+            <a:avLst/>
+          </a:prstGeom>
+          <a:gradFill>
+            <a:gsLst>
+              <a:gs pos="58000">
+                <a:schemeClr val="tx1"/>
+              </a:gs>
+              <a:gs pos="33000">
+                <a:schemeClr val="tx1">
+                  <a:alpha val="64000"/>
+                </a:schemeClr>
+              </a:gs>
+              <a:gs pos="0">
+                <a:schemeClr val="tx1">
+                  <a:alpha val="0"/>
+                </a:schemeClr>
+              </a:gs>
+              <a:gs pos="100000">
+                <a:schemeClr val="tx1"/>
+              </a:gs>
+            </a:gsLst>
+            <a:lin ang="10800000" scaled="0"/>
+          </a:gradFill>
+          <a:ln>
+            <a:noFill/>
+          </a:ln>
+        </p:spPr>
+        <p:style>
+          <a:lnRef idx="2">
+            <a:schemeClr val="accent1">
+              <a:shade val="50000"/>
+            </a:schemeClr>
+          </a:lnRef>
+          <a:fillRef idx="1">
+            <a:schemeClr val="accent1"/>
+          </a:fillRef>
+          <a:effectRef idx="0">
+            <a:schemeClr val="accent1"/>
+          </a:effectRef>
+          <a:fontRef idx="minor">
+            <a:schemeClr val="lt1"/>
+          </a:fontRef>
+        </p:style>
+        <p:txBody>
+          <a:bodyPr rtlCol="0" anchor="ctr"/>
+          <a:lstStyle/>
+          <a:p>
+            <a:pPr algn="ctr"/>
+            <a:endParaRPr lang="en-US" dirty="0"/>
+          </a:p>
+        </p:txBody>
+      </p:sp>
+      <p:sp>
+        <p:nvSpPr>
+          <p:cNvPr id="18" name="Rectangle 17">
+            <a:extLst>
+              <a:ext uri="{FF2B5EF4-FFF2-40B4-BE49-F238E27FC236}">
+                <a16:creationId xmlns:a16="http://schemas.microsoft.com/office/drawing/2014/main" id="{AF2F604E-43BE-4DC3-B983-E071523364F8}"/>
+              </a:ext>
+              <a:ext uri="{C183D7F6-B498-43B3-948B-1728B52AA6E4}">
+                <adec:decorative xmlns:adec="http://schemas.microsoft.com/office/drawing/2017/decorative" val="1"/>
+              </a:ext>
+            </a:extLst>
+          </p:cNvPr>
+          <p:cNvSpPr>
+            <a:spLocks noGrp="1" noRot="1" noChangeAspect="1" noMove="1" noResize="1" noEditPoints="1" noAdjustHandles="1" noChangeArrowheads="1" noChangeShapeType="1" noTextEdit="1"/>
+          </p:cNvSpPr>
+          <p:nvPr>
+            <p:extLst>
+              <p:ext uri="{386F3935-93C4-4BCD-93E2-E3B085C9AB24}">
+                <p16:designElem xmlns:p16="http://schemas.microsoft.com/office/powerpoint/2015/main" val="1"/>
+              </p:ext>
+            </p:extLst>
+          </p:nvPr>
+        </p:nvSpPr>
+        <p:spPr>
+          <a:xfrm rot="5400000">
+            <a:off x="759921" y="346791"/>
+            <a:ext cx="146304" cy="704088"/>
+          </a:xfrm>
+          <a:prstGeom prst="rect">
+            <a:avLst/>
+          </a:prstGeom>
+          <a:solidFill>
+            <a:schemeClr val="accent2"/>
+          </a:solidFill>
+          <a:ln>
+            <a:noFill/>
+          </a:ln>
+        </p:spPr>
+        <p:style>
+          <a:lnRef idx="2">
+            <a:schemeClr val="accent1">
+              <a:shade val="50000"/>
+            </a:schemeClr>
+          </a:lnRef>
+          <a:fillRef idx="1">
+            <a:schemeClr val="accent1"/>
+          </a:fillRef>
+          <a:effectRef idx="0">
+            <a:schemeClr val="accent1"/>
+          </a:effectRef>
+          <a:fontRef idx="minor">
+            <a:schemeClr val="lt1"/>
+          </a:fontRef>
+        </p:style>
+        <p:txBody>
+          <a:bodyPr rtlCol="0" anchor="ctr"/>
+          <a:lstStyle/>
+          <a:p>
+            <a:pPr algn="ctr"/>
+            <a:endParaRPr lang="en-US">
+              <a:solidFill>
+                <a:prstClr val="white"/>
+              </a:solidFill>
+              <a:latin typeface="Calibri" panose="020F0502020204030204"/>
+            </a:endParaRPr>
+          </a:p>
+        </p:txBody>
+      </p:sp>
+      <p:sp>
+        <p:nvSpPr>
+          <p:cNvPr id="20" name="Rectangle 19">
+            <a:extLst>
+              <a:ext uri="{FF2B5EF4-FFF2-40B4-BE49-F238E27FC236}">
+                <a16:creationId xmlns:a16="http://schemas.microsoft.com/office/drawing/2014/main" id="{08C9B587-E65E-4B52-B37C-ABEBB6E87928}"/>
+              </a:ext>
+              <a:ext uri="{C183D7F6-B498-43B3-948B-1728B52AA6E4}">
+                <adec:decorative xmlns:adec="http://schemas.microsoft.com/office/drawing/2017/decorative" val="1"/>
+              </a:ext>
+            </a:extLst>
+          </p:cNvPr>
+          <p:cNvSpPr>
+            <a:spLocks noGrp="1" noRot="1" noChangeAspect="1" noMove="1" noResize="1" noEditPoints="1" noAdjustHandles="1" noChangeArrowheads="1" noChangeShapeType="1" noTextEdit="1"/>
+          </p:cNvSpPr>
+          <p:nvPr>
+            <p:extLst>
+              <p:ext uri="{386F3935-93C4-4BCD-93E2-E3B085C9AB24}">
+                <p16:designElem xmlns:p16="http://schemas.microsoft.com/office/powerpoint/2015/main" val="1"/>
+              </p:ext>
+            </p:extLst>
+          </p:nvPr>
+        </p:nvSpPr>
+        <p:spPr>
+          <a:xfrm>
+            <a:off x="481029" y="4546920"/>
+            <a:ext cx="3977640" cy="18288"/>
+          </a:xfrm>
+          <a:prstGeom prst="rect">
+            <a:avLst/>
+          </a:prstGeom>
+          <a:solidFill>
+            <a:schemeClr val="tx1"/>
+          </a:solidFill>
+          <a:ln w="3175">
+            <a:noFill/>
+          </a:ln>
+          <a:effectLst/>
+        </p:spPr>
+        <p:style>
+          <a:lnRef idx="2">
+            <a:schemeClr val="accent1">
+              <a:shade val="50000"/>
+            </a:schemeClr>
+          </a:lnRef>
+          <a:fillRef idx="1">
+            <a:schemeClr val="accent1"/>
+          </a:fillRef>
+          <a:effectRef idx="0">
+            <a:schemeClr val="accent1"/>
+          </a:effectRef>
+          <a:fontRef idx="minor">
+            <a:schemeClr val="lt1"/>
+          </a:fontRef>
+        </p:style>
+        <p:txBody>
+          <a:bodyPr rtlCol="0" anchor="ctr"/>
+          <a:lstStyle/>
+          <a:p>
+            <a:pPr marL="0" marR="0" lvl="0" indent="0" algn="ctr" defTabSz="914400" rtl="0" eaLnBrk="1" fontAlgn="auto" latinLnBrk="0" hangingPunct="1">
+              <a:lnSpc>
+                <a:spcPct val="100000"/>
+              </a:lnSpc>
+              <a:spcBef>
+                <a:spcPts val="0"/>
+              </a:spcBef>
+              <a:spcAft>
+                <a:spcPts val="0"/>
+              </a:spcAft>
+              <a:buClrTx/>
+              <a:buSzTx/>
+              <a:buFontTx/>
+              <a:buNone/>
+              <a:tabLst/>
+              <a:defRPr/>
+            </a:pPr>
+            <a:endParaRPr kumimoji="0" lang="en-US" sz="1800" b="0" i="0" u="none" strike="noStrike" kern="1200" cap="none" spc="0" normalizeH="0" baseline="0" noProof="0">
+              <a:ln>
+                <a:noFill/>
+              </a:ln>
+              <a:solidFill>
+                <a:prstClr val="white"/>
+              </a:solidFill>
+              <a:effectLst/>
+              <a:uLnTx/>
+              <a:uFillTx/>
+              <a:latin typeface="Calibri" panose="020F0502020204030204"/>
+              <a:ea typeface="+mn-ea"/>
+              <a:cs typeface="+mn-cs"/>
+            </a:endParaRPr>
+          </a:p>
+        </p:txBody>
+      </p:sp>
+      <p:sp>
+        <p:nvSpPr>
+          <p:cNvPr id="6" name="Rectangle 1">
+            <a:extLst>
+              <a:ext uri="{FF2B5EF4-FFF2-40B4-BE49-F238E27FC236}">
+                <a16:creationId xmlns:a16="http://schemas.microsoft.com/office/drawing/2014/main" id="{510F9FC8-E3E0-4916-7E1A-FA4DDBD00DE7}"/>
+              </a:ext>
+            </a:extLst>
+          </p:cNvPr>
+          <p:cNvSpPr>
+            <a:spLocks noChangeArrowheads="1"/>
+          </p:cNvSpPr>
+          <p:nvPr/>
+        </p:nvSpPr>
+        <p:spPr bwMode="auto">
+          <a:xfrm>
+            <a:off x="0" y="0"/>
+            <a:ext cx="12192000" cy="0"/>
+          </a:xfrm>
+          <a:prstGeom prst="rect">
+            <a:avLst/>
+          </a:prstGeom>
+          <a:noFill/>
+          <a:ln>
+            <a:noFill/>
+          </a:ln>
+          <a:effectLst/>
+          <a:extLst>
+            <a:ext uri="{909E8E84-426E-40DD-AFC4-6F175D3DCCD1}">
+              <a14:hiddenFill xmlns:a14="http://schemas.microsoft.com/office/drawing/2010/main">
+                <a:solidFill>
+                  <a:schemeClr val="accent1"/>
+                </a:solidFill>
+              </a14:hiddenFill>
+            </a:ext>
+            <a:ext uri="{91240B29-F687-4F45-9708-019B960494DF}">
+              <a14:hiddenLine xmlns:a14="http://schemas.microsoft.com/office/drawing/2010/main" w="9525">
+                <a:solidFill>
+                  <a:schemeClr val="tx1"/>
+                </a:solidFill>
+                <a:miter lim="800000"/>
+                <a:headEnd/>
+                <a:tailEnd/>
+              </a14:hiddenLine>
+            </a:ext>
+            <a:ext uri="{AF507438-7753-43E0-B8FC-AC1667EBCBE1}">
+              <a14:hiddenEffects xmlns:a14="http://schemas.microsoft.com/office/drawing/2010/main">
+                <a:effectLst>
+                  <a:outerShdw dist="35921" dir="2700000" algn="ctr" rotWithShape="0">
+                    <a:schemeClr val="bg2"/>
+                  </a:outerShdw>
+                </a:effectLst>
+              </a14:hiddenEffects>
+            </a:ext>
+          </a:extLst>
+        </p:spPr>
+        <p:txBody>
+          <a:bodyPr vert="horz" wrap="none" lIns="91440" tIns="45720" rIns="91440" bIns="45720" numCol="1" anchor="ctr" anchorCtr="0" compatLnSpc="1">
+            <a:prstTxWarp prst="textNoShape">
+              <a:avLst/>
+            </a:prstTxWarp>
+            <a:spAutoFit/>
+          </a:bodyPr>
+          <a:lstStyle/>
+          <a:p>
+            <a:endParaRPr lang="pt-BR"/>
+          </a:p>
+        </p:txBody>
+      </p:sp>
+      <p:sp>
+        <p:nvSpPr>
+          <p:cNvPr id="2" name="Título 1">
+            <a:extLst>
+              <a:ext uri="{FF2B5EF4-FFF2-40B4-BE49-F238E27FC236}">
+                <a16:creationId xmlns:a16="http://schemas.microsoft.com/office/drawing/2014/main" id="{BF51CFD8-D552-A71D-BE12-450E14F80B68}"/>
+              </a:ext>
+            </a:extLst>
+          </p:cNvPr>
+          <p:cNvSpPr>
+            <a:spLocks noGrp="1"/>
+          </p:cNvSpPr>
+          <p:nvPr>
+            <p:ph type="ctrTitle"/>
+          </p:nvPr>
+        </p:nvSpPr>
+        <p:spPr>
+          <a:xfrm>
+            <a:off x="5288674" y="2893329"/>
+            <a:ext cx="1614652" cy="777500"/>
+          </a:xfrm>
+        </p:spPr>
+        <p:txBody>
+          <a:bodyPr anchor="b">
+            <a:noAutofit/>
+          </a:bodyPr>
+          <a:lstStyle/>
+          <a:p>
+            <a:pPr algn="l"/>
+            <a:r>
+              <a:rPr lang="pt-BR" sz="4400" dirty="0">
+                <a:solidFill>
+                  <a:schemeClr val="bg1"/>
+                </a:solidFill>
+                <a:latin typeface="Varela"/>
+              </a:rPr>
+              <a:t>VISITA</a:t>
+            </a:r>
+          </a:p>
+        </p:txBody>
+      </p:sp>
+    </p:spTree>
+    <p:extLst>
+      <p:ext uri="{BB962C8B-B14F-4D97-AF65-F5344CB8AC3E}">
+        <p14:creationId xmlns:p14="http://schemas.microsoft.com/office/powerpoint/2010/main" val="230846951"/>
+      </p:ext>
+    </p:extLst>
+  </p:cSld>
+  <p:clrMapOvr>
+    <a:masterClrMapping/>
+  </p:clrMapOvr>
+  <p:transition spd="slow">
+    <p:wipe/>
+  </p:transition>
+</p:sld>
+</file>
+
+<file path=ppt/slides/slide4.xml><?xml version="1.0" encoding="utf-8"?>
+<p:sld xmlns:a="http://schemas.openxmlformats.org/drawingml/2006/main" xmlns:r="http://schemas.openxmlformats.org/officeDocument/2006/relationships" xmlns:p="http://schemas.openxmlformats.org/presentationml/2006/main">
+  <p:cSld>
+    <p:bg>
+      <p:bgPr>
+        <a:solidFill>
+          <a:srgbClr val="EDF2F4"/>
+        </a:solidFill>
+        <a:effectLst/>
+      </p:bgPr>
+    </p:bg>
+    <p:spTree>
+      <p:nvGrpSpPr>
+        <p:cNvPr id="1" name=""/>
+        <p:cNvGrpSpPr/>
+        <p:nvPr/>
+      </p:nvGrpSpPr>
+      <p:grpSpPr>
+        <a:xfrm>
+          <a:off x="0" y="0"/>
+          <a:ext cx="0" cy="0"/>
+          <a:chOff x="0" y="0"/>
+          <a:chExt cx="0" cy="0"/>
+        </a:xfrm>
+      </p:grpSpPr>
       <p:sp>
         <p:nvSpPr>
           <p:cNvPr id="2" name="Título 1">
@@ -4806,38 +6289,10 @@
             <p:ph type="title"/>
           </p:nvPr>
         </p:nvSpPr>
-        <p:spPr/>
-        <p:txBody>
-          <a:bodyPr/>
-          <a:lstStyle/>
-          <a:p>
-            <a:r>
-              <a:rPr lang="pt-BR" dirty="0"/>
-              <a:t>Metodologia e Organização</a:t>
-            </a:r>
-          </a:p>
-        </p:txBody>
-      </p:sp>
-      <p:sp>
-        <p:nvSpPr>
-          <p:cNvPr id="3" name="Espaço Reservado para Conteúdo 2">
-            <a:extLst>
-              <a:ext uri="{FF2B5EF4-FFF2-40B4-BE49-F238E27FC236}">
-                <a16:creationId xmlns:a16="http://schemas.microsoft.com/office/drawing/2014/main" id="{5161CDC8-FF07-0AD5-6381-DD5D23BA23D4}"/>
-              </a:ext>
-            </a:extLst>
-          </p:cNvPr>
-          <p:cNvSpPr>
-            <a:spLocks noGrp="1"/>
-          </p:cNvSpPr>
-          <p:nvPr>
-            <p:ph idx="1"/>
-          </p:nvPr>
-        </p:nvSpPr>
         <p:spPr>
           <a:xfrm>
-            <a:off x="1001593" y="1605782"/>
-            <a:ext cx="3350051" cy="4887093"/>
+            <a:off x="302113" y="261693"/>
+            <a:ext cx="10781838" cy="860649"/>
           </a:xfrm>
         </p:spPr>
         <p:txBody>
@@ -4846,42 +6301,125 @@
           </a:bodyPr>
           <a:lstStyle/>
           <a:p>
+            <a:r>
+              <a:rPr lang="pt-BR" sz="3600" dirty="0">
+                <a:solidFill>
+                  <a:srgbClr val="22223B"/>
+                </a:solidFill>
+                <a:latin typeface="Verdana" panose="020B0604030504040204" pitchFamily="34" charset="0"/>
+                <a:ea typeface="Verdana" panose="020B0604030504040204" pitchFamily="34" charset="0"/>
+              </a:rPr>
+              <a:t>Metodologia e Organização</a:t>
+            </a:r>
+          </a:p>
+        </p:txBody>
+      </p:sp>
+      <p:sp>
+        <p:nvSpPr>
+          <p:cNvPr id="3" name="Espaço Reservado para Conteúdo 2">
+            <a:extLst>
+              <a:ext uri="{FF2B5EF4-FFF2-40B4-BE49-F238E27FC236}">
+                <a16:creationId xmlns:a16="http://schemas.microsoft.com/office/drawing/2014/main" id="{5161CDC8-FF07-0AD5-6381-DD5D23BA23D4}"/>
+              </a:ext>
+            </a:extLst>
+          </p:cNvPr>
+          <p:cNvSpPr>
+            <a:spLocks noGrp="1"/>
+          </p:cNvSpPr>
+          <p:nvPr>
+            <p:ph idx="1"/>
+          </p:nvPr>
+        </p:nvSpPr>
+        <p:spPr>
+          <a:xfrm>
+            <a:off x="1170205" y="1930322"/>
+            <a:ext cx="3350051" cy="2318833"/>
+          </a:xfrm>
+        </p:spPr>
+        <p:txBody>
+          <a:bodyPr>
+            <a:normAutofit/>
+          </a:bodyPr>
+          <a:lstStyle/>
+          <a:p>
             <a:pPr marL="0" indent="0">
               <a:buNone/>
             </a:pPr>
             <a:r>
-              <a:rPr lang="pt-BR" sz="6000" dirty="0"/>
+              <a:rPr lang="pt-BR" sz="3500" dirty="0">
+                <a:solidFill>
+                  <a:srgbClr val="22223B"/>
+                </a:solidFill>
+                <a:latin typeface="Verdana" panose="020B0604030504040204" pitchFamily="34" charset="0"/>
+                <a:ea typeface="Verdana" panose="020B0604030504040204" pitchFamily="34" charset="0"/>
+              </a:rPr>
               <a:t>SCRUM:</a:t>
             </a:r>
           </a:p>
           <a:p>
             <a:r>
-              <a:rPr lang="pt-BR" sz="2000" dirty="0"/>
+              <a:rPr lang="pt-BR" sz="1600" dirty="0">
+                <a:solidFill>
+                  <a:srgbClr val="22223B"/>
+                </a:solidFill>
+                <a:latin typeface="Verdana" panose="020B0604030504040204" pitchFamily="34" charset="0"/>
+                <a:ea typeface="Verdana" panose="020B0604030504040204" pitchFamily="34" charset="0"/>
+              </a:rPr>
               <a:t>Daily</a:t>
             </a:r>
           </a:p>
           <a:p>
             <a:r>
-              <a:rPr lang="pt-BR" sz="2000" dirty="0"/>
+              <a:rPr lang="pt-BR" sz="1600" dirty="0">
+                <a:solidFill>
+                  <a:srgbClr val="22223B"/>
+                </a:solidFill>
+                <a:latin typeface="Verdana" panose="020B0604030504040204" pitchFamily="34" charset="0"/>
+                <a:ea typeface="Verdana" panose="020B0604030504040204" pitchFamily="34" charset="0"/>
+              </a:rPr>
               <a:t>Sprints</a:t>
             </a:r>
           </a:p>
           <a:p>
             <a:r>
-              <a:rPr lang="pt-BR" sz="2000" dirty="0"/>
+              <a:rPr lang="pt-BR" sz="1600" dirty="0">
+                <a:solidFill>
+                  <a:srgbClr val="22223B"/>
+                </a:solidFill>
+                <a:latin typeface="Verdana" panose="020B0604030504040204" pitchFamily="34" charset="0"/>
+                <a:ea typeface="Verdana" panose="020B0604030504040204" pitchFamily="34" charset="0"/>
+              </a:rPr>
               <a:t>Sprint Planning</a:t>
             </a:r>
           </a:p>
           <a:p>
             <a:r>
-              <a:rPr lang="pt-BR" sz="2000" dirty="0"/>
+              <a:rPr lang="pt-BR" sz="1600" dirty="0">
+                <a:solidFill>
+                  <a:srgbClr val="22223B"/>
+                </a:solidFill>
+                <a:latin typeface="Verdana" panose="020B0604030504040204" pitchFamily="34" charset="0"/>
+                <a:ea typeface="Verdana" panose="020B0604030504040204" pitchFamily="34" charset="0"/>
+              </a:rPr>
               <a:t>Sprint </a:t>
             </a:r>
             <a:r>
-              <a:rPr lang="pt-BR" sz="2000" dirty="0" err="1"/>
+              <a:rPr lang="pt-BR" sz="1600" dirty="0" err="1">
+                <a:solidFill>
+                  <a:srgbClr val="22223B"/>
+                </a:solidFill>
+                <a:latin typeface="Verdana" panose="020B0604030504040204" pitchFamily="34" charset="0"/>
+                <a:ea typeface="Verdana" panose="020B0604030504040204" pitchFamily="34" charset="0"/>
+              </a:rPr>
               <a:t>Retrospective</a:t>
             </a:r>
-            <a:endParaRPr lang="pt-BR" sz="2000" dirty="0"/>
+            <a:endParaRPr lang="pt-BR" sz="1600" dirty="0">
+              <a:solidFill>
+                <a:srgbClr val="22223B"/>
+              </a:solidFill>
+              <a:latin typeface="Verdana" panose="020B0604030504040204" pitchFamily="34" charset="0"/>
+              <a:ea typeface="Verdana" panose="020B0604030504040204" pitchFamily="34" charset="0"/>
+            </a:endParaRPr>
           </a:p>
           <a:p>
             <a:endParaRPr lang="pt-BR" sz="1800" dirty="0"/>
@@ -4894,12 +6432,118 @@
           </a:p>
         </p:txBody>
       </p:sp>
+      <p:grpSp>
+        <p:nvGrpSpPr>
+          <p:cNvPr id="5" name="Agrupar 4">
+            <a:extLst>
+              <a:ext uri="{FF2B5EF4-FFF2-40B4-BE49-F238E27FC236}">
+                <a16:creationId xmlns:a16="http://schemas.microsoft.com/office/drawing/2014/main" id="{E5B1075F-FBE6-707B-4B87-408F2FC21B93}"/>
+              </a:ext>
+            </a:extLst>
+          </p:cNvPr>
+          <p:cNvGrpSpPr/>
+          <p:nvPr/>
+        </p:nvGrpSpPr>
+        <p:grpSpPr>
+          <a:xfrm>
+            <a:off x="8150828" y="1610009"/>
+            <a:ext cx="2589806" cy="939275"/>
+            <a:chOff x="8140184" y="1713115"/>
+            <a:chExt cx="2589806" cy="939275"/>
+          </a:xfrm>
+        </p:grpSpPr>
+        <p:pic>
+          <p:nvPicPr>
+            <p:cNvPr id="1026" name="Picture 2">
+              <a:extLst>
+                <a:ext uri="{FF2B5EF4-FFF2-40B4-BE49-F238E27FC236}">
+                  <a16:creationId xmlns:a16="http://schemas.microsoft.com/office/drawing/2014/main" id="{A4B7FC50-3CF9-2392-5CED-4A22B3985719}"/>
+                </a:ext>
+              </a:extLst>
+            </p:cNvPr>
+            <p:cNvPicPr>
+              <a:picLocks noChangeAspect="1" noChangeArrowheads="1"/>
+            </p:cNvPicPr>
+            <p:nvPr/>
+          </p:nvPicPr>
+          <p:blipFill>
+            <a:blip r:embed="rId2">
+              <a:extLst>
+                <a:ext uri="{28A0092B-C50C-407E-A947-70E740481C1C}">
+                  <a14:useLocalDpi xmlns:a14="http://schemas.microsoft.com/office/drawing/2010/main" val="0"/>
+                </a:ext>
+              </a:extLst>
+            </a:blip>
+            <a:srcRect/>
+            <a:stretch>
+              <a:fillRect/>
+            </a:stretch>
+          </p:blipFill>
+          <p:spPr bwMode="auto">
+            <a:xfrm>
+              <a:off x="8140184" y="1713115"/>
+              <a:ext cx="939275" cy="939275"/>
+            </a:xfrm>
+            <a:prstGeom prst="rect">
+              <a:avLst/>
+            </a:prstGeom>
+            <a:noFill/>
+            <a:extLst>
+              <a:ext uri="{909E8E84-426E-40DD-AFC4-6F175D3DCCD1}">
+                <a14:hiddenFill xmlns:a14="http://schemas.microsoft.com/office/drawing/2010/main">
+                  <a:solidFill>
+                    <a:srgbClr val="FFFFFF"/>
+                  </a:solidFill>
+                </a14:hiddenFill>
+              </a:ext>
+            </a:extLst>
+          </p:spPr>
+        </p:pic>
+        <p:sp>
+          <p:nvSpPr>
+            <p:cNvPr id="4" name="CaixaDeTexto 3">
+              <a:extLst>
+                <a:ext uri="{FF2B5EF4-FFF2-40B4-BE49-F238E27FC236}">
+                  <a16:creationId xmlns:a16="http://schemas.microsoft.com/office/drawing/2014/main" id="{69653506-C7EF-3417-0623-767B75632118}"/>
+                </a:ext>
+              </a:extLst>
+            </p:cNvPr>
+            <p:cNvSpPr txBox="1"/>
+            <p:nvPr/>
+          </p:nvSpPr>
+          <p:spPr>
+            <a:xfrm>
+              <a:off x="8942856" y="1936116"/>
+              <a:ext cx="1787134" cy="630942"/>
+            </a:xfrm>
+            <a:prstGeom prst="rect">
+              <a:avLst/>
+            </a:prstGeom>
+            <a:noFill/>
+          </p:spPr>
+          <p:txBody>
+            <a:bodyPr wrap="square" rtlCol="0">
+              <a:spAutoFit/>
+            </a:bodyPr>
+            <a:lstStyle/>
+            <a:p>
+              <a:r>
+                <a:rPr lang="pt-BR" sz="3500" dirty="0">
+                  <a:latin typeface="Verdana" panose="020B0604030504040204" pitchFamily="34" charset="0"/>
+                  <a:ea typeface="Verdana" panose="020B0604030504040204" pitchFamily="34" charset="0"/>
+                </a:rPr>
+                <a:t>GitHub</a:t>
+              </a:r>
+            </a:p>
+          </p:txBody>
+        </p:sp>
+      </p:grpSp>
       <p:pic>
         <p:nvPicPr>
-          <p:cNvPr id="1026" name="Picture 2">
-            <a:extLst>
-              <a:ext uri="{FF2B5EF4-FFF2-40B4-BE49-F238E27FC236}">
-                <a16:creationId xmlns:a16="http://schemas.microsoft.com/office/drawing/2014/main" id="{A4B7FC50-3CF9-2392-5CED-4A22B3985719}"/>
+          <p:cNvPr id="1028" name="Picture 4" descr="Pasta - ícones de arquivos e pastas grátis">
+            <a:extLst>
+              <a:ext uri="{FF2B5EF4-FFF2-40B4-BE49-F238E27FC236}">
+                <a16:creationId xmlns:a16="http://schemas.microsoft.com/office/drawing/2014/main" id="{B01FDC99-A2BA-A7F5-027F-D811DE509FC7}"/>
               </a:ext>
             </a:extLst>
           </p:cNvPr>
@@ -4909,7 +6553,7 @@
           <p:nvPr/>
         </p:nvPicPr>
         <p:blipFill>
-          <a:blip r:embed="rId2">
+          <a:blip r:embed="rId3">
             <a:extLst>
               <a:ext uri="{28A0092B-C50C-407E-A947-70E740481C1C}">
                 <a14:useLocalDpi xmlns:a14="http://schemas.microsoft.com/office/drawing/2010/main" val="0"/>
@@ -4923,8 +6567,8 @@
         </p:blipFill>
         <p:spPr bwMode="auto">
           <a:xfrm>
-            <a:off x="7389059" y="1312312"/>
-            <a:ext cx="1182963" cy="1182963"/>
+            <a:off x="8150828" y="3217341"/>
+            <a:ext cx="537030" cy="515723"/>
           </a:xfrm>
           <a:prstGeom prst="rect">
             <a:avLst/>
@@ -4943,10 +6587,10 @@
       </p:pic>
       <p:sp>
         <p:nvSpPr>
-          <p:cNvPr id="4" name="CaixaDeTexto 3">
-            <a:extLst>
-              <a:ext uri="{FF2B5EF4-FFF2-40B4-BE49-F238E27FC236}">
-                <a16:creationId xmlns:a16="http://schemas.microsoft.com/office/drawing/2014/main" id="{69653506-C7EF-3417-0623-767B75632118}"/>
+          <p:cNvPr id="8" name="CaixaDeTexto 7">
+            <a:extLst>
+              <a:ext uri="{FF2B5EF4-FFF2-40B4-BE49-F238E27FC236}">
+                <a16:creationId xmlns:a16="http://schemas.microsoft.com/office/drawing/2014/main" id="{C3369C1D-136B-54E8-3981-7C2EDC2AFA7F}"/>
               </a:ext>
             </a:extLst>
           </p:cNvPr>
@@ -4955,8 +6599,8 @@
         </p:nvSpPr>
         <p:spPr>
           <a:xfrm>
-            <a:off x="8546569" y="1401063"/>
-            <a:ext cx="3062868" cy="1015663"/>
+            <a:off x="8711381" y="3198167"/>
+            <a:ext cx="2937415" cy="461665"/>
           </a:xfrm>
           <a:prstGeom prst="rect">
             <a:avLst/>
@@ -4970,19 +6614,31 @@
           <a:lstStyle/>
           <a:p>
             <a:r>
-              <a:rPr lang="pt-BR" sz="6000" dirty="0"/>
-              <a:t>GitHub</a:t>
-            </a:r>
-            <a:endParaRPr lang="pt-BR" sz="4400" dirty="0"/>
+              <a:rPr lang="pt-BR" sz="2400" dirty="0" err="1">
+                <a:solidFill>
+                  <a:srgbClr val="22223B"/>
+                </a:solidFill>
+                <a:latin typeface="Verdana" panose="020B0604030504040204" pitchFamily="34" charset="0"/>
+                <a:ea typeface="Verdana" panose="020B0604030504040204" pitchFamily="34" charset="0"/>
+              </a:rPr>
+              <a:t>Banco_de_Dados</a:t>
+            </a:r>
+            <a:endParaRPr lang="pt-BR" dirty="0">
+              <a:solidFill>
+                <a:srgbClr val="22223B"/>
+              </a:solidFill>
+              <a:latin typeface="Verdana" panose="020B0604030504040204" pitchFamily="34" charset="0"/>
+              <a:ea typeface="Verdana" panose="020B0604030504040204" pitchFamily="34" charset="0"/>
+            </a:endParaRPr>
           </a:p>
         </p:txBody>
       </p:sp>
       <p:pic>
         <p:nvPicPr>
-          <p:cNvPr id="1028" name="Picture 4" descr="Pasta - ícones de arquivos e pastas grátis">
-            <a:extLst>
-              <a:ext uri="{FF2B5EF4-FFF2-40B4-BE49-F238E27FC236}">
-                <a16:creationId xmlns:a16="http://schemas.microsoft.com/office/drawing/2014/main" id="{B01FDC99-A2BA-A7F5-027F-D811DE509FC7}"/>
+          <p:cNvPr id="10" name="Picture 4" descr="Pasta - ícones de arquivos e pastas grátis">
+            <a:extLst>
+              <a:ext uri="{FF2B5EF4-FFF2-40B4-BE49-F238E27FC236}">
+                <a16:creationId xmlns:a16="http://schemas.microsoft.com/office/drawing/2014/main" id="{38166DD5-B561-E941-B9DF-B7A5CFF0422C}"/>
               </a:ext>
             </a:extLst>
           </p:cNvPr>
@@ -5006,8 +6662,8 @@
         </p:blipFill>
         <p:spPr bwMode="auto">
           <a:xfrm>
-            <a:off x="7846029" y="2661894"/>
-            <a:ext cx="442565" cy="442565"/>
+            <a:off x="8150828" y="4018888"/>
+            <a:ext cx="537030" cy="515723"/>
           </a:xfrm>
           <a:prstGeom prst="rect">
             <a:avLst/>
@@ -5026,10 +6682,10 @@
       </p:pic>
       <p:sp>
         <p:nvSpPr>
-          <p:cNvPr id="8" name="CaixaDeTexto 7">
-            <a:extLst>
-              <a:ext uri="{FF2B5EF4-FFF2-40B4-BE49-F238E27FC236}">
-                <a16:creationId xmlns:a16="http://schemas.microsoft.com/office/drawing/2014/main" id="{C3369C1D-136B-54E8-3981-7C2EDC2AFA7F}"/>
+          <p:cNvPr id="11" name="CaixaDeTexto 10">
+            <a:extLst>
+              <a:ext uri="{FF2B5EF4-FFF2-40B4-BE49-F238E27FC236}">
+                <a16:creationId xmlns:a16="http://schemas.microsoft.com/office/drawing/2014/main" id="{F1FD733B-1603-551D-9FC5-27D724BC858D}"/>
               </a:ext>
             </a:extLst>
           </p:cNvPr>
@@ -5038,8 +6694,8 @@
         </p:nvSpPr>
         <p:spPr>
           <a:xfrm>
-            <a:off x="8406582" y="2661329"/>
-            <a:ext cx="2519921" cy="461665"/>
+            <a:off x="8711382" y="4018323"/>
+            <a:ext cx="2176316" cy="461665"/>
           </a:xfrm>
           <a:prstGeom prst="rect">
             <a:avLst/>
@@ -5047,25 +6703,37 @@
           <a:noFill/>
         </p:spPr>
         <p:txBody>
-          <a:bodyPr wrap="none" rtlCol="0">
+          <a:bodyPr wrap="square" rtlCol="0">
             <a:spAutoFit/>
           </a:bodyPr>
           <a:lstStyle/>
           <a:p>
             <a:r>
-              <a:rPr lang="pt-BR" sz="2400" dirty="0" err="1"/>
-              <a:t>Banco_de_Dados</a:t>
-            </a:r>
-            <a:endParaRPr lang="pt-BR" dirty="0"/>
+              <a:rPr lang="pt-BR" sz="2400" dirty="0">
+                <a:solidFill>
+                  <a:srgbClr val="22223B"/>
+                </a:solidFill>
+                <a:latin typeface="Verdana" panose="020B0604030504040204" pitchFamily="34" charset="0"/>
+                <a:ea typeface="Verdana" panose="020B0604030504040204" pitchFamily="34" charset="0"/>
+              </a:rPr>
+              <a:t>Documentos</a:t>
+            </a:r>
+            <a:endParaRPr lang="pt-BR" dirty="0">
+              <a:solidFill>
+                <a:srgbClr val="22223B"/>
+              </a:solidFill>
+              <a:latin typeface="Verdana" panose="020B0604030504040204" pitchFamily="34" charset="0"/>
+              <a:ea typeface="Verdana" panose="020B0604030504040204" pitchFamily="34" charset="0"/>
+            </a:endParaRPr>
           </a:p>
         </p:txBody>
       </p:sp>
       <p:pic>
         <p:nvPicPr>
-          <p:cNvPr id="10" name="Picture 4" descr="Pasta - ícones de arquivos e pastas grátis">
-            <a:extLst>
-              <a:ext uri="{FF2B5EF4-FFF2-40B4-BE49-F238E27FC236}">
-                <a16:creationId xmlns:a16="http://schemas.microsoft.com/office/drawing/2014/main" id="{38166DD5-B561-E941-B9DF-B7A5CFF0422C}"/>
+          <p:cNvPr id="12" name="Picture 4" descr="Pasta - ícones de arquivos e pastas grátis">
+            <a:extLst>
+              <a:ext uri="{FF2B5EF4-FFF2-40B4-BE49-F238E27FC236}">
+                <a16:creationId xmlns:a16="http://schemas.microsoft.com/office/drawing/2014/main" id="{7923D9CC-8864-F46E-68B5-1C96138C1508}"/>
               </a:ext>
             </a:extLst>
           </p:cNvPr>
@@ -5089,8 +6757,8 @@
         </p:blipFill>
         <p:spPr bwMode="auto">
           <a:xfrm>
-            <a:off x="7846029" y="3482050"/>
-            <a:ext cx="442565" cy="442565"/>
+            <a:off x="8156264" y="4831269"/>
+            <a:ext cx="537030" cy="515723"/>
           </a:xfrm>
           <a:prstGeom prst="rect">
             <a:avLst/>
@@ -5109,10 +6777,10 @@
       </p:pic>
       <p:sp>
         <p:nvSpPr>
-          <p:cNvPr id="11" name="CaixaDeTexto 10">
-            <a:extLst>
-              <a:ext uri="{FF2B5EF4-FFF2-40B4-BE49-F238E27FC236}">
-                <a16:creationId xmlns:a16="http://schemas.microsoft.com/office/drawing/2014/main" id="{F1FD733B-1603-551D-9FC5-27D724BC858D}"/>
+          <p:cNvPr id="13" name="CaixaDeTexto 12">
+            <a:extLst>
+              <a:ext uri="{FF2B5EF4-FFF2-40B4-BE49-F238E27FC236}">
+                <a16:creationId xmlns:a16="http://schemas.microsoft.com/office/drawing/2014/main" id="{167A2AA1-3F45-D352-67E0-D09C55F5E60F}"/>
               </a:ext>
             </a:extLst>
           </p:cNvPr>
@@ -5121,8 +6789,8 @@
         </p:nvSpPr>
         <p:spPr>
           <a:xfrm>
-            <a:off x="8406582" y="3481485"/>
-            <a:ext cx="1911229" cy="461665"/>
+            <a:off x="8716817" y="4812095"/>
+            <a:ext cx="2494953" cy="461665"/>
           </a:xfrm>
           <a:prstGeom prst="rect">
             <a:avLst/>
@@ -5130,25 +6798,37 @@
           <a:noFill/>
         </p:spPr>
         <p:txBody>
-          <a:bodyPr wrap="none" rtlCol="0">
+          <a:bodyPr wrap="square" rtlCol="0">
             <a:spAutoFit/>
           </a:bodyPr>
           <a:lstStyle/>
           <a:p>
             <a:r>
-              <a:rPr lang="pt-BR" sz="2400" dirty="0"/>
-              <a:t>Documentos</a:t>
-            </a:r>
-            <a:endParaRPr lang="pt-BR" dirty="0"/>
+              <a:rPr lang="pt-BR" sz="2400" dirty="0" err="1">
+                <a:solidFill>
+                  <a:srgbClr val="22223B"/>
+                </a:solidFill>
+                <a:latin typeface="Verdana" panose="020B0604030504040204" pitchFamily="34" charset="0"/>
+                <a:ea typeface="Verdana" panose="020B0604030504040204" pitchFamily="34" charset="0"/>
+              </a:rPr>
+              <a:t>Login_Netmed</a:t>
+            </a:r>
+            <a:endParaRPr lang="pt-BR" dirty="0">
+              <a:solidFill>
+                <a:srgbClr val="22223B"/>
+              </a:solidFill>
+              <a:latin typeface="Verdana" panose="020B0604030504040204" pitchFamily="34" charset="0"/>
+              <a:ea typeface="Verdana" panose="020B0604030504040204" pitchFamily="34" charset="0"/>
+            </a:endParaRPr>
           </a:p>
         </p:txBody>
       </p:sp>
       <p:pic>
         <p:nvPicPr>
-          <p:cNvPr id="12" name="Picture 4" descr="Pasta - ícones de arquivos e pastas grátis">
-            <a:extLst>
-              <a:ext uri="{FF2B5EF4-FFF2-40B4-BE49-F238E27FC236}">
-                <a16:creationId xmlns:a16="http://schemas.microsoft.com/office/drawing/2014/main" id="{7923D9CC-8864-F46E-68B5-1C96138C1508}"/>
+          <p:cNvPr id="14" name="Picture 4" descr="Pasta - ícones de arquivos e pastas grátis">
+            <a:extLst>
+              <a:ext uri="{FF2B5EF4-FFF2-40B4-BE49-F238E27FC236}">
+                <a16:creationId xmlns:a16="http://schemas.microsoft.com/office/drawing/2014/main" id="{E9F3F5D2-3972-8075-51D6-085620EFBB7D}"/>
               </a:ext>
             </a:extLst>
           </p:cNvPr>
@@ -5172,8 +6852,8 @@
         </p:blipFill>
         <p:spPr bwMode="auto">
           <a:xfrm>
-            <a:off x="7851465" y="4275822"/>
-            <a:ext cx="442565" cy="442565"/>
+            <a:off x="8156264" y="5670525"/>
+            <a:ext cx="537030" cy="515723"/>
           </a:xfrm>
           <a:prstGeom prst="rect">
             <a:avLst/>
@@ -5192,10 +6872,10 @@
       </p:pic>
       <p:sp>
         <p:nvSpPr>
-          <p:cNvPr id="13" name="CaixaDeTexto 12">
-            <a:extLst>
-              <a:ext uri="{FF2B5EF4-FFF2-40B4-BE49-F238E27FC236}">
-                <a16:creationId xmlns:a16="http://schemas.microsoft.com/office/drawing/2014/main" id="{167A2AA1-3F45-D352-67E0-D09C55F5E60F}"/>
+          <p:cNvPr id="15" name="CaixaDeTexto 14">
+            <a:extLst>
+              <a:ext uri="{FF2B5EF4-FFF2-40B4-BE49-F238E27FC236}">
+                <a16:creationId xmlns:a16="http://schemas.microsoft.com/office/drawing/2014/main" id="{7AE60127-37B0-DBA1-1337-4D79A0CD6557}"/>
               </a:ext>
             </a:extLst>
           </p:cNvPr>
@@ -5204,8 +6884,8 @@
         </p:nvSpPr>
         <p:spPr>
           <a:xfrm>
-            <a:off x="8412018" y="4275257"/>
-            <a:ext cx="2120260" cy="461665"/>
+            <a:off x="8716818" y="5651351"/>
+            <a:ext cx="2973736" cy="461665"/>
           </a:xfrm>
           <a:prstGeom prst="rect">
             <a:avLst/>
@@ -5213,72 +6893,37 @@
           <a:noFill/>
         </p:spPr>
         <p:txBody>
-          <a:bodyPr wrap="none" rtlCol="0">
+          <a:bodyPr wrap="square" rtlCol="0">
             <a:spAutoFit/>
           </a:bodyPr>
           <a:lstStyle/>
           <a:p>
             <a:r>
-              <a:rPr lang="pt-BR" sz="2400" dirty="0" err="1"/>
-              <a:t>Login_Netmed</a:t>
-            </a:r>
-            <a:endParaRPr lang="pt-BR" dirty="0"/>
-          </a:p>
-        </p:txBody>
-      </p:sp>
-      <p:pic>
-        <p:nvPicPr>
-          <p:cNvPr id="14" name="Picture 4" descr="Pasta - ícones de arquivos e pastas grátis">
-            <a:extLst>
-              <a:ext uri="{FF2B5EF4-FFF2-40B4-BE49-F238E27FC236}">
-                <a16:creationId xmlns:a16="http://schemas.microsoft.com/office/drawing/2014/main" id="{E9F3F5D2-3972-8075-51D6-085620EFBB7D}"/>
-              </a:ext>
-            </a:extLst>
-          </p:cNvPr>
-          <p:cNvPicPr>
-            <a:picLocks noChangeAspect="1" noChangeArrowheads="1"/>
-          </p:cNvPicPr>
-          <p:nvPr/>
-        </p:nvPicPr>
-        <p:blipFill>
-          <a:blip r:embed="rId3">
-            <a:extLst>
-              <a:ext uri="{28A0092B-C50C-407E-A947-70E740481C1C}">
-                <a14:useLocalDpi xmlns:a14="http://schemas.microsoft.com/office/drawing/2010/main" val="0"/>
-              </a:ext>
-            </a:extLst>
-          </a:blip>
-          <a:srcRect/>
-          <a:stretch>
-            <a:fillRect/>
-          </a:stretch>
-        </p:blipFill>
-        <p:spPr bwMode="auto">
-          <a:xfrm>
-            <a:off x="7851465" y="5115078"/>
-            <a:ext cx="442565" cy="442565"/>
-          </a:xfrm>
-          <a:prstGeom prst="rect">
-            <a:avLst/>
-          </a:prstGeom>
-          <a:noFill/>
-          <a:extLst>
-            <a:ext uri="{909E8E84-426E-40DD-AFC4-6F175D3DCCD1}">
-              <a14:hiddenFill xmlns:a14="http://schemas.microsoft.com/office/drawing/2010/main">
+              <a:rPr lang="pt-BR" sz="2400" u="sng" dirty="0" err="1">
                 <a:solidFill>
-                  <a:srgbClr val="FFFFFF"/>
+                  <a:srgbClr val="22223B"/>
                 </a:solidFill>
-              </a14:hiddenFill>
-            </a:ext>
-          </a:extLst>
-        </p:spPr>
-      </p:pic>
-      <p:sp>
-        <p:nvSpPr>
-          <p:cNvPr id="15" name="CaixaDeTexto 14">
-            <a:extLst>
-              <a:ext uri="{FF2B5EF4-FFF2-40B4-BE49-F238E27FC236}">
-                <a16:creationId xmlns:a16="http://schemas.microsoft.com/office/drawing/2014/main" id="{7AE60127-37B0-DBA1-1337-4D79A0CD6557}"/>
+                <a:latin typeface="Verdana" panose="020B0604030504040204" pitchFamily="34" charset="0"/>
+                <a:ea typeface="Verdana" panose="020B0604030504040204" pitchFamily="34" charset="0"/>
+              </a:rPr>
+              <a:t>Site_Institucional</a:t>
+            </a:r>
+            <a:endParaRPr lang="pt-BR" u="sng" dirty="0">
+              <a:solidFill>
+                <a:srgbClr val="22223B"/>
+              </a:solidFill>
+              <a:latin typeface="Verdana" panose="020B0604030504040204" pitchFamily="34" charset="0"/>
+              <a:ea typeface="Verdana" panose="020B0604030504040204" pitchFamily="34" charset="0"/>
+            </a:endParaRPr>
+          </a:p>
+        </p:txBody>
+      </p:sp>
+      <p:sp>
+        <p:nvSpPr>
+          <p:cNvPr id="16" name="CaixaDeTexto 15">
+            <a:extLst>
+              <a:ext uri="{FF2B5EF4-FFF2-40B4-BE49-F238E27FC236}">
+                <a16:creationId xmlns:a16="http://schemas.microsoft.com/office/drawing/2014/main" id="{6ACF3904-1EFF-12EA-8577-2DA04B669099}"/>
               </a:ext>
             </a:extLst>
           </p:cNvPr>
@@ -5287,8 +6932,8 @@
         </p:nvSpPr>
         <p:spPr>
           <a:xfrm>
-            <a:off x="8412018" y="5114513"/>
-            <a:ext cx="2494529" cy="461665"/>
+            <a:off x="5260531" y="1902260"/>
+            <a:ext cx="1409748" cy="1123384"/>
           </a:xfrm>
           <a:prstGeom prst="rect">
             <a:avLst/>
@@ -5296,87 +6941,1262 @@
           <a:noFill/>
         </p:spPr>
         <p:txBody>
-          <a:bodyPr wrap="none" rtlCol="0">
+          <a:bodyPr wrap="square" rtlCol="0">
             <a:spAutoFit/>
           </a:bodyPr>
           <a:lstStyle/>
           <a:p>
-            <a:r>
-              <a:rPr lang="pt-BR" sz="2400" u="sng" dirty="0" err="1"/>
-              <a:t>Site_Institucional</a:t>
-            </a:r>
-            <a:endParaRPr lang="pt-BR" u="sng" dirty="0"/>
-          </a:p>
-        </p:txBody>
-      </p:sp>
-      <p:sp>
-        <p:nvSpPr>
-          <p:cNvPr id="16" name="CaixaDeTexto 15">
-            <a:extLst>
-              <a:ext uri="{FF2B5EF4-FFF2-40B4-BE49-F238E27FC236}">
-                <a16:creationId xmlns:a16="http://schemas.microsoft.com/office/drawing/2014/main" id="{6ACF3904-1EFF-12EA-8577-2DA04B669099}"/>
-              </a:ext>
-            </a:extLst>
-          </p:cNvPr>
-          <p:cNvSpPr txBox="1"/>
-          <p:nvPr/>
+            <a:pPr marL="0" indent="0">
+              <a:buNone/>
+            </a:pPr>
+            <a:r>
+              <a:rPr lang="pt-BR" sz="3500" dirty="0">
+                <a:solidFill>
+                  <a:srgbClr val="22223B"/>
+                </a:solidFill>
+                <a:latin typeface="Verdana" panose="020B0604030504040204" pitchFamily="34" charset="0"/>
+                <a:ea typeface="Verdana" panose="020B0604030504040204" pitchFamily="34" charset="0"/>
+              </a:rPr>
+              <a:t>EOS:</a:t>
+            </a:r>
+          </a:p>
+          <a:p>
+            <a:pPr marL="342900" indent="-342900">
+              <a:buFont typeface="Arial" panose="020B0604020202020204" pitchFamily="34" charset="0"/>
+              <a:buChar char="•"/>
+            </a:pPr>
+            <a:r>
+              <a:rPr lang="pt-BR" sz="1600" dirty="0">
+                <a:solidFill>
+                  <a:srgbClr val="22223B"/>
+                </a:solidFill>
+                <a:latin typeface="Verdana" panose="020B0604030504040204" pitchFamily="34" charset="0"/>
+                <a:ea typeface="Verdana" panose="020B0604030504040204" pitchFamily="34" charset="0"/>
+              </a:rPr>
+              <a:t>L-10</a:t>
+            </a:r>
+          </a:p>
+          <a:p>
+            <a:pPr marL="342900" indent="-342900">
+              <a:buFont typeface="Arial" panose="020B0604020202020204" pitchFamily="34" charset="0"/>
+              <a:buChar char="•"/>
+            </a:pPr>
+            <a:r>
+              <a:rPr lang="pt-BR" sz="1600" dirty="0">
+                <a:solidFill>
+                  <a:srgbClr val="22223B"/>
+                </a:solidFill>
+                <a:latin typeface="Verdana" panose="020B0604030504040204" pitchFamily="34" charset="0"/>
+                <a:ea typeface="Verdana" panose="020B0604030504040204" pitchFamily="34" charset="0"/>
+              </a:rPr>
+              <a:t>IDS</a:t>
+            </a:r>
+          </a:p>
+        </p:txBody>
+      </p:sp>
+    </p:spTree>
+    <p:extLst>
+      <p:ext uri="{BB962C8B-B14F-4D97-AF65-F5344CB8AC3E}">
+        <p14:creationId xmlns:p14="http://schemas.microsoft.com/office/powerpoint/2010/main" val="3053839141"/>
+      </p:ext>
+    </p:extLst>
+  </p:cSld>
+  <p:clrMapOvr>
+    <a:masterClrMapping/>
+  </p:clrMapOvr>
+</p:sld>
+</file>
+
+<file path=ppt/slides/slide5.xml><?xml version="1.0" encoding="utf-8"?>
+<p:sld xmlns:a="http://schemas.openxmlformats.org/drawingml/2006/main" xmlns:r="http://schemas.openxmlformats.org/officeDocument/2006/relationships" xmlns:p="http://schemas.openxmlformats.org/presentationml/2006/main">
+  <p:cSld>
+    <p:bg>
+      <p:bgPr>
+        <a:solidFill>
+          <a:srgbClr val="EDF2F4"/>
+        </a:solidFill>
+        <a:effectLst/>
+      </p:bgPr>
+    </p:bg>
+    <p:spTree>
+      <p:nvGrpSpPr>
+        <p:cNvPr id="1" name=""/>
+        <p:cNvGrpSpPr/>
+        <p:nvPr/>
+      </p:nvGrpSpPr>
+      <p:grpSpPr>
+        <a:xfrm>
+          <a:off x="0" y="0"/>
+          <a:ext cx="0" cy="0"/>
+          <a:chOff x="0" y="0"/>
+          <a:chExt cx="0" cy="0"/>
+        </a:xfrm>
+      </p:grpSpPr>
+      <p:sp>
+        <p:nvSpPr>
+          <p:cNvPr id="2" name="Título 1">
+            <a:extLst>
+              <a:ext uri="{FF2B5EF4-FFF2-40B4-BE49-F238E27FC236}">
+                <a16:creationId xmlns:a16="http://schemas.microsoft.com/office/drawing/2014/main" id="{4513B46C-8276-1518-93A5-526E041946FC}"/>
+              </a:ext>
+            </a:extLst>
+          </p:cNvPr>
+          <p:cNvSpPr>
+            <a:spLocks noGrp="1"/>
+          </p:cNvSpPr>
+          <p:nvPr>
+            <p:ph type="title"/>
+          </p:nvPr>
         </p:nvSpPr>
         <p:spPr>
           <a:xfrm>
-            <a:off x="4686252" y="1557881"/>
-            <a:ext cx="1911229" cy="2154436"/>
+            <a:off x="302113" y="261693"/>
+            <a:ext cx="10781838" cy="860649"/>
+          </a:xfrm>
+        </p:spPr>
+        <p:txBody>
+          <a:bodyPr>
+            <a:normAutofit/>
+          </a:bodyPr>
+          <a:lstStyle/>
+          <a:p>
+            <a:r>
+              <a:rPr lang="pt-BR" sz="3600" dirty="0">
+                <a:solidFill>
+                  <a:srgbClr val="22223B"/>
+                </a:solidFill>
+                <a:latin typeface="Verdana" panose="020B0604030504040204" pitchFamily="34" charset="0"/>
+                <a:ea typeface="Verdana" panose="020B0604030504040204" pitchFamily="34" charset="0"/>
+              </a:rPr>
+              <a:t>Solução Técnica</a:t>
+            </a:r>
+          </a:p>
+        </p:txBody>
+      </p:sp>
+    </p:spTree>
+    <p:extLst>
+      <p:ext uri="{BB962C8B-B14F-4D97-AF65-F5344CB8AC3E}">
+        <p14:creationId xmlns:p14="http://schemas.microsoft.com/office/powerpoint/2010/main" val="1617020131"/>
+      </p:ext>
+    </p:extLst>
+  </p:cSld>
+  <p:clrMapOvr>
+    <a:masterClrMapping/>
+  </p:clrMapOvr>
+</p:sld>
+</file>
+
+<file path=ppt/slides/slide6.xml><?xml version="1.0" encoding="utf-8"?>
+<p:sld xmlns:a="http://schemas.openxmlformats.org/drawingml/2006/main" xmlns:r="http://schemas.openxmlformats.org/officeDocument/2006/relationships" xmlns:p="http://schemas.openxmlformats.org/presentationml/2006/main">
+  <p:cSld>
+    <p:bg>
+      <p:bgPr>
+        <a:solidFill>
+          <a:srgbClr val="EDF2F4"/>
+        </a:solidFill>
+        <a:effectLst/>
+      </p:bgPr>
+    </p:bg>
+    <p:spTree>
+      <p:nvGrpSpPr>
+        <p:cNvPr id="1" name=""/>
+        <p:cNvGrpSpPr/>
+        <p:nvPr/>
+      </p:nvGrpSpPr>
+      <p:grpSpPr>
+        <a:xfrm>
+          <a:off x="0" y="0"/>
+          <a:ext cx="0" cy="0"/>
+          <a:chOff x="0" y="0"/>
+          <a:chExt cx="0" cy="0"/>
+        </a:xfrm>
+      </p:grpSpPr>
+      <p:sp>
+        <p:nvSpPr>
+          <p:cNvPr id="2" name="Título 1">
+            <a:extLst>
+              <a:ext uri="{FF2B5EF4-FFF2-40B4-BE49-F238E27FC236}">
+                <a16:creationId xmlns:a16="http://schemas.microsoft.com/office/drawing/2014/main" id="{4513B46C-8276-1518-93A5-526E041946FC}"/>
+              </a:ext>
+            </a:extLst>
+          </p:cNvPr>
+          <p:cNvSpPr>
+            <a:spLocks noGrp="1"/>
+          </p:cNvSpPr>
+          <p:nvPr>
+            <p:ph type="title"/>
+          </p:nvPr>
+        </p:nvSpPr>
+        <p:spPr>
+          <a:xfrm>
+            <a:off x="302113" y="261693"/>
+            <a:ext cx="10781838" cy="860649"/>
+          </a:xfrm>
+        </p:spPr>
+        <p:txBody>
+          <a:bodyPr>
+            <a:normAutofit/>
+          </a:bodyPr>
+          <a:lstStyle/>
+          <a:p>
+            <a:r>
+              <a:rPr lang="pt-BR" sz="3600" dirty="0">
+                <a:solidFill>
+                  <a:srgbClr val="22223B"/>
+                </a:solidFill>
+                <a:latin typeface="Verdana" panose="020B0604030504040204" pitchFamily="34" charset="0"/>
+                <a:ea typeface="Verdana" panose="020B0604030504040204" pitchFamily="34" charset="0"/>
+              </a:rPr>
+              <a:t>DER</a:t>
+            </a:r>
+          </a:p>
+        </p:txBody>
+      </p:sp>
+    </p:spTree>
+    <p:extLst>
+      <p:ext uri="{BB962C8B-B14F-4D97-AF65-F5344CB8AC3E}">
+        <p14:creationId xmlns:p14="http://schemas.microsoft.com/office/powerpoint/2010/main" val="3028234208"/>
+      </p:ext>
+    </p:extLst>
+  </p:cSld>
+  <p:clrMapOvr>
+    <a:masterClrMapping/>
+  </p:clrMapOvr>
+</p:sld>
+</file>
+
+<file path=ppt/slides/slide7.xml><?xml version="1.0" encoding="utf-8"?>
+<p:sld xmlns:a="http://schemas.openxmlformats.org/drawingml/2006/main" xmlns:r="http://schemas.openxmlformats.org/officeDocument/2006/relationships" xmlns:p="http://schemas.openxmlformats.org/presentationml/2006/main">
+  <p:cSld>
+    <p:bg>
+      <p:bgPr>
+        <a:solidFill>
+          <a:srgbClr val="EDF2F4"/>
+        </a:solidFill>
+        <a:effectLst/>
+      </p:bgPr>
+    </p:bg>
+    <p:spTree>
+      <p:nvGrpSpPr>
+        <p:cNvPr id="1" name=""/>
+        <p:cNvGrpSpPr/>
+        <p:nvPr/>
+      </p:nvGrpSpPr>
+      <p:grpSpPr>
+        <a:xfrm>
+          <a:off x="0" y="0"/>
+          <a:ext cx="0" cy="0"/>
+          <a:chOff x="0" y="0"/>
+          <a:chExt cx="0" cy="0"/>
+        </a:xfrm>
+      </p:grpSpPr>
+      <p:sp>
+        <p:nvSpPr>
+          <p:cNvPr id="2" name="Título 1">
+            <a:extLst>
+              <a:ext uri="{FF2B5EF4-FFF2-40B4-BE49-F238E27FC236}">
+                <a16:creationId xmlns:a16="http://schemas.microsoft.com/office/drawing/2014/main" id="{4513B46C-8276-1518-93A5-526E041946FC}"/>
+              </a:ext>
+            </a:extLst>
+          </p:cNvPr>
+          <p:cNvSpPr>
+            <a:spLocks noGrp="1"/>
+          </p:cNvSpPr>
+          <p:nvPr>
+            <p:ph type="title"/>
+          </p:nvPr>
+        </p:nvSpPr>
+        <p:spPr>
+          <a:xfrm>
+            <a:off x="302113" y="261693"/>
+            <a:ext cx="10781838" cy="860649"/>
+          </a:xfrm>
+        </p:spPr>
+        <p:txBody>
+          <a:bodyPr>
+            <a:normAutofit/>
+          </a:bodyPr>
+          <a:lstStyle/>
+          <a:p>
+            <a:r>
+              <a:rPr lang="pt-BR" sz="3600" dirty="0">
+                <a:solidFill>
+                  <a:srgbClr val="22223B"/>
+                </a:solidFill>
+                <a:latin typeface="Verdana" panose="020B0604030504040204" pitchFamily="34" charset="0"/>
+                <a:ea typeface="Verdana" panose="020B0604030504040204" pitchFamily="34" charset="0"/>
+              </a:rPr>
+              <a:t>BPMN</a:t>
+            </a:r>
+          </a:p>
+        </p:txBody>
+      </p:sp>
+    </p:spTree>
+    <p:extLst>
+      <p:ext uri="{BB962C8B-B14F-4D97-AF65-F5344CB8AC3E}">
+        <p14:creationId xmlns:p14="http://schemas.microsoft.com/office/powerpoint/2010/main" val="4091252498"/>
+      </p:ext>
+    </p:extLst>
+  </p:cSld>
+  <p:clrMapOvr>
+    <a:masterClrMapping/>
+  </p:clrMapOvr>
+</p:sld>
+</file>
+
+<file path=ppt/slides/slide8.xml><?xml version="1.0" encoding="utf-8"?>
+<p:sld xmlns:a="http://schemas.openxmlformats.org/drawingml/2006/main" xmlns:r="http://schemas.openxmlformats.org/officeDocument/2006/relationships" xmlns:p="http://schemas.openxmlformats.org/presentationml/2006/main">
+  <p:cSld>
+    <p:bg>
+      <p:bgPr>
+        <a:solidFill>
+          <a:srgbClr val="EDF2F4"/>
+        </a:solidFill>
+        <a:effectLst/>
+      </p:bgPr>
+    </p:bg>
+    <p:spTree>
+      <p:nvGrpSpPr>
+        <p:cNvPr id="1" name=""/>
+        <p:cNvGrpSpPr/>
+        <p:nvPr/>
+      </p:nvGrpSpPr>
+      <p:grpSpPr>
+        <a:xfrm>
+          <a:off x="0" y="0"/>
+          <a:ext cx="0" cy="0"/>
+          <a:chOff x="0" y="0"/>
+          <a:chExt cx="0" cy="0"/>
+        </a:xfrm>
+      </p:grpSpPr>
+      <p:sp>
+        <p:nvSpPr>
+          <p:cNvPr id="7" name="Retângulo: Cantos Superiores Arredondados 6">
+            <a:extLst>
+              <a:ext uri="{FF2B5EF4-FFF2-40B4-BE49-F238E27FC236}">
+                <a16:creationId xmlns:a16="http://schemas.microsoft.com/office/drawing/2014/main" id="{89591122-9BDA-B1DC-83C5-582FBE8040DE}"/>
+              </a:ext>
+            </a:extLst>
+          </p:cNvPr>
+          <p:cNvSpPr/>
+          <p:nvPr/>
+        </p:nvSpPr>
+        <p:spPr>
+          <a:xfrm rot="5400000">
+            <a:off x="4987414" y="-680883"/>
+            <a:ext cx="6002592" cy="8406583"/>
+          </a:xfrm>
+          <a:prstGeom prst="round2SameRect">
+            <a:avLst/>
+          </a:prstGeom>
+          <a:solidFill>
+            <a:srgbClr val="BABAD8"/>
+          </a:solidFill>
+          <a:ln>
+            <a:noFill/>
+          </a:ln>
+        </p:spPr>
+        <p:style>
+          <a:lnRef idx="2">
+            <a:schemeClr val="accent1">
+              <a:shade val="15000"/>
+            </a:schemeClr>
+          </a:lnRef>
+          <a:fillRef idx="1">
+            <a:schemeClr val="accent1"/>
+          </a:fillRef>
+          <a:effectRef idx="0">
+            <a:schemeClr val="accent1"/>
+          </a:effectRef>
+          <a:fontRef idx="minor">
+            <a:schemeClr val="lt1"/>
+          </a:fontRef>
+        </p:style>
+        <p:txBody>
+          <a:bodyPr rtlCol="0" anchor="ctr"/>
+          <a:lstStyle/>
+          <a:p>
+            <a:pPr algn="ctr"/>
+            <a:endParaRPr lang="pt-BR" dirty="0"/>
+          </a:p>
+        </p:txBody>
+      </p:sp>
+      <p:sp>
+        <p:nvSpPr>
+          <p:cNvPr id="6" name="Retângulo: Cantos Superiores Arredondados 5">
+            <a:extLst>
+              <a:ext uri="{FF2B5EF4-FFF2-40B4-BE49-F238E27FC236}">
+                <a16:creationId xmlns:a16="http://schemas.microsoft.com/office/drawing/2014/main" id="{38563621-48BD-35F9-6511-8CD4F0AB0255}"/>
+              </a:ext>
+            </a:extLst>
+          </p:cNvPr>
+          <p:cNvSpPr/>
+          <p:nvPr/>
+        </p:nvSpPr>
+        <p:spPr>
+          <a:xfrm rot="5400000">
+            <a:off x="-872723" y="872723"/>
+            <a:ext cx="6858000" cy="5112555"/>
+          </a:xfrm>
+          <a:prstGeom prst="round2SameRect">
+            <a:avLst/>
+          </a:prstGeom>
+          <a:solidFill>
+            <a:srgbClr val="22223B"/>
+          </a:solidFill>
+          <a:ln>
+            <a:noFill/>
+          </a:ln>
+        </p:spPr>
+        <p:style>
+          <a:lnRef idx="2">
+            <a:schemeClr val="accent1">
+              <a:shade val="15000"/>
+            </a:schemeClr>
+          </a:lnRef>
+          <a:fillRef idx="1">
+            <a:schemeClr val="accent1"/>
+          </a:fillRef>
+          <a:effectRef idx="0">
+            <a:schemeClr val="accent1"/>
+          </a:effectRef>
+          <a:fontRef idx="minor">
+            <a:schemeClr val="lt1"/>
+          </a:fontRef>
+        </p:style>
+        <p:txBody>
+          <a:bodyPr rtlCol="0" anchor="ctr"/>
+          <a:lstStyle/>
+          <a:p>
+            <a:pPr algn="ctr"/>
+            <a:endParaRPr lang="pt-BR" dirty="0"/>
+          </a:p>
+        </p:txBody>
+      </p:sp>
+      <p:sp>
+        <p:nvSpPr>
+          <p:cNvPr id="8" name="Título 1">
+            <a:extLst>
+              <a:ext uri="{FF2B5EF4-FFF2-40B4-BE49-F238E27FC236}">
+                <a16:creationId xmlns:a16="http://schemas.microsoft.com/office/drawing/2014/main" id="{11E245A8-0589-E184-57BD-64071F3E7DBC}"/>
+              </a:ext>
+            </a:extLst>
+          </p:cNvPr>
+          <p:cNvSpPr>
+            <a:spLocks noGrp="1"/>
+          </p:cNvSpPr>
+          <p:nvPr>
+            <p:ph type="title"/>
+          </p:nvPr>
+        </p:nvSpPr>
+        <p:spPr>
+          <a:xfrm>
+            <a:off x="429933" y="599768"/>
+            <a:ext cx="3689784" cy="860649"/>
+          </a:xfrm>
+        </p:spPr>
+        <p:txBody>
+          <a:bodyPr>
+            <a:noAutofit/>
+          </a:bodyPr>
+          <a:lstStyle/>
+          <a:p>
+            <a:r>
+              <a:rPr lang="pt-BR" sz="1600" dirty="0">
+                <a:solidFill>
+                  <a:srgbClr val="EDF2F4"/>
+                </a:solidFill>
+                <a:latin typeface="Verdana" panose="020B0604030504040204" pitchFamily="34" charset="0"/>
+                <a:ea typeface="Verdana" panose="020B0604030504040204" pitchFamily="34" charset="0"/>
+              </a:rPr>
+              <a:t>O que é o SSH e sua importância na segurança da comunicação em rede?</a:t>
+            </a:r>
+          </a:p>
+        </p:txBody>
+      </p:sp>
+      <p:sp>
+        <p:nvSpPr>
+          <p:cNvPr id="9" name="Título 1">
+            <a:extLst>
+              <a:ext uri="{FF2B5EF4-FFF2-40B4-BE49-F238E27FC236}">
+                <a16:creationId xmlns:a16="http://schemas.microsoft.com/office/drawing/2014/main" id="{F8E54ECC-C108-E4E1-1D93-A126BC5205E4}"/>
+              </a:ext>
+            </a:extLst>
+          </p:cNvPr>
+          <p:cNvSpPr txBox="1">
+            <a:spLocks/>
+          </p:cNvSpPr>
+          <p:nvPr/>
+        </p:nvSpPr>
+        <p:spPr>
+          <a:xfrm>
+            <a:off x="429933" y="2998675"/>
+            <a:ext cx="3689784" cy="860649"/>
           </a:xfrm>
           <a:prstGeom prst="rect">
             <a:avLst/>
           </a:prstGeom>
-          <a:noFill/>
         </p:spPr>
         <p:txBody>
-          <a:bodyPr wrap="square" rtlCol="0">
-            <a:spAutoFit/>
+          <a:bodyPr vert="horz" lIns="91440" tIns="45720" rIns="91440" bIns="45720" rtlCol="0" anchor="ctr">
+            <a:noAutofit/>
           </a:bodyPr>
-          <a:lstStyle/>
-          <a:p>
-            <a:pPr marL="0" indent="0">
+          <a:lstStyle>
+            <a:lvl1pPr algn="l" defTabSz="914400" rtl="0" eaLnBrk="1" latinLnBrk="0" hangingPunct="1">
+              <a:lnSpc>
+                <a:spcPct val="90000"/>
+              </a:lnSpc>
+              <a:spcBef>
+                <a:spcPct val="0"/>
+              </a:spcBef>
               <a:buNone/>
-            </a:pPr>
-            <a:r>
-              <a:rPr lang="pt-BR" sz="6000" dirty="0"/>
-              <a:t>EOS:</a:t>
-            </a:r>
-          </a:p>
-          <a:p>
-            <a:pPr marL="342900" indent="-342900">
-              <a:buFont typeface="Arial" panose="020B0604020202020204" pitchFamily="34" charset="0"/>
-              <a:buChar char="•"/>
-            </a:pPr>
-            <a:r>
-              <a:rPr lang="pt-BR" sz="2000" dirty="0"/>
-              <a:t>L-10</a:t>
-            </a:r>
-          </a:p>
-          <a:p>
-            <a:pPr marL="342900" indent="-342900">
-              <a:buFont typeface="Arial" panose="020B0604020202020204" pitchFamily="34" charset="0"/>
-              <a:buChar char="•"/>
-            </a:pPr>
-            <a:r>
-              <a:rPr lang="pt-BR" sz="2000" dirty="0"/>
-              <a:t>IDS</a:t>
-            </a:r>
-          </a:p>
-          <a:p>
-            <a:endParaRPr lang="pt-BR" sz="1600" dirty="0"/>
-          </a:p>
-          <a:p>
-            <a:endParaRPr lang="pt-BR" dirty="0"/>
+              <a:defRPr sz="4400" kern="1200">
+                <a:solidFill>
+                  <a:schemeClr val="tx1"/>
+                </a:solidFill>
+                <a:latin typeface="+mj-lt"/>
+                <a:ea typeface="+mj-ea"/>
+                <a:cs typeface="+mj-cs"/>
+              </a:defRPr>
+            </a:lvl1pPr>
+          </a:lstStyle>
+          <a:p>
+            <a:r>
+              <a:rPr lang="pt-BR" sz="1600" dirty="0">
+                <a:solidFill>
+                  <a:srgbClr val="EDF2F4"/>
+                </a:solidFill>
+                <a:latin typeface="Verdana" panose="020B0604030504040204" pitchFamily="34" charset="0"/>
+                <a:ea typeface="Verdana" panose="020B0604030504040204" pitchFamily="34" charset="0"/>
+              </a:rPr>
+              <a:t>Como os técnicos podem utilizar o SSH para se conectar a instância na AWS de forma segura e eficiente?</a:t>
+            </a:r>
+          </a:p>
+        </p:txBody>
+      </p:sp>
+      <p:sp>
+        <p:nvSpPr>
+          <p:cNvPr id="10" name="Título 1">
+            <a:extLst>
+              <a:ext uri="{FF2B5EF4-FFF2-40B4-BE49-F238E27FC236}">
+                <a16:creationId xmlns:a16="http://schemas.microsoft.com/office/drawing/2014/main" id="{5E20E90A-338E-1E1B-6BED-86BE1E283FBB}"/>
+              </a:ext>
+            </a:extLst>
+          </p:cNvPr>
+          <p:cNvSpPr txBox="1">
+            <a:spLocks/>
+          </p:cNvSpPr>
+          <p:nvPr/>
+        </p:nvSpPr>
+        <p:spPr>
+          <a:xfrm>
+            <a:off x="429933" y="5397583"/>
+            <a:ext cx="3689784" cy="860649"/>
+          </a:xfrm>
+          <a:prstGeom prst="rect">
+            <a:avLst/>
+          </a:prstGeom>
+        </p:spPr>
+        <p:txBody>
+          <a:bodyPr vert="horz" lIns="91440" tIns="45720" rIns="91440" bIns="45720" rtlCol="0" anchor="ctr">
+            <a:noAutofit/>
+          </a:bodyPr>
+          <a:lstStyle>
+            <a:lvl1pPr algn="l" defTabSz="914400" rtl="0" eaLnBrk="1" latinLnBrk="0" hangingPunct="1">
+              <a:lnSpc>
+                <a:spcPct val="90000"/>
+              </a:lnSpc>
+              <a:spcBef>
+                <a:spcPct val="0"/>
+              </a:spcBef>
+              <a:buNone/>
+              <a:defRPr sz="4400" kern="1200">
+                <a:solidFill>
+                  <a:schemeClr val="tx1"/>
+                </a:solidFill>
+                <a:latin typeface="+mj-lt"/>
+                <a:ea typeface="+mj-ea"/>
+                <a:cs typeface="+mj-cs"/>
+              </a:defRPr>
+            </a:lvl1pPr>
+          </a:lstStyle>
+          <a:p>
+            <a:r>
+              <a:rPr lang="pt-BR" sz="1600" dirty="0">
+                <a:solidFill>
+                  <a:srgbClr val="EDF2F4"/>
+                </a:solidFill>
+                <a:latin typeface="Verdana" panose="020B0604030504040204" pitchFamily="34" charset="0"/>
+                <a:ea typeface="Verdana" panose="020B0604030504040204" pitchFamily="34" charset="0"/>
+              </a:rPr>
+              <a:t>Qual a flexibilidade e a praticidade dessa conexão?</a:t>
+            </a:r>
           </a:p>
         </p:txBody>
       </p:sp>
     </p:spTree>
     <p:extLst>
       <p:ext uri="{BB962C8B-B14F-4D97-AF65-F5344CB8AC3E}">
-        <p14:creationId xmlns:p14="http://schemas.microsoft.com/office/powerpoint/2010/main" val="53127966"/>
+        <p14:creationId xmlns:p14="http://schemas.microsoft.com/office/powerpoint/2010/main" val="3975286133"/>
+      </p:ext>
+    </p:extLst>
+  </p:cSld>
+  <p:clrMapOvr>
+    <a:masterClrMapping/>
+  </p:clrMapOvr>
+</p:sld>
+</file>
+
+<file path=ppt/slides/slide9.xml><?xml version="1.0" encoding="utf-8"?>
+<p:sld xmlns:a="http://schemas.openxmlformats.org/drawingml/2006/main" xmlns:r="http://schemas.openxmlformats.org/officeDocument/2006/relationships" xmlns:p="http://schemas.openxmlformats.org/presentationml/2006/main">
+  <p:cSld>
+    <p:bg>
+      <p:bgPr>
+        <a:solidFill>
+          <a:srgbClr val="EDF2F4"/>
+        </a:solidFill>
+        <a:effectLst/>
+      </p:bgPr>
+    </p:bg>
+    <p:spTree>
+      <p:nvGrpSpPr>
+        <p:cNvPr id="1" name=""/>
+        <p:cNvGrpSpPr/>
+        <p:nvPr/>
+      </p:nvGrpSpPr>
+      <p:grpSpPr>
+        <a:xfrm>
+          <a:off x="0" y="0"/>
+          <a:ext cx="0" cy="0"/>
+          <a:chOff x="0" y="0"/>
+          <a:chExt cx="0" cy="0"/>
+        </a:xfrm>
+      </p:grpSpPr>
+      <p:sp>
+        <p:nvSpPr>
+          <p:cNvPr id="7" name="Retângulo: Cantos Superiores Arredondados 6">
+            <a:extLst>
+              <a:ext uri="{FF2B5EF4-FFF2-40B4-BE49-F238E27FC236}">
+                <a16:creationId xmlns:a16="http://schemas.microsoft.com/office/drawing/2014/main" id="{89591122-9BDA-B1DC-83C5-582FBE8040DE}"/>
+              </a:ext>
+            </a:extLst>
+          </p:cNvPr>
+          <p:cNvSpPr/>
+          <p:nvPr/>
+        </p:nvSpPr>
+        <p:spPr>
+          <a:xfrm rot="5400000">
+            <a:off x="4817805" y="-774293"/>
+            <a:ext cx="6341808" cy="8406583"/>
+          </a:xfrm>
+          <a:prstGeom prst="round2SameRect">
+            <a:avLst/>
+          </a:prstGeom>
+          <a:solidFill>
+            <a:srgbClr val="BABAD8"/>
+          </a:solidFill>
+          <a:ln>
+            <a:noFill/>
+          </a:ln>
+        </p:spPr>
+        <p:style>
+          <a:lnRef idx="2">
+            <a:schemeClr val="accent1">
+              <a:shade val="15000"/>
+            </a:schemeClr>
+          </a:lnRef>
+          <a:fillRef idx="1">
+            <a:schemeClr val="accent1"/>
+          </a:fillRef>
+          <a:effectRef idx="0">
+            <a:schemeClr val="accent1"/>
+          </a:effectRef>
+          <a:fontRef idx="minor">
+            <a:schemeClr val="lt1"/>
+          </a:fontRef>
+        </p:style>
+        <p:txBody>
+          <a:bodyPr rtlCol="0" anchor="ctr"/>
+          <a:lstStyle/>
+          <a:p>
+            <a:pPr algn="ctr"/>
+            <a:endParaRPr lang="pt-BR" dirty="0"/>
+          </a:p>
+        </p:txBody>
+      </p:sp>
+      <p:sp>
+        <p:nvSpPr>
+          <p:cNvPr id="4" name="Retângulo: Cantos Superiores Arredondados 3">
+            <a:extLst>
+              <a:ext uri="{FF2B5EF4-FFF2-40B4-BE49-F238E27FC236}">
+                <a16:creationId xmlns:a16="http://schemas.microsoft.com/office/drawing/2014/main" id="{D61A0B57-C428-45B5-84A6-0C5ACB69650B}"/>
+              </a:ext>
+            </a:extLst>
+          </p:cNvPr>
+          <p:cNvSpPr/>
+          <p:nvPr/>
+        </p:nvSpPr>
+        <p:spPr>
+          <a:xfrm rot="5400000">
+            <a:off x="215275" y="1564524"/>
+            <a:ext cx="6690689" cy="3689784"/>
+          </a:xfrm>
+          <a:prstGeom prst="round2SameRect">
+            <a:avLst/>
+          </a:prstGeom>
+          <a:solidFill>
+            <a:srgbClr val="E4E4F0"/>
+          </a:solidFill>
+          <a:ln>
+            <a:noFill/>
+          </a:ln>
+        </p:spPr>
+        <p:style>
+          <a:lnRef idx="2">
+            <a:schemeClr val="accent1">
+              <a:shade val="15000"/>
+            </a:schemeClr>
+          </a:lnRef>
+          <a:fillRef idx="1">
+            <a:schemeClr val="accent1"/>
+          </a:fillRef>
+          <a:effectRef idx="0">
+            <a:schemeClr val="accent1"/>
+          </a:effectRef>
+          <a:fontRef idx="minor">
+            <a:schemeClr val="lt1"/>
+          </a:fontRef>
+        </p:style>
+        <p:txBody>
+          <a:bodyPr rtlCol="0" anchor="ctr"/>
+          <a:lstStyle/>
+          <a:p>
+            <a:pPr algn="ctr"/>
+            <a:endParaRPr lang="pt-BR" dirty="0"/>
+          </a:p>
+        </p:txBody>
+      </p:sp>
+      <p:sp>
+        <p:nvSpPr>
+          <p:cNvPr id="6" name="Retângulo: Cantos Superiores Arredondados 5">
+            <a:extLst>
+              <a:ext uri="{FF2B5EF4-FFF2-40B4-BE49-F238E27FC236}">
+                <a16:creationId xmlns:a16="http://schemas.microsoft.com/office/drawing/2014/main" id="{38563621-48BD-35F9-6511-8CD4F0AB0255}"/>
+              </a:ext>
+            </a:extLst>
+          </p:cNvPr>
+          <p:cNvSpPr/>
+          <p:nvPr/>
+        </p:nvSpPr>
+        <p:spPr>
+          <a:xfrm rot="5400000">
+            <a:off x="-872723" y="872723"/>
+            <a:ext cx="6858000" cy="5112555"/>
+          </a:xfrm>
+          <a:prstGeom prst="round2SameRect">
+            <a:avLst/>
+          </a:prstGeom>
+          <a:solidFill>
+            <a:srgbClr val="22223B"/>
+          </a:solidFill>
+          <a:ln>
+            <a:noFill/>
+          </a:ln>
+        </p:spPr>
+        <p:style>
+          <a:lnRef idx="2">
+            <a:schemeClr val="accent1">
+              <a:shade val="15000"/>
+            </a:schemeClr>
+          </a:lnRef>
+          <a:fillRef idx="1">
+            <a:schemeClr val="accent1"/>
+          </a:fillRef>
+          <a:effectRef idx="0">
+            <a:schemeClr val="accent1"/>
+          </a:effectRef>
+          <a:fontRef idx="minor">
+            <a:schemeClr val="lt1"/>
+          </a:fontRef>
+        </p:style>
+        <p:txBody>
+          <a:bodyPr rtlCol="0" anchor="ctr"/>
+          <a:lstStyle/>
+          <a:p>
+            <a:pPr algn="ctr"/>
+            <a:endParaRPr lang="pt-BR" dirty="0"/>
+          </a:p>
+        </p:txBody>
+      </p:sp>
+      <p:sp>
+        <p:nvSpPr>
+          <p:cNvPr id="8" name="Título 1">
+            <a:extLst>
+              <a:ext uri="{FF2B5EF4-FFF2-40B4-BE49-F238E27FC236}">
+                <a16:creationId xmlns:a16="http://schemas.microsoft.com/office/drawing/2014/main" id="{11E245A8-0589-E184-57BD-64071F3E7DBC}"/>
+              </a:ext>
+            </a:extLst>
+          </p:cNvPr>
+          <p:cNvSpPr>
+            <a:spLocks noGrp="1"/>
+          </p:cNvSpPr>
+          <p:nvPr>
+            <p:ph type="title"/>
+          </p:nvPr>
+        </p:nvSpPr>
+        <p:spPr>
+          <a:xfrm>
+            <a:off x="429933" y="599768"/>
+            <a:ext cx="3689784" cy="860649"/>
+          </a:xfrm>
+        </p:spPr>
+        <p:txBody>
+          <a:bodyPr>
+            <a:noAutofit/>
+          </a:bodyPr>
+          <a:lstStyle/>
+          <a:p>
+            <a:r>
+              <a:rPr lang="pt-BR" sz="1600" dirty="0">
+                <a:solidFill>
+                  <a:srgbClr val="EDF2F4"/>
+                </a:solidFill>
+                <a:latin typeface="Verdana" panose="020B0604030504040204" pitchFamily="34" charset="0"/>
+                <a:ea typeface="Verdana" panose="020B0604030504040204" pitchFamily="34" charset="0"/>
+              </a:rPr>
+              <a:t>O que é o SSH e sua importância na segurança da comunicação em rede?</a:t>
+            </a:r>
+          </a:p>
+        </p:txBody>
+      </p:sp>
+      <p:sp>
+        <p:nvSpPr>
+          <p:cNvPr id="9" name="Título 1">
+            <a:extLst>
+              <a:ext uri="{FF2B5EF4-FFF2-40B4-BE49-F238E27FC236}">
+                <a16:creationId xmlns:a16="http://schemas.microsoft.com/office/drawing/2014/main" id="{F8E54ECC-C108-E4E1-1D93-A126BC5205E4}"/>
+              </a:ext>
+            </a:extLst>
+          </p:cNvPr>
+          <p:cNvSpPr txBox="1">
+            <a:spLocks/>
+          </p:cNvSpPr>
+          <p:nvPr/>
+        </p:nvSpPr>
+        <p:spPr>
+          <a:xfrm>
+            <a:off x="429933" y="2998675"/>
+            <a:ext cx="3689784" cy="860649"/>
+          </a:xfrm>
+          <a:prstGeom prst="rect">
+            <a:avLst/>
+          </a:prstGeom>
+        </p:spPr>
+        <p:txBody>
+          <a:bodyPr vert="horz" lIns="91440" tIns="45720" rIns="91440" bIns="45720" rtlCol="0" anchor="ctr">
+            <a:noAutofit/>
+          </a:bodyPr>
+          <a:lstStyle>
+            <a:lvl1pPr algn="l" defTabSz="914400" rtl="0" eaLnBrk="1" latinLnBrk="0" hangingPunct="1">
+              <a:lnSpc>
+                <a:spcPct val="90000"/>
+              </a:lnSpc>
+              <a:spcBef>
+                <a:spcPct val="0"/>
+              </a:spcBef>
+              <a:buNone/>
+              <a:defRPr sz="4400" kern="1200">
+                <a:solidFill>
+                  <a:schemeClr val="tx1"/>
+                </a:solidFill>
+                <a:latin typeface="+mj-lt"/>
+                <a:ea typeface="+mj-ea"/>
+                <a:cs typeface="+mj-cs"/>
+              </a:defRPr>
+            </a:lvl1pPr>
+          </a:lstStyle>
+          <a:p>
+            <a:r>
+              <a:rPr lang="pt-BR" sz="1600" dirty="0">
+                <a:solidFill>
+                  <a:srgbClr val="EDF2F4"/>
+                </a:solidFill>
+                <a:latin typeface="Verdana" panose="020B0604030504040204" pitchFamily="34" charset="0"/>
+                <a:ea typeface="Verdana" panose="020B0604030504040204" pitchFamily="34" charset="0"/>
+              </a:rPr>
+              <a:t>Como os técnicos podem utilizar o SSH para se conectar a instância na AWS de forma segura e eficiente?</a:t>
+            </a:r>
+          </a:p>
+        </p:txBody>
+      </p:sp>
+      <p:sp>
+        <p:nvSpPr>
+          <p:cNvPr id="10" name="Título 1">
+            <a:extLst>
+              <a:ext uri="{FF2B5EF4-FFF2-40B4-BE49-F238E27FC236}">
+                <a16:creationId xmlns:a16="http://schemas.microsoft.com/office/drawing/2014/main" id="{5E20E90A-338E-1E1B-6BED-86BE1E283FBB}"/>
+              </a:ext>
+            </a:extLst>
+          </p:cNvPr>
+          <p:cNvSpPr txBox="1">
+            <a:spLocks/>
+          </p:cNvSpPr>
+          <p:nvPr/>
+        </p:nvSpPr>
+        <p:spPr>
+          <a:xfrm>
+            <a:off x="429933" y="5397583"/>
+            <a:ext cx="3689784" cy="860649"/>
+          </a:xfrm>
+          <a:prstGeom prst="rect">
+            <a:avLst/>
+          </a:prstGeom>
+        </p:spPr>
+        <p:txBody>
+          <a:bodyPr vert="horz" lIns="91440" tIns="45720" rIns="91440" bIns="45720" rtlCol="0" anchor="ctr">
+            <a:noAutofit/>
+          </a:bodyPr>
+          <a:lstStyle>
+            <a:lvl1pPr algn="l" defTabSz="914400" rtl="0" eaLnBrk="1" latinLnBrk="0" hangingPunct="1">
+              <a:lnSpc>
+                <a:spcPct val="90000"/>
+              </a:lnSpc>
+              <a:spcBef>
+                <a:spcPct val="0"/>
+              </a:spcBef>
+              <a:buNone/>
+              <a:defRPr sz="4400" kern="1200">
+                <a:solidFill>
+                  <a:schemeClr val="tx1"/>
+                </a:solidFill>
+                <a:latin typeface="+mj-lt"/>
+                <a:ea typeface="+mj-ea"/>
+                <a:cs typeface="+mj-cs"/>
+              </a:defRPr>
+            </a:lvl1pPr>
+          </a:lstStyle>
+          <a:p>
+            <a:r>
+              <a:rPr lang="pt-BR" sz="1600" dirty="0">
+                <a:solidFill>
+                  <a:srgbClr val="EDF2F4"/>
+                </a:solidFill>
+                <a:latin typeface="Verdana" panose="020B0604030504040204" pitchFamily="34" charset="0"/>
+                <a:ea typeface="Verdana" panose="020B0604030504040204" pitchFamily="34" charset="0"/>
+              </a:rPr>
+              <a:t>Qual a flexibilidade e a praticidade dessa conexão?</a:t>
+            </a:r>
+          </a:p>
+        </p:txBody>
+      </p:sp>
+      <p:sp>
+        <p:nvSpPr>
+          <p:cNvPr id="2" name="Fluxograma: Processo Alternativo 1">
+            <a:extLst>
+              <a:ext uri="{FF2B5EF4-FFF2-40B4-BE49-F238E27FC236}">
+                <a16:creationId xmlns:a16="http://schemas.microsoft.com/office/drawing/2014/main" id="{0698AE17-AC4B-111C-2E40-07BD8BEF3A6F}"/>
+              </a:ext>
+            </a:extLst>
+          </p:cNvPr>
+          <p:cNvSpPr/>
+          <p:nvPr/>
+        </p:nvSpPr>
+        <p:spPr>
+          <a:xfrm>
+            <a:off x="0" y="4503176"/>
+            <a:ext cx="12192000" cy="235646"/>
+          </a:xfrm>
+          <a:prstGeom prst="flowChartAlternateProcess">
+            <a:avLst/>
+          </a:prstGeom>
+          <a:solidFill>
+            <a:srgbClr val="E4E4F0"/>
+          </a:solidFill>
+          <a:ln>
+            <a:noFill/>
+          </a:ln>
+        </p:spPr>
+        <p:style>
+          <a:lnRef idx="2">
+            <a:schemeClr val="accent1">
+              <a:shade val="15000"/>
+            </a:schemeClr>
+          </a:lnRef>
+          <a:fillRef idx="1">
+            <a:schemeClr val="accent1"/>
+          </a:fillRef>
+          <a:effectRef idx="0">
+            <a:schemeClr val="accent1"/>
+          </a:effectRef>
+          <a:fontRef idx="minor">
+            <a:schemeClr val="lt1"/>
+          </a:fontRef>
+        </p:style>
+        <p:txBody>
+          <a:bodyPr rtlCol="0" anchor="ctr"/>
+          <a:lstStyle/>
+          <a:p>
+            <a:pPr algn="ctr"/>
+            <a:endParaRPr lang="pt-BR"/>
+          </a:p>
+        </p:txBody>
+      </p:sp>
+      <p:sp>
+        <p:nvSpPr>
+          <p:cNvPr id="3" name="Fluxograma: Processo Alternativo 2">
+            <a:extLst>
+              <a:ext uri="{FF2B5EF4-FFF2-40B4-BE49-F238E27FC236}">
+                <a16:creationId xmlns:a16="http://schemas.microsoft.com/office/drawing/2014/main" id="{891B84C8-505A-FFFE-DA01-46ADF443374B}"/>
+              </a:ext>
+            </a:extLst>
+          </p:cNvPr>
+          <p:cNvSpPr/>
+          <p:nvPr/>
+        </p:nvSpPr>
+        <p:spPr>
+          <a:xfrm>
+            <a:off x="-4915" y="1848955"/>
+            <a:ext cx="12196915" cy="235646"/>
+          </a:xfrm>
+          <a:prstGeom prst="flowChartAlternateProcess">
+            <a:avLst/>
+          </a:prstGeom>
+          <a:solidFill>
+            <a:srgbClr val="E4E4F0"/>
+          </a:solidFill>
+          <a:ln>
+            <a:noFill/>
+          </a:ln>
+        </p:spPr>
+        <p:style>
+          <a:lnRef idx="2">
+            <a:schemeClr val="accent1">
+              <a:shade val="15000"/>
+            </a:schemeClr>
+          </a:lnRef>
+          <a:fillRef idx="1">
+            <a:schemeClr val="accent1"/>
+          </a:fillRef>
+          <a:effectRef idx="0">
+            <a:schemeClr val="accent1"/>
+          </a:effectRef>
+          <a:fontRef idx="minor">
+            <a:schemeClr val="lt1"/>
+          </a:fontRef>
+        </p:style>
+        <p:txBody>
+          <a:bodyPr rtlCol="0" anchor="ctr"/>
+          <a:lstStyle/>
+          <a:p>
+            <a:pPr algn="ctr"/>
+            <a:endParaRPr lang="pt-BR"/>
+          </a:p>
+        </p:txBody>
+      </p:sp>
+      <p:sp>
+        <p:nvSpPr>
+          <p:cNvPr id="5" name="Título 1">
+            <a:extLst>
+              <a:ext uri="{FF2B5EF4-FFF2-40B4-BE49-F238E27FC236}">
+                <a16:creationId xmlns:a16="http://schemas.microsoft.com/office/drawing/2014/main" id="{7F6C1108-6AB0-FD06-EE7C-072DC9BA704B}"/>
+              </a:ext>
+            </a:extLst>
+          </p:cNvPr>
+          <p:cNvSpPr txBox="1">
+            <a:spLocks/>
+          </p:cNvSpPr>
+          <p:nvPr/>
+        </p:nvSpPr>
+        <p:spPr>
+          <a:xfrm>
+            <a:off x="6398349" y="599768"/>
+            <a:ext cx="3689784" cy="993058"/>
+          </a:xfrm>
+          <a:prstGeom prst="rect">
+            <a:avLst/>
+          </a:prstGeom>
+        </p:spPr>
+        <p:txBody>
+          <a:bodyPr vert="horz" lIns="91440" tIns="45720" rIns="91440" bIns="45720" rtlCol="0" anchor="ctr">
+            <a:noAutofit/>
+          </a:bodyPr>
+          <a:lstStyle>
+            <a:lvl1pPr algn="l" defTabSz="914400" rtl="0" eaLnBrk="1" latinLnBrk="0" hangingPunct="1">
+              <a:lnSpc>
+                <a:spcPct val="90000"/>
+              </a:lnSpc>
+              <a:spcBef>
+                <a:spcPct val="0"/>
+              </a:spcBef>
+              <a:buNone/>
+              <a:defRPr sz="4400" kern="1200">
+                <a:solidFill>
+                  <a:schemeClr val="tx1"/>
+                </a:solidFill>
+                <a:latin typeface="+mj-lt"/>
+                <a:ea typeface="+mj-ea"/>
+                <a:cs typeface="+mj-cs"/>
+              </a:defRPr>
+            </a:lvl1pPr>
+          </a:lstStyle>
+          <a:p>
+            <a:r>
+              <a:rPr lang="pt-BR" sz="1600" dirty="0">
+                <a:solidFill>
+                  <a:srgbClr val="22223B"/>
+                </a:solidFill>
+                <a:latin typeface="Verdana" panose="020B0604030504040204" pitchFamily="34" charset="0"/>
+                <a:ea typeface="Verdana" panose="020B0604030504040204" pitchFamily="34" charset="0"/>
+              </a:rPr>
+              <a:t>O SSH, ou </a:t>
+            </a:r>
+            <a:r>
+              <a:rPr lang="pt-BR" sz="1600" dirty="0" err="1">
+                <a:solidFill>
+                  <a:srgbClr val="22223B"/>
+                </a:solidFill>
+                <a:latin typeface="Verdana" panose="020B0604030504040204" pitchFamily="34" charset="0"/>
+                <a:ea typeface="Verdana" panose="020B0604030504040204" pitchFamily="34" charset="0"/>
+              </a:rPr>
+              <a:t>Secure</a:t>
+            </a:r>
+            <a:r>
+              <a:rPr lang="pt-BR" sz="1600" dirty="0">
+                <a:solidFill>
+                  <a:srgbClr val="22223B"/>
+                </a:solidFill>
+                <a:latin typeface="Verdana" panose="020B0604030504040204" pitchFamily="34" charset="0"/>
+                <a:ea typeface="Verdana" panose="020B0604030504040204" pitchFamily="34" charset="0"/>
+              </a:rPr>
+              <a:t> Shell, é um protocolo que garante comunicação segura entre dois sistemas.</a:t>
+            </a:r>
+          </a:p>
+        </p:txBody>
+      </p:sp>
+      <p:sp>
+        <p:nvSpPr>
+          <p:cNvPr id="11" name="Título 1">
+            <a:extLst>
+              <a:ext uri="{FF2B5EF4-FFF2-40B4-BE49-F238E27FC236}">
+                <a16:creationId xmlns:a16="http://schemas.microsoft.com/office/drawing/2014/main" id="{EC1031B5-4455-A8A1-E498-E567D02E32B1}"/>
+              </a:ext>
+            </a:extLst>
+          </p:cNvPr>
+          <p:cNvSpPr txBox="1">
+            <a:spLocks/>
+          </p:cNvSpPr>
+          <p:nvPr/>
+        </p:nvSpPr>
+        <p:spPr>
+          <a:xfrm>
+            <a:off x="6398349" y="2863564"/>
+            <a:ext cx="3689784" cy="1165204"/>
+          </a:xfrm>
+          <a:prstGeom prst="rect">
+            <a:avLst/>
+          </a:prstGeom>
+        </p:spPr>
+        <p:txBody>
+          <a:bodyPr vert="horz" lIns="91440" tIns="45720" rIns="91440" bIns="45720" rtlCol="0" anchor="ctr">
+            <a:noAutofit/>
+          </a:bodyPr>
+          <a:lstStyle>
+            <a:lvl1pPr algn="l" defTabSz="914400" rtl="0" eaLnBrk="1" latinLnBrk="0" hangingPunct="1">
+              <a:lnSpc>
+                <a:spcPct val="90000"/>
+              </a:lnSpc>
+              <a:spcBef>
+                <a:spcPct val="0"/>
+              </a:spcBef>
+              <a:buNone/>
+              <a:defRPr sz="4400" kern="1200">
+                <a:solidFill>
+                  <a:schemeClr val="tx1"/>
+                </a:solidFill>
+                <a:latin typeface="+mj-lt"/>
+                <a:ea typeface="+mj-ea"/>
+                <a:cs typeface="+mj-cs"/>
+              </a:defRPr>
+            </a:lvl1pPr>
+          </a:lstStyle>
+          <a:p>
+            <a:r>
+              <a:rPr lang="pt-BR" sz="1600" dirty="0">
+                <a:solidFill>
+                  <a:srgbClr val="22223B"/>
+                </a:solidFill>
+                <a:latin typeface="Verdana" panose="020B0604030504040204" pitchFamily="34" charset="0"/>
+                <a:ea typeface="Verdana" panose="020B0604030504040204" pitchFamily="34" charset="0"/>
+              </a:rPr>
+              <a:t>Esse método oferece segurança robusta, já que a autenticação é baseada em chaves criptográficas e elimina a necessidade de senhas.</a:t>
+            </a:r>
+          </a:p>
+        </p:txBody>
+      </p:sp>
+      <p:sp>
+        <p:nvSpPr>
+          <p:cNvPr id="13" name="Título 1">
+            <a:extLst>
+              <a:ext uri="{FF2B5EF4-FFF2-40B4-BE49-F238E27FC236}">
+                <a16:creationId xmlns:a16="http://schemas.microsoft.com/office/drawing/2014/main" id="{083A9691-7D67-9B57-2076-BD83D12C11C7}"/>
+              </a:ext>
+            </a:extLst>
+          </p:cNvPr>
+          <p:cNvSpPr txBox="1">
+            <a:spLocks/>
+          </p:cNvSpPr>
+          <p:nvPr/>
+        </p:nvSpPr>
+        <p:spPr>
+          <a:xfrm>
+            <a:off x="6398349" y="5101307"/>
+            <a:ext cx="3689784" cy="1108913"/>
+          </a:xfrm>
+          <a:prstGeom prst="rect">
+            <a:avLst/>
+          </a:prstGeom>
+        </p:spPr>
+        <p:txBody>
+          <a:bodyPr vert="horz" lIns="91440" tIns="45720" rIns="91440" bIns="45720" rtlCol="0" anchor="ctr">
+            <a:noAutofit/>
+          </a:bodyPr>
+          <a:lstStyle>
+            <a:lvl1pPr algn="l" defTabSz="914400" rtl="0" eaLnBrk="1" latinLnBrk="0" hangingPunct="1">
+              <a:lnSpc>
+                <a:spcPct val="90000"/>
+              </a:lnSpc>
+              <a:spcBef>
+                <a:spcPct val="0"/>
+              </a:spcBef>
+              <a:buNone/>
+              <a:defRPr sz="4400" kern="1200">
+                <a:solidFill>
+                  <a:schemeClr val="tx1"/>
+                </a:solidFill>
+                <a:latin typeface="+mj-lt"/>
+                <a:ea typeface="+mj-ea"/>
+                <a:cs typeface="+mj-cs"/>
+              </a:defRPr>
+            </a:lvl1pPr>
+          </a:lstStyle>
+          <a:p>
+            <a:r>
+              <a:rPr lang="pt-BR" sz="1600" dirty="0">
+                <a:solidFill>
+                  <a:srgbClr val="22223B"/>
+                </a:solidFill>
+                <a:latin typeface="Verdana" panose="020B0604030504040204" pitchFamily="34" charset="0"/>
+                <a:ea typeface="Verdana" panose="020B0604030504040204" pitchFamily="34" charset="0"/>
+              </a:rPr>
+              <a:t>Tem flexibilidade ao permitir o acesso remoto seguro a instâncias, capacidade de gerenciar e configurar as instâncias remotamente</a:t>
+            </a:r>
+          </a:p>
+        </p:txBody>
+      </p:sp>
+    </p:spTree>
+    <p:extLst>
+      <p:ext uri="{BB962C8B-B14F-4D97-AF65-F5344CB8AC3E}">
+        <p14:creationId xmlns:p14="http://schemas.microsoft.com/office/powerpoint/2010/main" val="763755075"/>
       </p:ext>
     </p:extLst>
   </p:cSld>

--- a/Slides_NetMed_Sprint2.pptx
+++ b/Slides_NetMed_Sprint2.pptx
@@ -4,10 +4,14 @@
   <p:sldMasterIdLst>
     <p:sldMasterId id="2147483648" r:id="rId1"/>
   </p:sldMasterIdLst>
+  <p:notesMasterIdLst>
+    <p:notesMasterId r:id="rId6"/>
+  </p:notesMasterIdLst>
   <p:sldIdLst>
     <p:sldId id="256" r:id="rId2"/>
     <p:sldId id="257" r:id="rId3"/>
     <p:sldId id="258" r:id="rId4"/>
+    <p:sldId id="259" r:id="rId5"/>
   </p:sldIdLst>
   <p:sldSz cx="12192000" cy="6858000"/>
   <p:notesSz cx="6858000" cy="9144000"/>
@@ -117,7 +121,7 @@
 <file path=ppt/revisionInfo.xml><?xml version="1.0" encoding="utf-8"?>
 <p1510:revInfo xmlns:a="http://schemas.openxmlformats.org/drawingml/2006/main" xmlns:r="http://schemas.openxmlformats.org/officeDocument/2006/relationships" xmlns:p1510="http://schemas.microsoft.com/office/powerpoint/2015/10/main">
   <p1510:revLst>
-    <p1510:client id="{5B440EA2-DE11-412C-A505-B0319508B54D}" v="224" dt="2024-05-04T13:38:02.963"/>
+    <p1510:client id="{5B440EA2-DE11-412C-A505-B0319508B54D}" v="344" dt="2024-05-05T18:56:38.477"/>
   </p1510:revLst>
 </p1510:revInfo>
 </file>
@@ -127,7 +131,7 @@
   <pc:docChgLst>
     <pc:chgData name="VAGNER JOSÉ DI BENEDETTO VILLELA DE ANDRADE ." userId="39095851-9987-426c-992c-64b07dc30090" providerId="ADAL" clId="{5B440EA2-DE11-412C-A505-B0319508B54D}"/>
     <pc:docChg chg="undo custSel addSld modSld">
-      <pc:chgData name="VAGNER JOSÉ DI BENEDETTO VILLELA DE ANDRADE ." userId="39095851-9987-426c-992c-64b07dc30090" providerId="ADAL" clId="{5B440EA2-DE11-412C-A505-B0319508B54D}" dt="2024-05-04T13:38:31.247" v="692" actId="1076"/>
+      <pc:chgData name="VAGNER JOSÉ DI BENEDETTO VILLELA DE ANDRADE ." userId="39095851-9987-426c-992c-64b07dc30090" providerId="ADAL" clId="{5B440EA2-DE11-412C-A505-B0319508B54D}" dt="2024-05-05T18:57:30.251" v="2069" actId="1036"/>
       <pc:docMkLst>
         <pc:docMk/>
       </pc:docMkLst>
@@ -434,7 +438,7 @@
         </pc:cxnChg>
       </pc:sldChg>
       <pc:sldChg chg="addSp delSp modSp new mod">
-        <pc:chgData name="VAGNER JOSÉ DI BENEDETTO VILLELA DE ANDRADE ." userId="39095851-9987-426c-992c-64b07dc30090" providerId="ADAL" clId="{5B440EA2-DE11-412C-A505-B0319508B54D}" dt="2024-05-04T13:38:31.247" v="692" actId="1076"/>
+        <pc:chgData name="VAGNER JOSÉ DI BENEDETTO VILLELA DE ANDRADE ." userId="39095851-9987-426c-992c-64b07dc30090" providerId="ADAL" clId="{5B440EA2-DE11-412C-A505-B0319508B54D}" dt="2024-05-05T18:22:34.879" v="816" actId="1076"/>
         <pc:sldMkLst>
           <pc:docMk/>
           <pc:sldMk cId="53127966" sldId="258"/>
@@ -456,7 +460,7 @@
           </ac:spMkLst>
         </pc:spChg>
         <pc:spChg chg="add mod">
-          <ac:chgData name="VAGNER JOSÉ DI BENEDETTO VILLELA DE ANDRADE ." userId="39095851-9987-426c-992c-64b07dc30090" providerId="ADAL" clId="{5B440EA2-DE11-412C-A505-B0319508B54D}" dt="2024-05-04T13:37:35.608" v="682" actId="1076"/>
+          <ac:chgData name="VAGNER JOSÉ DI BENEDETTO VILLELA DE ANDRADE ." userId="39095851-9987-426c-992c-64b07dc30090" providerId="ADAL" clId="{5B440EA2-DE11-412C-A505-B0319508B54D}" dt="2024-05-05T18:22:24.559" v="815" actId="1076"/>
           <ac:spMkLst>
             <pc:docMk/>
             <pc:sldMk cId="53127966" sldId="258"/>
@@ -464,7 +468,7 @@
           </ac:spMkLst>
         </pc:spChg>
         <pc:spChg chg="add mod">
-          <ac:chgData name="VAGNER JOSÉ DI BENEDETTO VILLELA DE ANDRADE ." userId="39095851-9987-426c-992c-64b07dc30090" providerId="ADAL" clId="{5B440EA2-DE11-412C-A505-B0319508B54D}" dt="2024-05-04T13:37:35.608" v="682" actId="1076"/>
+          <ac:chgData name="VAGNER JOSÉ DI BENEDETTO VILLELA DE ANDRADE ." userId="39095851-9987-426c-992c-64b07dc30090" providerId="ADAL" clId="{5B440EA2-DE11-412C-A505-B0319508B54D}" dt="2024-05-05T18:22:24.559" v="815" actId="1076"/>
           <ac:spMkLst>
             <pc:docMk/>
             <pc:sldMk cId="53127966" sldId="258"/>
@@ -480,7 +484,7 @@
           </ac:spMkLst>
         </pc:spChg>
         <pc:spChg chg="add mod">
-          <ac:chgData name="VAGNER JOSÉ DI BENEDETTO VILLELA DE ANDRADE ." userId="39095851-9987-426c-992c-64b07dc30090" providerId="ADAL" clId="{5B440EA2-DE11-412C-A505-B0319508B54D}" dt="2024-05-04T13:37:35.608" v="682" actId="1076"/>
+          <ac:chgData name="VAGNER JOSÉ DI BENEDETTO VILLELA DE ANDRADE ." userId="39095851-9987-426c-992c-64b07dc30090" providerId="ADAL" clId="{5B440EA2-DE11-412C-A505-B0319508B54D}" dt="2024-05-05T18:22:24.559" v="815" actId="1076"/>
           <ac:spMkLst>
             <pc:docMk/>
             <pc:sldMk cId="53127966" sldId="258"/>
@@ -488,7 +492,7 @@
           </ac:spMkLst>
         </pc:spChg>
         <pc:spChg chg="add mod">
-          <ac:chgData name="VAGNER JOSÉ DI BENEDETTO VILLELA DE ANDRADE ." userId="39095851-9987-426c-992c-64b07dc30090" providerId="ADAL" clId="{5B440EA2-DE11-412C-A505-B0319508B54D}" dt="2024-05-04T13:37:35.608" v="682" actId="1076"/>
+          <ac:chgData name="VAGNER JOSÉ DI BENEDETTO VILLELA DE ANDRADE ." userId="39095851-9987-426c-992c-64b07dc30090" providerId="ADAL" clId="{5B440EA2-DE11-412C-A505-B0319508B54D}" dt="2024-05-05T18:22:24.559" v="815" actId="1076"/>
           <ac:spMkLst>
             <pc:docMk/>
             <pc:sldMk cId="53127966" sldId="258"/>
@@ -496,7 +500,7 @@
           </ac:spMkLst>
         </pc:spChg>
         <pc:spChg chg="add mod">
-          <ac:chgData name="VAGNER JOSÉ DI BENEDETTO VILLELA DE ANDRADE ." userId="39095851-9987-426c-992c-64b07dc30090" providerId="ADAL" clId="{5B440EA2-DE11-412C-A505-B0319508B54D}" dt="2024-05-04T13:37:35.608" v="682" actId="1076"/>
+          <ac:chgData name="VAGNER JOSÉ DI BENEDETTO VILLELA DE ANDRADE ." userId="39095851-9987-426c-992c-64b07dc30090" providerId="ADAL" clId="{5B440EA2-DE11-412C-A505-B0319508B54D}" dt="2024-05-05T18:22:24.559" v="815" actId="1076"/>
           <ac:spMkLst>
             <pc:docMk/>
             <pc:sldMk cId="53127966" sldId="258"/>
@@ -504,7 +508,7 @@
           </ac:spMkLst>
         </pc:spChg>
         <pc:spChg chg="add mod">
-          <ac:chgData name="VAGNER JOSÉ DI BENEDETTO VILLELA DE ANDRADE ." userId="39095851-9987-426c-992c-64b07dc30090" providerId="ADAL" clId="{5B440EA2-DE11-412C-A505-B0319508B54D}" dt="2024-05-04T13:38:31.247" v="692" actId="1076"/>
+          <ac:chgData name="VAGNER JOSÉ DI BENEDETTO VILLELA DE ANDRADE ." userId="39095851-9987-426c-992c-64b07dc30090" providerId="ADAL" clId="{5B440EA2-DE11-412C-A505-B0319508B54D}" dt="2024-05-05T18:22:34.879" v="816" actId="1076"/>
           <ac:spMkLst>
             <pc:docMk/>
             <pc:sldMk cId="53127966" sldId="258"/>
@@ -536,7 +540,7 @@
           </ac:picMkLst>
         </pc:picChg>
         <pc:picChg chg="add mod">
-          <ac:chgData name="VAGNER JOSÉ DI BENEDETTO VILLELA DE ANDRADE ." userId="39095851-9987-426c-992c-64b07dc30090" providerId="ADAL" clId="{5B440EA2-DE11-412C-A505-B0319508B54D}" dt="2024-05-04T13:37:35.608" v="682" actId="1076"/>
+          <ac:chgData name="VAGNER JOSÉ DI BENEDETTO VILLELA DE ANDRADE ." userId="39095851-9987-426c-992c-64b07dc30090" providerId="ADAL" clId="{5B440EA2-DE11-412C-A505-B0319508B54D}" dt="2024-05-05T18:22:24.559" v="815" actId="1076"/>
           <ac:picMkLst>
             <pc:docMk/>
             <pc:sldMk cId="53127966" sldId="258"/>
@@ -544,7 +548,7 @@
           </ac:picMkLst>
         </pc:picChg>
         <pc:picChg chg="add mod">
-          <ac:chgData name="VAGNER JOSÉ DI BENEDETTO VILLELA DE ANDRADE ." userId="39095851-9987-426c-992c-64b07dc30090" providerId="ADAL" clId="{5B440EA2-DE11-412C-A505-B0319508B54D}" dt="2024-05-04T13:37:35.608" v="682" actId="1076"/>
+          <ac:chgData name="VAGNER JOSÉ DI BENEDETTO VILLELA DE ANDRADE ." userId="39095851-9987-426c-992c-64b07dc30090" providerId="ADAL" clId="{5B440EA2-DE11-412C-A505-B0319508B54D}" dt="2024-05-05T18:22:24.559" v="815" actId="1076"/>
           <ac:picMkLst>
             <pc:docMk/>
             <pc:sldMk cId="53127966" sldId="258"/>
@@ -552,7 +556,7 @@
           </ac:picMkLst>
         </pc:picChg>
         <pc:picChg chg="add mod">
-          <ac:chgData name="VAGNER JOSÉ DI BENEDETTO VILLELA DE ANDRADE ." userId="39095851-9987-426c-992c-64b07dc30090" providerId="ADAL" clId="{5B440EA2-DE11-412C-A505-B0319508B54D}" dt="2024-05-04T13:37:35.608" v="682" actId="1076"/>
+          <ac:chgData name="VAGNER JOSÉ DI BENEDETTO VILLELA DE ANDRADE ." userId="39095851-9987-426c-992c-64b07dc30090" providerId="ADAL" clId="{5B440EA2-DE11-412C-A505-B0319508B54D}" dt="2024-05-05T18:22:24.559" v="815" actId="1076"/>
           <ac:picMkLst>
             <pc:docMk/>
             <pc:sldMk cId="53127966" sldId="258"/>
@@ -560,7 +564,7 @@
           </ac:picMkLst>
         </pc:picChg>
         <pc:picChg chg="add mod">
-          <ac:chgData name="VAGNER JOSÉ DI BENEDETTO VILLELA DE ANDRADE ." userId="39095851-9987-426c-992c-64b07dc30090" providerId="ADAL" clId="{5B440EA2-DE11-412C-A505-B0319508B54D}" dt="2024-05-04T13:37:35.608" v="682" actId="1076"/>
+          <ac:chgData name="VAGNER JOSÉ DI BENEDETTO VILLELA DE ANDRADE ." userId="39095851-9987-426c-992c-64b07dc30090" providerId="ADAL" clId="{5B440EA2-DE11-412C-A505-B0319508B54D}" dt="2024-05-05T18:22:24.559" v="815" actId="1076"/>
           <ac:picMkLst>
             <pc:docMk/>
             <pc:sldMk cId="53127966" sldId="258"/>
@@ -568,7 +572,7 @@
           </ac:picMkLst>
         </pc:picChg>
         <pc:picChg chg="add mod">
-          <ac:chgData name="VAGNER JOSÉ DI BENEDETTO VILLELA DE ANDRADE ." userId="39095851-9987-426c-992c-64b07dc30090" providerId="ADAL" clId="{5B440EA2-DE11-412C-A505-B0319508B54D}" dt="2024-05-04T13:37:35.608" v="682" actId="1076"/>
+          <ac:chgData name="VAGNER JOSÉ DI BENEDETTO VILLELA DE ANDRADE ." userId="39095851-9987-426c-992c-64b07dc30090" providerId="ADAL" clId="{5B440EA2-DE11-412C-A505-B0319508B54D}" dt="2024-05-05T18:22:24.559" v="815" actId="1076"/>
           <ac:picMkLst>
             <pc:docMk/>
             <pc:sldMk cId="53127966" sldId="258"/>
@@ -600,9 +604,809 @@
           </ac:picMkLst>
         </pc:picChg>
       </pc:sldChg>
+      <pc:sldChg chg="addSp delSp modSp new mod">
+        <pc:chgData name="VAGNER JOSÉ DI BENEDETTO VILLELA DE ANDRADE ." userId="39095851-9987-426c-992c-64b07dc30090" providerId="ADAL" clId="{5B440EA2-DE11-412C-A505-B0319508B54D}" dt="2024-05-05T18:57:30.251" v="2069" actId="1036"/>
+        <pc:sldMkLst>
+          <pc:docMk/>
+          <pc:sldMk cId="2305173294" sldId="259"/>
+        </pc:sldMkLst>
+        <pc:spChg chg="del">
+          <ac:chgData name="VAGNER JOSÉ DI BENEDETTO VILLELA DE ANDRADE ." userId="39095851-9987-426c-992c-64b07dc30090" providerId="ADAL" clId="{5B440EA2-DE11-412C-A505-B0319508B54D}" dt="2024-05-05T18:23:37.552" v="819" actId="478"/>
+          <ac:spMkLst>
+            <pc:docMk/>
+            <pc:sldMk cId="2305173294" sldId="259"/>
+            <ac:spMk id="2" creationId="{67D4F118-EAB1-529E-61E1-3BB32C0722ED}"/>
+          </ac:spMkLst>
+        </pc:spChg>
+        <pc:spChg chg="del">
+          <ac:chgData name="VAGNER JOSÉ DI BENEDETTO VILLELA DE ANDRADE ." userId="39095851-9987-426c-992c-64b07dc30090" providerId="ADAL" clId="{5B440EA2-DE11-412C-A505-B0319508B54D}" dt="2024-05-05T18:23:36.578" v="818" actId="478"/>
+          <ac:spMkLst>
+            <pc:docMk/>
+            <pc:sldMk cId="2305173294" sldId="259"/>
+            <ac:spMk id="3" creationId="{63A7B939-BE29-9B13-684B-B28F41B659C2}"/>
+          </ac:spMkLst>
+        </pc:spChg>
+        <pc:spChg chg="add mod">
+          <ac:chgData name="VAGNER JOSÉ DI BENEDETTO VILLELA DE ANDRADE ." userId="39095851-9987-426c-992c-64b07dc30090" providerId="ADAL" clId="{5B440EA2-DE11-412C-A505-B0319508B54D}" dt="2024-05-05T18:55:59.427" v="1968" actId="1036"/>
+          <ac:spMkLst>
+            <pc:docMk/>
+            <pc:sldMk cId="2305173294" sldId="259"/>
+            <ac:spMk id="50" creationId="{7DABECC8-7C31-8B8B-506B-9CB5550D7C18}"/>
+          </ac:spMkLst>
+        </pc:spChg>
+        <pc:grpChg chg="add mod">
+          <ac:chgData name="VAGNER JOSÉ DI BENEDETTO VILLELA DE ANDRADE ." userId="39095851-9987-426c-992c-64b07dc30090" providerId="ADAL" clId="{5B440EA2-DE11-412C-A505-B0319508B54D}" dt="2024-05-05T18:46:25.605" v="1661" actId="1035"/>
+          <ac:grpSpMkLst>
+            <pc:docMk/>
+            <pc:sldMk cId="2305173294" sldId="259"/>
+            <ac:grpSpMk id="23" creationId="{52C1567F-E450-8C04-011F-A585EECC3040}"/>
+          </ac:grpSpMkLst>
+        </pc:grpChg>
+        <pc:grpChg chg="add mod">
+          <ac:chgData name="VAGNER JOSÉ DI BENEDETTO VILLELA DE ANDRADE ." userId="39095851-9987-426c-992c-64b07dc30090" providerId="ADAL" clId="{5B440EA2-DE11-412C-A505-B0319508B54D}" dt="2024-05-05T18:46:25.605" v="1661" actId="1035"/>
+          <ac:grpSpMkLst>
+            <pc:docMk/>
+            <pc:sldMk cId="2305173294" sldId="259"/>
+            <ac:grpSpMk id="27" creationId="{3D7C7985-A4B5-25B9-F304-3EC4285F09CA}"/>
+          </ac:grpSpMkLst>
+        </pc:grpChg>
+        <pc:grpChg chg="add del mod">
+          <ac:chgData name="VAGNER JOSÉ DI BENEDETTO VILLELA DE ANDRADE ." userId="39095851-9987-426c-992c-64b07dc30090" providerId="ADAL" clId="{5B440EA2-DE11-412C-A505-B0319508B54D}" dt="2024-05-05T18:45:22.680" v="1607" actId="165"/>
+          <ac:grpSpMkLst>
+            <pc:docMk/>
+            <pc:sldMk cId="2305173294" sldId="259"/>
+            <ac:grpSpMk id="28" creationId="{89485B00-804C-A6E1-A336-17D26146BBB7}"/>
+          </ac:grpSpMkLst>
+        </pc:grpChg>
+        <pc:grpChg chg="add mod">
+          <ac:chgData name="VAGNER JOSÉ DI BENEDETTO VILLELA DE ANDRADE ." userId="39095851-9987-426c-992c-64b07dc30090" providerId="ADAL" clId="{5B440EA2-DE11-412C-A505-B0319508B54D}" dt="2024-05-05T18:46:25.605" v="1661" actId="1035"/>
+          <ac:grpSpMkLst>
+            <pc:docMk/>
+            <pc:sldMk cId="2305173294" sldId="259"/>
+            <ac:grpSpMk id="32" creationId="{D9460210-580C-59DB-9953-C4096CB42CE0}"/>
+          </ac:grpSpMkLst>
+        </pc:grpChg>
+        <pc:graphicFrameChg chg="add del modGraphic">
+          <ac:chgData name="VAGNER JOSÉ DI BENEDETTO VILLELA DE ANDRADE ." userId="39095851-9987-426c-992c-64b07dc30090" providerId="ADAL" clId="{5B440EA2-DE11-412C-A505-B0319508B54D}" dt="2024-05-05T18:23:53.437" v="822" actId="478"/>
+          <ac:graphicFrameMkLst>
+            <pc:docMk/>
+            <pc:sldMk cId="2305173294" sldId="259"/>
+            <ac:graphicFrameMk id="4" creationId="{36D29BFA-7B2C-9562-434C-FAE7C7EF5676}"/>
+          </ac:graphicFrameMkLst>
+        </pc:graphicFrameChg>
+        <pc:graphicFrameChg chg="add mod modGraphic">
+          <ac:chgData name="VAGNER JOSÉ DI BENEDETTO VILLELA DE ANDRADE ." userId="39095851-9987-426c-992c-64b07dc30090" providerId="ADAL" clId="{5B440EA2-DE11-412C-A505-B0319508B54D}" dt="2024-05-05T18:51:43.462" v="1831" actId="20577"/>
+          <ac:graphicFrameMkLst>
+            <pc:docMk/>
+            <pc:sldMk cId="2305173294" sldId="259"/>
+            <ac:graphicFrameMk id="5" creationId="{01D18C47-A137-271E-3489-CC792FABD4E0}"/>
+          </ac:graphicFrameMkLst>
+        </pc:graphicFrameChg>
+        <pc:graphicFrameChg chg="add mod modGraphic">
+          <ac:chgData name="VAGNER JOSÉ DI BENEDETTO VILLELA DE ANDRADE ." userId="39095851-9987-426c-992c-64b07dc30090" providerId="ADAL" clId="{5B440EA2-DE11-412C-A505-B0319508B54D}" dt="2024-05-05T18:51:07.869" v="1790" actId="20577"/>
+          <ac:graphicFrameMkLst>
+            <pc:docMk/>
+            <pc:sldMk cId="2305173294" sldId="259"/>
+            <ac:graphicFrameMk id="6" creationId="{B63B9538-6192-FE6A-F3CF-1ADC3C97D54C}"/>
+          </ac:graphicFrameMkLst>
+        </pc:graphicFrameChg>
+        <pc:graphicFrameChg chg="add mod modGraphic">
+          <ac:chgData name="VAGNER JOSÉ DI BENEDETTO VILLELA DE ANDRADE ." userId="39095851-9987-426c-992c-64b07dc30090" providerId="ADAL" clId="{5B440EA2-DE11-412C-A505-B0319508B54D}" dt="2024-05-05T18:50:53.535" v="1772" actId="20577"/>
+          <ac:graphicFrameMkLst>
+            <pc:docMk/>
+            <pc:sldMk cId="2305173294" sldId="259"/>
+            <ac:graphicFrameMk id="7" creationId="{32BC33F2-3E59-D8D6-E283-3FF90A723F90}"/>
+          </ac:graphicFrameMkLst>
+        </pc:graphicFrameChg>
+        <pc:graphicFrameChg chg="add mod modGraphic">
+          <ac:chgData name="VAGNER JOSÉ DI BENEDETTO VILLELA DE ANDRADE ." userId="39095851-9987-426c-992c-64b07dc30090" providerId="ADAL" clId="{5B440EA2-DE11-412C-A505-B0319508B54D}" dt="2024-05-05T18:51:21.132" v="1803" actId="20577"/>
+          <ac:graphicFrameMkLst>
+            <pc:docMk/>
+            <pc:sldMk cId="2305173294" sldId="259"/>
+            <ac:graphicFrameMk id="8" creationId="{DA0C5B77-1736-2878-94BC-E52B653B89A8}"/>
+          </ac:graphicFrameMkLst>
+        </pc:graphicFrameChg>
+        <pc:graphicFrameChg chg="add mod modGraphic">
+          <ac:chgData name="VAGNER JOSÉ DI BENEDETTO VILLELA DE ANDRADE ." userId="39095851-9987-426c-992c-64b07dc30090" providerId="ADAL" clId="{5B440EA2-DE11-412C-A505-B0319508B54D}" dt="2024-05-05T18:46:25.605" v="1661" actId="1035"/>
+          <ac:graphicFrameMkLst>
+            <pc:docMk/>
+            <pc:sldMk cId="2305173294" sldId="259"/>
+            <ac:graphicFrameMk id="9" creationId="{E2B60F3B-F74C-EEF9-D076-1421BEE0529E}"/>
+          </ac:graphicFrameMkLst>
+        </pc:graphicFrameChg>
+        <pc:graphicFrameChg chg="add mod modGraphic">
+          <ac:chgData name="VAGNER JOSÉ DI BENEDETTO VILLELA DE ANDRADE ." userId="39095851-9987-426c-992c-64b07dc30090" providerId="ADAL" clId="{5B440EA2-DE11-412C-A505-B0319508B54D}" dt="2024-05-05T18:55:37.174" v="1960" actId="1076"/>
+          <ac:graphicFrameMkLst>
+            <pc:docMk/>
+            <pc:sldMk cId="2305173294" sldId="259"/>
+            <ac:graphicFrameMk id="10" creationId="{9486764F-CBBA-B456-317A-9038ECFA15CD}"/>
+          </ac:graphicFrameMkLst>
+        </pc:graphicFrameChg>
+        <pc:picChg chg="add mod">
+          <ac:chgData name="VAGNER JOSÉ DI BENEDETTO VILLELA DE ANDRADE ." userId="39095851-9987-426c-992c-64b07dc30090" providerId="ADAL" clId="{5B440EA2-DE11-412C-A505-B0319508B54D}" dt="2024-05-05T18:57:30.251" v="2069" actId="1036"/>
+          <ac:picMkLst>
+            <pc:docMk/>
+            <pc:sldMk cId="2305173294" sldId="259"/>
+            <ac:picMk id="12" creationId="{6EAD46D5-9106-41EF-50BC-B01D158D64D6}"/>
+          </ac:picMkLst>
+        </pc:picChg>
+        <pc:picChg chg="add mod">
+          <ac:chgData name="VAGNER JOSÉ DI BENEDETTO VILLELA DE ANDRADE ." userId="39095851-9987-426c-992c-64b07dc30090" providerId="ADAL" clId="{5B440EA2-DE11-412C-A505-B0319508B54D}" dt="2024-05-05T18:57:30.251" v="2069" actId="1036"/>
+          <ac:picMkLst>
+            <pc:docMk/>
+            <pc:sldMk cId="2305173294" sldId="259"/>
+            <ac:picMk id="13" creationId="{45123642-49B1-EAD8-4407-3316766BC422}"/>
+          </ac:picMkLst>
+        </pc:picChg>
+        <pc:picChg chg="add mod">
+          <ac:chgData name="VAGNER JOSÉ DI BENEDETTO VILLELA DE ANDRADE ." userId="39095851-9987-426c-992c-64b07dc30090" providerId="ADAL" clId="{5B440EA2-DE11-412C-A505-B0319508B54D}" dt="2024-05-05T18:46:25.605" v="1661" actId="1035"/>
+          <ac:picMkLst>
+            <pc:docMk/>
+            <pc:sldMk cId="2305173294" sldId="259"/>
+            <ac:picMk id="14" creationId="{B49DFE26-908A-92B9-0323-BDE76AAC3D6C}"/>
+          </ac:picMkLst>
+        </pc:picChg>
+        <pc:picChg chg="add mod">
+          <ac:chgData name="VAGNER JOSÉ DI BENEDETTO VILLELA DE ANDRADE ." userId="39095851-9987-426c-992c-64b07dc30090" providerId="ADAL" clId="{5B440EA2-DE11-412C-A505-B0319508B54D}" dt="2024-05-05T18:46:25.605" v="1661" actId="1035"/>
+          <ac:picMkLst>
+            <pc:docMk/>
+            <pc:sldMk cId="2305173294" sldId="259"/>
+            <ac:picMk id="15" creationId="{53474992-60BD-1D24-82E7-6970CACAF3B6}"/>
+          </ac:picMkLst>
+        </pc:picChg>
+        <pc:picChg chg="add mod">
+          <ac:chgData name="VAGNER JOSÉ DI BENEDETTO VILLELA DE ANDRADE ." userId="39095851-9987-426c-992c-64b07dc30090" providerId="ADAL" clId="{5B440EA2-DE11-412C-A505-B0319508B54D}" dt="2024-05-05T18:57:30.251" v="2069" actId="1036"/>
+          <ac:picMkLst>
+            <pc:docMk/>
+            <pc:sldMk cId="2305173294" sldId="259"/>
+            <ac:picMk id="16" creationId="{1DF6915B-9597-4618-F75A-AAC2730F27AF}"/>
+          </ac:picMkLst>
+        </pc:picChg>
+        <pc:picChg chg="add mod">
+          <ac:chgData name="VAGNER JOSÉ DI BENEDETTO VILLELA DE ANDRADE ." userId="39095851-9987-426c-992c-64b07dc30090" providerId="ADAL" clId="{5B440EA2-DE11-412C-A505-B0319508B54D}" dt="2024-05-05T18:52:49.176" v="1892" actId="1038"/>
+          <ac:picMkLst>
+            <pc:docMk/>
+            <pc:sldMk cId="2305173294" sldId="259"/>
+            <ac:picMk id="45" creationId="{CC09E0E7-7CDA-0D64-7C79-3576D8FD3DB7}"/>
+          </ac:picMkLst>
+        </pc:picChg>
+        <pc:picChg chg="add mod">
+          <ac:chgData name="VAGNER JOSÉ DI BENEDETTO VILLELA DE ANDRADE ." userId="39095851-9987-426c-992c-64b07dc30090" providerId="ADAL" clId="{5B440EA2-DE11-412C-A505-B0319508B54D}" dt="2024-05-05T18:52:06.652" v="1847" actId="1036"/>
+          <ac:picMkLst>
+            <pc:docMk/>
+            <pc:sldMk cId="2305173294" sldId="259"/>
+            <ac:picMk id="46" creationId="{A902580E-D7CA-B9E9-B6FA-9B6BBF06B7F3}"/>
+          </ac:picMkLst>
+        </pc:picChg>
+        <pc:picChg chg="add mod">
+          <ac:chgData name="VAGNER JOSÉ DI BENEDETTO VILLELA DE ANDRADE ." userId="39095851-9987-426c-992c-64b07dc30090" providerId="ADAL" clId="{5B440EA2-DE11-412C-A505-B0319508B54D}" dt="2024-05-05T18:52:13.437" v="1852" actId="1035"/>
+          <ac:picMkLst>
+            <pc:docMk/>
+            <pc:sldMk cId="2305173294" sldId="259"/>
+            <ac:picMk id="47" creationId="{765B9041-F600-C775-E98A-3AEB2E79480C}"/>
+          </ac:picMkLst>
+        </pc:picChg>
+        <pc:picChg chg="add mod">
+          <ac:chgData name="VAGNER JOSÉ DI BENEDETTO VILLELA DE ANDRADE ." userId="39095851-9987-426c-992c-64b07dc30090" providerId="ADAL" clId="{5B440EA2-DE11-412C-A505-B0319508B54D}" dt="2024-05-05T18:52:21.464" v="1854" actId="1076"/>
+          <ac:picMkLst>
+            <pc:docMk/>
+            <pc:sldMk cId="2305173294" sldId="259"/>
+            <ac:picMk id="48" creationId="{2376BC09-A721-43DD-5FBF-C52DF3B4BBCC}"/>
+          </ac:picMkLst>
+        </pc:picChg>
+        <pc:picChg chg="add mod">
+          <ac:chgData name="VAGNER JOSÉ DI BENEDETTO VILLELA DE ANDRADE ." userId="39095851-9987-426c-992c-64b07dc30090" providerId="ADAL" clId="{5B440EA2-DE11-412C-A505-B0319508B54D}" dt="2024-05-05T18:52:31.465" v="1886" actId="1038"/>
+          <ac:picMkLst>
+            <pc:docMk/>
+            <pc:sldMk cId="2305173294" sldId="259"/>
+            <ac:picMk id="49" creationId="{3ED8F250-5F8D-D2C9-9E11-EFD13183D23D}"/>
+          </ac:picMkLst>
+        </pc:picChg>
+        <pc:cxnChg chg="add mod">
+          <ac:chgData name="VAGNER JOSÉ DI BENEDETTO VILLELA DE ANDRADE ." userId="39095851-9987-426c-992c-64b07dc30090" providerId="ADAL" clId="{5B440EA2-DE11-412C-A505-B0319508B54D}" dt="2024-05-05T18:41:37.992" v="1377" actId="164"/>
+          <ac:cxnSpMkLst>
+            <pc:docMk/>
+            <pc:sldMk cId="2305173294" sldId="259"/>
+            <ac:cxnSpMk id="18" creationId="{6EA83D47-9B69-155F-01E3-38B49D941896}"/>
+          </ac:cxnSpMkLst>
+        </pc:cxnChg>
+        <pc:cxnChg chg="add mod">
+          <ac:chgData name="VAGNER JOSÉ DI BENEDETTO VILLELA DE ANDRADE ." userId="39095851-9987-426c-992c-64b07dc30090" providerId="ADAL" clId="{5B440EA2-DE11-412C-A505-B0319508B54D}" dt="2024-05-05T18:41:37.992" v="1377" actId="164"/>
+          <ac:cxnSpMkLst>
+            <pc:docMk/>
+            <pc:sldMk cId="2305173294" sldId="259"/>
+            <ac:cxnSpMk id="20" creationId="{F4AF2F5F-992C-E4D9-C359-4995771FD497}"/>
+          </ac:cxnSpMkLst>
+        </pc:cxnChg>
+        <pc:cxnChg chg="add mod">
+          <ac:chgData name="VAGNER JOSÉ DI BENEDETTO VILLELA DE ANDRADE ." userId="39095851-9987-426c-992c-64b07dc30090" providerId="ADAL" clId="{5B440EA2-DE11-412C-A505-B0319508B54D}" dt="2024-05-05T18:41:37.992" v="1377" actId="164"/>
+          <ac:cxnSpMkLst>
+            <pc:docMk/>
+            <pc:sldMk cId="2305173294" sldId="259"/>
+            <ac:cxnSpMk id="22" creationId="{1BC5DA11-A606-74C8-F46A-48600D5EFF97}"/>
+          </ac:cxnSpMkLst>
+        </pc:cxnChg>
+        <pc:cxnChg chg="add mod">
+          <ac:chgData name="VAGNER JOSÉ DI BENEDETTO VILLELA DE ANDRADE ." userId="39095851-9987-426c-992c-64b07dc30090" providerId="ADAL" clId="{5B440EA2-DE11-412C-A505-B0319508B54D}" dt="2024-05-05T18:55:16.607" v="1942" actId="14100"/>
+          <ac:cxnSpMkLst>
+            <pc:docMk/>
+            <pc:sldMk cId="2305173294" sldId="259"/>
+            <ac:cxnSpMk id="24" creationId="{7A5D4F06-C693-2393-7FD5-33675D14D0E1}"/>
+          </ac:cxnSpMkLst>
+        </pc:cxnChg>
+        <pc:cxnChg chg="add mod">
+          <ac:chgData name="VAGNER JOSÉ DI BENEDETTO VILLELA DE ANDRADE ." userId="39095851-9987-426c-992c-64b07dc30090" providerId="ADAL" clId="{5B440EA2-DE11-412C-A505-B0319508B54D}" dt="2024-05-05T18:55:45.391" v="1962" actId="1035"/>
+          <ac:cxnSpMkLst>
+            <pc:docMk/>
+            <pc:sldMk cId="2305173294" sldId="259"/>
+            <ac:cxnSpMk id="25" creationId="{3F4E50CB-5034-9AB6-BCAA-4FACFA8C173D}"/>
+          </ac:cxnSpMkLst>
+        </pc:cxnChg>
+        <pc:cxnChg chg="add mod">
+          <ac:chgData name="VAGNER JOSÉ DI BENEDETTO VILLELA DE ANDRADE ." userId="39095851-9987-426c-992c-64b07dc30090" providerId="ADAL" clId="{5B440EA2-DE11-412C-A505-B0319508B54D}" dt="2024-05-05T18:55:45.391" v="1962" actId="1035"/>
+          <ac:cxnSpMkLst>
+            <pc:docMk/>
+            <pc:sldMk cId="2305173294" sldId="259"/>
+            <ac:cxnSpMk id="26" creationId="{19244567-02C4-064A-71C5-242D1D26AC66}"/>
+          </ac:cxnSpMkLst>
+        </pc:cxnChg>
+        <pc:cxnChg chg="del mod topLvl">
+          <ac:chgData name="VAGNER JOSÉ DI BENEDETTO VILLELA DE ANDRADE ." userId="39095851-9987-426c-992c-64b07dc30090" providerId="ADAL" clId="{5B440EA2-DE11-412C-A505-B0319508B54D}" dt="2024-05-05T18:56:33.019" v="1969" actId="478"/>
+          <ac:cxnSpMkLst>
+            <pc:docMk/>
+            <pc:sldMk cId="2305173294" sldId="259"/>
+            <ac:cxnSpMk id="29" creationId="{F89D89B4-586B-8295-FB06-A17158835055}"/>
+          </ac:cxnSpMkLst>
+        </pc:cxnChg>
+        <pc:cxnChg chg="mod topLvl">
+          <ac:chgData name="VAGNER JOSÉ DI BENEDETTO VILLELA DE ANDRADE ." userId="39095851-9987-426c-992c-64b07dc30090" providerId="ADAL" clId="{5B440EA2-DE11-412C-A505-B0319508B54D}" dt="2024-05-05T18:49:42.056" v="1754" actId="1076"/>
+          <ac:cxnSpMkLst>
+            <pc:docMk/>
+            <pc:sldMk cId="2305173294" sldId="259"/>
+            <ac:cxnSpMk id="30" creationId="{435D2B3A-685F-1FF5-036E-AF8A2398CA4F}"/>
+          </ac:cxnSpMkLst>
+        </pc:cxnChg>
+        <pc:cxnChg chg="mod topLvl">
+          <ac:chgData name="VAGNER JOSÉ DI BENEDETTO VILLELA DE ANDRADE ." userId="39095851-9987-426c-992c-64b07dc30090" providerId="ADAL" clId="{5B440EA2-DE11-412C-A505-B0319508B54D}" dt="2024-05-05T18:49:42.056" v="1754" actId="1076"/>
+          <ac:cxnSpMkLst>
+            <pc:docMk/>
+            <pc:sldMk cId="2305173294" sldId="259"/>
+            <ac:cxnSpMk id="31" creationId="{40FC874E-4823-1E1A-8AC8-6497AAA08D8E}"/>
+          </ac:cxnSpMkLst>
+        </pc:cxnChg>
+        <pc:cxnChg chg="mod">
+          <ac:chgData name="VAGNER JOSÉ DI BENEDETTO VILLELA DE ANDRADE ." userId="39095851-9987-426c-992c-64b07dc30090" providerId="ADAL" clId="{5B440EA2-DE11-412C-A505-B0319508B54D}" dt="2024-05-05T18:44:53.820" v="1601"/>
+          <ac:cxnSpMkLst>
+            <pc:docMk/>
+            <pc:sldMk cId="2305173294" sldId="259"/>
+            <ac:cxnSpMk id="33" creationId="{3B37FCDE-9602-8AD3-27B4-F95C6F268C95}"/>
+          </ac:cxnSpMkLst>
+        </pc:cxnChg>
+        <pc:cxnChg chg="mod">
+          <ac:chgData name="VAGNER JOSÉ DI BENEDETTO VILLELA DE ANDRADE ." userId="39095851-9987-426c-992c-64b07dc30090" providerId="ADAL" clId="{5B440EA2-DE11-412C-A505-B0319508B54D}" dt="2024-05-05T18:44:53.820" v="1601"/>
+          <ac:cxnSpMkLst>
+            <pc:docMk/>
+            <pc:sldMk cId="2305173294" sldId="259"/>
+            <ac:cxnSpMk id="34" creationId="{8B0FE53F-15FE-693B-18E1-1C4CCD36F25E}"/>
+          </ac:cxnSpMkLst>
+        </pc:cxnChg>
+        <pc:cxnChg chg="mod">
+          <ac:chgData name="VAGNER JOSÉ DI BENEDETTO VILLELA DE ANDRADE ." userId="39095851-9987-426c-992c-64b07dc30090" providerId="ADAL" clId="{5B440EA2-DE11-412C-A505-B0319508B54D}" dt="2024-05-05T18:44:53.820" v="1601"/>
+          <ac:cxnSpMkLst>
+            <pc:docMk/>
+            <pc:sldMk cId="2305173294" sldId="259"/>
+            <ac:cxnSpMk id="35" creationId="{A14AD38B-BCE9-A9BD-5FC9-08906FDFDE5C}"/>
+          </ac:cxnSpMkLst>
+        </pc:cxnChg>
+        <pc:cxnChg chg="add del mod">
+          <ac:chgData name="VAGNER JOSÉ DI BENEDETTO VILLELA DE ANDRADE ." userId="39095851-9987-426c-992c-64b07dc30090" providerId="ADAL" clId="{5B440EA2-DE11-412C-A505-B0319508B54D}" dt="2024-05-05T18:46:55.031" v="1663" actId="478"/>
+          <ac:cxnSpMkLst>
+            <pc:docMk/>
+            <pc:sldMk cId="2305173294" sldId="259"/>
+            <ac:cxnSpMk id="36" creationId="{C963298D-B492-09AB-F952-D218B96F157E}"/>
+          </ac:cxnSpMkLst>
+        </pc:cxnChg>
+        <pc:cxnChg chg="add mod">
+          <ac:chgData name="VAGNER JOSÉ DI BENEDETTO VILLELA DE ANDRADE ." userId="39095851-9987-426c-992c-64b07dc30090" providerId="ADAL" clId="{5B440EA2-DE11-412C-A505-B0319508B54D}" dt="2024-05-05T18:47:20.496" v="1675" actId="14100"/>
+          <ac:cxnSpMkLst>
+            <pc:docMk/>
+            <pc:sldMk cId="2305173294" sldId="259"/>
+            <ac:cxnSpMk id="37" creationId="{D88AB33F-D9A9-1242-2F57-6B152FB96A90}"/>
+          </ac:cxnSpMkLst>
+        </pc:cxnChg>
+        <pc:cxnChg chg="add mod">
+          <ac:chgData name="VAGNER JOSÉ DI BENEDETTO VILLELA DE ANDRADE ." userId="39095851-9987-426c-992c-64b07dc30090" providerId="ADAL" clId="{5B440EA2-DE11-412C-A505-B0319508B54D}" dt="2024-05-05T18:48:13.623" v="1752" actId="1036"/>
+          <ac:cxnSpMkLst>
+            <pc:docMk/>
+            <pc:sldMk cId="2305173294" sldId="259"/>
+            <ac:cxnSpMk id="40" creationId="{C28FF276-722A-6296-33A9-D4E3F02C674F}"/>
+          </ac:cxnSpMkLst>
+        </pc:cxnChg>
+        <pc:cxnChg chg="add mod">
+          <ac:chgData name="VAGNER JOSÉ DI BENEDETTO VILLELA DE ANDRADE ." userId="39095851-9987-426c-992c-64b07dc30090" providerId="ADAL" clId="{5B440EA2-DE11-412C-A505-B0319508B54D}" dt="2024-05-05T18:48:18.705" v="1753" actId="1036"/>
+          <ac:cxnSpMkLst>
+            <pc:docMk/>
+            <pc:sldMk cId="2305173294" sldId="259"/>
+            <ac:cxnSpMk id="43" creationId="{752AE9EF-6776-B602-A3B5-B65656433121}"/>
+          </ac:cxnSpMkLst>
+        </pc:cxnChg>
+        <pc:cxnChg chg="add mod">
+          <ac:chgData name="VAGNER JOSÉ DI BENEDETTO VILLELA DE ANDRADE ." userId="39095851-9987-426c-992c-64b07dc30090" providerId="ADAL" clId="{5B440EA2-DE11-412C-A505-B0319508B54D}" dt="2024-05-05T18:48:01.884" v="1744" actId="1038"/>
+          <ac:cxnSpMkLst>
+            <pc:docMk/>
+            <pc:sldMk cId="2305173294" sldId="259"/>
+            <ac:cxnSpMk id="44" creationId="{4D4A8045-E080-86AC-56F5-0E4BB35B0136}"/>
+          </ac:cxnSpMkLst>
+        </pc:cxnChg>
+        <pc:cxnChg chg="add mod">
+          <ac:chgData name="VAGNER JOSÉ DI BENEDETTO VILLELA DE ANDRADE ." userId="39095851-9987-426c-992c-64b07dc30090" providerId="ADAL" clId="{5B440EA2-DE11-412C-A505-B0319508B54D}" dt="2024-05-05T18:57:12.354" v="2050" actId="1035"/>
+          <ac:cxnSpMkLst>
+            <pc:docMk/>
+            <pc:sldMk cId="2305173294" sldId="259"/>
+            <ac:cxnSpMk id="52" creationId="{7A383A27-F66D-8613-7187-13B147A3BE1E}"/>
+          </ac:cxnSpMkLst>
+        </pc:cxnChg>
+        <pc:cxnChg chg="add mod">
+          <ac:chgData name="VAGNER JOSÉ DI BENEDETTO VILLELA DE ANDRADE ." userId="39095851-9987-426c-992c-64b07dc30090" providerId="ADAL" clId="{5B440EA2-DE11-412C-A505-B0319508B54D}" dt="2024-05-05T18:57:12.354" v="2050" actId="1035"/>
+          <ac:cxnSpMkLst>
+            <pc:docMk/>
+            <pc:sldMk cId="2305173294" sldId="259"/>
+            <ac:cxnSpMk id="53" creationId="{A0B5AC7A-5E98-7F19-F328-0ECC4AAD37B0}"/>
+          </ac:cxnSpMkLst>
+        </pc:cxnChg>
+        <pc:cxnChg chg="add mod">
+          <ac:chgData name="VAGNER JOSÉ DI BENEDETTO VILLELA DE ANDRADE ." userId="39095851-9987-426c-992c-64b07dc30090" providerId="ADAL" clId="{5B440EA2-DE11-412C-A505-B0319508B54D}" dt="2024-05-05T18:57:12.354" v="2050" actId="1035"/>
+          <ac:cxnSpMkLst>
+            <pc:docMk/>
+            <pc:sldMk cId="2305173294" sldId="259"/>
+            <ac:cxnSpMk id="54" creationId="{A4BBCDC8-A178-C6C7-BD7B-25C937DEE3E7}"/>
+          </ac:cxnSpMkLst>
+        </pc:cxnChg>
+        <pc:cxnChg chg="add mod">
+          <ac:chgData name="VAGNER JOSÉ DI BENEDETTO VILLELA DE ANDRADE ." userId="39095851-9987-426c-992c-64b07dc30090" providerId="ADAL" clId="{5B440EA2-DE11-412C-A505-B0319508B54D}" dt="2024-05-05T18:57:12.354" v="2050" actId="1035"/>
+          <ac:cxnSpMkLst>
+            <pc:docMk/>
+            <pc:sldMk cId="2305173294" sldId="259"/>
+            <ac:cxnSpMk id="55" creationId="{1722F4CE-1359-E06C-8A41-B2FAE2EB603D}"/>
+          </ac:cxnSpMkLst>
+        </pc:cxnChg>
+      </pc:sldChg>
     </pc:docChg>
   </pc:docChgLst>
 </pc:chgInfo>
+</file>
+
+<file path=ppt/notesMasters/notesMaster1.xml><?xml version="1.0" encoding="utf-8"?>
+<p:notesMaster xmlns:a="http://schemas.openxmlformats.org/drawingml/2006/main" xmlns:r="http://schemas.openxmlformats.org/officeDocument/2006/relationships" xmlns:p="http://schemas.openxmlformats.org/presentationml/2006/main">
+  <p:cSld>
+    <p:bg>
+      <p:bgRef idx="1001">
+        <a:schemeClr val="bg1"/>
+      </p:bgRef>
+    </p:bg>
+    <p:spTree>
+      <p:nvGrpSpPr>
+        <p:cNvPr id="1" name=""/>
+        <p:cNvGrpSpPr/>
+        <p:nvPr/>
+      </p:nvGrpSpPr>
+      <p:grpSpPr>
+        <a:xfrm>
+          <a:off x="0" y="0"/>
+          <a:ext cx="0" cy="0"/>
+          <a:chOff x="0" y="0"/>
+          <a:chExt cx="0" cy="0"/>
+        </a:xfrm>
+      </p:grpSpPr>
+      <p:sp>
+        <p:nvSpPr>
+          <p:cNvPr id="2" name="Espaço Reservado para Cabeçalho 1"/>
+          <p:cNvSpPr>
+            <a:spLocks noGrp="1"/>
+          </p:cNvSpPr>
+          <p:nvPr>
+            <p:ph type="hdr" sz="quarter"/>
+          </p:nvPr>
+        </p:nvSpPr>
+        <p:spPr>
+          <a:xfrm>
+            <a:off x="0" y="0"/>
+            <a:ext cx="2971800" cy="458788"/>
+          </a:xfrm>
+          <a:prstGeom prst="rect">
+            <a:avLst/>
+          </a:prstGeom>
+        </p:spPr>
+        <p:txBody>
+          <a:bodyPr vert="horz" lIns="91440" tIns="45720" rIns="91440" bIns="45720" rtlCol="0"/>
+          <a:lstStyle>
+            <a:lvl1pPr algn="l">
+              <a:defRPr sz="1200"/>
+            </a:lvl1pPr>
+          </a:lstStyle>
+          <a:p>
+            <a:endParaRPr lang="pt-BR"/>
+          </a:p>
+        </p:txBody>
+      </p:sp>
+      <p:sp>
+        <p:nvSpPr>
+          <p:cNvPr id="3" name="Espaço Reservado para Data 2"/>
+          <p:cNvSpPr>
+            <a:spLocks noGrp="1"/>
+          </p:cNvSpPr>
+          <p:nvPr>
+            <p:ph type="dt" idx="1"/>
+          </p:nvPr>
+        </p:nvSpPr>
+        <p:spPr>
+          <a:xfrm>
+            <a:off x="3884613" y="0"/>
+            <a:ext cx="2971800" cy="458788"/>
+          </a:xfrm>
+          <a:prstGeom prst="rect">
+            <a:avLst/>
+          </a:prstGeom>
+        </p:spPr>
+        <p:txBody>
+          <a:bodyPr vert="horz" lIns="91440" tIns="45720" rIns="91440" bIns="45720" rtlCol="0"/>
+          <a:lstStyle>
+            <a:lvl1pPr algn="r">
+              <a:defRPr sz="1200"/>
+            </a:lvl1pPr>
+          </a:lstStyle>
+          <a:p>
+            <a:fld id="{AED999B4-090E-494F-A92C-16E26E635942}" type="datetimeFigureOut">
+              <a:rPr lang="pt-BR" smtClean="0"/>
+              <a:t>05/05/2024</a:t>
+            </a:fld>
+            <a:endParaRPr lang="pt-BR"/>
+          </a:p>
+        </p:txBody>
+      </p:sp>
+      <p:sp>
+        <p:nvSpPr>
+          <p:cNvPr id="4" name="Espaço Reservado para Imagem de Slide 3"/>
+          <p:cNvSpPr>
+            <a:spLocks noGrp="1" noRot="1" noChangeAspect="1"/>
+          </p:cNvSpPr>
+          <p:nvPr>
+            <p:ph type="sldImg" idx="2"/>
+          </p:nvPr>
+        </p:nvSpPr>
+        <p:spPr>
+          <a:xfrm>
+            <a:off x="685800" y="1143000"/>
+            <a:ext cx="5486400" cy="3086100"/>
+          </a:xfrm>
+          <a:prstGeom prst="rect">
+            <a:avLst/>
+          </a:prstGeom>
+          <a:noFill/>
+          <a:ln w="12700">
+            <a:solidFill>
+              <a:prstClr val="black"/>
+            </a:solidFill>
+          </a:ln>
+        </p:spPr>
+        <p:txBody>
+          <a:bodyPr vert="horz" lIns="91440" tIns="45720" rIns="91440" bIns="45720" rtlCol="0" anchor="ctr"/>
+          <a:lstStyle/>
+          <a:p>
+            <a:endParaRPr lang="pt-BR"/>
+          </a:p>
+        </p:txBody>
+      </p:sp>
+      <p:sp>
+        <p:nvSpPr>
+          <p:cNvPr id="5" name="Espaço Reservado para Anotações 4"/>
+          <p:cNvSpPr>
+            <a:spLocks noGrp="1"/>
+          </p:cNvSpPr>
+          <p:nvPr>
+            <p:ph type="body" sz="quarter" idx="3"/>
+          </p:nvPr>
+        </p:nvSpPr>
+        <p:spPr>
+          <a:xfrm>
+            <a:off x="685800" y="4400550"/>
+            <a:ext cx="5486400" cy="3600450"/>
+          </a:xfrm>
+          <a:prstGeom prst="rect">
+            <a:avLst/>
+          </a:prstGeom>
+        </p:spPr>
+        <p:txBody>
+          <a:bodyPr vert="horz" lIns="91440" tIns="45720" rIns="91440" bIns="45720" rtlCol="0"/>
+          <a:lstStyle/>
+          <a:p>
+            <a:pPr lvl="0"/>
+            <a:r>
+              <a:rPr lang="pt-BR"/>
+              <a:t>Clique para editar os estilos de texto Mestres</a:t>
+            </a:r>
+          </a:p>
+          <a:p>
+            <a:pPr lvl="1"/>
+            <a:r>
+              <a:rPr lang="pt-BR"/>
+              <a:t>Segundo nível</a:t>
+            </a:r>
+          </a:p>
+          <a:p>
+            <a:pPr lvl="2"/>
+            <a:r>
+              <a:rPr lang="pt-BR"/>
+              <a:t>Terceiro nível</a:t>
+            </a:r>
+          </a:p>
+          <a:p>
+            <a:pPr lvl="3"/>
+            <a:r>
+              <a:rPr lang="pt-BR"/>
+              <a:t>Quarto nível</a:t>
+            </a:r>
+          </a:p>
+          <a:p>
+            <a:pPr lvl="4"/>
+            <a:r>
+              <a:rPr lang="pt-BR"/>
+              <a:t>Quinto nível</a:t>
+            </a:r>
+          </a:p>
+        </p:txBody>
+      </p:sp>
+      <p:sp>
+        <p:nvSpPr>
+          <p:cNvPr id="6" name="Espaço Reservado para Rodapé 5"/>
+          <p:cNvSpPr>
+            <a:spLocks noGrp="1"/>
+          </p:cNvSpPr>
+          <p:nvPr>
+            <p:ph type="ftr" sz="quarter" idx="4"/>
+          </p:nvPr>
+        </p:nvSpPr>
+        <p:spPr>
+          <a:xfrm>
+            <a:off x="0" y="8685213"/>
+            <a:ext cx="2971800" cy="458787"/>
+          </a:xfrm>
+          <a:prstGeom prst="rect">
+            <a:avLst/>
+          </a:prstGeom>
+        </p:spPr>
+        <p:txBody>
+          <a:bodyPr vert="horz" lIns="91440" tIns="45720" rIns="91440" bIns="45720" rtlCol="0" anchor="b"/>
+          <a:lstStyle>
+            <a:lvl1pPr algn="l">
+              <a:defRPr sz="1200"/>
+            </a:lvl1pPr>
+          </a:lstStyle>
+          <a:p>
+            <a:endParaRPr lang="pt-BR"/>
+          </a:p>
+        </p:txBody>
+      </p:sp>
+      <p:sp>
+        <p:nvSpPr>
+          <p:cNvPr id="7" name="Espaço Reservado para Número de Slide 6"/>
+          <p:cNvSpPr>
+            <a:spLocks noGrp="1"/>
+          </p:cNvSpPr>
+          <p:nvPr>
+            <p:ph type="sldNum" sz="quarter" idx="5"/>
+          </p:nvPr>
+        </p:nvSpPr>
+        <p:spPr>
+          <a:xfrm>
+            <a:off x="3884613" y="8685213"/>
+            <a:ext cx="2971800" cy="458787"/>
+          </a:xfrm>
+          <a:prstGeom prst="rect">
+            <a:avLst/>
+          </a:prstGeom>
+        </p:spPr>
+        <p:txBody>
+          <a:bodyPr vert="horz" lIns="91440" tIns="45720" rIns="91440" bIns="45720" rtlCol="0" anchor="b"/>
+          <a:lstStyle>
+            <a:lvl1pPr algn="r">
+              <a:defRPr sz="1200"/>
+            </a:lvl1pPr>
+          </a:lstStyle>
+          <a:p>
+            <a:fld id="{A283612E-3D97-4146-9FF3-CB053927F864}" type="slidenum">
+              <a:rPr lang="pt-BR" smtClean="0"/>
+              <a:t>‹nº›</a:t>
+            </a:fld>
+            <a:endParaRPr lang="pt-BR"/>
+          </a:p>
+        </p:txBody>
+      </p:sp>
+    </p:spTree>
+    <p:extLst>
+      <p:ext uri="{BB962C8B-B14F-4D97-AF65-F5344CB8AC3E}">
+        <p14:creationId xmlns:p14="http://schemas.microsoft.com/office/powerpoint/2010/main" val="1196733902"/>
+      </p:ext>
+    </p:extLst>
+  </p:cSld>
+  <p:clrMap bg1="lt1" tx1="dk1" bg2="lt2" tx2="dk2" accent1="accent1" accent2="accent2" accent3="accent3" accent4="accent4" accent5="accent5" accent6="accent6" hlink="hlink" folHlink="folHlink"/>
+  <p:notesStyle>
+    <a:lvl1pPr marL="0" algn="l" defTabSz="914400" rtl="0" eaLnBrk="1" latinLnBrk="0" hangingPunct="1">
+      <a:defRPr sz="1200" kern="1200">
+        <a:solidFill>
+          <a:schemeClr val="tx1"/>
+        </a:solidFill>
+        <a:latin typeface="+mn-lt"/>
+        <a:ea typeface="+mn-ea"/>
+        <a:cs typeface="+mn-cs"/>
+      </a:defRPr>
+    </a:lvl1pPr>
+    <a:lvl2pPr marL="457200" algn="l" defTabSz="914400" rtl="0" eaLnBrk="1" latinLnBrk="0" hangingPunct="1">
+      <a:defRPr sz="1200" kern="1200">
+        <a:solidFill>
+          <a:schemeClr val="tx1"/>
+        </a:solidFill>
+        <a:latin typeface="+mn-lt"/>
+        <a:ea typeface="+mn-ea"/>
+        <a:cs typeface="+mn-cs"/>
+      </a:defRPr>
+    </a:lvl2pPr>
+    <a:lvl3pPr marL="914400" algn="l" defTabSz="914400" rtl="0" eaLnBrk="1" latinLnBrk="0" hangingPunct="1">
+      <a:defRPr sz="1200" kern="1200">
+        <a:solidFill>
+          <a:schemeClr val="tx1"/>
+        </a:solidFill>
+        <a:latin typeface="+mn-lt"/>
+        <a:ea typeface="+mn-ea"/>
+        <a:cs typeface="+mn-cs"/>
+      </a:defRPr>
+    </a:lvl3pPr>
+    <a:lvl4pPr marL="1371600" algn="l" defTabSz="914400" rtl="0" eaLnBrk="1" latinLnBrk="0" hangingPunct="1">
+      <a:defRPr sz="1200" kern="1200">
+        <a:solidFill>
+          <a:schemeClr val="tx1"/>
+        </a:solidFill>
+        <a:latin typeface="+mn-lt"/>
+        <a:ea typeface="+mn-ea"/>
+        <a:cs typeface="+mn-cs"/>
+      </a:defRPr>
+    </a:lvl4pPr>
+    <a:lvl5pPr marL="1828800" algn="l" defTabSz="914400" rtl="0" eaLnBrk="1" latinLnBrk="0" hangingPunct="1">
+      <a:defRPr sz="1200" kern="1200">
+        <a:solidFill>
+          <a:schemeClr val="tx1"/>
+        </a:solidFill>
+        <a:latin typeface="+mn-lt"/>
+        <a:ea typeface="+mn-ea"/>
+        <a:cs typeface="+mn-cs"/>
+      </a:defRPr>
+    </a:lvl5pPr>
+    <a:lvl6pPr marL="2286000" algn="l" defTabSz="914400" rtl="0" eaLnBrk="1" latinLnBrk="0" hangingPunct="1">
+      <a:defRPr sz="1200" kern="1200">
+        <a:solidFill>
+          <a:schemeClr val="tx1"/>
+        </a:solidFill>
+        <a:latin typeface="+mn-lt"/>
+        <a:ea typeface="+mn-ea"/>
+        <a:cs typeface="+mn-cs"/>
+      </a:defRPr>
+    </a:lvl6pPr>
+    <a:lvl7pPr marL="2743200" algn="l" defTabSz="914400" rtl="0" eaLnBrk="1" latinLnBrk="0" hangingPunct="1">
+      <a:defRPr sz="1200" kern="1200">
+        <a:solidFill>
+          <a:schemeClr val="tx1"/>
+        </a:solidFill>
+        <a:latin typeface="+mn-lt"/>
+        <a:ea typeface="+mn-ea"/>
+        <a:cs typeface="+mn-cs"/>
+      </a:defRPr>
+    </a:lvl7pPr>
+    <a:lvl8pPr marL="3200400" algn="l" defTabSz="914400" rtl="0" eaLnBrk="1" latinLnBrk="0" hangingPunct="1">
+      <a:defRPr sz="1200" kern="1200">
+        <a:solidFill>
+          <a:schemeClr val="tx1"/>
+        </a:solidFill>
+        <a:latin typeface="+mn-lt"/>
+        <a:ea typeface="+mn-ea"/>
+        <a:cs typeface="+mn-cs"/>
+      </a:defRPr>
+    </a:lvl8pPr>
+    <a:lvl9pPr marL="3657600" algn="l" defTabSz="914400" rtl="0" eaLnBrk="1" latinLnBrk="0" hangingPunct="1">
+      <a:defRPr sz="1200" kern="1200">
+        <a:solidFill>
+          <a:schemeClr val="tx1"/>
+        </a:solidFill>
+        <a:latin typeface="+mn-lt"/>
+        <a:ea typeface="+mn-ea"/>
+        <a:cs typeface="+mn-cs"/>
+      </a:defRPr>
+    </a:lvl9pPr>
+  </p:notesStyle>
+</p:notesMaster>
+</file>
+
+<file path=ppt/notesSlides/notesSlide1.xml><?xml version="1.0" encoding="utf-8"?>
+<p:notes xmlns:a="http://schemas.openxmlformats.org/drawingml/2006/main" xmlns:r="http://schemas.openxmlformats.org/officeDocument/2006/relationships" xmlns:p="http://schemas.openxmlformats.org/presentationml/2006/main">
+  <p:cSld>
+    <p:spTree>
+      <p:nvGrpSpPr>
+        <p:cNvPr id="1" name=""/>
+        <p:cNvGrpSpPr/>
+        <p:nvPr/>
+      </p:nvGrpSpPr>
+      <p:grpSpPr>
+        <a:xfrm>
+          <a:off x="0" y="0"/>
+          <a:ext cx="0" cy="0"/>
+          <a:chOff x="0" y="0"/>
+          <a:chExt cx="0" cy="0"/>
+        </a:xfrm>
+      </p:grpSpPr>
+      <p:sp>
+        <p:nvSpPr>
+          <p:cNvPr id="2" name="Espaço Reservado para Imagem de Slide 1"/>
+          <p:cNvSpPr>
+            <a:spLocks noGrp="1" noRot="1" noChangeAspect="1"/>
+          </p:cNvSpPr>
+          <p:nvPr>
+            <p:ph type="sldImg"/>
+          </p:nvPr>
+        </p:nvSpPr>
+        <p:spPr/>
+      </p:sp>
+      <p:sp>
+        <p:nvSpPr>
+          <p:cNvPr id="3" name="Espaço Reservado para Anotações 2"/>
+          <p:cNvSpPr>
+            <a:spLocks noGrp="1"/>
+          </p:cNvSpPr>
+          <p:nvPr>
+            <p:ph type="body" idx="1"/>
+          </p:nvPr>
+        </p:nvSpPr>
+        <p:spPr/>
+        <p:txBody>
+          <a:bodyPr/>
+          <a:lstStyle/>
+          <a:p>
+            <a:endParaRPr lang="pt-BR" dirty="0"/>
+          </a:p>
+        </p:txBody>
+      </p:sp>
+      <p:sp>
+        <p:nvSpPr>
+          <p:cNvPr id="4" name="Espaço Reservado para Número de Slide 3"/>
+          <p:cNvSpPr>
+            <a:spLocks noGrp="1"/>
+          </p:cNvSpPr>
+          <p:nvPr>
+            <p:ph type="sldNum" sz="quarter" idx="5"/>
+          </p:nvPr>
+        </p:nvSpPr>
+        <p:spPr/>
+        <p:txBody>
+          <a:bodyPr/>
+          <a:lstStyle/>
+          <a:p>
+            <a:fld id="{A283612E-3D97-4146-9FF3-CB053927F864}" type="slidenum">
+              <a:rPr lang="pt-BR" smtClean="0"/>
+              <a:t>4</a:t>
+            </a:fld>
+            <a:endParaRPr lang="pt-BR"/>
+          </a:p>
+        </p:txBody>
+      </p:sp>
+    </p:spTree>
+    <p:extLst>
+      <p:ext uri="{BB962C8B-B14F-4D97-AF65-F5344CB8AC3E}">
+        <p14:creationId xmlns:p14="http://schemas.microsoft.com/office/powerpoint/2010/main" val="2342999263"/>
+      </p:ext>
+    </p:extLst>
+  </p:cSld>
+  <p:clrMapOvr>
+    <a:masterClrMapping/>
+  </p:clrMapOvr>
+</p:notes>
 </file>
 
 <file path=ppt/slideLayouts/slideLayout1.xml><?xml version="1.0" encoding="utf-8"?>
@@ -752,7 +1556,7 @@
           <a:p>
             <a:fld id="{C593B007-2F9B-4FAC-9C9C-D9E65130C08A}" type="datetimeFigureOut">
               <a:rPr lang="pt-BR" smtClean="0"/>
-              <a:t>04/05/2024</a:t>
+              <a:t>05/05/2024</a:t>
             </a:fld>
             <a:endParaRPr lang="pt-BR"/>
           </a:p>
@@ -950,7 +1754,7 @@
           <a:p>
             <a:fld id="{C593B007-2F9B-4FAC-9C9C-D9E65130C08A}" type="datetimeFigureOut">
               <a:rPr lang="pt-BR" smtClean="0"/>
-              <a:t>04/05/2024</a:t>
+              <a:t>05/05/2024</a:t>
             </a:fld>
             <a:endParaRPr lang="pt-BR"/>
           </a:p>
@@ -1158,7 +1962,7 @@
           <a:p>
             <a:fld id="{C593B007-2F9B-4FAC-9C9C-D9E65130C08A}" type="datetimeFigureOut">
               <a:rPr lang="pt-BR" smtClean="0"/>
-              <a:t>04/05/2024</a:t>
+              <a:t>05/05/2024</a:t>
             </a:fld>
             <a:endParaRPr lang="pt-BR"/>
           </a:p>
@@ -1356,7 +2160,7 @@
           <a:p>
             <a:fld id="{C593B007-2F9B-4FAC-9C9C-D9E65130C08A}" type="datetimeFigureOut">
               <a:rPr lang="pt-BR" smtClean="0"/>
-              <a:t>04/05/2024</a:t>
+              <a:t>05/05/2024</a:t>
             </a:fld>
             <a:endParaRPr lang="pt-BR"/>
           </a:p>
@@ -1631,7 +2435,7 @@
           <a:p>
             <a:fld id="{C593B007-2F9B-4FAC-9C9C-D9E65130C08A}" type="datetimeFigureOut">
               <a:rPr lang="pt-BR" smtClean="0"/>
-              <a:t>04/05/2024</a:t>
+              <a:t>05/05/2024</a:t>
             </a:fld>
             <a:endParaRPr lang="pt-BR"/>
           </a:p>
@@ -1896,7 +2700,7 @@
           <a:p>
             <a:fld id="{C593B007-2F9B-4FAC-9C9C-D9E65130C08A}" type="datetimeFigureOut">
               <a:rPr lang="pt-BR" smtClean="0"/>
-              <a:t>04/05/2024</a:t>
+              <a:t>05/05/2024</a:t>
             </a:fld>
             <a:endParaRPr lang="pt-BR"/>
           </a:p>
@@ -2308,7 +3112,7 @@
           <a:p>
             <a:fld id="{C593B007-2F9B-4FAC-9C9C-D9E65130C08A}" type="datetimeFigureOut">
               <a:rPr lang="pt-BR" smtClean="0"/>
-              <a:t>04/05/2024</a:t>
+              <a:t>05/05/2024</a:t>
             </a:fld>
             <a:endParaRPr lang="pt-BR"/>
           </a:p>
@@ -2449,7 +3253,7 @@
           <a:p>
             <a:fld id="{C593B007-2F9B-4FAC-9C9C-D9E65130C08A}" type="datetimeFigureOut">
               <a:rPr lang="pt-BR" smtClean="0"/>
-              <a:t>04/05/2024</a:t>
+              <a:t>05/05/2024</a:t>
             </a:fld>
             <a:endParaRPr lang="pt-BR"/>
           </a:p>
@@ -2562,7 +3366,7 @@
           <a:p>
             <a:fld id="{C593B007-2F9B-4FAC-9C9C-D9E65130C08A}" type="datetimeFigureOut">
               <a:rPr lang="pt-BR" smtClean="0"/>
-              <a:t>04/05/2024</a:t>
+              <a:t>05/05/2024</a:t>
             </a:fld>
             <a:endParaRPr lang="pt-BR"/>
           </a:p>
@@ -2873,7 +3677,7 @@
           <a:p>
             <a:fld id="{C593B007-2F9B-4FAC-9C9C-D9E65130C08A}" type="datetimeFigureOut">
               <a:rPr lang="pt-BR" smtClean="0"/>
-              <a:t>04/05/2024</a:t>
+              <a:t>05/05/2024</a:t>
             </a:fld>
             <a:endParaRPr lang="pt-BR"/>
           </a:p>
@@ -3161,7 +3965,7 @@
           <a:p>
             <a:fld id="{C593B007-2F9B-4FAC-9C9C-D9E65130C08A}" type="datetimeFigureOut">
               <a:rPr lang="pt-BR" smtClean="0"/>
-              <a:t>04/05/2024</a:t>
+              <a:t>05/05/2024</a:t>
             </a:fld>
             <a:endParaRPr lang="pt-BR"/>
           </a:p>
@@ -3402,7 +4206,7 @@
           <a:p>
             <a:fld id="{C593B007-2F9B-4FAC-9C9C-D9E65130C08A}" type="datetimeFigureOut">
               <a:rPr lang="pt-BR" smtClean="0"/>
-              <a:t>04/05/2024</a:t>
+              <a:t>05/05/2024</a:t>
             </a:fld>
             <a:endParaRPr lang="pt-BR"/>
           </a:p>
@@ -4923,7 +5727,7 @@
         </p:blipFill>
         <p:spPr bwMode="auto">
           <a:xfrm>
-            <a:off x="7389059" y="1312312"/>
+            <a:off x="7133422" y="1601937"/>
             <a:ext cx="1182963" cy="1182963"/>
           </a:xfrm>
           <a:prstGeom prst="rect">
@@ -4955,7 +5759,7 @@
         </p:nvSpPr>
         <p:spPr>
           <a:xfrm>
-            <a:off x="8546569" y="1401063"/>
+            <a:off x="8290932" y="1690688"/>
             <a:ext cx="3062868" cy="1015663"/>
           </a:xfrm>
           <a:prstGeom prst="rect">
@@ -5006,7 +5810,7 @@
         </p:blipFill>
         <p:spPr bwMode="auto">
           <a:xfrm>
-            <a:off x="7846029" y="2661894"/>
+            <a:off x="7580559" y="2916355"/>
             <a:ext cx="442565" cy="442565"/>
           </a:xfrm>
           <a:prstGeom prst="rect">
@@ -5038,7 +5842,7 @@
         </p:nvSpPr>
         <p:spPr>
           <a:xfrm>
-            <a:off x="8406582" y="2661329"/>
+            <a:off x="8125128" y="2924892"/>
             <a:ext cx="2519921" cy="461665"/>
           </a:xfrm>
           <a:prstGeom prst="rect">
@@ -5089,7 +5893,7 @@
         </p:blipFill>
         <p:spPr bwMode="auto">
           <a:xfrm>
-            <a:off x="7846029" y="3482050"/>
+            <a:off x="7582594" y="3630876"/>
             <a:ext cx="442565" cy="442565"/>
           </a:xfrm>
           <a:prstGeom prst="rect">
@@ -5121,7 +5925,7 @@
         </p:nvSpPr>
         <p:spPr>
           <a:xfrm>
-            <a:off x="8406582" y="3481485"/>
+            <a:off x="8130854" y="3643447"/>
             <a:ext cx="1911229" cy="461665"/>
           </a:xfrm>
           <a:prstGeom prst="rect">
@@ -5172,7 +5976,7 @@
         </p:blipFill>
         <p:spPr bwMode="auto">
           <a:xfrm>
-            <a:off x="7851465" y="4275822"/>
+            <a:off x="7566330" y="4336774"/>
             <a:ext cx="442565" cy="442565"/>
           </a:xfrm>
           <a:prstGeom prst="rect">
@@ -5204,7 +6008,7 @@
         </p:nvSpPr>
         <p:spPr>
           <a:xfrm>
-            <a:off x="8412018" y="4275257"/>
+            <a:off x="8126883" y="4336209"/>
             <a:ext cx="2120260" cy="461665"/>
           </a:xfrm>
           <a:prstGeom prst="rect">
@@ -5213,7 +6017,7 @@
           <a:noFill/>
         </p:spPr>
         <p:txBody>
-          <a:bodyPr wrap="none" rtlCol="0">
+          <a:bodyPr wrap="square" rtlCol="0">
             <a:spAutoFit/>
           </a:bodyPr>
           <a:lstStyle/>
@@ -5255,7 +6059,7 @@
         </p:blipFill>
         <p:spPr bwMode="auto">
           <a:xfrm>
-            <a:off x="7851465" y="5115078"/>
+            <a:off x="7592429" y="5087715"/>
             <a:ext cx="442565" cy="442565"/>
           </a:xfrm>
           <a:prstGeom prst="rect">
@@ -5287,7 +6091,7 @@
         </p:nvSpPr>
         <p:spPr>
           <a:xfrm>
-            <a:off x="8412018" y="5114513"/>
+            <a:off x="8152982" y="5087150"/>
             <a:ext cx="2494529" cy="461665"/>
           </a:xfrm>
           <a:prstGeom prst="rect">
@@ -5323,7 +6127,7 @@
         </p:nvSpPr>
         <p:spPr>
           <a:xfrm>
-            <a:off x="4686252" y="1557881"/>
+            <a:off x="1001593" y="4105112"/>
             <a:ext cx="1911229" cy="2154436"/>
           </a:xfrm>
           <a:prstGeom prst="rect">
@@ -5377,6 +6181,2006 @@
     <p:extLst>
       <p:ext uri="{BB962C8B-B14F-4D97-AF65-F5344CB8AC3E}">
         <p14:creationId xmlns:p14="http://schemas.microsoft.com/office/powerpoint/2010/main" val="53127966"/>
+      </p:ext>
+    </p:extLst>
+  </p:cSld>
+  <p:clrMapOvr>
+    <a:masterClrMapping/>
+  </p:clrMapOvr>
+</p:sld>
+</file>
+
+<file path=ppt/slides/slide4.xml><?xml version="1.0" encoding="utf-8"?>
+<p:sld xmlns:a="http://schemas.openxmlformats.org/drawingml/2006/main" xmlns:r="http://schemas.openxmlformats.org/officeDocument/2006/relationships" xmlns:p="http://schemas.openxmlformats.org/presentationml/2006/main">
+  <p:cSld>
+    <p:spTree>
+      <p:nvGrpSpPr>
+        <p:cNvPr id="1" name=""/>
+        <p:cNvGrpSpPr/>
+        <p:nvPr/>
+      </p:nvGrpSpPr>
+      <p:grpSpPr>
+        <a:xfrm>
+          <a:off x="0" y="0"/>
+          <a:ext cx="0" cy="0"/>
+          <a:chOff x="0" y="0"/>
+          <a:chExt cx="0" cy="0"/>
+        </a:xfrm>
+      </p:grpSpPr>
+      <p:graphicFrame>
+        <p:nvGraphicFramePr>
+          <p:cNvPr id="5" name="Tabela 4">
+            <a:extLst>
+              <a:ext uri="{FF2B5EF4-FFF2-40B4-BE49-F238E27FC236}">
+                <a16:creationId xmlns:a16="http://schemas.microsoft.com/office/drawing/2014/main" id="{01D18C47-A137-271E-3489-CC792FABD4E0}"/>
+              </a:ext>
+            </a:extLst>
+          </p:cNvPr>
+          <p:cNvGraphicFramePr>
+            <a:graphicFrameLocks noGrp="1"/>
+          </p:cNvGraphicFramePr>
+          <p:nvPr>
+            <p:extLst>
+              <p:ext uri="{D42A27DB-BD31-4B8C-83A1-F6EECF244321}">
+                <p14:modId xmlns:p14="http://schemas.microsoft.com/office/powerpoint/2010/main" val="3162187178"/>
+              </p:ext>
+            </p:extLst>
+          </p:nvPr>
+        </p:nvGraphicFramePr>
+        <p:xfrm>
+          <a:off x="946895" y="3490728"/>
+          <a:ext cx="1983118" cy="2706876"/>
+        </p:xfrm>
+        <a:graphic>
+          <a:graphicData uri="http://schemas.openxmlformats.org/drawingml/2006/table">
+            <a:tbl>
+              <a:tblPr firstRow="1" bandRow="1">
+                <a:tableStyleId>{5C22544A-7EE6-4342-B048-85BDC9FD1C3A}</a:tableStyleId>
+              </a:tblPr>
+              <a:tblGrid>
+                <a:gridCol w="1983118">
+                  <a:extLst>
+                    <a:ext uri="{9D8B030D-6E8A-4147-A177-3AD203B41FA5}">
+                      <a16:colId xmlns:a16="http://schemas.microsoft.com/office/drawing/2014/main" val="3107132774"/>
+                    </a:ext>
+                  </a:extLst>
+                </a:gridCol>
+              </a:tblGrid>
+              <a:tr h="420876">
+                <a:tc>
+                  <a:txBody>
+                    <a:bodyPr/>
+                    <a:lstStyle/>
+                    <a:p>
+                      <a:pPr algn="ctr"/>
+                      <a:r>
+                        <a:rPr lang="pt-BR" dirty="0" err="1"/>
+                        <a:t>endereco</a:t>
+                      </a:r>
+                      <a:endParaRPr lang="pt-BR" dirty="0"/>
+                    </a:p>
+                  </a:txBody>
+                  <a:tcPr/>
+                </a:tc>
+                <a:extLst>
+                  <a:ext uri="{0D108BD9-81ED-4DB2-BD59-A6C34878D82A}">
+                    <a16:rowId xmlns:a16="http://schemas.microsoft.com/office/drawing/2014/main" val="3505237580"/>
+                  </a:ext>
+                </a:extLst>
+              </a:tr>
+              <a:tr h="1970412">
+                <a:tc>
+                  <a:txBody>
+                    <a:bodyPr/>
+                    <a:lstStyle/>
+                    <a:p>
+                      <a:r>
+                        <a:rPr lang="pt-BR" dirty="0"/>
+                        <a:t>   </a:t>
+                      </a:r>
+                      <a:r>
+                        <a:rPr lang="pt-BR" dirty="0" err="1"/>
+                        <a:t>idEndereco</a:t>
+                      </a:r>
+                      <a:endParaRPr lang="pt-BR" dirty="0"/>
+                    </a:p>
+                    <a:p>
+                      <a:r>
+                        <a:rPr lang="pt-BR" dirty="0"/>
+                        <a:t>   rua</a:t>
+                      </a:r>
+                    </a:p>
+                    <a:p>
+                      <a:r>
+                        <a:rPr lang="pt-BR" dirty="0"/>
+                        <a:t>   bairro</a:t>
+                      </a:r>
+                    </a:p>
+                    <a:p>
+                      <a:r>
+                        <a:rPr lang="pt-BR" dirty="0"/>
+                        <a:t>   Cidade</a:t>
+                      </a:r>
+                    </a:p>
+                    <a:p>
+                      <a:r>
+                        <a:rPr lang="pt-BR" dirty="0"/>
+                        <a:t>   Estado</a:t>
+                      </a:r>
+                    </a:p>
+                    <a:p>
+                      <a:r>
+                        <a:rPr lang="pt-BR" dirty="0"/>
+                        <a:t>   Numero</a:t>
+                      </a:r>
+                    </a:p>
+                    <a:p>
+                      <a:r>
+                        <a:rPr lang="pt-BR" dirty="0"/>
+                        <a:t>   Complemento</a:t>
+                      </a:r>
+                    </a:p>
+                    <a:p>
+                      <a:r>
+                        <a:rPr lang="pt-BR" dirty="0"/>
+                        <a:t>   </a:t>
+                      </a:r>
+                      <a:r>
+                        <a:rPr lang="pt-BR" dirty="0" err="1"/>
+                        <a:t>fkEmpresa</a:t>
+                      </a:r>
+                      <a:endParaRPr lang="pt-BR" dirty="0"/>
+                    </a:p>
+                  </a:txBody>
+                  <a:tcPr/>
+                </a:tc>
+                <a:extLst>
+                  <a:ext uri="{0D108BD9-81ED-4DB2-BD59-A6C34878D82A}">
+                    <a16:rowId xmlns:a16="http://schemas.microsoft.com/office/drawing/2014/main" val="2471715877"/>
+                  </a:ext>
+                </a:extLst>
+              </a:tr>
+            </a:tbl>
+          </a:graphicData>
+        </a:graphic>
+      </p:graphicFrame>
+      <p:graphicFrame>
+        <p:nvGraphicFramePr>
+          <p:cNvPr id="6" name="Tabela 5">
+            <a:extLst>
+              <a:ext uri="{FF2B5EF4-FFF2-40B4-BE49-F238E27FC236}">
+                <a16:creationId xmlns:a16="http://schemas.microsoft.com/office/drawing/2014/main" id="{B63B9538-6192-FE6A-F3CF-1ADC3C97D54C}"/>
+              </a:ext>
+            </a:extLst>
+          </p:cNvPr>
+          <p:cNvGraphicFramePr>
+            <a:graphicFrameLocks noGrp="1"/>
+          </p:cNvGraphicFramePr>
+          <p:nvPr>
+            <p:extLst>
+              <p:ext uri="{D42A27DB-BD31-4B8C-83A1-F6EECF244321}">
+                <p14:modId xmlns:p14="http://schemas.microsoft.com/office/powerpoint/2010/main" val="1910069521"/>
+              </p:ext>
+            </p:extLst>
+          </p:nvPr>
+        </p:nvGraphicFramePr>
+        <p:xfrm>
+          <a:off x="3706850" y="4368804"/>
+          <a:ext cx="1612490" cy="1828800"/>
+        </p:xfrm>
+        <a:graphic>
+          <a:graphicData uri="http://schemas.openxmlformats.org/drawingml/2006/table">
+            <a:tbl>
+              <a:tblPr firstRow="1" bandRow="1">
+                <a:tableStyleId>{5C22544A-7EE6-4342-B048-85BDC9FD1C3A}</a:tableStyleId>
+              </a:tblPr>
+              <a:tblGrid>
+                <a:gridCol w="1612490">
+                  <a:extLst>
+                    <a:ext uri="{9D8B030D-6E8A-4147-A177-3AD203B41FA5}">
+                      <a16:colId xmlns:a16="http://schemas.microsoft.com/office/drawing/2014/main" val="3509751168"/>
+                    </a:ext>
+                  </a:extLst>
+                </a:gridCol>
+              </a:tblGrid>
+              <a:tr h="254764">
+                <a:tc>
+                  <a:txBody>
+                    <a:bodyPr/>
+                    <a:lstStyle/>
+                    <a:p>
+                      <a:pPr algn="ctr"/>
+                      <a:r>
+                        <a:rPr lang="pt-BR" dirty="0"/>
+                        <a:t>empresa</a:t>
+                      </a:r>
+                    </a:p>
+                  </a:txBody>
+                  <a:tcPr/>
+                </a:tc>
+                <a:extLst>
+                  <a:ext uri="{0D108BD9-81ED-4DB2-BD59-A6C34878D82A}">
+                    <a16:rowId xmlns:a16="http://schemas.microsoft.com/office/drawing/2014/main" val="3688017042"/>
+                  </a:ext>
+                </a:extLst>
+              </a:tr>
+              <a:tr h="370840">
+                <a:tc>
+                  <a:txBody>
+                    <a:bodyPr/>
+                    <a:lstStyle/>
+                    <a:p>
+                      <a:r>
+                        <a:rPr lang="pt-BR" dirty="0"/>
+                        <a:t>   </a:t>
+                      </a:r>
+                      <a:r>
+                        <a:rPr lang="pt-BR" dirty="0" err="1"/>
+                        <a:t>idEmpresa</a:t>
+                      </a:r>
+                      <a:endParaRPr lang="pt-BR" dirty="0"/>
+                    </a:p>
+                    <a:p>
+                      <a:r>
+                        <a:rPr lang="pt-BR" dirty="0"/>
+                        <a:t>   nome</a:t>
+                      </a:r>
+                    </a:p>
+                    <a:p>
+                      <a:r>
+                        <a:rPr lang="pt-BR" dirty="0"/>
+                        <a:t>   </a:t>
+                      </a:r>
+                      <a:r>
+                        <a:rPr lang="pt-BR" dirty="0" err="1"/>
+                        <a:t>cnpj</a:t>
+                      </a:r>
+                      <a:endParaRPr lang="pt-BR" dirty="0"/>
+                    </a:p>
+                    <a:p>
+                      <a:r>
+                        <a:rPr lang="pt-BR" dirty="0"/>
+                        <a:t>   </a:t>
+                      </a:r>
+                      <a:r>
+                        <a:rPr lang="pt-BR" dirty="0" err="1"/>
+                        <a:t>email</a:t>
+                      </a:r>
+                      <a:endParaRPr lang="pt-BR" dirty="0"/>
+                    </a:p>
+                    <a:p>
+                      <a:r>
+                        <a:rPr lang="pt-BR" dirty="0"/>
+                        <a:t>   senha</a:t>
+                      </a:r>
+                    </a:p>
+                  </a:txBody>
+                  <a:tcPr/>
+                </a:tc>
+                <a:extLst>
+                  <a:ext uri="{0D108BD9-81ED-4DB2-BD59-A6C34878D82A}">
+                    <a16:rowId xmlns:a16="http://schemas.microsoft.com/office/drawing/2014/main" val="935963433"/>
+                  </a:ext>
+                </a:extLst>
+              </a:tr>
+            </a:tbl>
+          </a:graphicData>
+        </a:graphic>
+      </p:graphicFrame>
+      <p:graphicFrame>
+        <p:nvGraphicFramePr>
+          <p:cNvPr id="7" name="Tabela 6">
+            <a:extLst>
+              <a:ext uri="{FF2B5EF4-FFF2-40B4-BE49-F238E27FC236}">
+                <a16:creationId xmlns:a16="http://schemas.microsoft.com/office/drawing/2014/main" id="{32BC33F2-3E59-D8D6-E283-3FF90A723F90}"/>
+              </a:ext>
+            </a:extLst>
+          </p:cNvPr>
+          <p:cNvGraphicFramePr>
+            <a:graphicFrameLocks noGrp="1"/>
+          </p:cNvGraphicFramePr>
+          <p:nvPr>
+            <p:extLst>
+              <p:ext uri="{D42A27DB-BD31-4B8C-83A1-F6EECF244321}">
+                <p14:modId xmlns:p14="http://schemas.microsoft.com/office/powerpoint/2010/main" val="3516839442"/>
+              </p:ext>
+            </p:extLst>
+          </p:nvPr>
+        </p:nvGraphicFramePr>
+        <p:xfrm>
+          <a:off x="3672436" y="1795494"/>
+          <a:ext cx="1681317" cy="1833880"/>
+        </p:xfrm>
+        <a:graphic>
+          <a:graphicData uri="http://schemas.openxmlformats.org/drawingml/2006/table">
+            <a:tbl>
+              <a:tblPr firstRow="1" bandRow="1">
+                <a:tableStyleId>{5C22544A-7EE6-4342-B048-85BDC9FD1C3A}</a:tableStyleId>
+              </a:tblPr>
+              <a:tblGrid>
+                <a:gridCol w="1681317">
+                  <a:extLst>
+                    <a:ext uri="{9D8B030D-6E8A-4147-A177-3AD203B41FA5}">
+                      <a16:colId xmlns:a16="http://schemas.microsoft.com/office/drawing/2014/main" val="3638967271"/>
+                    </a:ext>
+                  </a:extLst>
+                </a:gridCol>
+              </a:tblGrid>
+              <a:tr h="370840">
+                <a:tc>
+                  <a:txBody>
+                    <a:bodyPr/>
+                    <a:lstStyle/>
+                    <a:p>
+                      <a:pPr algn="ctr"/>
+                      <a:r>
+                        <a:rPr lang="pt-BR" dirty="0"/>
+                        <a:t>atendente</a:t>
+                      </a:r>
+                    </a:p>
+                  </a:txBody>
+                  <a:tcPr/>
+                </a:tc>
+                <a:extLst>
+                  <a:ext uri="{0D108BD9-81ED-4DB2-BD59-A6C34878D82A}">
+                    <a16:rowId xmlns:a16="http://schemas.microsoft.com/office/drawing/2014/main" val="48318084"/>
+                  </a:ext>
+                </a:extLst>
+              </a:tr>
+              <a:tr h="370840">
+                <a:tc>
+                  <a:txBody>
+                    <a:bodyPr/>
+                    <a:lstStyle/>
+                    <a:p>
+                      <a:r>
+                        <a:rPr lang="pt-BR" dirty="0"/>
+                        <a:t>   </a:t>
+                      </a:r>
+                      <a:r>
+                        <a:rPr lang="pt-BR" dirty="0" err="1"/>
+                        <a:t>idAtendente</a:t>
+                      </a:r>
+                      <a:endParaRPr lang="pt-BR" dirty="0"/>
+                    </a:p>
+                    <a:p>
+                      <a:r>
+                        <a:rPr lang="pt-BR" dirty="0"/>
+                        <a:t>   </a:t>
+                      </a:r>
+                      <a:r>
+                        <a:rPr lang="pt-BR" dirty="0" err="1"/>
+                        <a:t>fkEmpresa</a:t>
+                      </a:r>
+                      <a:endParaRPr lang="pt-BR" dirty="0"/>
+                    </a:p>
+                    <a:p>
+                      <a:r>
+                        <a:rPr lang="pt-BR" dirty="0"/>
+                        <a:t>   nome</a:t>
+                      </a:r>
+                    </a:p>
+                    <a:p>
+                      <a:r>
+                        <a:rPr lang="pt-BR" dirty="0"/>
+                        <a:t>   </a:t>
+                      </a:r>
+                      <a:r>
+                        <a:rPr lang="pt-BR" dirty="0" err="1"/>
+                        <a:t>email</a:t>
+                      </a:r>
+                      <a:endParaRPr lang="pt-BR" dirty="0"/>
+                    </a:p>
+                    <a:p>
+                      <a:r>
+                        <a:rPr lang="pt-BR" dirty="0"/>
+                        <a:t>   senha</a:t>
+                      </a:r>
+                    </a:p>
+                  </a:txBody>
+                  <a:tcPr/>
+                </a:tc>
+                <a:extLst>
+                  <a:ext uri="{0D108BD9-81ED-4DB2-BD59-A6C34878D82A}">
+                    <a16:rowId xmlns:a16="http://schemas.microsoft.com/office/drawing/2014/main" val="3703275623"/>
+                  </a:ext>
+                </a:extLst>
+              </a:tr>
+            </a:tbl>
+          </a:graphicData>
+        </a:graphic>
+      </p:graphicFrame>
+      <p:graphicFrame>
+        <p:nvGraphicFramePr>
+          <p:cNvPr id="8" name="Tabela 7">
+            <a:extLst>
+              <a:ext uri="{FF2B5EF4-FFF2-40B4-BE49-F238E27FC236}">
+                <a16:creationId xmlns:a16="http://schemas.microsoft.com/office/drawing/2014/main" id="{DA0C5B77-1736-2878-94BC-E52B653B89A8}"/>
+              </a:ext>
+            </a:extLst>
+          </p:cNvPr>
+          <p:cNvGraphicFramePr>
+            <a:graphicFrameLocks noGrp="1"/>
+          </p:cNvGraphicFramePr>
+          <p:nvPr>
+            <p:extLst>
+              <p:ext uri="{D42A27DB-BD31-4B8C-83A1-F6EECF244321}">
+                <p14:modId xmlns:p14="http://schemas.microsoft.com/office/powerpoint/2010/main" val="3255987704"/>
+              </p:ext>
+            </p:extLst>
+          </p:nvPr>
+        </p:nvGraphicFramePr>
+        <p:xfrm>
+          <a:off x="6076340" y="4644276"/>
+          <a:ext cx="1895987" cy="1280160"/>
+        </p:xfrm>
+        <a:graphic>
+          <a:graphicData uri="http://schemas.openxmlformats.org/drawingml/2006/table">
+            <a:tbl>
+              <a:tblPr firstRow="1" bandRow="1">
+                <a:tableStyleId>{5C22544A-7EE6-4342-B048-85BDC9FD1C3A}</a:tableStyleId>
+              </a:tblPr>
+              <a:tblGrid>
+                <a:gridCol w="1895987">
+                  <a:extLst>
+                    <a:ext uri="{9D8B030D-6E8A-4147-A177-3AD203B41FA5}">
+                      <a16:colId xmlns:a16="http://schemas.microsoft.com/office/drawing/2014/main" val="4019878770"/>
+                    </a:ext>
+                  </a:extLst>
+                </a:gridCol>
+              </a:tblGrid>
+              <a:tr h="309388">
+                <a:tc>
+                  <a:txBody>
+                    <a:bodyPr/>
+                    <a:lstStyle/>
+                    <a:p>
+                      <a:pPr algn="ctr"/>
+                      <a:r>
+                        <a:rPr lang="pt-BR" dirty="0"/>
+                        <a:t>maquina</a:t>
+                      </a:r>
+                    </a:p>
+                  </a:txBody>
+                  <a:tcPr/>
+                </a:tc>
+                <a:extLst>
+                  <a:ext uri="{0D108BD9-81ED-4DB2-BD59-A6C34878D82A}">
+                    <a16:rowId xmlns:a16="http://schemas.microsoft.com/office/drawing/2014/main" val="3695502908"/>
+                  </a:ext>
+                </a:extLst>
+              </a:tr>
+              <a:tr h="370840">
+                <a:tc>
+                  <a:txBody>
+                    <a:bodyPr/>
+                    <a:lstStyle/>
+                    <a:p>
+                      <a:r>
+                        <a:rPr lang="pt-BR" dirty="0"/>
+                        <a:t>   </a:t>
+                      </a:r>
+                      <a:r>
+                        <a:rPr lang="pt-BR" dirty="0" err="1"/>
+                        <a:t>idMaquina</a:t>
+                      </a:r>
+                      <a:endParaRPr lang="pt-BR" dirty="0"/>
+                    </a:p>
+                    <a:p>
+                      <a:r>
+                        <a:rPr lang="pt-BR" dirty="0"/>
+                        <a:t>   nome</a:t>
+                      </a:r>
+                    </a:p>
+                    <a:p>
+                      <a:r>
+                        <a:rPr lang="pt-BR" dirty="0"/>
+                        <a:t>   </a:t>
+                      </a:r>
+                      <a:r>
+                        <a:rPr lang="pt-BR" dirty="0" err="1"/>
+                        <a:t>fkEmpresa</a:t>
+                      </a:r>
+                      <a:r>
+                        <a:rPr lang="pt-BR" dirty="0"/>
+                        <a:t> </a:t>
+                      </a:r>
+                    </a:p>
+                  </a:txBody>
+                  <a:tcPr/>
+                </a:tc>
+                <a:extLst>
+                  <a:ext uri="{0D108BD9-81ED-4DB2-BD59-A6C34878D82A}">
+                    <a16:rowId xmlns:a16="http://schemas.microsoft.com/office/drawing/2014/main" val="4084594262"/>
+                  </a:ext>
+                </a:extLst>
+              </a:tr>
+            </a:tbl>
+          </a:graphicData>
+        </a:graphic>
+      </p:graphicFrame>
+      <p:graphicFrame>
+        <p:nvGraphicFramePr>
+          <p:cNvPr id="9" name="Tabela 8">
+            <a:extLst>
+              <a:ext uri="{FF2B5EF4-FFF2-40B4-BE49-F238E27FC236}">
+                <a16:creationId xmlns:a16="http://schemas.microsoft.com/office/drawing/2014/main" id="{E2B60F3B-F74C-EEF9-D076-1421BEE0529E}"/>
+              </a:ext>
+            </a:extLst>
+          </p:cNvPr>
+          <p:cNvGraphicFramePr>
+            <a:graphicFrameLocks noGrp="1"/>
+          </p:cNvGraphicFramePr>
+          <p:nvPr>
+            <p:extLst>
+              <p:ext uri="{D42A27DB-BD31-4B8C-83A1-F6EECF244321}">
+                <p14:modId xmlns:p14="http://schemas.microsoft.com/office/powerpoint/2010/main" val="2959573102"/>
+              </p:ext>
+            </p:extLst>
+          </p:nvPr>
+        </p:nvGraphicFramePr>
+        <p:xfrm>
+          <a:off x="8735147" y="4403220"/>
+          <a:ext cx="2589161" cy="1833880"/>
+        </p:xfrm>
+        <a:graphic>
+          <a:graphicData uri="http://schemas.openxmlformats.org/drawingml/2006/table">
+            <a:tbl>
+              <a:tblPr firstRow="1" bandRow="1">
+                <a:tableStyleId>{5C22544A-7EE6-4342-B048-85BDC9FD1C3A}</a:tableStyleId>
+              </a:tblPr>
+              <a:tblGrid>
+                <a:gridCol w="2589161">
+                  <a:extLst>
+                    <a:ext uri="{9D8B030D-6E8A-4147-A177-3AD203B41FA5}">
+                      <a16:colId xmlns:a16="http://schemas.microsoft.com/office/drawing/2014/main" val="1672999767"/>
+                    </a:ext>
+                  </a:extLst>
+                </a:gridCol>
+              </a:tblGrid>
+              <a:tr h="370840">
+                <a:tc>
+                  <a:txBody>
+                    <a:bodyPr/>
+                    <a:lstStyle/>
+                    <a:p>
+                      <a:r>
+                        <a:rPr lang="pt-BR" dirty="0"/>
+                        <a:t>componentes</a:t>
+                      </a:r>
+                    </a:p>
+                  </a:txBody>
+                  <a:tcPr/>
+                </a:tc>
+                <a:extLst>
+                  <a:ext uri="{0D108BD9-81ED-4DB2-BD59-A6C34878D82A}">
+                    <a16:rowId xmlns:a16="http://schemas.microsoft.com/office/drawing/2014/main" val="2589868160"/>
+                  </a:ext>
+                </a:extLst>
+              </a:tr>
+              <a:tr h="370840">
+                <a:tc>
+                  <a:txBody>
+                    <a:bodyPr/>
+                    <a:lstStyle/>
+                    <a:p>
+                      <a:r>
+                        <a:rPr lang="pt-BR" dirty="0"/>
+                        <a:t>   </a:t>
+                      </a:r>
+                      <a:r>
+                        <a:rPr lang="pt-BR" dirty="0" err="1"/>
+                        <a:t>idComponente</a:t>
+                      </a:r>
+                      <a:endParaRPr lang="pt-BR" dirty="0"/>
+                    </a:p>
+                    <a:p>
+                      <a:r>
+                        <a:rPr lang="pt-BR" dirty="0"/>
+                        <a:t>   </a:t>
+                      </a:r>
+                      <a:r>
+                        <a:rPr lang="pt-BR" dirty="0" err="1"/>
+                        <a:t>fkMaquina</a:t>
+                      </a:r>
+                      <a:endParaRPr lang="pt-BR" dirty="0"/>
+                    </a:p>
+                    <a:p>
+                      <a:r>
+                        <a:rPr lang="pt-BR" dirty="0"/>
+                        <a:t>   </a:t>
+                      </a:r>
+                      <a:r>
+                        <a:rPr lang="pt-BR" dirty="0" err="1"/>
+                        <a:t>tipoComponente</a:t>
+                      </a:r>
+                      <a:endParaRPr lang="pt-BR" dirty="0"/>
+                    </a:p>
+                    <a:p>
+                      <a:r>
+                        <a:rPr lang="pt-BR" dirty="0"/>
+                        <a:t>   </a:t>
+                      </a:r>
+                      <a:r>
+                        <a:rPr lang="pt-BR" dirty="0" err="1"/>
+                        <a:t>nomeCampo</a:t>
+                      </a:r>
+                      <a:endParaRPr lang="pt-BR" dirty="0"/>
+                    </a:p>
+                    <a:p>
+                      <a:r>
+                        <a:rPr lang="pt-BR" dirty="0"/>
+                        <a:t>   </a:t>
+                      </a:r>
+                      <a:r>
+                        <a:rPr lang="pt-BR" dirty="0" err="1"/>
+                        <a:t>valorCampo</a:t>
+                      </a:r>
+                      <a:endParaRPr lang="pt-BR" dirty="0"/>
+                    </a:p>
+                  </a:txBody>
+                  <a:tcPr/>
+                </a:tc>
+                <a:extLst>
+                  <a:ext uri="{0D108BD9-81ED-4DB2-BD59-A6C34878D82A}">
+                    <a16:rowId xmlns:a16="http://schemas.microsoft.com/office/drawing/2014/main" val="2012858569"/>
+                  </a:ext>
+                </a:extLst>
+              </a:tr>
+            </a:tbl>
+          </a:graphicData>
+        </a:graphic>
+      </p:graphicFrame>
+      <p:graphicFrame>
+        <p:nvGraphicFramePr>
+          <p:cNvPr id="10" name="Tabela 9">
+            <a:extLst>
+              <a:ext uri="{FF2B5EF4-FFF2-40B4-BE49-F238E27FC236}">
+                <a16:creationId xmlns:a16="http://schemas.microsoft.com/office/drawing/2014/main" id="{9486764F-CBBA-B456-317A-9038ECFA15CD}"/>
+              </a:ext>
+            </a:extLst>
+          </p:cNvPr>
+          <p:cNvGraphicFramePr>
+            <a:graphicFrameLocks noGrp="1"/>
+          </p:cNvGraphicFramePr>
+          <p:nvPr>
+            <p:extLst>
+              <p:ext uri="{D42A27DB-BD31-4B8C-83A1-F6EECF244321}">
+                <p14:modId xmlns:p14="http://schemas.microsoft.com/office/powerpoint/2010/main" val="1474154669"/>
+              </p:ext>
+            </p:extLst>
+          </p:nvPr>
+        </p:nvGraphicFramePr>
+        <p:xfrm>
+          <a:off x="8824921" y="1467676"/>
+          <a:ext cx="2323690" cy="2382520"/>
+        </p:xfrm>
+        <a:graphic>
+          <a:graphicData uri="http://schemas.openxmlformats.org/drawingml/2006/table">
+            <a:tbl>
+              <a:tblPr firstRow="1" bandRow="1">
+                <a:tableStyleId>{5C22544A-7EE6-4342-B048-85BDC9FD1C3A}</a:tableStyleId>
+              </a:tblPr>
+              <a:tblGrid>
+                <a:gridCol w="2323690">
+                  <a:extLst>
+                    <a:ext uri="{9D8B030D-6E8A-4147-A177-3AD203B41FA5}">
+                      <a16:colId xmlns:a16="http://schemas.microsoft.com/office/drawing/2014/main" val="4075700941"/>
+                    </a:ext>
+                  </a:extLst>
+                </a:gridCol>
+              </a:tblGrid>
+              <a:tr h="370840">
+                <a:tc>
+                  <a:txBody>
+                    <a:bodyPr/>
+                    <a:lstStyle/>
+                    <a:p>
+                      <a:r>
+                        <a:rPr lang="pt-BR" dirty="0" err="1"/>
+                        <a:t>dadosTempoReal</a:t>
+                      </a:r>
+                      <a:endParaRPr lang="pt-BR" dirty="0"/>
+                    </a:p>
+                  </a:txBody>
+                  <a:tcPr/>
+                </a:tc>
+                <a:extLst>
+                  <a:ext uri="{0D108BD9-81ED-4DB2-BD59-A6C34878D82A}">
+                    <a16:rowId xmlns:a16="http://schemas.microsoft.com/office/drawing/2014/main" val="631492015"/>
+                  </a:ext>
+                </a:extLst>
+              </a:tr>
+              <a:tr h="370840">
+                <a:tc>
+                  <a:txBody>
+                    <a:bodyPr/>
+                    <a:lstStyle/>
+                    <a:p>
+                      <a:r>
+                        <a:rPr lang="pt-BR" dirty="0"/>
+                        <a:t>   </a:t>
+                      </a:r>
+                      <a:r>
+                        <a:rPr lang="pt-BR" dirty="0" err="1"/>
+                        <a:t>idDadosTempoReal</a:t>
+                      </a:r>
+                      <a:endParaRPr lang="pt-BR" dirty="0"/>
+                    </a:p>
+                    <a:p>
+                      <a:r>
+                        <a:rPr lang="pt-BR" dirty="0"/>
+                        <a:t>   </a:t>
+                      </a:r>
+                      <a:r>
+                        <a:rPr lang="pt-BR" dirty="0" err="1"/>
+                        <a:t>fkComponente</a:t>
+                      </a:r>
+                      <a:r>
+                        <a:rPr lang="pt-BR" dirty="0"/>
+                        <a:t> </a:t>
+                      </a:r>
+                    </a:p>
+                    <a:p>
+                      <a:r>
+                        <a:rPr lang="pt-BR" dirty="0"/>
+                        <a:t>   </a:t>
+                      </a:r>
+                      <a:r>
+                        <a:rPr lang="pt-BR" dirty="0" err="1"/>
+                        <a:t>fkMaquina</a:t>
+                      </a:r>
+                      <a:endParaRPr lang="pt-BR" dirty="0"/>
+                    </a:p>
+                    <a:p>
+                      <a:r>
+                        <a:rPr lang="pt-BR" dirty="0"/>
+                        <a:t>   </a:t>
+                      </a:r>
+                      <a:r>
+                        <a:rPr lang="pt-BR" dirty="0" err="1"/>
+                        <a:t>dataHora</a:t>
+                      </a:r>
+                      <a:endParaRPr lang="pt-BR" dirty="0"/>
+                    </a:p>
+                    <a:p>
+                      <a:r>
+                        <a:rPr lang="pt-BR" dirty="0"/>
+                        <a:t>   </a:t>
+                      </a:r>
+                      <a:r>
+                        <a:rPr lang="pt-BR" dirty="0" err="1"/>
+                        <a:t>nomeCampo</a:t>
+                      </a:r>
+                      <a:endParaRPr lang="pt-BR" dirty="0"/>
+                    </a:p>
+                    <a:p>
+                      <a:r>
+                        <a:rPr lang="pt-BR" dirty="0"/>
+                        <a:t>   </a:t>
+                      </a:r>
+                      <a:r>
+                        <a:rPr lang="pt-BR" dirty="0" err="1"/>
+                        <a:t>valorCampo</a:t>
+                      </a:r>
+                      <a:endParaRPr lang="pt-BR" dirty="0"/>
+                    </a:p>
+                    <a:p>
+                      <a:r>
+                        <a:rPr lang="pt-BR" dirty="0"/>
+                        <a:t>   </a:t>
+                      </a:r>
+                      <a:r>
+                        <a:rPr lang="pt-BR" dirty="0" err="1"/>
+                        <a:t>unidadeMedida</a:t>
+                      </a:r>
+                      <a:endParaRPr lang="pt-BR" dirty="0"/>
+                    </a:p>
+                  </a:txBody>
+                  <a:tcPr/>
+                </a:tc>
+                <a:extLst>
+                  <a:ext uri="{0D108BD9-81ED-4DB2-BD59-A6C34878D82A}">
+                    <a16:rowId xmlns:a16="http://schemas.microsoft.com/office/drawing/2014/main" val="129497509"/>
+                  </a:ext>
+                </a:extLst>
+              </a:tr>
+            </a:tbl>
+          </a:graphicData>
+        </a:graphic>
+      </p:graphicFrame>
+      <p:pic>
+        <p:nvPicPr>
+          <p:cNvPr id="12" name="Gráfico 11" descr="Chave com preenchimento sólido">
+            <a:extLst>
+              <a:ext uri="{FF2B5EF4-FFF2-40B4-BE49-F238E27FC236}">
+                <a16:creationId xmlns:a16="http://schemas.microsoft.com/office/drawing/2014/main" id="{6EAD46D5-9106-41EF-50BC-B01D158D64D6}"/>
+              </a:ext>
+            </a:extLst>
+          </p:cNvPr>
+          <p:cNvPicPr>
+            <a:picLocks noChangeAspect="1"/>
+          </p:cNvPicPr>
+          <p:nvPr/>
+        </p:nvPicPr>
+        <p:blipFill>
+          <a:blip r:embed="rId3">
+            <a:extLst>
+              <a:ext uri="{28A0092B-C50C-407E-A947-70E740481C1C}">
+                <a14:useLocalDpi xmlns:a14="http://schemas.microsoft.com/office/drawing/2010/main" val="0"/>
+              </a:ext>
+              <a:ext uri="{96DAC541-7B7A-43D3-8B79-37D633B846F1}">
+                <asvg:svgBlip xmlns:asvg="http://schemas.microsoft.com/office/drawing/2016/SVG/main" r:embed="rId4"/>
+              </a:ext>
+            </a:extLst>
+          </a:blip>
+          <a:stretch>
+            <a:fillRect/>
+          </a:stretch>
+        </p:blipFill>
+        <p:spPr>
+          <a:xfrm rot="16200000">
+            <a:off x="8831832" y="1877222"/>
+            <a:ext cx="249084" cy="249084"/>
+          </a:xfrm>
+          <a:prstGeom prst="rect">
+            <a:avLst/>
+          </a:prstGeom>
+        </p:spPr>
+      </p:pic>
+      <p:pic>
+        <p:nvPicPr>
+          <p:cNvPr id="13" name="Gráfico 12" descr="Chave com preenchimento sólido">
+            <a:extLst>
+              <a:ext uri="{FF2B5EF4-FFF2-40B4-BE49-F238E27FC236}">
+                <a16:creationId xmlns:a16="http://schemas.microsoft.com/office/drawing/2014/main" id="{45123642-49B1-EAD8-4407-3316766BC422}"/>
+              </a:ext>
+            </a:extLst>
+          </p:cNvPr>
+          <p:cNvPicPr>
+            <a:picLocks noChangeAspect="1"/>
+          </p:cNvPicPr>
+          <p:nvPr/>
+        </p:nvPicPr>
+        <p:blipFill>
+          <a:blip r:embed="rId3">
+            <a:extLst>
+              <a:ext uri="{28A0092B-C50C-407E-A947-70E740481C1C}">
+                <a14:useLocalDpi xmlns:a14="http://schemas.microsoft.com/office/drawing/2010/main" val="0"/>
+              </a:ext>
+              <a:ext uri="{96DAC541-7B7A-43D3-8B79-37D633B846F1}">
+                <asvg:svgBlip xmlns:asvg="http://schemas.microsoft.com/office/drawing/2016/SVG/main" r:embed="rId4"/>
+              </a:ext>
+            </a:extLst>
+          </a:blip>
+          <a:stretch>
+            <a:fillRect/>
+          </a:stretch>
+        </p:blipFill>
+        <p:spPr>
+          <a:xfrm rot="16200000">
+            <a:off x="8829372" y="2145970"/>
+            <a:ext cx="249084" cy="249084"/>
+          </a:xfrm>
+          <a:prstGeom prst="rect">
+            <a:avLst/>
+          </a:prstGeom>
+        </p:spPr>
+      </p:pic>
+      <p:pic>
+        <p:nvPicPr>
+          <p:cNvPr id="14" name="Gráfico 13" descr="Chave com preenchimento sólido">
+            <a:extLst>
+              <a:ext uri="{FF2B5EF4-FFF2-40B4-BE49-F238E27FC236}">
+                <a16:creationId xmlns:a16="http://schemas.microsoft.com/office/drawing/2014/main" id="{B49DFE26-908A-92B9-0323-BDE76AAC3D6C}"/>
+              </a:ext>
+            </a:extLst>
+          </p:cNvPr>
+          <p:cNvPicPr>
+            <a:picLocks noChangeAspect="1"/>
+          </p:cNvPicPr>
+          <p:nvPr/>
+        </p:nvPicPr>
+        <p:blipFill>
+          <a:blip r:embed="rId3">
+            <a:extLst>
+              <a:ext uri="{28A0092B-C50C-407E-A947-70E740481C1C}">
+                <a14:useLocalDpi xmlns:a14="http://schemas.microsoft.com/office/drawing/2010/main" val="0"/>
+              </a:ext>
+              <a:ext uri="{96DAC541-7B7A-43D3-8B79-37D633B846F1}">
+                <asvg:svgBlip xmlns:asvg="http://schemas.microsoft.com/office/drawing/2016/SVG/main" r:embed="rId4"/>
+              </a:ext>
+            </a:extLst>
+          </a:blip>
+          <a:stretch>
+            <a:fillRect/>
+          </a:stretch>
+        </p:blipFill>
+        <p:spPr>
+          <a:xfrm rot="16200000">
+            <a:off x="8752351" y="4826004"/>
+            <a:ext cx="249084" cy="249084"/>
+          </a:xfrm>
+          <a:prstGeom prst="rect">
+            <a:avLst/>
+          </a:prstGeom>
+        </p:spPr>
+      </p:pic>
+      <p:pic>
+        <p:nvPicPr>
+          <p:cNvPr id="15" name="Gráfico 14" descr="Chave com preenchimento sólido">
+            <a:extLst>
+              <a:ext uri="{FF2B5EF4-FFF2-40B4-BE49-F238E27FC236}">
+                <a16:creationId xmlns:a16="http://schemas.microsoft.com/office/drawing/2014/main" id="{53474992-60BD-1D24-82E7-6970CACAF3B6}"/>
+              </a:ext>
+            </a:extLst>
+          </p:cNvPr>
+          <p:cNvPicPr>
+            <a:picLocks noChangeAspect="1"/>
+          </p:cNvPicPr>
+          <p:nvPr/>
+        </p:nvPicPr>
+        <p:blipFill>
+          <a:blip r:embed="rId3">
+            <a:extLst>
+              <a:ext uri="{28A0092B-C50C-407E-A947-70E740481C1C}">
+                <a14:useLocalDpi xmlns:a14="http://schemas.microsoft.com/office/drawing/2010/main" val="0"/>
+              </a:ext>
+              <a:ext uri="{96DAC541-7B7A-43D3-8B79-37D633B846F1}">
+                <asvg:svgBlip xmlns:asvg="http://schemas.microsoft.com/office/drawing/2016/SVG/main" r:embed="rId4"/>
+              </a:ext>
+            </a:extLst>
+          </a:blip>
+          <a:stretch>
+            <a:fillRect/>
+          </a:stretch>
+        </p:blipFill>
+        <p:spPr>
+          <a:xfrm rot="16200000">
+            <a:off x="8752351" y="5100572"/>
+            <a:ext cx="249084" cy="249084"/>
+          </a:xfrm>
+          <a:prstGeom prst="rect">
+            <a:avLst/>
+          </a:prstGeom>
+        </p:spPr>
+      </p:pic>
+      <p:pic>
+        <p:nvPicPr>
+          <p:cNvPr id="16" name="Gráfico 15" descr="Chave com preenchimento sólido">
+            <a:extLst>
+              <a:ext uri="{FF2B5EF4-FFF2-40B4-BE49-F238E27FC236}">
+                <a16:creationId xmlns:a16="http://schemas.microsoft.com/office/drawing/2014/main" id="{1DF6915B-9597-4618-F75A-AAC2730F27AF}"/>
+              </a:ext>
+            </a:extLst>
+          </p:cNvPr>
+          <p:cNvPicPr>
+            <a:picLocks noChangeAspect="1"/>
+          </p:cNvPicPr>
+          <p:nvPr/>
+        </p:nvPicPr>
+        <p:blipFill>
+          <a:blip r:embed="rId3">
+            <a:extLst>
+              <a:ext uri="{28A0092B-C50C-407E-A947-70E740481C1C}">
+                <a14:useLocalDpi xmlns:a14="http://schemas.microsoft.com/office/drawing/2010/main" val="0"/>
+              </a:ext>
+              <a:ext uri="{96DAC541-7B7A-43D3-8B79-37D633B846F1}">
+                <asvg:svgBlip xmlns:asvg="http://schemas.microsoft.com/office/drawing/2016/SVG/main" r:embed="rId4"/>
+              </a:ext>
+            </a:extLst>
+          </a:blip>
+          <a:stretch>
+            <a:fillRect/>
+          </a:stretch>
+        </p:blipFill>
+        <p:spPr>
+          <a:xfrm rot="16200000">
+            <a:off x="8830190" y="2430370"/>
+            <a:ext cx="249084" cy="249084"/>
+          </a:xfrm>
+          <a:prstGeom prst="rect">
+            <a:avLst/>
+          </a:prstGeom>
+        </p:spPr>
+      </p:pic>
+      <p:grpSp>
+        <p:nvGrpSpPr>
+          <p:cNvPr id="23" name="Agrupar 22">
+            <a:extLst>
+              <a:ext uri="{FF2B5EF4-FFF2-40B4-BE49-F238E27FC236}">
+                <a16:creationId xmlns:a16="http://schemas.microsoft.com/office/drawing/2014/main" id="{52C1567F-E450-8C04-011F-A585EECC3040}"/>
+              </a:ext>
+            </a:extLst>
+          </p:cNvPr>
+          <p:cNvGrpSpPr/>
+          <p:nvPr/>
+        </p:nvGrpSpPr>
+        <p:grpSpPr>
+          <a:xfrm>
+            <a:off x="7972327" y="5225849"/>
+            <a:ext cx="780024" cy="235240"/>
+            <a:chOff x="7991987" y="4222951"/>
+            <a:chExt cx="780024" cy="235240"/>
+          </a:xfrm>
+        </p:grpSpPr>
+        <p:cxnSp>
+          <p:nvCxnSpPr>
+            <p:cNvPr id="18" name="Conector reto 17">
+              <a:extLst>
+                <a:ext uri="{FF2B5EF4-FFF2-40B4-BE49-F238E27FC236}">
+                  <a16:creationId xmlns:a16="http://schemas.microsoft.com/office/drawing/2014/main" id="{6EA83D47-9B69-155F-01E3-38B49D941896}"/>
+                </a:ext>
+              </a:extLst>
+            </p:cNvPr>
+            <p:cNvCxnSpPr/>
+            <p:nvPr/>
+          </p:nvCxnSpPr>
+          <p:spPr>
+            <a:xfrm>
+              <a:off x="7991987" y="4333649"/>
+              <a:ext cx="780024" cy="0"/>
+            </a:xfrm>
+            <a:prstGeom prst="line">
+              <a:avLst/>
+            </a:prstGeom>
+          </p:spPr>
+          <p:style>
+            <a:lnRef idx="2">
+              <a:schemeClr val="accent1"/>
+            </a:lnRef>
+            <a:fillRef idx="0">
+              <a:schemeClr val="accent1"/>
+            </a:fillRef>
+            <a:effectRef idx="1">
+              <a:schemeClr val="accent1"/>
+            </a:effectRef>
+            <a:fontRef idx="minor">
+              <a:schemeClr val="tx1"/>
+            </a:fontRef>
+          </p:style>
+        </p:cxnSp>
+        <p:cxnSp>
+          <p:nvCxnSpPr>
+            <p:cNvPr id="20" name="Conector reto 19">
+              <a:extLst>
+                <a:ext uri="{FF2B5EF4-FFF2-40B4-BE49-F238E27FC236}">
+                  <a16:creationId xmlns:a16="http://schemas.microsoft.com/office/drawing/2014/main" id="{F4AF2F5F-992C-E4D9-C359-4995771FD497}"/>
+                </a:ext>
+              </a:extLst>
+            </p:cNvPr>
+            <p:cNvCxnSpPr/>
+            <p:nvPr/>
+          </p:nvCxnSpPr>
+          <p:spPr>
+            <a:xfrm>
+              <a:off x="8636820" y="4333649"/>
+              <a:ext cx="135191" cy="124542"/>
+            </a:xfrm>
+            <a:prstGeom prst="line">
+              <a:avLst/>
+            </a:prstGeom>
+          </p:spPr>
+          <p:style>
+            <a:lnRef idx="2">
+              <a:schemeClr val="accent1"/>
+            </a:lnRef>
+            <a:fillRef idx="0">
+              <a:schemeClr val="accent1"/>
+            </a:fillRef>
+            <a:effectRef idx="1">
+              <a:schemeClr val="accent1"/>
+            </a:effectRef>
+            <a:fontRef idx="minor">
+              <a:schemeClr val="tx1"/>
+            </a:fontRef>
+          </p:style>
+        </p:cxnSp>
+        <p:cxnSp>
+          <p:nvCxnSpPr>
+            <p:cNvPr id="22" name="Conector reto 21">
+              <a:extLst>
+                <a:ext uri="{FF2B5EF4-FFF2-40B4-BE49-F238E27FC236}">
+                  <a16:creationId xmlns:a16="http://schemas.microsoft.com/office/drawing/2014/main" id="{1BC5DA11-A606-74C8-F46A-48600D5EFF97}"/>
+                </a:ext>
+              </a:extLst>
+            </p:cNvPr>
+            <p:cNvCxnSpPr/>
+            <p:nvPr/>
+          </p:nvCxnSpPr>
+          <p:spPr>
+            <a:xfrm flipV="1">
+              <a:off x="8636820" y="4222951"/>
+              <a:ext cx="135191" cy="114711"/>
+            </a:xfrm>
+            <a:prstGeom prst="line">
+              <a:avLst/>
+            </a:prstGeom>
+          </p:spPr>
+          <p:style>
+            <a:lnRef idx="2">
+              <a:schemeClr val="accent1"/>
+            </a:lnRef>
+            <a:fillRef idx="0">
+              <a:schemeClr val="accent1"/>
+            </a:fillRef>
+            <a:effectRef idx="1">
+              <a:schemeClr val="accent1"/>
+            </a:effectRef>
+            <a:fontRef idx="minor">
+              <a:schemeClr val="tx1"/>
+            </a:fontRef>
+          </p:style>
+        </p:cxnSp>
+      </p:grpSp>
+      <p:grpSp>
+        <p:nvGrpSpPr>
+          <p:cNvPr id="27" name="Agrupar 26">
+            <a:extLst>
+              <a:ext uri="{FF2B5EF4-FFF2-40B4-BE49-F238E27FC236}">
+                <a16:creationId xmlns:a16="http://schemas.microsoft.com/office/drawing/2014/main" id="{3D7C7985-A4B5-25B9-F304-3EC4285F09CA}"/>
+              </a:ext>
+            </a:extLst>
+          </p:cNvPr>
+          <p:cNvGrpSpPr/>
+          <p:nvPr/>
+        </p:nvGrpSpPr>
+        <p:grpSpPr>
+          <a:xfrm rot="16200000">
+            <a:off x="9695868" y="3993553"/>
+            <a:ext cx="595673" cy="235233"/>
+            <a:chOff x="9314426" y="3111023"/>
+            <a:chExt cx="595673" cy="235233"/>
+          </a:xfrm>
+        </p:grpSpPr>
+        <p:cxnSp>
+          <p:nvCxnSpPr>
+            <p:cNvPr id="24" name="Conector reto 23">
+              <a:extLst>
+                <a:ext uri="{FF2B5EF4-FFF2-40B4-BE49-F238E27FC236}">
+                  <a16:creationId xmlns:a16="http://schemas.microsoft.com/office/drawing/2014/main" id="{7A5D4F06-C693-2393-7FD5-33675D14D0E1}"/>
+                </a:ext>
+              </a:extLst>
+            </p:cNvPr>
+            <p:cNvCxnSpPr>
+              <a:cxnSpLocks/>
+            </p:cNvCxnSpPr>
+            <p:nvPr/>
+          </p:nvCxnSpPr>
+          <p:spPr>
+            <a:xfrm rot="5400000" flipV="1">
+              <a:off x="9608802" y="2927327"/>
+              <a:ext cx="6921" cy="595673"/>
+            </a:xfrm>
+            <a:prstGeom prst="line">
+              <a:avLst/>
+            </a:prstGeom>
+          </p:spPr>
+          <p:style>
+            <a:lnRef idx="2">
+              <a:schemeClr val="accent1"/>
+            </a:lnRef>
+            <a:fillRef idx="0">
+              <a:schemeClr val="accent1"/>
+            </a:fillRef>
+            <a:effectRef idx="1">
+              <a:schemeClr val="accent1"/>
+            </a:effectRef>
+            <a:fontRef idx="minor">
+              <a:schemeClr val="tx1"/>
+            </a:fontRef>
+          </p:style>
+        </p:cxnSp>
+        <p:cxnSp>
+          <p:nvCxnSpPr>
+            <p:cNvPr id="25" name="Conector reto 24">
+              <a:extLst>
+                <a:ext uri="{FF2B5EF4-FFF2-40B4-BE49-F238E27FC236}">
+                  <a16:creationId xmlns:a16="http://schemas.microsoft.com/office/drawing/2014/main" id="{3F4E50CB-5034-9AB6-BCAA-4FACFA8C173D}"/>
+                </a:ext>
+              </a:extLst>
+            </p:cNvPr>
+            <p:cNvCxnSpPr/>
+            <p:nvPr/>
+          </p:nvCxnSpPr>
+          <p:spPr>
+            <a:xfrm>
+              <a:off x="9752787" y="3221714"/>
+              <a:ext cx="135191" cy="124542"/>
+            </a:xfrm>
+            <a:prstGeom prst="line">
+              <a:avLst/>
+            </a:prstGeom>
+          </p:spPr>
+          <p:style>
+            <a:lnRef idx="2">
+              <a:schemeClr val="accent1"/>
+            </a:lnRef>
+            <a:fillRef idx="0">
+              <a:schemeClr val="accent1"/>
+            </a:fillRef>
+            <a:effectRef idx="1">
+              <a:schemeClr val="accent1"/>
+            </a:effectRef>
+            <a:fontRef idx="minor">
+              <a:schemeClr val="tx1"/>
+            </a:fontRef>
+          </p:style>
+        </p:cxnSp>
+        <p:cxnSp>
+          <p:nvCxnSpPr>
+            <p:cNvPr id="26" name="Conector reto 25">
+              <a:extLst>
+                <a:ext uri="{FF2B5EF4-FFF2-40B4-BE49-F238E27FC236}">
+                  <a16:creationId xmlns:a16="http://schemas.microsoft.com/office/drawing/2014/main" id="{19244567-02C4-064A-71C5-242D1D26AC66}"/>
+                </a:ext>
+              </a:extLst>
+            </p:cNvPr>
+            <p:cNvCxnSpPr/>
+            <p:nvPr/>
+          </p:nvCxnSpPr>
+          <p:spPr>
+            <a:xfrm flipV="1">
+              <a:off x="9762630" y="3111023"/>
+              <a:ext cx="135191" cy="114711"/>
+            </a:xfrm>
+            <a:prstGeom prst="line">
+              <a:avLst/>
+            </a:prstGeom>
+          </p:spPr>
+          <p:style>
+            <a:lnRef idx="2">
+              <a:schemeClr val="accent1"/>
+            </a:lnRef>
+            <a:fillRef idx="0">
+              <a:schemeClr val="accent1"/>
+            </a:fillRef>
+            <a:effectRef idx="1">
+              <a:schemeClr val="accent1"/>
+            </a:effectRef>
+            <a:fontRef idx="minor">
+              <a:schemeClr val="tx1"/>
+            </a:fontRef>
+          </p:style>
+        </p:cxnSp>
+      </p:grpSp>
+      <p:cxnSp>
+        <p:nvCxnSpPr>
+          <p:cNvPr id="30" name="Conector reto 29">
+            <a:extLst>
+              <a:ext uri="{FF2B5EF4-FFF2-40B4-BE49-F238E27FC236}">
+                <a16:creationId xmlns:a16="http://schemas.microsoft.com/office/drawing/2014/main" id="{435D2B3A-685F-1FF5-036E-AF8A2398CA4F}"/>
+              </a:ext>
+            </a:extLst>
+          </p:cNvPr>
+          <p:cNvCxnSpPr/>
+          <p:nvPr/>
+        </p:nvCxnSpPr>
+        <p:spPr>
+          <a:xfrm>
+            <a:off x="5958353" y="5299680"/>
+            <a:ext cx="135191" cy="124542"/>
+          </a:xfrm>
+          <a:prstGeom prst="line">
+            <a:avLst/>
+          </a:prstGeom>
+        </p:spPr>
+        <p:style>
+          <a:lnRef idx="2">
+            <a:schemeClr val="accent1"/>
+          </a:lnRef>
+          <a:fillRef idx="0">
+            <a:schemeClr val="accent1"/>
+          </a:fillRef>
+          <a:effectRef idx="1">
+            <a:schemeClr val="accent1"/>
+          </a:effectRef>
+          <a:fontRef idx="minor">
+            <a:schemeClr val="tx1"/>
+          </a:fontRef>
+        </p:style>
+      </p:cxnSp>
+      <p:cxnSp>
+        <p:nvCxnSpPr>
+          <p:cNvPr id="31" name="Conector reto 30">
+            <a:extLst>
+              <a:ext uri="{FF2B5EF4-FFF2-40B4-BE49-F238E27FC236}">
+                <a16:creationId xmlns:a16="http://schemas.microsoft.com/office/drawing/2014/main" id="{40FC874E-4823-1E1A-8AC8-6497AAA08D8E}"/>
+              </a:ext>
+            </a:extLst>
+          </p:cNvPr>
+          <p:cNvCxnSpPr/>
+          <p:nvPr/>
+        </p:nvCxnSpPr>
+        <p:spPr>
+          <a:xfrm flipV="1">
+            <a:off x="5958353" y="5188982"/>
+            <a:ext cx="135191" cy="114711"/>
+          </a:xfrm>
+          <a:prstGeom prst="line">
+            <a:avLst/>
+          </a:prstGeom>
+        </p:spPr>
+        <p:style>
+          <a:lnRef idx="2">
+            <a:schemeClr val="accent1"/>
+          </a:lnRef>
+          <a:fillRef idx="0">
+            <a:schemeClr val="accent1"/>
+          </a:fillRef>
+          <a:effectRef idx="1">
+            <a:schemeClr val="accent1"/>
+          </a:effectRef>
+          <a:fontRef idx="minor">
+            <a:schemeClr val="tx1"/>
+          </a:fontRef>
+        </p:style>
+      </p:cxnSp>
+      <p:grpSp>
+        <p:nvGrpSpPr>
+          <p:cNvPr id="32" name="Agrupar 31">
+            <a:extLst>
+              <a:ext uri="{FF2B5EF4-FFF2-40B4-BE49-F238E27FC236}">
+                <a16:creationId xmlns:a16="http://schemas.microsoft.com/office/drawing/2014/main" id="{D9460210-580C-59DB-9953-C4096CB42CE0}"/>
+              </a:ext>
+            </a:extLst>
+          </p:cNvPr>
+          <p:cNvGrpSpPr/>
+          <p:nvPr/>
+        </p:nvGrpSpPr>
+        <p:grpSpPr>
+          <a:xfrm rot="16200000">
+            <a:off x="4123082" y="3888706"/>
+            <a:ext cx="780024" cy="235240"/>
+            <a:chOff x="9314426" y="3111004"/>
+            <a:chExt cx="780024" cy="235240"/>
+          </a:xfrm>
+        </p:grpSpPr>
+        <p:cxnSp>
+          <p:nvCxnSpPr>
+            <p:cNvPr id="33" name="Conector reto 32">
+              <a:extLst>
+                <a:ext uri="{FF2B5EF4-FFF2-40B4-BE49-F238E27FC236}">
+                  <a16:creationId xmlns:a16="http://schemas.microsoft.com/office/drawing/2014/main" id="{3B37FCDE-9602-8AD3-27B4-F95C6F268C95}"/>
+                </a:ext>
+              </a:extLst>
+            </p:cNvPr>
+            <p:cNvCxnSpPr/>
+            <p:nvPr/>
+          </p:nvCxnSpPr>
+          <p:spPr>
+            <a:xfrm>
+              <a:off x="9314426" y="3221702"/>
+              <a:ext cx="780024" cy="0"/>
+            </a:xfrm>
+            <a:prstGeom prst="line">
+              <a:avLst/>
+            </a:prstGeom>
+          </p:spPr>
+          <p:style>
+            <a:lnRef idx="2">
+              <a:schemeClr val="accent1"/>
+            </a:lnRef>
+            <a:fillRef idx="0">
+              <a:schemeClr val="accent1"/>
+            </a:fillRef>
+            <a:effectRef idx="1">
+              <a:schemeClr val="accent1"/>
+            </a:effectRef>
+            <a:fontRef idx="minor">
+              <a:schemeClr val="tx1"/>
+            </a:fontRef>
+          </p:style>
+        </p:cxnSp>
+        <p:cxnSp>
+          <p:nvCxnSpPr>
+            <p:cNvPr id="34" name="Conector reto 33">
+              <a:extLst>
+                <a:ext uri="{FF2B5EF4-FFF2-40B4-BE49-F238E27FC236}">
+                  <a16:creationId xmlns:a16="http://schemas.microsoft.com/office/drawing/2014/main" id="{8B0FE53F-15FE-693B-18E1-1C4CCD36F25E}"/>
+                </a:ext>
+              </a:extLst>
+            </p:cNvPr>
+            <p:cNvCxnSpPr/>
+            <p:nvPr/>
+          </p:nvCxnSpPr>
+          <p:spPr>
+            <a:xfrm>
+              <a:off x="9959259" y="3221702"/>
+              <a:ext cx="135191" cy="124542"/>
+            </a:xfrm>
+            <a:prstGeom prst="line">
+              <a:avLst/>
+            </a:prstGeom>
+          </p:spPr>
+          <p:style>
+            <a:lnRef idx="2">
+              <a:schemeClr val="accent1"/>
+            </a:lnRef>
+            <a:fillRef idx="0">
+              <a:schemeClr val="accent1"/>
+            </a:fillRef>
+            <a:effectRef idx="1">
+              <a:schemeClr val="accent1"/>
+            </a:effectRef>
+            <a:fontRef idx="minor">
+              <a:schemeClr val="tx1"/>
+            </a:fontRef>
+          </p:style>
+        </p:cxnSp>
+        <p:cxnSp>
+          <p:nvCxnSpPr>
+            <p:cNvPr id="35" name="Conector reto 34">
+              <a:extLst>
+                <a:ext uri="{FF2B5EF4-FFF2-40B4-BE49-F238E27FC236}">
+                  <a16:creationId xmlns:a16="http://schemas.microsoft.com/office/drawing/2014/main" id="{A14AD38B-BCE9-A9BD-5FC9-08906FDFDE5C}"/>
+                </a:ext>
+              </a:extLst>
+            </p:cNvPr>
+            <p:cNvCxnSpPr/>
+            <p:nvPr/>
+          </p:nvCxnSpPr>
+          <p:spPr>
+            <a:xfrm flipV="1">
+              <a:off x="9959259" y="3111004"/>
+              <a:ext cx="135191" cy="114711"/>
+            </a:xfrm>
+            <a:prstGeom prst="line">
+              <a:avLst/>
+            </a:prstGeom>
+          </p:spPr>
+          <p:style>
+            <a:lnRef idx="2">
+              <a:schemeClr val="accent1"/>
+            </a:lnRef>
+            <a:fillRef idx="0">
+              <a:schemeClr val="accent1"/>
+            </a:fillRef>
+            <a:effectRef idx="1">
+              <a:schemeClr val="accent1"/>
+            </a:effectRef>
+            <a:fontRef idx="minor">
+              <a:schemeClr val="tx1"/>
+            </a:fontRef>
+          </p:style>
+        </p:cxnSp>
+      </p:grpSp>
+      <p:cxnSp>
+        <p:nvCxnSpPr>
+          <p:cNvPr id="37" name="Conector reto 36">
+            <a:extLst>
+              <a:ext uri="{FF2B5EF4-FFF2-40B4-BE49-F238E27FC236}">
+                <a16:creationId xmlns:a16="http://schemas.microsoft.com/office/drawing/2014/main" id="{D88AB33F-D9A9-1242-2F57-6B152FB96A90}"/>
+              </a:ext>
+            </a:extLst>
+          </p:cNvPr>
+          <p:cNvCxnSpPr>
+            <a:cxnSpLocks/>
+          </p:cNvCxnSpPr>
+          <p:nvPr/>
+        </p:nvCxnSpPr>
+        <p:spPr>
+          <a:xfrm>
+            <a:off x="2933011" y="5336547"/>
+            <a:ext cx="105157" cy="0"/>
+          </a:xfrm>
+          <a:prstGeom prst="line">
+            <a:avLst/>
+          </a:prstGeom>
+        </p:spPr>
+        <p:style>
+          <a:lnRef idx="2">
+            <a:schemeClr val="accent1"/>
+          </a:lnRef>
+          <a:fillRef idx="0">
+            <a:schemeClr val="accent1"/>
+          </a:fillRef>
+          <a:effectRef idx="1">
+            <a:schemeClr val="accent1"/>
+          </a:effectRef>
+          <a:fontRef idx="minor">
+            <a:schemeClr val="tx1"/>
+          </a:fontRef>
+        </p:style>
+      </p:cxnSp>
+      <p:cxnSp>
+        <p:nvCxnSpPr>
+          <p:cNvPr id="40" name="Conector reto 39">
+            <a:extLst>
+              <a:ext uri="{FF2B5EF4-FFF2-40B4-BE49-F238E27FC236}">
+                <a16:creationId xmlns:a16="http://schemas.microsoft.com/office/drawing/2014/main" id="{C28FF276-722A-6296-33A9-D4E3F02C674F}"/>
+              </a:ext>
+            </a:extLst>
+          </p:cNvPr>
+          <p:cNvCxnSpPr>
+            <a:cxnSpLocks/>
+          </p:cNvCxnSpPr>
+          <p:nvPr/>
+        </p:nvCxnSpPr>
+        <p:spPr>
+          <a:xfrm>
+            <a:off x="3116826" y="5334178"/>
+            <a:ext cx="114988" cy="0"/>
+          </a:xfrm>
+          <a:prstGeom prst="line">
+            <a:avLst/>
+          </a:prstGeom>
+        </p:spPr>
+        <p:style>
+          <a:lnRef idx="2">
+            <a:schemeClr val="accent1"/>
+          </a:lnRef>
+          <a:fillRef idx="0">
+            <a:schemeClr val="accent1"/>
+          </a:fillRef>
+          <a:effectRef idx="1">
+            <a:schemeClr val="accent1"/>
+          </a:effectRef>
+          <a:fontRef idx="minor">
+            <a:schemeClr val="tx1"/>
+          </a:fontRef>
+        </p:style>
+      </p:cxnSp>
+      <p:cxnSp>
+        <p:nvCxnSpPr>
+          <p:cNvPr id="43" name="Conector reto 42">
+            <a:extLst>
+              <a:ext uri="{FF2B5EF4-FFF2-40B4-BE49-F238E27FC236}">
+                <a16:creationId xmlns:a16="http://schemas.microsoft.com/office/drawing/2014/main" id="{752AE9EF-6776-B602-A3B5-B65656433121}"/>
+              </a:ext>
+            </a:extLst>
+          </p:cNvPr>
+          <p:cNvCxnSpPr>
+            <a:cxnSpLocks/>
+          </p:cNvCxnSpPr>
+          <p:nvPr/>
+        </p:nvCxnSpPr>
+        <p:spPr>
+          <a:xfrm>
+            <a:off x="3350884" y="5341460"/>
+            <a:ext cx="105157" cy="0"/>
+          </a:xfrm>
+          <a:prstGeom prst="line">
+            <a:avLst/>
+          </a:prstGeom>
+        </p:spPr>
+        <p:style>
+          <a:lnRef idx="2">
+            <a:schemeClr val="accent1"/>
+          </a:lnRef>
+          <a:fillRef idx="0">
+            <a:schemeClr val="accent1"/>
+          </a:fillRef>
+          <a:effectRef idx="1">
+            <a:schemeClr val="accent1"/>
+          </a:effectRef>
+          <a:fontRef idx="minor">
+            <a:schemeClr val="tx1"/>
+          </a:fontRef>
+        </p:style>
+      </p:cxnSp>
+      <p:cxnSp>
+        <p:nvCxnSpPr>
+          <p:cNvPr id="44" name="Conector reto 43">
+            <a:extLst>
+              <a:ext uri="{FF2B5EF4-FFF2-40B4-BE49-F238E27FC236}">
+                <a16:creationId xmlns:a16="http://schemas.microsoft.com/office/drawing/2014/main" id="{4D4A8045-E080-86AC-56F5-0E4BB35B0136}"/>
+              </a:ext>
+            </a:extLst>
+          </p:cNvPr>
+          <p:cNvCxnSpPr>
+            <a:cxnSpLocks/>
+          </p:cNvCxnSpPr>
+          <p:nvPr/>
+        </p:nvCxnSpPr>
+        <p:spPr>
+          <a:xfrm>
+            <a:off x="3574027" y="5339091"/>
+            <a:ext cx="114988" cy="0"/>
+          </a:xfrm>
+          <a:prstGeom prst="line">
+            <a:avLst/>
+          </a:prstGeom>
+        </p:spPr>
+        <p:style>
+          <a:lnRef idx="2">
+            <a:schemeClr val="accent1"/>
+          </a:lnRef>
+          <a:fillRef idx="0">
+            <a:schemeClr val="accent1"/>
+          </a:fillRef>
+          <a:effectRef idx="1">
+            <a:schemeClr val="accent1"/>
+          </a:effectRef>
+          <a:fontRef idx="minor">
+            <a:schemeClr val="tx1"/>
+          </a:fontRef>
+        </p:style>
+      </p:cxnSp>
+      <p:pic>
+        <p:nvPicPr>
+          <p:cNvPr id="45" name="Gráfico 44" descr="Chave com preenchimento sólido">
+            <a:extLst>
+              <a:ext uri="{FF2B5EF4-FFF2-40B4-BE49-F238E27FC236}">
+                <a16:creationId xmlns:a16="http://schemas.microsoft.com/office/drawing/2014/main" id="{CC09E0E7-7CDA-0D64-7C79-3576D8FD3DB7}"/>
+              </a:ext>
+            </a:extLst>
+          </p:cNvPr>
+          <p:cNvPicPr>
+            <a:picLocks noChangeAspect="1"/>
+          </p:cNvPicPr>
+          <p:nvPr/>
+        </p:nvPicPr>
+        <p:blipFill>
+          <a:blip r:embed="rId3">
+            <a:extLst>
+              <a:ext uri="{28A0092B-C50C-407E-A947-70E740481C1C}">
+                <a14:useLocalDpi xmlns:a14="http://schemas.microsoft.com/office/drawing/2010/main" val="0"/>
+              </a:ext>
+              <a:ext uri="{96DAC541-7B7A-43D3-8B79-37D633B846F1}">
+                <asvg:svgBlip xmlns:asvg="http://schemas.microsoft.com/office/drawing/2016/SVG/main" r:embed="rId4"/>
+              </a:ext>
+            </a:extLst>
+          </a:blip>
+          <a:stretch>
+            <a:fillRect/>
+          </a:stretch>
+        </p:blipFill>
+        <p:spPr>
+          <a:xfrm rot="16200000">
+            <a:off x="6066508" y="5065256"/>
+            <a:ext cx="249084" cy="249084"/>
+          </a:xfrm>
+          <a:prstGeom prst="rect">
+            <a:avLst/>
+          </a:prstGeom>
+        </p:spPr>
+      </p:pic>
+      <p:pic>
+        <p:nvPicPr>
+          <p:cNvPr id="46" name="Gráfico 45" descr="Chave com preenchimento sólido">
+            <a:extLst>
+              <a:ext uri="{FF2B5EF4-FFF2-40B4-BE49-F238E27FC236}">
+                <a16:creationId xmlns:a16="http://schemas.microsoft.com/office/drawing/2014/main" id="{A902580E-D7CA-B9E9-B6FA-9B6BBF06B7F3}"/>
+              </a:ext>
+            </a:extLst>
+          </p:cNvPr>
+          <p:cNvPicPr>
+            <a:picLocks noChangeAspect="1"/>
+          </p:cNvPicPr>
+          <p:nvPr/>
+        </p:nvPicPr>
+        <p:blipFill>
+          <a:blip r:embed="rId3">
+            <a:extLst>
+              <a:ext uri="{28A0092B-C50C-407E-A947-70E740481C1C}">
+                <a14:useLocalDpi xmlns:a14="http://schemas.microsoft.com/office/drawing/2010/main" val="0"/>
+              </a:ext>
+              <a:ext uri="{96DAC541-7B7A-43D3-8B79-37D633B846F1}">
+                <asvg:svgBlip xmlns:asvg="http://schemas.microsoft.com/office/drawing/2016/SVG/main" r:embed="rId4"/>
+              </a:ext>
+            </a:extLst>
+          </a:blip>
+          <a:stretch>
+            <a:fillRect/>
+          </a:stretch>
+        </p:blipFill>
+        <p:spPr>
+          <a:xfrm rot="16200000">
+            <a:off x="3701441" y="4796507"/>
+            <a:ext cx="249084" cy="249084"/>
+          </a:xfrm>
+          <a:prstGeom prst="rect">
+            <a:avLst/>
+          </a:prstGeom>
+        </p:spPr>
+      </p:pic>
+      <p:pic>
+        <p:nvPicPr>
+          <p:cNvPr id="47" name="Gráfico 46" descr="Chave com preenchimento sólido">
+            <a:extLst>
+              <a:ext uri="{FF2B5EF4-FFF2-40B4-BE49-F238E27FC236}">
+                <a16:creationId xmlns:a16="http://schemas.microsoft.com/office/drawing/2014/main" id="{765B9041-F600-C775-E98A-3AEB2E79480C}"/>
+              </a:ext>
+            </a:extLst>
+          </p:cNvPr>
+          <p:cNvPicPr>
+            <a:picLocks noChangeAspect="1"/>
+          </p:cNvPicPr>
+          <p:nvPr/>
+        </p:nvPicPr>
+        <p:blipFill>
+          <a:blip r:embed="rId3">
+            <a:extLst>
+              <a:ext uri="{28A0092B-C50C-407E-A947-70E740481C1C}">
+                <a14:useLocalDpi xmlns:a14="http://schemas.microsoft.com/office/drawing/2010/main" val="0"/>
+              </a:ext>
+              <a:ext uri="{96DAC541-7B7A-43D3-8B79-37D633B846F1}">
+                <asvg:svgBlip xmlns:asvg="http://schemas.microsoft.com/office/drawing/2016/SVG/main" r:embed="rId4"/>
+              </a:ext>
+            </a:extLst>
+          </a:blip>
+          <a:stretch>
+            <a:fillRect/>
+          </a:stretch>
+        </p:blipFill>
+        <p:spPr>
+          <a:xfrm rot="16200000">
+            <a:off x="942883" y="3967452"/>
+            <a:ext cx="249084" cy="249084"/>
+          </a:xfrm>
+          <a:prstGeom prst="rect">
+            <a:avLst/>
+          </a:prstGeom>
+        </p:spPr>
+      </p:pic>
+      <p:pic>
+        <p:nvPicPr>
+          <p:cNvPr id="48" name="Gráfico 47" descr="Chave com preenchimento sólido">
+            <a:extLst>
+              <a:ext uri="{FF2B5EF4-FFF2-40B4-BE49-F238E27FC236}">
+                <a16:creationId xmlns:a16="http://schemas.microsoft.com/office/drawing/2014/main" id="{2376BC09-A721-43DD-5FBF-C52DF3B4BBCC}"/>
+              </a:ext>
+            </a:extLst>
+          </p:cNvPr>
+          <p:cNvPicPr>
+            <a:picLocks noChangeAspect="1"/>
+          </p:cNvPicPr>
+          <p:nvPr/>
+        </p:nvPicPr>
+        <p:blipFill>
+          <a:blip r:embed="rId3">
+            <a:extLst>
+              <a:ext uri="{28A0092B-C50C-407E-A947-70E740481C1C}">
+                <a14:useLocalDpi xmlns:a14="http://schemas.microsoft.com/office/drawing/2010/main" val="0"/>
+              </a:ext>
+              <a:ext uri="{96DAC541-7B7A-43D3-8B79-37D633B846F1}">
+                <asvg:svgBlip xmlns:asvg="http://schemas.microsoft.com/office/drawing/2016/SVG/main" r:embed="rId4"/>
+              </a:ext>
+            </a:extLst>
+          </a:blip>
+          <a:stretch>
+            <a:fillRect/>
+          </a:stretch>
+        </p:blipFill>
+        <p:spPr>
+          <a:xfrm rot="16200000">
+            <a:off x="3672436" y="2194400"/>
+            <a:ext cx="249084" cy="249084"/>
+          </a:xfrm>
+          <a:prstGeom prst="rect">
+            <a:avLst/>
+          </a:prstGeom>
+        </p:spPr>
+      </p:pic>
+      <p:pic>
+        <p:nvPicPr>
+          <p:cNvPr id="49" name="Gráfico 48" descr="Chave com preenchimento sólido">
+            <a:extLst>
+              <a:ext uri="{FF2B5EF4-FFF2-40B4-BE49-F238E27FC236}">
+                <a16:creationId xmlns:a16="http://schemas.microsoft.com/office/drawing/2014/main" id="{3ED8F250-5F8D-D2C9-9E11-EFD13183D23D}"/>
+              </a:ext>
+            </a:extLst>
+          </p:cNvPr>
+          <p:cNvPicPr>
+            <a:picLocks noChangeAspect="1"/>
+          </p:cNvPicPr>
+          <p:nvPr/>
+        </p:nvPicPr>
+        <p:blipFill>
+          <a:blip r:embed="rId3">
+            <a:extLst>
+              <a:ext uri="{28A0092B-C50C-407E-A947-70E740481C1C}">
+                <a14:useLocalDpi xmlns:a14="http://schemas.microsoft.com/office/drawing/2010/main" val="0"/>
+              </a:ext>
+              <a:ext uri="{96DAC541-7B7A-43D3-8B79-37D633B846F1}">
+                <asvg:svgBlip xmlns:asvg="http://schemas.microsoft.com/office/drawing/2016/SVG/main" r:embed="rId4"/>
+              </a:ext>
+            </a:extLst>
+          </a:blip>
+          <a:stretch>
+            <a:fillRect/>
+          </a:stretch>
+        </p:blipFill>
+        <p:spPr>
+          <a:xfrm rot="16200000">
+            <a:off x="3677355" y="2484454"/>
+            <a:ext cx="249084" cy="249084"/>
+          </a:xfrm>
+          <a:prstGeom prst="rect">
+            <a:avLst/>
+          </a:prstGeom>
+        </p:spPr>
+      </p:pic>
+      <p:sp>
+        <p:nvSpPr>
+          <p:cNvPr id="50" name="Título 1">
+            <a:extLst>
+              <a:ext uri="{FF2B5EF4-FFF2-40B4-BE49-F238E27FC236}">
+                <a16:creationId xmlns:a16="http://schemas.microsoft.com/office/drawing/2014/main" id="{7DABECC8-7C31-8B8B-506B-9CB5550D7C18}"/>
+              </a:ext>
+            </a:extLst>
+          </p:cNvPr>
+          <p:cNvSpPr>
+            <a:spLocks noGrp="1"/>
+          </p:cNvSpPr>
+          <p:nvPr>
+            <p:ph type="title"/>
+          </p:nvPr>
+        </p:nvSpPr>
+        <p:spPr>
+          <a:xfrm>
+            <a:off x="825912" y="287243"/>
+            <a:ext cx="10515600" cy="1325563"/>
+          </a:xfrm>
+        </p:spPr>
+        <p:txBody>
+          <a:bodyPr/>
+          <a:lstStyle/>
+          <a:p>
+            <a:r>
+              <a:rPr lang="pt-BR" dirty="0"/>
+              <a:t>Diagrama Entidade Relacionamento</a:t>
+            </a:r>
+          </a:p>
+        </p:txBody>
+      </p:sp>
+      <p:cxnSp>
+        <p:nvCxnSpPr>
+          <p:cNvPr id="52" name="Conector reto 51">
+            <a:extLst>
+              <a:ext uri="{FF2B5EF4-FFF2-40B4-BE49-F238E27FC236}">
+                <a16:creationId xmlns:a16="http://schemas.microsoft.com/office/drawing/2014/main" id="{7A383A27-F66D-8613-7187-13B147A3BE1E}"/>
+              </a:ext>
+            </a:extLst>
+          </p:cNvPr>
+          <p:cNvCxnSpPr>
+            <a:cxnSpLocks/>
+          </p:cNvCxnSpPr>
+          <p:nvPr/>
+        </p:nvCxnSpPr>
+        <p:spPr>
+          <a:xfrm>
+            <a:off x="5327176" y="5302136"/>
+            <a:ext cx="105157" cy="0"/>
+          </a:xfrm>
+          <a:prstGeom prst="line">
+            <a:avLst/>
+          </a:prstGeom>
+        </p:spPr>
+        <p:style>
+          <a:lnRef idx="2">
+            <a:schemeClr val="accent1"/>
+          </a:lnRef>
+          <a:fillRef idx="0">
+            <a:schemeClr val="accent1"/>
+          </a:fillRef>
+          <a:effectRef idx="1">
+            <a:schemeClr val="accent1"/>
+          </a:effectRef>
+          <a:fontRef idx="minor">
+            <a:schemeClr val="tx1"/>
+          </a:fontRef>
+        </p:style>
+      </p:cxnSp>
+      <p:cxnSp>
+        <p:nvCxnSpPr>
+          <p:cNvPr id="53" name="Conector reto 52">
+            <a:extLst>
+              <a:ext uri="{FF2B5EF4-FFF2-40B4-BE49-F238E27FC236}">
+                <a16:creationId xmlns:a16="http://schemas.microsoft.com/office/drawing/2014/main" id="{A0B5AC7A-5E98-7F19-F328-0ECC4AAD37B0}"/>
+              </a:ext>
+            </a:extLst>
+          </p:cNvPr>
+          <p:cNvCxnSpPr>
+            <a:cxnSpLocks/>
+          </p:cNvCxnSpPr>
+          <p:nvPr/>
+        </p:nvCxnSpPr>
+        <p:spPr>
+          <a:xfrm>
+            <a:off x="5510991" y="5299767"/>
+            <a:ext cx="114988" cy="0"/>
+          </a:xfrm>
+          <a:prstGeom prst="line">
+            <a:avLst/>
+          </a:prstGeom>
+        </p:spPr>
+        <p:style>
+          <a:lnRef idx="2">
+            <a:schemeClr val="accent1"/>
+          </a:lnRef>
+          <a:fillRef idx="0">
+            <a:schemeClr val="accent1"/>
+          </a:fillRef>
+          <a:effectRef idx="1">
+            <a:schemeClr val="accent1"/>
+          </a:effectRef>
+          <a:fontRef idx="minor">
+            <a:schemeClr val="tx1"/>
+          </a:fontRef>
+        </p:style>
+      </p:cxnSp>
+      <p:cxnSp>
+        <p:nvCxnSpPr>
+          <p:cNvPr id="54" name="Conector reto 53">
+            <a:extLst>
+              <a:ext uri="{FF2B5EF4-FFF2-40B4-BE49-F238E27FC236}">
+                <a16:creationId xmlns:a16="http://schemas.microsoft.com/office/drawing/2014/main" id="{A4BBCDC8-A178-C6C7-BD7B-25C937DEE3E7}"/>
+              </a:ext>
+            </a:extLst>
+          </p:cNvPr>
+          <p:cNvCxnSpPr>
+            <a:cxnSpLocks/>
+          </p:cNvCxnSpPr>
+          <p:nvPr/>
+        </p:nvCxnSpPr>
+        <p:spPr>
+          <a:xfrm>
+            <a:off x="5745049" y="5307049"/>
+            <a:ext cx="105157" cy="0"/>
+          </a:xfrm>
+          <a:prstGeom prst="line">
+            <a:avLst/>
+          </a:prstGeom>
+        </p:spPr>
+        <p:style>
+          <a:lnRef idx="2">
+            <a:schemeClr val="accent1"/>
+          </a:lnRef>
+          <a:fillRef idx="0">
+            <a:schemeClr val="accent1"/>
+          </a:fillRef>
+          <a:effectRef idx="1">
+            <a:schemeClr val="accent1"/>
+          </a:effectRef>
+          <a:fontRef idx="minor">
+            <a:schemeClr val="tx1"/>
+          </a:fontRef>
+        </p:style>
+      </p:cxnSp>
+      <p:cxnSp>
+        <p:nvCxnSpPr>
+          <p:cNvPr id="55" name="Conector reto 54">
+            <a:extLst>
+              <a:ext uri="{FF2B5EF4-FFF2-40B4-BE49-F238E27FC236}">
+                <a16:creationId xmlns:a16="http://schemas.microsoft.com/office/drawing/2014/main" id="{1722F4CE-1359-E06C-8A41-B2FAE2EB603D}"/>
+              </a:ext>
+            </a:extLst>
+          </p:cNvPr>
+          <p:cNvCxnSpPr>
+            <a:cxnSpLocks/>
+          </p:cNvCxnSpPr>
+          <p:nvPr/>
+        </p:nvCxnSpPr>
+        <p:spPr>
+          <a:xfrm>
+            <a:off x="5968192" y="5304680"/>
+            <a:ext cx="114988" cy="0"/>
+          </a:xfrm>
+          <a:prstGeom prst="line">
+            <a:avLst/>
+          </a:prstGeom>
+        </p:spPr>
+        <p:style>
+          <a:lnRef idx="2">
+            <a:schemeClr val="accent1"/>
+          </a:lnRef>
+          <a:fillRef idx="0">
+            <a:schemeClr val="accent1"/>
+          </a:fillRef>
+          <a:effectRef idx="1">
+            <a:schemeClr val="accent1"/>
+          </a:effectRef>
+          <a:fontRef idx="minor">
+            <a:schemeClr val="tx1"/>
+          </a:fontRef>
+        </p:style>
+      </p:cxnSp>
+    </p:spTree>
+    <p:extLst>
+      <p:ext uri="{BB962C8B-B14F-4D97-AF65-F5344CB8AC3E}">
+        <p14:creationId xmlns:p14="http://schemas.microsoft.com/office/powerpoint/2010/main" val="2305173294"/>
       </p:ext>
     </p:extLst>
   </p:cSld>
@@ -5699,4 +8503,319 @@
     </a:ext>
   </a:extLst>
 </a:theme>
+</file>
+
+<file path=ppt/theme/theme2.xml><?xml version="1.0" encoding="utf-8"?>
+<a:theme xmlns:a="http://schemas.openxmlformats.org/drawingml/2006/main" name="Tema do Office">
+  <a:themeElements>
+    <a:clrScheme name="Office">
+      <a:dk1>
+        <a:sysClr val="windowText" lastClr="000000"/>
+      </a:dk1>
+      <a:lt1>
+        <a:sysClr val="window" lastClr="FFFFFF"/>
+      </a:lt1>
+      <a:dk2>
+        <a:srgbClr val="0E2841"/>
+      </a:dk2>
+      <a:lt2>
+        <a:srgbClr val="E8E8E8"/>
+      </a:lt2>
+      <a:accent1>
+        <a:srgbClr val="156082"/>
+      </a:accent1>
+      <a:accent2>
+        <a:srgbClr val="E97132"/>
+      </a:accent2>
+      <a:accent3>
+        <a:srgbClr val="196B24"/>
+      </a:accent3>
+      <a:accent4>
+        <a:srgbClr val="0F9ED5"/>
+      </a:accent4>
+      <a:accent5>
+        <a:srgbClr val="A02B93"/>
+      </a:accent5>
+      <a:accent6>
+        <a:srgbClr val="4EA72E"/>
+      </a:accent6>
+      <a:hlink>
+        <a:srgbClr val="467886"/>
+      </a:hlink>
+      <a:folHlink>
+        <a:srgbClr val="96607D"/>
+      </a:folHlink>
+    </a:clrScheme>
+    <a:fontScheme name="Office">
+      <a:majorFont>
+        <a:latin typeface="Aptos Display" panose="02110004020202020204"/>
+        <a:ea typeface=""/>
+        <a:cs typeface=""/>
+        <a:font script="Jpan" typeface="游ゴシック Light"/>
+        <a:font script="Hang" typeface="맑은 고딕"/>
+        <a:font script="Hans" typeface="等线 Light"/>
+        <a:font script="Hant" typeface="新細明體"/>
+        <a:font script="Arab" typeface="Times New Roman"/>
+        <a:font script="Hebr" typeface="Times New Roman"/>
+        <a:font script="Thai" typeface="Angsana New"/>
+        <a:font script="Ethi" typeface="Nyala"/>
+        <a:font script="Beng" typeface="Vrinda"/>
+        <a:font script="Gujr" typeface="Shruti"/>
+        <a:font script="Khmr" typeface="MoolBoran"/>
+        <a:font script="Knda" typeface="Tunga"/>
+        <a:font script="Guru" typeface="Raavi"/>
+        <a:font script="Cans" typeface="Euphemia"/>
+        <a:font script="Cher" typeface="Plantagenet Cherokee"/>
+        <a:font script="Yiii" typeface="Microsoft Yi Baiti"/>
+        <a:font script="Tibt" typeface="Microsoft Himalaya"/>
+        <a:font script="Thaa" typeface="MV Boli"/>
+        <a:font script="Deva" typeface="Mangal"/>
+        <a:font script="Telu" typeface="Gautami"/>
+        <a:font script="Taml" typeface="Latha"/>
+        <a:font script="Syrc" typeface="Estrangelo Edessa"/>
+        <a:font script="Orya" typeface="Kalinga"/>
+        <a:font script="Mlym" typeface="Kartika"/>
+        <a:font script="Laoo" typeface="DokChampa"/>
+        <a:font script="Sinh" typeface="Iskoola Pota"/>
+        <a:font script="Mong" typeface="Mongolian Baiti"/>
+        <a:font script="Viet" typeface="Times New Roman"/>
+        <a:font script="Uigh" typeface="Microsoft Uighur"/>
+        <a:font script="Geor" typeface="Sylfaen"/>
+        <a:font script="Armn" typeface="Arial"/>
+        <a:font script="Bugi" typeface="Leelawadee UI"/>
+        <a:font script="Bopo" typeface="Microsoft JhengHei"/>
+        <a:font script="Java" typeface="Javanese Text"/>
+        <a:font script="Lisu" typeface="Segoe UI"/>
+        <a:font script="Mymr" typeface="Myanmar Text"/>
+        <a:font script="Nkoo" typeface="Ebrima"/>
+        <a:font script="Olck" typeface="Nirmala UI"/>
+        <a:font script="Osma" typeface="Ebrima"/>
+        <a:font script="Phag" typeface="Phagspa"/>
+        <a:font script="Syrn" typeface="Estrangelo Edessa"/>
+        <a:font script="Syrj" typeface="Estrangelo Edessa"/>
+        <a:font script="Syre" typeface="Estrangelo Edessa"/>
+        <a:font script="Sora" typeface="Nirmala UI"/>
+        <a:font script="Tale" typeface="Microsoft Tai Le"/>
+        <a:font script="Talu" typeface="Microsoft New Tai Lue"/>
+        <a:font script="Tfng" typeface="Ebrima"/>
+      </a:majorFont>
+      <a:minorFont>
+        <a:latin typeface="Aptos" panose="02110004020202020204"/>
+        <a:ea typeface=""/>
+        <a:cs typeface=""/>
+        <a:font script="Jpan" typeface="游ゴシック"/>
+        <a:font script="Hang" typeface="맑은 고딕"/>
+        <a:font script="Hans" typeface="等线"/>
+        <a:font script="Hant" typeface="新細明體"/>
+        <a:font script="Arab" typeface="Arial"/>
+        <a:font script="Hebr" typeface="Arial"/>
+        <a:font script="Thai" typeface="Cordia New"/>
+        <a:font script="Ethi" typeface="Nyala"/>
+        <a:font script="Beng" typeface="Vrinda"/>
+        <a:font script="Gujr" typeface="Shruti"/>
+        <a:font script="Khmr" typeface="DaunPenh"/>
+        <a:font script="Knda" typeface="Tunga"/>
+        <a:font script="Guru" typeface="Raavi"/>
+        <a:font script="Cans" typeface="Euphemia"/>
+        <a:font script="Cher" typeface="Plantagenet Cherokee"/>
+        <a:font script="Yiii" typeface="Microsoft Yi Baiti"/>
+        <a:font script="Tibt" typeface="Microsoft Himalaya"/>
+        <a:font script="Thaa" typeface="MV Boli"/>
+        <a:font script="Deva" typeface="Mangal"/>
+        <a:font script="Telu" typeface="Gautami"/>
+        <a:font script="Taml" typeface="Latha"/>
+        <a:font script="Syrc" typeface="Estrangelo Edessa"/>
+        <a:font script="Orya" typeface="Kalinga"/>
+        <a:font script="Mlym" typeface="Kartika"/>
+        <a:font script="Laoo" typeface="DokChampa"/>
+        <a:font script="Sinh" typeface="Iskoola Pota"/>
+        <a:font script="Mong" typeface="Mongolian Baiti"/>
+        <a:font script="Viet" typeface="Arial"/>
+        <a:font script="Uigh" typeface="Microsoft Uighur"/>
+        <a:font script="Geor" typeface="Sylfaen"/>
+        <a:font script="Armn" typeface="Arial"/>
+        <a:font script="Bugi" typeface="Leelawadee UI"/>
+        <a:font script="Bopo" typeface="Microsoft JhengHei"/>
+        <a:font script="Java" typeface="Javanese Text"/>
+        <a:font script="Lisu" typeface="Segoe UI"/>
+        <a:font script="Mymr" typeface="Myanmar Text"/>
+        <a:font script="Nkoo" typeface="Ebrima"/>
+        <a:font script="Olck" typeface="Nirmala UI"/>
+        <a:font script="Osma" typeface="Ebrima"/>
+        <a:font script="Phag" typeface="Phagspa"/>
+        <a:font script="Syrn" typeface="Estrangelo Edessa"/>
+        <a:font script="Syrj" typeface="Estrangelo Edessa"/>
+        <a:font script="Syre" typeface="Estrangelo Edessa"/>
+        <a:font script="Sora" typeface="Nirmala UI"/>
+        <a:font script="Tale" typeface="Microsoft Tai Le"/>
+        <a:font script="Talu" typeface="Microsoft New Tai Lue"/>
+        <a:font script="Tfng" typeface="Ebrima"/>
+      </a:minorFont>
+    </a:fontScheme>
+    <a:fmtScheme name="Office">
+      <a:fillStyleLst>
+        <a:solidFill>
+          <a:schemeClr val="phClr"/>
+        </a:solidFill>
+        <a:gradFill rotWithShape="1">
+          <a:gsLst>
+            <a:gs pos="0">
+              <a:schemeClr val="phClr">
+                <a:lumMod val="110000"/>
+                <a:satMod val="105000"/>
+                <a:tint val="67000"/>
+              </a:schemeClr>
+            </a:gs>
+            <a:gs pos="50000">
+              <a:schemeClr val="phClr">
+                <a:lumMod val="105000"/>
+                <a:satMod val="103000"/>
+                <a:tint val="73000"/>
+              </a:schemeClr>
+            </a:gs>
+            <a:gs pos="100000">
+              <a:schemeClr val="phClr">
+                <a:lumMod val="105000"/>
+                <a:satMod val="109000"/>
+                <a:tint val="81000"/>
+              </a:schemeClr>
+            </a:gs>
+          </a:gsLst>
+          <a:lin ang="5400000" scaled="0"/>
+        </a:gradFill>
+        <a:gradFill rotWithShape="1">
+          <a:gsLst>
+            <a:gs pos="0">
+              <a:schemeClr val="phClr">
+                <a:satMod val="103000"/>
+                <a:lumMod val="102000"/>
+                <a:tint val="94000"/>
+              </a:schemeClr>
+            </a:gs>
+            <a:gs pos="50000">
+              <a:schemeClr val="phClr">
+                <a:satMod val="110000"/>
+                <a:lumMod val="100000"/>
+                <a:shade val="100000"/>
+              </a:schemeClr>
+            </a:gs>
+            <a:gs pos="100000">
+              <a:schemeClr val="phClr">
+                <a:lumMod val="99000"/>
+                <a:satMod val="120000"/>
+                <a:shade val="78000"/>
+              </a:schemeClr>
+            </a:gs>
+          </a:gsLst>
+          <a:lin ang="5400000" scaled="0"/>
+        </a:gradFill>
+      </a:fillStyleLst>
+      <a:lnStyleLst>
+        <a:ln w="12700" cap="flat" cmpd="sng" algn="ctr">
+          <a:solidFill>
+            <a:schemeClr val="phClr"/>
+          </a:solidFill>
+          <a:prstDash val="solid"/>
+          <a:miter lim="800000"/>
+        </a:ln>
+        <a:ln w="19050" cap="flat" cmpd="sng" algn="ctr">
+          <a:solidFill>
+            <a:schemeClr val="phClr"/>
+          </a:solidFill>
+          <a:prstDash val="solid"/>
+          <a:miter lim="800000"/>
+        </a:ln>
+        <a:ln w="25400" cap="flat" cmpd="sng" algn="ctr">
+          <a:solidFill>
+            <a:schemeClr val="phClr"/>
+          </a:solidFill>
+          <a:prstDash val="solid"/>
+          <a:miter lim="800000"/>
+        </a:ln>
+      </a:lnStyleLst>
+      <a:effectStyleLst>
+        <a:effectStyle>
+          <a:effectLst/>
+        </a:effectStyle>
+        <a:effectStyle>
+          <a:effectLst/>
+        </a:effectStyle>
+        <a:effectStyle>
+          <a:effectLst>
+            <a:outerShdw blurRad="57150" dist="19050" dir="5400000" algn="ctr" rotWithShape="0">
+              <a:srgbClr val="000000">
+                <a:alpha val="63000"/>
+              </a:srgbClr>
+            </a:outerShdw>
+          </a:effectLst>
+        </a:effectStyle>
+      </a:effectStyleLst>
+      <a:bgFillStyleLst>
+        <a:solidFill>
+          <a:schemeClr val="phClr"/>
+        </a:solidFill>
+        <a:solidFill>
+          <a:schemeClr val="phClr">
+            <a:tint val="95000"/>
+            <a:satMod val="170000"/>
+          </a:schemeClr>
+        </a:solidFill>
+        <a:gradFill rotWithShape="1">
+          <a:gsLst>
+            <a:gs pos="0">
+              <a:schemeClr val="phClr">
+                <a:tint val="93000"/>
+                <a:satMod val="150000"/>
+                <a:shade val="98000"/>
+                <a:lumMod val="102000"/>
+              </a:schemeClr>
+            </a:gs>
+            <a:gs pos="50000">
+              <a:schemeClr val="phClr">
+                <a:tint val="98000"/>
+                <a:satMod val="130000"/>
+                <a:shade val="90000"/>
+                <a:lumMod val="103000"/>
+              </a:schemeClr>
+            </a:gs>
+            <a:gs pos="100000">
+              <a:schemeClr val="phClr">
+                <a:shade val="63000"/>
+                <a:satMod val="120000"/>
+              </a:schemeClr>
+            </a:gs>
+          </a:gsLst>
+          <a:lin ang="5400000" scaled="0"/>
+        </a:gradFill>
+      </a:bgFillStyleLst>
+    </a:fmtScheme>
+  </a:themeElements>
+  <a:objectDefaults>
+    <a:lnDef>
+      <a:spPr/>
+      <a:bodyPr/>
+      <a:lstStyle/>
+      <a:style>
+        <a:lnRef idx="2">
+          <a:schemeClr val="accent1"/>
+        </a:lnRef>
+        <a:fillRef idx="0">
+          <a:schemeClr val="accent1"/>
+        </a:fillRef>
+        <a:effectRef idx="1">
+          <a:schemeClr val="accent1"/>
+        </a:effectRef>
+        <a:fontRef idx="minor">
+          <a:schemeClr val="tx1"/>
+        </a:fontRef>
+      </a:style>
+    </a:lnDef>
+  </a:objectDefaults>
+  <a:extraClrSchemeLst/>
+  <a:extLst>
+    <a:ext uri="{05A4C25C-085E-4340-85A3-A5531E510DB2}">
+      <thm15:themeFamily xmlns:thm15="http://schemas.microsoft.com/office/thememl/2012/main" name="Office Theme" id="{2E142A2C-CD16-42D6-873A-C26D2A0506FA}" vid="{1BDDFF52-6CD6-40A5-AB3C-68EB2F1E4D0A}"/>
+    </a:ext>
+  </a:extLst>
+</a:theme>
 </file>
--- a/Slides_NetMed_Sprint2.pptx
+++ b/Slides_NetMed_Sprint2.pptx
@@ -5,13 +5,19 @@
     <p:sldMasterId id="2147483648" r:id="rId1"/>
   </p:sldMasterIdLst>
   <p:notesMasterIdLst>
-    <p:notesMasterId r:id="rId6"/>
+    <p:notesMasterId r:id="rId12"/>
   </p:notesMasterIdLst>
   <p:sldIdLst>
     <p:sldId id="256" r:id="rId2"/>
     <p:sldId id="257" r:id="rId3"/>
-    <p:sldId id="258" r:id="rId4"/>
-    <p:sldId id="259" r:id="rId5"/>
+    <p:sldId id="268" r:id="rId4"/>
+    <p:sldId id="258" r:id="rId5"/>
+    <p:sldId id="263" r:id="rId6"/>
+    <p:sldId id="259" r:id="rId7"/>
+    <p:sldId id="264" r:id="rId8"/>
+    <p:sldId id="262" r:id="rId9"/>
+    <p:sldId id="265" r:id="rId10"/>
+    <p:sldId id="269" r:id="rId11"/>
   </p:sldIdLst>
   <p:sldSz cx="12192000" cy="6858000"/>
   <p:notesSz cx="6858000" cy="9144000"/>
@@ -121,13 +127,642 @@
 <file path=ppt/revisionInfo.xml><?xml version="1.0" encoding="utf-8"?>
 <p1510:revInfo xmlns:a="http://schemas.openxmlformats.org/drawingml/2006/main" xmlns:r="http://schemas.openxmlformats.org/officeDocument/2006/relationships" xmlns:p1510="http://schemas.microsoft.com/office/powerpoint/2015/10/main">
   <p1510:revLst>
+    <p1510:client id="{3D626DE9-6050-42B0-9CCA-8B553A1F7099}" v="480" dt="2024-05-05T20:13:33.344"/>
     <p1510:client id="{5B440EA2-DE11-412C-A505-B0319508B54D}" v="344" dt="2024-05-05T18:56:38.477"/>
+    <p1510:client id="{8082530A-CFC6-4E58-BB3B-959648091726}" v="577" dt="2024-05-05T20:13:05.491"/>
   </p1510:revLst>
 </p1510:revInfo>
 </file>
 
 <file path=ppt/changesInfos/changesInfo1.xml><?xml version="1.0" encoding="utf-8"?>
 <pc:chgInfo xmlns:a="http://schemas.openxmlformats.org/drawingml/2006/main" xmlns:r="http://schemas.openxmlformats.org/officeDocument/2006/relationships" xmlns:ac="http://schemas.microsoft.com/office/drawing/2013/main/command" xmlns:pc="http://schemas.microsoft.com/office/powerpoint/2013/main/command">
+  <pc:docChgLst>
+    <pc:chgData name="Usuário Convidado" providerId="Windows Live" clId="Web-{3D626DE9-6050-42B0-9CCA-8B553A1F7099}"/>
+    <pc:docChg chg="modSld">
+      <pc:chgData name="Usuário Convidado" userId="" providerId="Windows Live" clId="Web-{3D626DE9-6050-42B0-9CCA-8B553A1F7099}" dt="2024-05-05T20:13:33.344" v="422" actId="1076"/>
+      <pc:docMkLst>
+        <pc:docMk/>
+      </pc:docMkLst>
+      <pc:sldChg chg="modSp">
+        <pc:chgData name="Usuário Convidado" userId="" providerId="Windows Live" clId="Web-{3D626DE9-6050-42B0-9CCA-8B553A1F7099}" dt="2024-05-05T19:11:41.656" v="34" actId="1076"/>
+        <pc:sldMkLst>
+          <pc:docMk/>
+          <pc:sldMk cId="2763673367" sldId="256"/>
+        </pc:sldMkLst>
+        <pc:spChg chg="mod">
+          <ac:chgData name="Usuário Convidado" userId="" providerId="Windows Live" clId="Web-{3D626DE9-6050-42B0-9CCA-8B553A1F7099}" dt="2024-05-05T19:11:27.422" v="32" actId="20577"/>
+          <ac:spMkLst>
+            <pc:docMk/>
+            <pc:sldMk cId="2763673367" sldId="256"/>
+            <ac:spMk id="2" creationId="{5B851898-EE7A-A075-139C-7EC351221405}"/>
+          </ac:spMkLst>
+        </pc:spChg>
+        <pc:spChg chg="mod">
+          <ac:chgData name="Usuário Convidado" userId="" providerId="Windows Live" clId="Web-{3D626DE9-6050-42B0-9CCA-8B553A1F7099}" dt="2024-05-05T19:11:41.656" v="34" actId="1076"/>
+          <ac:spMkLst>
+            <pc:docMk/>
+            <pc:sldMk cId="2763673367" sldId="256"/>
+            <ac:spMk id="3" creationId="{4DDA0383-46E0-281C-8AE9-B92E84EF859C}"/>
+          </ac:spMkLst>
+        </pc:spChg>
+      </pc:sldChg>
+      <pc:sldChg chg="modSp">
+        <pc:chgData name="Usuário Convidado" userId="" providerId="Windows Live" clId="Web-{3D626DE9-6050-42B0-9CCA-8B553A1F7099}" dt="2024-05-05T19:56:28.088" v="232" actId="14100"/>
+        <pc:sldMkLst>
+          <pc:docMk/>
+          <pc:sldMk cId="1293696960" sldId="257"/>
+        </pc:sldMkLst>
+        <pc:spChg chg="mod">
+          <ac:chgData name="Usuário Convidado" userId="" providerId="Windows Live" clId="Web-{3D626DE9-6050-42B0-9CCA-8B553A1F7099}" dt="2024-05-05T19:56:28.088" v="232" actId="14100"/>
+          <ac:spMkLst>
+            <pc:docMk/>
+            <pc:sldMk cId="1293696960" sldId="257"/>
+            <ac:spMk id="2" creationId="{20C3634F-5961-75A1-7A12-38E0737A4070}"/>
+          </ac:spMkLst>
+        </pc:spChg>
+        <pc:picChg chg="mod">
+          <ac:chgData name="Usuário Convidado" userId="" providerId="Windows Live" clId="Web-{3D626DE9-6050-42B0-9CCA-8B553A1F7099}" dt="2024-05-05T19:11:58.454" v="35" actId="1076"/>
+          <ac:picMkLst>
+            <pc:docMk/>
+            <pc:sldMk cId="1293696960" sldId="257"/>
+            <ac:picMk id="7" creationId="{7427BD24-C700-4A91-B76D-690C6C721461}"/>
+          </ac:picMkLst>
+        </pc:picChg>
+      </pc:sldChg>
+      <pc:sldChg chg="addSp modSp mod setBg">
+        <pc:chgData name="Usuário Convidado" userId="" providerId="Windows Live" clId="Web-{3D626DE9-6050-42B0-9CCA-8B553A1F7099}" dt="2024-05-05T20:07:38.646" v="402" actId="1076"/>
+        <pc:sldMkLst>
+          <pc:docMk/>
+          <pc:sldMk cId="53127966" sldId="258"/>
+        </pc:sldMkLst>
+        <pc:spChg chg="mod">
+          <ac:chgData name="Usuário Convidado" userId="" providerId="Windows Live" clId="Web-{3D626DE9-6050-42B0-9CCA-8B553A1F7099}" dt="2024-05-05T19:15:00.084" v="61" actId="1076"/>
+          <ac:spMkLst>
+            <pc:docMk/>
+            <pc:sldMk cId="53127966" sldId="258"/>
+            <ac:spMk id="2" creationId="{4513B46C-8276-1518-93A5-526E041946FC}"/>
+          </ac:spMkLst>
+        </pc:spChg>
+        <pc:spChg chg="mod">
+          <ac:chgData name="Usuário Convidado" userId="" providerId="Windows Live" clId="Web-{3D626DE9-6050-42B0-9CCA-8B553A1F7099}" dt="2024-05-05T19:12:41.315" v="38" actId="20577"/>
+          <ac:spMkLst>
+            <pc:docMk/>
+            <pc:sldMk cId="53127966" sldId="258"/>
+            <ac:spMk id="3" creationId="{5161CDC8-FF07-0AD5-6381-DD5D23BA23D4}"/>
+          </ac:spMkLst>
+        </pc:spChg>
+        <pc:spChg chg="mod">
+          <ac:chgData name="Usuário Convidado" userId="" providerId="Windows Live" clId="Web-{3D626DE9-6050-42B0-9CCA-8B553A1F7099}" dt="2024-05-05T19:15:09.850" v="73" actId="1076"/>
+          <ac:spMkLst>
+            <pc:docMk/>
+            <pc:sldMk cId="53127966" sldId="258"/>
+            <ac:spMk id="4" creationId="{69653506-C7EF-3417-0623-767B75632118}"/>
+          </ac:spMkLst>
+        </pc:spChg>
+        <pc:spChg chg="add mod">
+          <ac:chgData name="Usuário Convidado" userId="" providerId="Windows Live" clId="Web-{3D626DE9-6050-42B0-9CCA-8B553A1F7099}" dt="2024-05-05T20:07:38.646" v="402" actId="1076"/>
+          <ac:spMkLst>
+            <pc:docMk/>
+            <pc:sldMk cId="53127966" sldId="258"/>
+            <ac:spMk id="5" creationId="{1073AEE9-7520-BA20-CFC7-315A0E597E9D}"/>
+          </ac:spMkLst>
+        </pc:spChg>
+        <pc:spChg chg="mod">
+          <ac:chgData name="Usuário Convidado" userId="" providerId="Windows Live" clId="Web-{3D626DE9-6050-42B0-9CCA-8B553A1F7099}" dt="2024-05-05T19:15:09.866" v="75" actId="1076"/>
+          <ac:spMkLst>
+            <pc:docMk/>
+            <pc:sldMk cId="53127966" sldId="258"/>
+            <ac:spMk id="8" creationId="{C3369C1D-136B-54E8-3981-7C2EDC2AFA7F}"/>
+          </ac:spMkLst>
+        </pc:spChg>
+        <pc:spChg chg="mod">
+          <ac:chgData name="Usuário Convidado" userId="" providerId="Windows Live" clId="Web-{3D626DE9-6050-42B0-9CCA-8B553A1F7099}" dt="2024-05-05T19:15:09.882" v="77" actId="1076"/>
+          <ac:spMkLst>
+            <pc:docMk/>
+            <pc:sldMk cId="53127966" sldId="258"/>
+            <ac:spMk id="11" creationId="{F1FD733B-1603-551D-9FC5-27D724BC858D}"/>
+          </ac:spMkLst>
+        </pc:spChg>
+        <pc:spChg chg="mod">
+          <ac:chgData name="Usuário Convidado" userId="" providerId="Windows Live" clId="Web-{3D626DE9-6050-42B0-9CCA-8B553A1F7099}" dt="2024-05-05T19:15:09.882" v="79" actId="1076"/>
+          <ac:spMkLst>
+            <pc:docMk/>
+            <pc:sldMk cId="53127966" sldId="258"/>
+            <ac:spMk id="13" creationId="{167A2AA1-3F45-D352-67E0-D09C55F5E60F}"/>
+          </ac:spMkLst>
+        </pc:spChg>
+        <pc:spChg chg="mod">
+          <ac:chgData name="Usuário Convidado" userId="" providerId="Windows Live" clId="Web-{3D626DE9-6050-42B0-9CCA-8B553A1F7099}" dt="2024-05-05T19:15:09.897" v="81" actId="1076"/>
+          <ac:spMkLst>
+            <pc:docMk/>
+            <pc:sldMk cId="53127966" sldId="258"/>
+            <ac:spMk id="15" creationId="{7AE60127-37B0-DBA1-1337-4D79A0CD6557}"/>
+          </ac:spMkLst>
+        </pc:spChg>
+        <pc:spChg chg="mod">
+          <ac:chgData name="Usuário Convidado" userId="" providerId="Windows Live" clId="Web-{3D626DE9-6050-42B0-9CCA-8B553A1F7099}" dt="2024-05-05T19:12:44.221" v="39" actId="20577"/>
+          <ac:spMkLst>
+            <pc:docMk/>
+            <pc:sldMk cId="53127966" sldId="258"/>
+            <ac:spMk id="16" creationId="{6ACF3904-1EFF-12EA-8577-2DA04B669099}"/>
+          </ac:spMkLst>
+        </pc:spChg>
+        <pc:picChg chg="mod">
+          <ac:chgData name="Usuário Convidado" userId="" providerId="Windows Live" clId="Web-{3D626DE9-6050-42B0-9CCA-8B553A1F7099}" dt="2024-05-05T19:15:09.866" v="76" actId="1076"/>
+          <ac:picMkLst>
+            <pc:docMk/>
+            <pc:sldMk cId="53127966" sldId="258"/>
+            <ac:picMk id="10" creationId="{38166DD5-B561-E941-B9DF-B7A5CFF0422C}"/>
+          </ac:picMkLst>
+        </pc:picChg>
+        <pc:picChg chg="mod">
+          <ac:chgData name="Usuário Convidado" userId="" providerId="Windows Live" clId="Web-{3D626DE9-6050-42B0-9CCA-8B553A1F7099}" dt="2024-05-05T19:15:09.882" v="78" actId="1076"/>
+          <ac:picMkLst>
+            <pc:docMk/>
+            <pc:sldMk cId="53127966" sldId="258"/>
+            <ac:picMk id="12" creationId="{7923D9CC-8864-F46E-68B5-1C96138C1508}"/>
+          </ac:picMkLst>
+        </pc:picChg>
+        <pc:picChg chg="mod">
+          <ac:chgData name="Usuário Convidado" userId="" providerId="Windows Live" clId="Web-{3D626DE9-6050-42B0-9CCA-8B553A1F7099}" dt="2024-05-05T19:15:09.897" v="80" actId="1076"/>
+          <ac:picMkLst>
+            <pc:docMk/>
+            <pc:sldMk cId="53127966" sldId="258"/>
+            <ac:picMk id="14" creationId="{E9F3F5D2-3972-8075-51D6-085620EFBB7D}"/>
+          </ac:picMkLst>
+        </pc:picChg>
+        <pc:picChg chg="mod">
+          <ac:chgData name="Usuário Convidado" userId="" providerId="Windows Live" clId="Web-{3D626DE9-6050-42B0-9CCA-8B553A1F7099}" dt="2024-05-05T19:15:09.835" v="72" actId="1076"/>
+          <ac:picMkLst>
+            <pc:docMk/>
+            <pc:sldMk cId="53127966" sldId="258"/>
+            <ac:picMk id="1026" creationId="{A4B7FC50-3CF9-2392-5CED-4A22B3985719}"/>
+          </ac:picMkLst>
+        </pc:picChg>
+        <pc:picChg chg="mod">
+          <ac:chgData name="Usuário Convidado" userId="" providerId="Windows Live" clId="Web-{3D626DE9-6050-42B0-9CCA-8B553A1F7099}" dt="2024-05-05T19:15:09.850" v="74" actId="1076"/>
+          <ac:picMkLst>
+            <pc:docMk/>
+            <pc:sldMk cId="53127966" sldId="258"/>
+            <ac:picMk id="1028" creationId="{B01FDC99-A2BA-A7F5-027F-D811DE509FC7}"/>
+          </ac:picMkLst>
+        </pc:picChg>
+      </pc:sldChg>
+      <pc:sldChg chg="addSp delSp modSp">
+        <pc:chgData name="Usuário Convidado" userId="" providerId="Windows Live" clId="Web-{3D626DE9-6050-42B0-9CCA-8B553A1F7099}" dt="2024-05-05T20:06:08.674" v="400" actId="14100"/>
+        <pc:sldMkLst>
+          <pc:docMk/>
+          <pc:sldMk cId="2305173294" sldId="259"/>
+        </pc:sldMkLst>
+        <pc:spChg chg="add mod">
+          <ac:chgData name="Usuário Convidado" userId="" providerId="Windows Live" clId="Web-{3D626DE9-6050-42B0-9CCA-8B553A1F7099}" dt="2024-05-05T20:02:33.289" v="347" actId="14100"/>
+          <ac:spMkLst>
+            <pc:docMk/>
+            <pc:sldMk cId="2305173294" sldId="259"/>
+            <ac:spMk id="2" creationId="{15F0688F-0443-982F-2B56-6B3685FE18C8}"/>
+          </ac:spMkLst>
+        </pc:spChg>
+        <pc:spChg chg="add mod">
+          <ac:chgData name="Usuário Convidado" userId="" providerId="Windows Live" clId="Web-{3D626DE9-6050-42B0-9CCA-8B553A1F7099}" dt="2024-05-05T20:03:07.512" v="353" actId="1076"/>
+          <ac:spMkLst>
+            <pc:docMk/>
+            <pc:sldMk cId="2305173294" sldId="259"/>
+            <ac:spMk id="3" creationId="{3D7E231D-2619-8189-8D12-5370F1E78595}"/>
+          </ac:spMkLst>
+        </pc:spChg>
+        <pc:spChg chg="mod">
+          <ac:chgData name="Usuário Convidado" userId="" providerId="Windows Live" clId="Web-{3D626DE9-6050-42B0-9CCA-8B553A1F7099}" dt="2024-05-05T20:01:05.724" v="329" actId="1076"/>
+          <ac:spMkLst>
+            <pc:docMk/>
+            <pc:sldMk cId="2305173294" sldId="259"/>
+            <ac:spMk id="11" creationId="{1E059546-72F0-E08C-E609-1C8CF93E8E28}"/>
+          </ac:spMkLst>
+        </pc:spChg>
+        <pc:spChg chg="mod">
+          <ac:chgData name="Usuário Convidado" userId="" providerId="Windows Live" clId="Web-{3D626DE9-6050-42B0-9CCA-8B553A1F7099}" dt="2024-05-05T20:03:56.920" v="383" actId="1076"/>
+          <ac:spMkLst>
+            <pc:docMk/>
+            <pc:sldMk cId="2305173294" sldId="259"/>
+            <ac:spMk id="50" creationId="{7DABECC8-7C31-8B8B-506B-9CB5550D7C18}"/>
+          </ac:spMkLst>
+        </pc:spChg>
+        <pc:grpChg chg="mod">
+          <ac:chgData name="Usuário Convidado" userId="" providerId="Windows Live" clId="Web-{3D626DE9-6050-42B0-9CCA-8B553A1F7099}" dt="2024-05-05T20:03:48.764" v="365" actId="1076"/>
+          <ac:grpSpMkLst>
+            <pc:docMk/>
+            <pc:sldMk cId="2305173294" sldId="259"/>
+            <ac:grpSpMk id="23" creationId="{52C1567F-E450-8C04-011F-A585EECC3040}"/>
+          </ac:grpSpMkLst>
+        </pc:grpChg>
+        <pc:grpChg chg="mod">
+          <ac:chgData name="Usuário Convidado" userId="" providerId="Windows Live" clId="Web-{3D626DE9-6050-42B0-9CCA-8B553A1F7099}" dt="2024-05-05T20:03:48.779" v="366" actId="1076"/>
+          <ac:grpSpMkLst>
+            <pc:docMk/>
+            <pc:sldMk cId="2305173294" sldId="259"/>
+            <ac:grpSpMk id="27" creationId="{3D7C7985-A4B5-25B9-F304-3EC4285F09CA}"/>
+          </ac:grpSpMkLst>
+        </pc:grpChg>
+        <pc:grpChg chg="mod">
+          <ac:chgData name="Usuário Convidado" userId="" providerId="Windows Live" clId="Web-{3D626DE9-6050-42B0-9CCA-8B553A1F7099}" dt="2024-05-05T20:03:48.842" v="369" actId="1076"/>
+          <ac:grpSpMkLst>
+            <pc:docMk/>
+            <pc:sldMk cId="2305173294" sldId="259"/>
+            <ac:grpSpMk id="32" creationId="{D9460210-580C-59DB-9953-C4096CB42CE0}"/>
+          </ac:grpSpMkLst>
+        </pc:grpChg>
+        <pc:graphicFrameChg chg="mod modGraphic">
+          <ac:chgData name="Usuário Convidado" userId="" providerId="Windows Live" clId="Web-{3D626DE9-6050-42B0-9CCA-8B553A1F7099}" dt="2024-05-05T20:03:48.561" v="354" actId="1076"/>
+          <ac:graphicFrameMkLst>
+            <pc:docMk/>
+            <pc:sldMk cId="2305173294" sldId="259"/>
+            <ac:graphicFrameMk id="5" creationId="{01D18C47-A137-271E-3489-CC792FABD4E0}"/>
+          </ac:graphicFrameMkLst>
+        </pc:graphicFrameChg>
+        <pc:graphicFrameChg chg="mod modGraphic">
+          <ac:chgData name="Usuário Convidado" userId="" providerId="Windows Live" clId="Web-{3D626DE9-6050-42B0-9CCA-8B553A1F7099}" dt="2024-05-05T20:03:48.576" v="355" actId="1076"/>
+          <ac:graphicFrameMkLst>
+            <pc:docMk/>
+            <pc:sldMk cId="2305173294" sldId="259"/>
+            <ac:graphicFrameMk id="6" creationId="{B63B9538-6192-FE6A-F3CF-1ADC3C97D54C}"/>
+          </ac:graphicFrameMkLst>
+        </pc:graphicFrameChg>
+        <pc:graphicFrameChg chg="mod modGraphic">
+          <ac:chgData name="Usuário Convidado" userId="" providerId="Windows Live" clId="Web-{3D626DE9-6050-42B0-9CCA-8B553A1F7099}" dt="2024-05-05T20:03:48.592" v="356" actId="1076"/>
+          <ac:graphicFrameMkLst>
+            <pc:docMk/>
+            <pc:sldMk cId="2305173294" sldId="259"/>
+            <ac:graphicFrameMk id="7" creationId="{32BC33F2-3E59-D8D6-E283-3FF90A723F90}"/>
+          </ac:graphicFrameMkLst>
+        </pc:graphicFrameChg>
+        <pc:graphicFrameChg chg="mod modGraphic">
+          <ac:chgData name="Usuário Convidado" userId="" providerId="Windows Live" clId="Web-{3D626DE9-6050-42B0-9CCA-8B553A1F7099}" dt="2024-05-05T20:03:48.607" v="357" actId="1076"/>
+          <ac:graphicFrameMkLst>
+            <pc:docMk/>
+            <pc:sldMk cId="2305173294" sldId="259"/>
+            <ac:graphicFrameMk id="8" creationId="{DA0C5B77-1736-2878-94BC-E52B653B89A8}"/>
+          </ac:graphicFrameMkLst>
+        </pc:graphicFrameChg>
+        <pc:graphicFrameChg chg="mod modGraphic">
+          <ac:chgData name="Usuário Convidado" userId="" providerId="Windows Live" clId="Web-{3D626DE9-6050-42B0-9CCA-8B553A1F7099}" dt="2024-05-05T20:03:48.639" v="358" actId="1076"/>
+          <ac:graphicFrameMkLst>
+            <pc:docMk/>
+            <pc:sldMk cId="2305173294" sldId="259"/>
+            <ac:graphicFrameMk id="9" creationId="{E2B60F3B-F74C-EEF9-D076-1421BEE0529E}"/>
+          </ac:graphicFrameMkLst>
+        </pc:graphicFrameChg>
+        <pc:graphicFrameChg chg="mod modGraphic">
+          <ac:chgData name="Usuário Convidado" userId="" providerId="Windows Live" clId="Web-{3D626DE9-6050-42B0-9CCA-8B553A1F7099}" dt="2024-05-05T20:03:48.654" v="359" actId="1076"/>
+          <ac:graphicFrameMkLst>
+            <pc:docMk/>
+            <pc:sldMk cId="2305173294" sldId="259"/>
+            <ac:graphicFrameMk id="10" creationId="{9486764F-CBBA-B456-317A-9038ECFA15CD}"/>
+          </ac:graphicFrameMkLst>
+        </pc:graphicFrameChg>
+        <pc:picChg chg="mod">
+          <ac:chgData name="Usuário Convidado" userId="" providerId="Windows Live" clId="Web-{3D626DE9-6050-42B0-9CCA-8B553A1F7099}" dt="2024-05-05T20:03:48.670" v="360" actId="1076"/>
+          <ac:picMkLst>
+            <pc:docMk/>
+            <pc:sldMk cId="2305173294" sldId="259"/>
+            <ac:picMk id="12" creationId="{6EAD46D5-9106-41EF-50BC-B01D158D64D6}"/>
+          </ac:picMkLst>
+        </pc:picChg>
+        <pc:picChg chg="mod">
+          <ac:chgData name="Usuário Convidado" userId="" providerId="Windows Live" clId="Web-{3D626DE9-6050-42B0-9CCA-8B553A1F7099}" dt="2024-05-05T20:03:48.686" v="361" actId="1076"/>
+          <ac:picMkLst>
+            <pc:docMk/>
+            <pc:sldMk cId="2305173294" sldId="259"/>
+            <ac:picMk id="13" creationId="{45123642-49B1-EAD8-4407-3316766BC422}"/>
+          </ac:picMkLst>
+        </pc:picChg>
+        <pc:picChg chg="mod">
+          <ac:chgData name="Usuário Convidado" userId="" providerId="Windows Live" clId="Web-{3D626DE9-6050-42B0-9CCA-8B553A1F7099}" dt="2024-05-05T20:03:48.717" v="362" actId="1076"/>
+          <ac:picMkLst>
+            <pc:docMk/>
+            <pc:sldMk cId="2305173294" sldId="259"/>
+            <ac:picMk id="14" creationId="{B49DFE26-908A-92B9-0323-BDE76AAC3D6C}"/>
+          </ac:picMkLst>
+        </pc:picChg>
+        <pc:picChg chg="mod">
+          <ac:chgData name="Usuário Convidado" userId="" providerId="Windows Live" clId="Web-{3D626DE9-6050-42B0-9CCA-8B553A1F7099}" dt="2024-05-05T20:03:48.733" v="363" actId="1076"/>
+          <ac:picMkLst>
+            <pc:docMk/>
+            <pc:sldMk cId="2305173294" sldId="259"/>
+            <ac:picMk id="15" creationId="{53474992-60BD-1D24-82E7-6970CACAF3B6}"/>
+          </ac:picMkLst>
+        </pc:picChg>
+        <pc:picChg chg="mod">
+          <ac:chgData name="Usuário Convidado" userId="" providerId="Windows Live" clId="Web-{3D626DE9-6050-42B0-9CCA-8B553A1F7099}" dt="2024-05-05T20:03:48.748" v="364" actId="1076"/>
+          <ac:picMkLst>
+            <pc:docMk/>
+            <pc:sldMk cId="2305173294" sldId="259"/>
+            <ac:picMk id="16" creationId="{1DF6915B-9597-4618-F75A-AAC2730F27AF}"/>
+          </ac:picMkLst>
+        </pc:picChg>
+        <pc:picChg chg="mod">
+          <ac:chgData name="Usuário Convidado" userId="" providerId="Windows Live" clId="Web-{3D626DE9-6050-42B0-9CCA-8B553A1F7099}" dt="2024-05-05T20:03:48.920" v="374" actId="1076"/>
+          <ac:picMkLst>
+            <pc:docMk/>
+            <pc:sldMk cId="2305173294" sldId="259"/>
+            <ac:picMk id="45" creationId="{CC09E0E7-7CDA-0D64-7C79-3576D8FD3DB7}"/>
+          </ac:picMkLst>
+        </pc:picChg>
+        <pc:picChg chg="mod">
+          <ac:chgData name="Usuário Convidado" userId="" providerId="Windows Live" clId="Web-{3D626DE9-6050-42B0-9CCA-8B553A1F7099}" dt="2024-05-05T20:03:48.951" v="375" actId="1076"/>
+          <ac:picMkLst>
+            <pc:docMk/>
+            <pc:sldMk cId="2305173294" sldId="259"/>
+            <ac:picMk id="46" creationId="{A902580E-D7CA-B9E9-B6FA-9B6BBF06B7F3}"/>
+          </ac:picMkLst>
+        </pc:picChg>
+        <pc:picChg chg="mod">
+          <ac:chgData name="Usuário Convidado" userId="" providerId="Windows Live" clId="Web-{3D626DE9-6050-42B0-9CCA-8B553A1F7099}" dt="2024-05-05T20:03:48.967" v="376" actId="1076"/>
+          <ac:picMkLst>
+            <pc:docMk/>
+            <pc:sldMk cId="2305173294" sldId="259"/>
+            <ac:picMk id="47" creationId="{765B9041-F600-C775-E98A-3AEB2E79480C}"/>
+          </ac:picMkLst>
+        </pc:picChg>
+        <pc:picChg chg="mod">
+          <ac:chgData name="Usuário Convidado" userId="" providerId="Windows Live" clId="Web-{3D626DE9-6050-42B0-9CCA-8B553A1F7099}" dt="2024-05-05T20:03:48.998" v="377" actId="1076"/>
+          <ac:picMkLst>
+            <pc:docMk/>
+            <pc:sldMk cId="2305173294" sldId="259"/>
+            <ac:picMk id="48" creationId="{2376BC09-A721-43DD-5FBF-C52DF3B4BBCC}"/>
+          </ac:picMkLst>
+        </pc:picChg>
+        <pc:picChg chg="mod">
+          <ac:chgData name="Usuário Convidado" userId="" providerId="Windows Live" clId="Web-{3D626DE9-6050-42B0-9CCA-8B553A1F7099}" dt="2024-05-05T20:03:49.014" v="378" actId="1076"/>
+          <ac:picMkLst>
+            <pc:docMk/>
+            <pc:sldMk cId="2305173294" sldId="259"/>
+            <ac:picMk id="49" creationId="{3ED8F250-5F8D-D2C9-9E11-EFD13183D23D}"/>
+          </ac:picMkLst>
+        </pc:picChg>
+        <pc:cxnChg chg="add del">
+          <ac:chgData name="Usuário Convidado" userId="" providerId="Windows Live" clId="Web-{3D626DE9-6050-42B0-9CCA-8B553A1F7099}" dt="2024-05-05T20:04:23.796" v="385"/>
+          <ac:cxnSpMkLst>
+            <pc:docMk/>
+            <pc:sldMk cId="2305173294" sldId="259"/>
+            <ac:cxnSpMk id="4" creationId="{EE28E05B-AE3A-0360-A946-2EBA2C4AAFF5}"/>
+          </ac:cxnSpMkLst>
+        </pc:cxnChg>
+        <pc:cxnChg chg="add mod">
+          <ac:chgData name="Usuário Convidado" userId="" providerId="Windows Live" clId="Web-{3D626DE9-6050-42B0-9CCA-8B553A1F7099}" dt="2024-05-05T20:06:08.674" v="400" actId="14100"/>
+          <ac:cxnSpMkLst>
+            <pc:docMk/>
+            <pc:sldMk cId="2305173294" sldId="259"/>
+            <ac:cxnSpMk id="17" creationId="{5B16F823-F43C-A669-2594-01B0D2DA2A09}"/>
+          </ac:cxnSpMkLst>
+        </pc:cxnChg>
+        <pc:cxnChg chg="mod">
+          <ac:chgData name="Usuário Convidado" userId="" providerId="Windows Live" clId="Web-{3D626DE9-6050-42B0-9CCA-8B553A1F7099}" dt="2024-05-05T20:03:48.811" v="367" actId="1076"/>
+          <ac:cxnSpMkLst>
+            <pc:docMk/>
+            <pc:sldMk cId="2305173294" sldId="259"/>
+            <ac:cxnSpMk id="30" creationId="{435D2B3A-685F-1FF5-036E-AF8A2398CA4F}"/>
+          </ac:cxnSpMkLst>
+        </pc:cxnChg>
+        <pc:cxnChg chg="mod">
+          <ac:chgData name="Usuário Convidado" userId="" providerId="Windows Live" clId="Web-{3D626DE9-6050-42B0-9CCA-8B553A1F7099}" dt="2024-05-05T20:03:48.826" v="368" actId="1076"/>
+          <ac:cxnSpMkLst>
+            <pc:docMk/>
+            <pc:sldMk cId="2305173294" sldId="259"/>
+            <ac:cxnSpMk id="31" creationId="{40FC874E-4823-1E1A-8AC8-6497AAA08D8E}"/>
+          </ac:cxnSpMkLst>
+        </pc:cxnChg>
+        <pc:cxnChg chg="mod">
+          <ac:chgData name="Usuário Convidado" userId="" providerId="Windows Live" clId="Web-{3D626DE9-6050-42B0-9CCA-8B553A1F7099}" dt="2024-05-05T20:03:48.858" v="370" actId="1076"/>
+          <ac:cxnSpMkLst>
+            <pc:docMk/>
+            <pc:sldMk cId="2305173294" sldId="259"/>
+            <ac:cxnSpMk id="37" creationId="{D88AB33F-D9A9-1242-2F57-6B152FB96A90}"/>
+          </ac:cxnSpMkLst>
+        </pc:cxnChg>
+        <pc:cxnChg chg="mod">
+          <ac:chgData name="Usuário Convidado" userId="" providerId="Windows Live" clId="Web-{3D626DE9-6050-42B0-9CCA-8B553A1F7099}" dt="2024-05-05T20:03:48.873" v="371" actId="1076"/>
+          <ac:cxnSpMkLst>
+            <pc:docMk/>
+            <pc:sldMk cId="2305173294" sldId="259"/>
+            <ac:cxnSpMk id="40" creationId="{C28FF276-722A-6296-33A9-D4E3F02C674F}"/>
+          </ac:cxnSpMkLst>
+        </pc:cxnChg>
+        <pc:cxnChg chg="mod">
+          <ac:chgData name="Usuário Convidado" userId="" providerId="Windows Live" clId="Web-{3D626DE9-6050-42B0-9CCA-8B553A1F7099}" dt="2024-05-05T20:03:48.889" v="372" actId="1076"/>
+          <ac:cxnSpMkLst>
+            <pc:docMk/>
+            <pc:sldMk cId="2305173294" sldId="259"/>
+            <ac:cxnSpMk id="43" creationId="{752AE9EF-6776-B602-A3B5-B65656433121}"/>
+          </ac:cxnSpMkLst>
+        </pc:cxnChg>
+        <pc:cxnChg chg="mod">
+          <ac:chgData name="Usuário Convidado" userId="" providerId="Windows Live" clId="Web-{3D626DE9-6050-42B0-9CCA-8B553A1F7099}" dt="2024-05-05T20:03:48.904" v="373" actId="1076"/>
+          <ac:cxnSpMkLst>
+            <pc:docMk/>
+            <pc:sldMk cId="2305173294" sldId="259"/>
+            <ac:cxnSpMk id="44" creationId="{4D4A8045-E080-86AC-56F5-0E4BB35B0136}"/>
+          </ac:cxnSpMkLst>
+        </pc:cxnChg>
+        <pc:cxnChg chg="mod">
+          <ac:chgData name="Usuário Convidado" userId="" providerId="Windows Live" clId="Web-{3D626DE9-6050-42B0-9CCA-8B553A1F7099}" dt="2024-05-05T20:03:49.029" v="379" actId="1076"/>
+          <ac:cxnSpMkLst>
+            <pc:docMk/>
+            <pc:sldMk cId="2305173294" sldId="259"/>
+            <ac:cxnSpMk id="52" creationId="{7A383A27-F66D-8613-7187-13B147A3BE1E}"/>
+          </ac:cxnSpMkLst>
+        </pc:cxnChg>
+        <pc:cxnChg chg="mod">
+          <ac:chgData name="Usuário Convidado" userId="" providerId="Windows Live" clId="Web-{3D626DE9-6050-42B0-9CCA-8B553A1F7099}" dt="2024-05-05T20:03:49.045" v="380" actId="1076"/>
+          <ac:cxnSpMkLst>
+            <pc:docMk/>
+            <pc:sldMk cId="2305173294" sldId="259"/>
+            <ac:cxnSpMk id="53" creationId="{A0B5AC7A-5E98-7F19-F328-0ECC4AAD37B0}"/>
+          </ac:cxnSpMkLst>
+        </pc:cxnChg>
+        <pc:cxnChg chg="mod">
+          <ac:chgData name="Usuário Convidado" userId="" providerId="Windows Live" clId="Web-{3D626DE9-6050-42B0-9CCA-8B553A1F7099}" dt="2024-05-05T20:03:49.076" v="381" actId="1076"/>
+          <ac:cxnSpMkLst>
+            <pc:docMk/>
+            <pc:sldMk cId="2305173294" sldId="259"/>
+            <ac:cxnSpMk id="54" creationId="{A4BBCDC8-A178-C6C7-BD7B-25C937DEE3E7}"/>
+          </ac:cxnSpMkLst>
+        </pc:cxnChg>
+        <pc:cxnChg chg="mod">
+          <ac:chgData name="Usuário Convidado" userId="" providerId="Windows Live" clId="Web-{3D626DE9-6050-42B0-9CCA-8B553A1F7099}" dt="2024-05-05T20:03:49.092" v="382" actId="1076"/>
+          <ac:cxnSpMkLst>
+            <pc:docMk/>
+            <pc:sldMk cId="2305173294" sldId="259"/>
+            <ac:cxnSpMk id="55" creationId="{1722F4CE-1359-E06C-8A41-B2FAE2EB603D}"/>
+          </ac:cxnSpMkLst>
+        </pc:cxnChg>
+      </pc:sldChg>
+      <pc:sldChg chg="addSp delSp modSp">
+        <pc:chgData name="Usuário Convidado" userId="" providerId="Windows Live" clId="Web-{3D626DE9-6050-42B0-9CCA-8B553A1F7099}" dt="2024-05-05T20:13:33.344" v="422" actId="1076"/>
+        <pc:sldMkLst>
+          <pc:docMk/>
+          <pc:sldMk cId="2879615833" sldId="263"/>
+        </pc:sldMkLst>
+        <pc:spChg chg="mod">
+          <ac:chgData name="Usuário Convidado" userId="" providerId="Windows Live" clId="Web-{3D626DE9-6050-42B0-9CCA-8B553A1F7099}" dt="2024-05-05T19:42:48.733" v="167" actId="1076"/>
+          <ac:spMkLst>
+            <pc:docMk/>
+            <pc:sldMk cId="2879615833" sldId="263"/>
+            <ac:spMk id="2" creationId="{3DE9E981-2B47-1DAB-FDF3-3674F50CCEF6}"/>
+          </ac:spMkLst>
+        </pc:spChg>
+        <pc:spChg chg="mod">
+          <ac:chgData name="Usuário Convidado" userId="" providerId="Windows Live" clId="Web-{3D626DE9-6050-42B0-9CCA-8B553A1F7099}" dt="2024-05-05T20:10:30.167" v="403"/>
+          <ac:spMkLst>
+            <pc:docMk/>
+            <pc:sldMk cId="2879615833" sldId="263"/>
+            <ac:spMk id="13" creationId="{E5ED7509-39BF-608C-BA75-2789F7D7E797}"/>
+          </ac:spMkLst>
+        </pc:spChg>
+        <pc:picChg chg="add del mod">
+          <ac:chgData name="Usuário Convidado" userId="" providerId="Windows Live" clId="Web-{3D626DE9-6050-42B0-9CCA-8B553A1F7099}" dt="2024-05-05T19:32:20.056" v="98"/>
+          <ac:picMkLst>
+            <pc:docMk/>
+            <pc:sldMk cId="2879615833" sldId="263"/>
+            <ac:picMk id="4" creationId="{28C772C4-5FD0-F7BD-55CA-782BB78F85AF}"/>
+          </ac:picMkLst>
+        </pc:picChg>
+        <pc:picChg chg="add del mod">
+          <ac:chgData name="Usuário Convidado" userId="" providerId="Windows Live" clId="Web-{3D626DE9-6050-42B0-9CCA-8B553A1F7099}" dt="2024-05-05T19:32:24.603" v="100"/>
+          <ac:picMkLst>
+            <pc:docMk/>
+            <pc:sldMk cId="2879615833" sldId="263"/>
+            <ac:picMk id="5" creationId="{F454424A-C930-D1B1-3446-8EDB9B2256F4}"/>
+          </ac:picMkLst>
+        </pc:picChg>
+        <pc:picChg chg="add del mod">
+          <ac:chgData name="Usuário Convidado" userId="" providerId="Windows Live" clId="Web-{3D626DE9-6050-42B0-9CCA-8B553A1F7099}" dt="2024-05-05T19:32:50.995" v="110"/>
+          <ac:picMkLst>
+            <pc:docMk/>
+            <pc:sldMk cId="2879615833" sldId="263"/>
+            <ac:picMk id="6" creationId="{C6B97FF7-9245-2FC8-8D56-C404950AFB28}"/>
+          </ac:picMkLst>
+        </pc:picChg>
+        <pc:picChg chg="add del mod">
+          <ac:chgData name="Usuário Convidado" userId="" providerId="Windows Live" clId="Web-{3D626DE9-6050-42B0-9CCA-8B553A1F7099}" dt="2024-05-05T19:33:31.043" v="122"/>
+          <ac:picMkLst>
+            <pc:docMk/>
+            <pc:sldMk cId="2879615833" sldId="263"/>
+            <ac:picMk id="7" creationId="{6D6292AE-C91D-CB92-5C1C-32C0EEF2A52E}"/>
+          </ac:picMkLst>
+        </pc:picChg>
+        <pc:picChg chg="add del mod ord">
+          <ac:chgData name="Usuário Convidado" userId="" providerId="Windows Live" clId="Web-{3D626DE9-6050-42B0-9CCA-8B553A1F7099}" dt="2024-05-05T19:37:41.536" v="127"/>
+          <ac:picMkLst>
+            <pc:docMk/>
+            <pc:sldMk cId="2879615833" sldId="263"/>
+            <ac:picMk id="8" creationId="{F78F8CA0-8C33-CE30-C80B-2BE725BEFA8D}"/>
+          </ac:picMkLst>
+        </pc:picChg>
+        <pc:picChg chg="add mod ord modCrop">
+          <ac:chgData name="Usuário Convidado" userId="" providerId="Windows Live" clId="Web-{3D626DE9-6050-42B0-9CCA-8B553A1F7099}" dt="2024-05-05T19:40:16.884" v="160" actId="1076"/>
+          <ac:picMkLst>
+            <pc:docMk/>
+            <pc:sldMk cId="2879615833" sldId="263"/>
+            <ac:picMk id="9" creationId="{E55A21B3-2B53-36E0-7161-25C25E5A7DB7}"/>
+          </ac:picMkLst>
+        </pc:picChg>
+        <pc:cxnChg chg="add mod">
+          <ac:chgData name="Usuário Convidado" userId="" providerId="Windows Live" clId="Web-{3D626DE9-6050-42B0-9CCA-8B553A1F7099}" dt="2024-05-05T20:13:33.344" v="422" actId="1076"/>
+          <ac:cxnSpMkLst>
+            <pc:docMk/>
+            <pc:sldMk cId="2879615833" sldId="263"/>
+            <ac:cxnSpMk id="15" creationId="{F21413A5-5E8D-7121-F9C0-A640A6F20AA6}"/>
+          </ac:cxnSpMkLst>
+        </pc:cxnChg>
+      </pc:sldChg>
+      <pc:sldChg chg="addSp delSp modSp">
+        <pc:chgData name="Usuário Convidado" userId="" providerId="Windows Live" clId="Web-{3D626DE9-6050-42B0-9CCA-8B553A1F7099}" dt="2024-05-05T20:00:04.127" v="266"/>
+        <pc:sldMkLst>
+          <pc:docMk/>
+          <pc:sldMk cId="3199428709" sldId="264"/>
+        </pc:sldMkLst>
+        <pc:spChg chg="mod">
+          <ac:chgData name="Usuário Convidado" userId="" providerId="Windows Live" clId="Web-{3D626DE9-6050-42B0-9CCA-8B553A1F7099}" dt="2024-05-05T20:00:04.127" v="266"/>
+          <ac:spMkLst>
+            <pc:docMk/>
+            <pc:sldMk cId="3199428709" sldId="264"/>
+            <ac:spMk id="2" creationId="{217F3117-157E-57E0-E248-8F4C0D1DD7AA}"/>
+          </ac:spMkLst>
+        </pc:spChg>
+        <pc:spChg chg="add mod ord">
+          <ac:chgData name="Usuário Convidado" userId="" providerId="Windows Live" clId="Web-{3D626DE9-6050-42B0-9CCA-8B553A1F7099}" dt="2024-05-05T19:56:48.057" v="236"/>
+          <ac:spMkLst>
+            <pc:docMk/>
+            <pc:sldMk cId="3199428709" sldId="264"/>
+            <ac:spMk id="8" creationId="{35614A1D-66B5-4300-DE5C-089C71A67B0B}"/>
+          </ac:spMkLst>
+        </pc:spChg>
+        <pc:spChg chg="add mod ord">
+          <ac:chgData name="Usuário Convidado" userId="" providerId="Windows Live" clId="Web-{3D626DE9-6050-42B0-9CCA-8B553A1F7099}" dt="2024-05-05T19:56:57.761" v="238"/>
+          <ac:spMkLst>
+            <pc:docMk/>
+            <pc:sldMk cId="3199428709" sldId="264"/>
+            <ac:spMk id="9" creationId="{BA37A01E-F6F1-D413-F0ED-DCD07BEFD27B}"/>
+          </ac:spMkLst>
+        </pc:spChg>
+        <pc:spChg chg="add mod ord">
+          <ac:chgData name="Usuário Convidado" userId="" providerId="Windows Live" clId="Web-{3D626DE9-6050-42B0-9CCA-8B553A1F7099}" dt="2024-05-05T19:59:54.971" v="262" actId="1076"/>
+          <ac:spMkLst>
+            <pc:docMk/>
+            <pc:sldMk cId="3199428709" sldId="264"/>
+            <ac:spMk id="13" creationId="{FB07E5A2-A1E4-B5AC-1C27-438E31B49C30}"/>
+          </ac:spMkLst>
+        </pc:spChg>
+        <pc:grpChg chg="add del mod">
+          <ac:chgData name="Usuário Convidado" userId="" providerId="Windows Live" clId="Web-{3D626DE9-6050-42B0-9CCA-8B553A1F7099}" dt="2024-05-05T19:56:23.619" v="227"/>
+          <ac:grpSpMkLst>
+            <pc:docMk/>
+            <pc:sldMk cId="3199428709" sldId="264"/>
+            <ac:grpSpMk id="11" creationId="{ABCDD16A-B07C-165D-67B5-D0A8B4AE5FCF}"/>
+          </ac:grpSpMkLst>
+        </pc:grpChg>
+        <pc:grpChg chg="add mod">
+          <ac:chgData name="Usuário Convidado" userId="" providerId="Windows Live" clId="Web-{3D626DE9-6050-42B0-9CCA-8B553A1F7099}" dt="2024-05-05T19:57:11.527" v="240" actId="1076"/>
+          <ac:grpSpMkLst>
+            <pc:docMk/>
+            <pc:sldMk cId="3199428709" sldId="264"/>
+            <ac:grpSpMk id="12" creationId="{79DD95E4-274D-2BA8-B044-FFA9535950FB}"/>
+          </ac:grpSpMkLst>
+        </pc:grpChg>
+        <pc:picChg chg="add del mod">
+          <ac:chgData name="Usuário Convidado" userId="" providerId="Windows Live" clId="Web-{3D626DE9-6050-42B0-9CCA-8B553A1F7099}" dt="2024-05-05T19:52:07.298" v="206"/>
+          <ac:picMkLst>
+            <pc:docMk/>
+            <pc:sldMk cId="3199428709" sldId="264"/>
+            <ac:picMk id="4" creationId="{F4C98BD2-8A32-17F9-3476-F1D6E408DC3A}"/>
+          </ac:picMkLst>
+        </pc:picChg>
+        <pc:picChg chg="add del mod">
+          <ac:chgData name="Usuário Convidado" userId="" providerId="Windows Live" clId="Web-{3D626DE9-6050-42B0-9CCA-8B553A1F7099}" dt="2024-05-05T19:51:38.235" v="205"/>
+          <ac:picMkLst>
+            <pc:docMk/>
+            <pc:sldMk cId="3199428709" sldId="264"/>
+            <ac:picMk id="6" creationId="{904BD785-D907-79BB-018B-ED3ABDDFD33B}"/>
+          </ac:picMkLst>
+        </pc:picChg>
+        <pc:picChg chg="add mod topLvl">
+          <ac:chgData name="Usuário Convidado" userId="" providerId="Windows Live" clId="Web-{3D626DE9-6050-42B0-9CCA-8B553A1F7099}" dt="2024-05-05T19:56:42.698" v="235" actId="1076"/>
+          <ac:picMkLst>
+            <pc:docMk/>
+            <pc:sldMk cId="3199428709" sldId="264"/>
+            <ac:picMk id="7" creationId="{F6600E1D-EA4F-BB17-8A69-84ED2CF374C3}"/>
+          </ac:picMkLst>
+        </pc:picChg>
+        <pc:cxnChg chg="mod topLvl">
+          <ac:chgData name="Usuário Convidado" userId="" providerId="Windows Live" clId="Web-{3D626DE9-6050-42B0-9CCA-8B553A1F7099}" dt="2024-05-05T19:56:42.698" v="235" actId="1076"/>
+          <ac:cxnSpMkLst>
+            <pc:docMk/>
+            <pc:sldMk cId="3199428709" sldId="264"/>
+            <ac:cxnSpMk id="10" creationId="{CBB68B16-0053-910F-96C0-7F39DD033A88}"/>
+          </ac:cxnSpMkLst>
+        </pc:cxnChg>
+      </pc:sldChg>
+    </pc:docChg>
+  </pc:docChgLst>
   <pc:docChgLst>
     <pc:chgData name="VAGNER JOSÉ DI BENEDETTO VILLELA DE ANDRADE ." userId="39095851-9987-426c-992c-64b07dc30090" providerId="ADAL" clId="{5B440EA2-DE11-412C-A505-B0319508B54D}"/>
     <pc:docChg chg="undo custSel addSld modSld">
@@ -970,6 +1605,806 @@
             <ac:cxnSpMk id="55" creationId="{1722F4CE-1359-E06C-8A41-B2FAE2EB603D}"/>
           </ac:cxnSpMkLst>
         </pc:cxnChg>
+      </pc:sldChg>
+    </pc:docChg>
+  </pc:docChgLst>
+  <pc:docChgLst>
+    <pc:chgData name="Ketelyn Medina" userId="4342a56e1256850b" providerId="LiveId" clId="{8082530A-CFC6-4E58-BB3B-959648091726}"/>
+    <pc:docChg chg="undo redo custSel addSld delSld modSld sldOrd">
+      <pc:chgData name="Ketelyn Medina" userId="4342a56e1256850b" providerId="LiveId" clId="{8082530A-CFC6-4E58-BB3B-959648091726}" dt="2024-05-05T20:13:05.491" v="588" actId="1037"/>
+      <pc:docMkLst>
+        <pc:docMk/>
+      </pc:docMkLst>
+      <pc:sldChg chg="addSp delSp modSp mod">
+        <pc:chgData name="Ketelyn Medina" userId="4342a56e1256850b" providerId="LiveId" clId="{8082530A-CFC6-4E58-BB3B-959648091726}" dt="2024-05-05T20:01:45.239" v="444" actId="478"/>
+        <pc:sldMkLst>
+          <pc:docMk/>
+          <pc:sldMk cId="2763673367" sldId="256"/>
+        </pc:sldMkLst>
+        <pc:spChg chg="mod">
+          <ac:chgData name="Ketelyn Medina" userId="4342a56e1256850b" providerId="LiveId" clId="{8082530A-CFC6-4E58-BB3B-959648091726}" dt="2024-05-05T19:28:02.509" v="149" actId="1038"/>
+          <ac:spMkLst>
+            <pc:docMk/>
+            <pc:sldMk cId="2763673367" sldId="256"/>
+            <ac:spMk id="3" creationId="{4DDA0383-46E0-281C-8AE9-B92E84EF859C}"/>
+          </ac:spMkLst>
+        </pc:spChg>
+        <pc:spChg chg="add mod">
+          <ac:chgData name="Ketelyn Medina" userId="4342a56e1256850b" providerId="LiveId" clId="{8082530A-CFC6-4E58-BB3B-959648091726}" dt="2024-05-05T19:27:40.148" v="135" actId="207"/>
+          <ac:spMkLst>
+            <pc:docMk/>
+            <pc:sldMk cId="2763673367" sldId="256"/>
+            <ac:spMk id="4" creationId="{4B56DDF5-B432-44DE-E5BD-C62B4E7ECD16}"/>
+          </ac:spMkLst>
+        </pc:spChg>
+        <pc:spChg chg="add del mod">
+          <ac:chgData name="Ketelyn Medina" userId="4342a56e1256850b" providerId="LiveId" clId="{8082530A-CFC6-4E58-BB3B-959648091726}" dt="2024-05-05T20:01:45.239" v="444" actId="478"/>
+          <ac:spMkLst>
+            <pc:docMk/>
+            <pc:sldMk cId="2763673367" sldId="256"/>
+            <ac:spMk id="7" creationId="{B01024FD-B7D9-CCD7-FF3F-FFA721A06982}"/>
+          </ac:spMkLst>
+        </pc:spChg>
+        <pc:picChg chg="mod">
+          <ac:chgData name="Ketelyn Medina" userId="4342a56e1256850b" providerId="LiveId" clId="{8082530A-CFC6-4E58-BB3B-959648091726}" dt="2024-05-05T19:27:38.471" v="133" actId="14100"/>
+          <ac:picMkLst>
+            <pc:docMk/>
+            <pc:sldMk cId="2763673367" sldId="256"/>
+            <ac:picMk id="9" creationId="{D95693EB-31CE-4CCC-6D95-0ADBD48BD569}"/>
+          </ac:picMkLst>
+        </pc:picChg>
+      </pc:sldChg>
+      <pc:sldChg chg="addSp delSp modSp mod">
+        <pc:chgData name="Ketelyn Medina" userId="4342a56e1256850b" providerId="LiveId" clId="{8082530A-CFC6-4E58-BB3B-959648091726}" dt="2024-05-05T20:01:50.995" v="447" actId="27636"/>
+        <pc:sldMkLst>
+          <pc:docMk/>
+          <pc:sldMk cId="1293696960" sldId="257"/>
+        </pc:sldMkLst>
+        <pc:spChg chg="mod">
+          <ac:chgData name="Ketelyn Medina" userId="4342a56e1256850b" providerId="LiveId" clId="{8082530A-CFC6-4E58-BB3B-959648091726}" dt="2024-05-05T20:01:50.995" v="447" actId="27636"/>
+          <ac:spMkLst>
+            <pc:docMk/>
+            <pc:sldMk cId="1293696960" sldId="257"/>
+            <ac:spMk id="2" creationId="{20C3634F-5961-75A1-7A12-38E0737A4070}"/>
+          </ac:spMkLst>
+        </pc:spChg>
+        <pc:spChg chg="add mod">
+          <ac:chgData name="Ketelyn Medina" userId="4342a56e1256850b" providerId="LiveId" clId="{8082530A-CFC6-4E58-BB3B-959648091726}" dt="2024-05-05T19:38:13.757" v="314" actId="1035"/>
+          <ac:spMkLst>
+            <pc:docMk/>
+            <pc:sldMk cId="1293696960" sldId="257"/>
+            <ac:spMk id="6" creationId="{4E7537EF-D56F-CCC9-22E5-6C7F49DCB6D5}"/>
+          </ac:spMkLst>
+        </pc:spChg>
+        <pc:spChg chg="add mod">
+          <ac:chgData name="Ketelyn Medina" userId="4342a56e1256850b" providerId="LiveId" clId="{8082530A-CFC6-4E58-BB3B-959648091726}" dt="2024-05-05T19:38:13.757" v="314" actId="1035"/>
+          <ac:spMkLst>
+            <pc:docMk/>
+            <pc:sldMk cId="1293696960" sldId="257"/>
+            <ac:spMk id="8" creationId="{91752F69-58FC-2EE9-6892-82227E9FFCF7}"/>
+          </ac:spMkLst>
+        </pc:spChg>
+        <pc:spChg chg="add mod">
+          <ac:chgData name="Ketelyn Medina" userId="4342a56e1256850b" providerId="LiveId" clId="{8082530A-CFC6-4E58-BB3B-959648091726}" dt="2024-05-05T19:38:13.757" v="314" actId="1035"/>
+          <ac:spMkLst>
+            <pc:docMk/>
+            <pc:sldMk cId="1293696960" sldId="257"/>
+            <ac:spMk id="9" creationId="{2590F574-FA60-E740-4314-C412C92F2270}"/>
+          </ac:spMkLst>
+        </pc:spChg>
+        <pc:spChg chg="add mod">
+          <ac:chgData name="Ketelyn Medina" userId="4342a56e1256850b" providerId="LiveId" clId="{8082530A-CFC6-4E58-BB3B-959648091726}" dt="2024-05-05T19:31:22.966" v="230" actId="1076"/>
+          <ac:spMkLst>
+            <pc:docMk/>
+            <pc:sldMk cId="1293696960" sldId="257"/>
+            <ac:spMk id="10" creationId="{7F5E3774-6326-A1FB-CE23-7AC3F5795168}"/>
+          </ac:spMkLst>
+        </pc:spChg>
+        <pc:spChg chg="add mod">
+          <ac:chgData name="Ketelyn Medina" userId="4342a56e1256850b" providerId="LiveId" clId="{8082530A-CFC6-4E58-BB3B-959648091726}" dt="2024-05-05T19:31:44.823" v="247" actId="1076"/>
+          <ac:spMkLst>
+            <pc:docMk/>
+            <pc:sldMk cId="1293696960" sldId="257"/>
+            <ac:spMk id="11" creationId="{0758A36C-2719-3437-0AA3-7B63A7D4523F}"/>
+          </ac:spMkLst>
+        </pc:spChg>
+        <pc:spChg chg="add mod">
+          <ac:chgData name="Ketelyn Medina" userId="4342a56e1256850b" providerId="LiveId" clId="{8082530A-CFC6-4E58-BB3B-959648091726}" dt="2024-05-05T19:31:59.006" v="263" actId="1076"/>
+          <ac:spMkLst>
+            <pc:docMk/>
+            <pc:sldMk cId="1293696960" sldId="257"/>
+            <ac:spMk id="12" creationId="{9BEDB3AC-AE45-9CDF-E6E6-AD5BF88E947C}"/>
+          </ac:spMkLst>
+        </pc:spChg>
+        <pc:spChg chg="add mod">
+          <ac:chgData name="Ketelyn Medina" userId="4342a56e1256850b" providerId="LiveId" clId="{8082530A-CFC6-4E58-BB3B-959648091726}" dt="2024-05-05T19:35:17.070" v="270" actId="14100"/>
+          <ac:spMkLst>
+            <pc:docMk/>
+            <pc:sldMk cId="1293696960" sldId="257"/>
+            <ac:spMk id="13" creationId="{1B85FE7E-7811-C0CC-BD37-D59D2430DA8F}"/>
+          </ac:spMkLst>
+        </pc:spChg>
+        <pc:spChg chg="add mod">
+          <ac:chgData name="Ketelyn Medina" userId="4342a56e1256850b" providerId="LiveId" clId="{8082530A-CFC6-4E58-BB3B-959648091726}" dt="2024-05-05T19:36:13.998" v="276" actId="1076"/>
+          <ac:spMkLst>
+            <pc:docMk/>
+            <pc:sldMk cId="1293696960" sldId="257"/>
+            <ac:spMk id="14" creationId="{C23C76A1-98E2-3D1B-A38F-50E486868A8C}"/>
+          </ac:spMkLst>
+        </pc:spChg>
+        <pc:spChg chg="add mod">
+          <ac:chgData name="Ketelyn Medina" userId="4342a56e1256850b" providerId="LiveId" clId="{8082530A-CFC6-4E58-BB3B-959648091726}" dt="2024-05-05T19:38:13.757" v="314" actId="1035"/>
+          <ac:spMkLst>
+            <pc:docMk/>
+            <pc:sldMk cId="1293696960" sldId="257"/>
+            <ac:spMk id="15" creationId="{EA209A6C-E315-F9AA-CFA3-6FCE67FFC122}"/>
+          </ac:spMkLst>
+        </pc:spChg>
+        <pc:spChg chg="add mod">
+          <ac:chgData name="Ketelyn Medina" userId="4342a56e1256850b" providerId="LiveId" clId="{8082530A-CFC6-4E58-BB3B-959648091726}" dt="2024-05-05T19:38:13.757" v="314" actId="1035"/>
+          <ac:spMkLst>
+            <pc:docMk/>
+            <pc:sldMk cId="1293696960" sldId="257"/>
+            <ac:spMk id="16" creationId="{0DF34D3A-0F19-B952-9A44-C049F2586551}"/>
+          </ac:spMkLst>
+        </pc:spChg>
+        <pc:spChg chg="add mod">
+          <ac:chgData name="Ketelyn Medina" userId="4342a56e1256850b" providerId="LiveId" clId="{8082530A-CFC6-4E58-BB3B-959648091726}" dt="2024-05-05T19:38:13.757" v="314" actId="1035"/>
+          <ac:spMkLst>
+            <pc:docMk/>
+            <pc:sldMk cId="1293696960" sldId="257"/>
+            <ac:spMk id="17" creationId="{018C9701-DF63-8516-AB24-A731103D96CF}"/>
+          </ac:spMkLst>
+        </pc:spChg>
+        <pc:spChg chg="add mod">
+          <ac:chgData name="Ketelyn Medina" userId="4342a56e1256850b" providerId="LiveId" clId="{8082530A-CFC6-4E58-BB3B-959648091726}" dt="2024-05-05T19:36:40.543" v="280" actId="1076"/>
+          <ac:spMkLst>
+            <pc:docMk/>
+            <pc:sldMk cId="1293696960" sldId="257"/>
+            <ac:spMk id="18" creationId="{8AAC1828-5CB0-497F-9340-BE848BE8F05E}"/>
+          </ac:spMkLst>
+        </pc:spChg>
+        <pc:spChg chg="add del mod">
+          <ac:chgData name="Ketelyn Medina" userId="4342a56e1256850b" providerId="LiveId" clId="{8082530A-CFC6-4E58-BB3B-959648091726}" dt="2024-05-05T20:01:47.607" v="445" actId="478"/>
+          <ac:spMkLst>
+            <pc:docMk/>
+            <pc:sldMk cId="1293696960" sldId="257"/>
+            <ac:spMk id="19" creationId="{BFB0D9E6-9A30-4B24-F52D-D06FBAAAE9AE}"/>
+          </ac:spMkLst>
+        </pc:spChg>
+        <pc:picChg chg="del mod">
+          <ac:chgData name="Ketelyn Medina" userId="4342a56e1256850b" providerId="LiveId" clId="{8082530A-CFC6-4E58-BB3B-959648091726}" dt="2024-05-05T19:37:31.260" v="294" actId="478"/>
+          <ac:picMkLst>
+            <pc:docMk/>
+            <pc:sldMk cId="1293696960" sldId="257"/>
+            <ac:picMk id="7" creationId="{7427BD24-C700-4A91-B76D-690C6C721461}"/>
+          </ac:picMkLst>
+        </pc:picChg>
+        <pc:cxnChg chg="add mod">
+          <ac:chgData name="Ketelyn Medina" userId="4342a56e1256850b" providerId="LiveId" clId="{8082530A-CFC6-4E58-BB3B-959648091726}" dt="2024-05-05T19:27:05.375" v="126" actId="208"/>
+          <ac:cxnSpMkLst>
+            <pc:docMk/>
+            <pc:sldMk cId="1293696960" sldId="257"/>
+            <ac:cxnSpMk id="4" creationId="{21D7F901-1F99-184C-8891-F6B2CFAF6BF1}"/>
+          </ac:cxnSpMkLst>
+        </pc:cxnChg>
+      </pc:sldChg>
+      <pc:sldChg chg="addSp delSp modSp mod">
+        <pc:chgData name="Ketelyn Medina" userId="4342a56e1256850b" providerId="LiveId" clId="{8082530A-CFC6-4E58-BB3B-959648091726}" dt="2024-05-05T20:01:56.441" v="449" actId="478"/>
+        <pc:sldMkLst>
+          <pc:docMk/>
+          <pc:sldMk cId="53127966" sldId="258"/>
+        </pc:sldMkLst>
+        <pc:spChg chg="mod">
+          <ac:chgData name="Ketelyn Medina" userId="4342a56e1256850b" providerId="LiveId" clId="{8082530A-CFC6-4E58-BB3B-959648091726}" dt="2024-05-05T19:41:28.471" v="325" actId="1076"/>
+          <ac:spMkLst>
+            <pc:docMk/>
+            <pc:sldMk cId="53127966" sldId="258"/>
+            <ac:spMk id="2" creationId="{4513B46C-8276-1518-93A5-526E041946FC}"/>
+          </ac:spMkLst>
+        </pc:spChg>
+        <pc:spChg chg="add del mod">
+          <ac:chgData name="Ketelyn Medina" userId="4342a56e1256850b" providerId="LiveId" clId="{8082530A-CFC6-4E58-BB3B-959648091726}" dt="2024-05-05T20:01:56.441" v="449" actId="478"/>
+          <ac:spMkLst>
+            <pc:docMk/>
+            <pc:sldMk cId="53127966" sldId="258"/>
+            <ac:spMk id="6" creationId="{8F834093-B2BA-3226-CD68-418512BE957D}"/>
+          </ac:spMkLst>
+        </pc:spChg>
+      </pc:sldChg>
+      <pc:sldChg chg="addSp delSp modSp mod setBg">
+        <pc:chgData name="Ketelyn Medina" userId="4342a56e1256850b" providerId="LiveId" clId="{8082530A-CFC6-4E58-BB3B-959648091726}" dt="2024-05-05T20:01:27.605" v="440" actId="20577"/>
+        <pc:sldMkLst>
+          <pc:docMk/>
+          <pc:sldMk cId="2305173294" sldId="259"/>
+        </pc:sldMkLst>
+        <pc:spChg chg="add del">
+          <ac:chgData name="Ketelyn Medina" userId="4342a56e1256850b" providerId="LiveId" clId="{8082530A-CFC6-4E58-BB3B-959648091726}" dt="2024-05-05T19:10:00.940" v="1" actId="22"/>
+          <ac:spMkLst>
+            <pc:docMk/>
+            <pc:sldMk cId="2305173294" sldId="259"/>
+            <ac:spMk id="3" creationId="{AE1539A3-5FAD-0057-0405-A3A3AEB19513}"/>
+          </ac:spMkLst>
+        </pc:spChg>
+        <pc:spChg chg="add mod">
+          <ac:chgData name="Ketelyn Medina" userId="4342a56e1256850b" providerId="LiveId" clId="{8082530A-CFC6-4E58-BB3B-959648091726}" dt="2024-05-05T20:01:27.605" v="440" actId="20577"/>
+          <ac:spMkLst>
+            <pc:docMk/>
+            <pc:sldMk cId="2305173294" sldId="259"/>
+            <ac:spMk id="11" creationId="{1E059546-72F0-E08C-E609-1C8CF93E8E28}"/>
+          </ac:spMkLst>
+        </pc:spChg>
+        <pc:spChg chg="mod">
+          <ac:chgData name="Ketelyn Medina" userId="4342a56e1256850b" providerId="LiveId" clId="{8082530A-CFC6-4E58-BB3B-959648091726}" dt="2024-05-05T19:44:56.271" v="334" actId="1076"/>
+          <ac:spMkLst>
+            <pc:docMk/>
+            <pc:sldMk cId="2305173294" sldId="259"/>
+            <ac:spMk id="50" creationId="{7DABECC8-7C31-8B8B-506B-9CB5550D7C18}"/>
+          </ac:spMkLst>
+        </pc:spChg>
+        <pc:graphicFrameChg chg="mod">
+          <ac:chgData name="Ketelyn Medina" userId="4342a56e1256850b" providerId="LiveId" clId="{8082530A-CFC6-4E58-BB3B-959648091726}" dt="2024-05-05T19:50:42.505" v="356" actId="1076"/>
+          <ac:graphicFrameMkLst>
+            <pc:docMk/>
+            <pc:sldMk cId="2305173294" sldId="259"/>
+            <ac:graphicFrameMk id="7" creationId="{32BC33F2-3E59-D8D6-E283-3FF90A723F90}"/>
+          </ac:graphicFrameMkLst>
+        </pc:graphicFrameChg>
+      </pc:sldChg>
+      <pc:sldChg chg="new del">
+        <pc:chgData name="Ketelyn Medina" userId="4342a56e1256850b" providerId="LiveId" clId="{8082530A-CFC6-4E58-BB3B-959648091726}" dt="2024-05-05T19:12:36.460" v="11" actId="47"/>
+        <pc:sldMkLst>
+          <pc:docMk/>
+          <pc:sldMk cId="3300548853" sldId="260"/>
+        </pc:sldMkLst>
+      </pc:sldChg>
+      <pc:sldChg chg="new del">
+        <pc:chgData name="Ketelyn Medina" userId="4342a56e1256850b" providerId="LiveId" clId="{8082530A-CFC6-4E58-BB3B-959648091726}" dt="2024-05-05T19:12:38.208" v="13" actId="47"/>
+        <pc:sldMkLst>
+          <pc:docMk/>
+          <pc:sldMk cId="819618159" sldId="261"/>
+        </pc:sldMkLst>
+      </pc:sldChg>
+      <pc:sldChg chg="addSp delSp modSp add del mod setBg delDesignElem">
+        <pc:chgData name="Ketelyn Medina" userId="4342a56e1256850b" providerId="LiveId" clId="{8082530A-CFC6-4E58-BB3B-959648091726}" dt="2024-05-05T20:08:01.807" v="563" actId="478"/>
+        <pc:sldMkLst>
+          <pc:docMk/>
+          <pc:sldMk cId="230846951" sldId="262"/>
+        </pc:sldMkLst>
+        <pc:spChg chg="add mod">
+          <ac:chgData name="Ketelyn Medina" userId="4342a56e1256850b" providerId="LiveId" clId="{8082530A-CFC6-4E58-BB3B-959648091726}" dt="2024-05-05T19:14:42.723" v="19"/>
+          <ac:spMkLst>
+            <pc:docMk/>
+            <pc:sldMk cId="230846951" sldId="262"/>
+            <ac:spMk id="3" creationId="{89591122-9BDA-B1DC-83C5-582FBE8040DE}"/>
+          </ac:spMkLst>
+        </pc:spChg>
+        <pc:spChg chg="add mod">
+          <ac:chgData name="Ketelyn Medina" userId="4342a56e1256850b" providerId="LiveId" clId="{8082530A-CFC6-4E58-BB3B-959648091726}" dt="2024-05-05T19:14:42.723" v="19"/>
+          <ac:spMkLst>
+            <pc:docMk/>
+            <pc:sldMk cId="230846951" sldId="262"/>
+            <ac:spMk id="4" creationId="{D61A0B57-C428-45B5-84A6-0C5ACB69650B}"/>
+          </ac:spMkLst>
+        </pc:spChg>
+        <pc:spChg chg="add mod">
+          <ac:chgData name="Ketelyn Medina" userId="4342a56e1256850b" providerId="LiveId" clId="{8082530A-CFC6-4E58-BB3B-959648091726}" dt="2024-05-05T19:14:42.723" v="19"/>
+          <ac:spMkLst>
+            <pc:docMk/>
+            <pc:sldMk cId="230846951" sldId="262"/>
+            <ac:spMk id="5" creationId="{38563621-48BD-35F9-6511-8CD4F0AB0255}"/>
+          </ac:spMkLst>
+        </pc:spChg>
+        <pc:spChg chg="add mod">
+          <ac:chgData name="Ketelyn Medina" userId="4342a56e1256850b" providerId="LiveId" clId="{8082530A-CFC6-4E58-BB3B-959648091726}" dt="2024-05-05T19:14:42.723" v="19"/>
+          <ac:spMkLst>
+            <pc:docMk/>
+            <pc:sldMk cId="230846951" sldId="262"/>
+            <ac:spMk id="7" creationId="{11E245A8-0589-E184-57BD-64071F3E7DBC}"/>
+          </ac:spMkLst>
+        </pc:spChg>
+        <pc:spChg chg="add mod">
+          <ac:chgData name="Ketelyn Medina" userId="4342a56e1256850b" providerId="LiveId" clId="{8082530A-CFC6-4E58-BB3B-959648091726}" dt="2024-05-05T19:14:42.723" v="19"/>
+          <ac:spMkLst>
+            <pc:docMk/>
+            <pc:sldMk cId="230846951" sldId="262"/>
+            <ac:spMk id="8" creationId="{F8E54ECC-C108-E4E1-1D93-A126BC5205E4}"/>
+          </ac:spMkLst>
+        </pc:spChg>
+        <pc:spChg chg="add mod">
+          <ac:chgData name="Ketelyn Medina" userId="4342a56e1256850b" providerId="LiveId" clId="{8082530A-CFC6-4E58-BB3B-959648091726}" dt="2024-05-05T19:14:42.723" v="19"/>
+          <ac:spMkLst>
+            <pc:docMk/>
+            <pc:sldMk cId="230846951" sldId="262"/>
+            <ac:spMk id="9" creationId="{5E20E90A-338E-1E1B-6BED-86BE1E283FBB}"/>
+          </ac:spMkLst>
+        </pc:spChg>
+        <pc:spChg chg="add mod">
+          <ac:chgData name="Ketelyn Medina" userId="4342a56e1256850b" providerId="LiveId" clId="{8082530A-CFC6-4E58-BB3B-959648091726}" dt="2024-05-05T19:14:42.723" v="19"/>
+          <ac:spMkLst>
+            <pc:docMk/>
+            <pc:sldMk cId="230846951" sldId="262"/>
+            <ac:spMk id="10" creationId="{0698AE17-AC4B-111C-2E40-07BD8BEF3A6F}"/>
+          </ac:spMkLst>
+        </pc:spChg>
+        <pc:spChg chg="add mod">
+          <ac:chgData name="Ketelyn Medina" userId="4342a56e1256850b" providerId="LiveId" clId="{8082530A-CFC6-4E58-BB3B-959648091726}" dt="2024-05-05T19:14:42.723" v="19"/>
+          <ac:spMkLst>
+            <pc:docMk/>
+            <pc:sldMk cId="230846951" sldId="262"/>
+            <ac:spMk id="11" creationId="{891B84C8-505A-FFFE-DA01-46ADF443374B}"/>
+          </ac:spMkLst>
+        </pc:spChg>
+        <pc:spChg chg="add mod">
+          <ac:chgData name="Ketelyn Medina" userId="4342a56e1256850b" providerId="LiveId" clId="{8082530A-CFC6-4E58-BB3B-959648091726}" dt="2024-05-05T19:14:42.723" v="19"/>
+          <ac:spMkLst>
+            <pc:docMk/>
+            <pc:sldMk cId="230846951" sldId="262"/>
+            <ac:spMk id="12" creationId="{7F6C1108-6AB0-FD06-EE7C-072DC9BA704B}"/>
+          </ac:spMkLst>
+        </pc:spChg>
+        <pc:spChg chg="add mod">
+          <ac:chgData name="Ketelyn Medina" userId="4342a56e1256850b" providerId="LiveId" clId="{8082530A-CFC6-4E58-BB3B-959648091726}" dt="2024-05-05T19:14:42.723" v="19"/>
+          <ac:spMkLst>
+            <pc:docMk/>
+            <pc:sldMk cId="230846951" sldId="262"/>
+            <ac:spMk id="13" creationId="{EC1031B5-4455-A8A1-E498-E567D02E32B1}"/>
+          </ac:spMkLst>
+        </pc:spChg>
+        <pc:spChg chg="del">
+          <ac:chgData name="Ketelyn Medina" userId="4342a56e1256850b" providerId="LiveId" clId="{8082530A-CFC6-4E58-BB3B-959648091726}" dt="2024-05-05T19:13:58.792" v="18"/>
+          <ac:spMkLst>
+            <pc:docMk/>
+            <pc:sldMk cId="230846951" sldId="262"/>
+            <ac:spMk id="14" creationId="{0671A8AE-40A1-4631-A6B8-581AFF065482}"/>
+          </ac:spMkLst>
+        </pc:spChg>
+        <pc:spChg chg="add mod">
+          <ac:chgData name="Ketelyn Medina" userId="4342a56e1256850b" providerId="LiveId" clId="{8082530A-CFC6-4E58-BB3B-959648091726}" dt="2024-05-05T19:14:42.723" v="19"/>
+          <ac:spMkLst>
+            <pc:docMk/>
+            <pc:sldMk cId="230846951" sldId="262"/>
+            <ac:spMk id="15" creationId="{083A9691-7D67-9B57-2076-BD83D12C11C7}"/>
+          </ac:spMkLst>
+        </pc:spChg>
+        <pc:spChg chg="del">
+          <ac:chgData name="Ketelyn Medina" userId="4342a56e1256850b" providerId="LiveId" clId="{8082530A-CFC6-4E58-BB3B-959648091726}" dt="2024-05-05T19:13:58.792" v="18"/>
+          <ac:spMkLst>
+            <pc:docMk/>
+            <pc:sldMk cId="230846951" sldId="262"/>
+            <ac:spMk id="16" creationId="{AB58EF07-17C2-48CF-ABB0-EEF1F17CB8F0}"/>
+          </ac:spMkLst>
+        </pc:spChg>
+        <pc:spChg chg="add del mod">
+          <ac:chgData name="Ketelyn Medina" userId="4342a56e1256850b" providerId="LiveId" clId="{8082530A-CFC6-4E58-BB3B-959648091726}" dt="2024-05-05T20:08:01.807" v="563" actId="478"/>
+          <ac:spMkLst>
+            <pc:docMk/>
+            <pc:sldMk cId="230846951" sldId="262"/>
+            <ac:spMk id="17" creationId="{20C184BF-97F2-4242-067E-522FE7F52261}"/>
+          </ac:spMkLst>
+        </pc:spChg>
+        <pc:spChg chg="del">
+          <ac:chgData name="Ketelyn Medina" userId="4342a56e1256850b" providerId="LiveId" clId="{8082530A-CFC6-4E58-BB3B-959648091726}" dt="2024-05-05T19:13:58.792" v="18"/>
+          <ac:spMkLst>
+            <pc:docMk/>
+            <pc:sldMk cId="230846951" sldId="262"/>
+            <ac:spMk id="18" creationId="{AF2F604E-43BE-4DC3-B983-E071523364F8}"/>
+          </ac:spMkLst>
+        </pc:spChg>
+        <pc:spChg chg="del">
+          <ac:chgData name="Ketelyn Medina" userId="4342a56e1256850b" providerId="LiveId" clId="{8082530A-CFC6-4E58-BB3B-959648091726}" dt="2024-05-05T19:13:58.792" v="18"/>
+          <ac:spMkLst>
+            <pc:docMk/>
+            <pc:sldMk cId="230846951" sldId="262"/>
+            <ac:spMk id="20" creationId="{08C9B587-E65E-4B52-B37C-ABEBB6E87928}"/>
+          </ac:spMkLst>
+        </pc:spChg>
+      </pc:sldChg>
+      <pc:sldChg chg="addSp delSp modSp new mod ord setBg">
+        <pc:chgData name="Ketelyn Medina" userId="4342a56e1256850b" providerId="LiveId" clId="{8082530A-CFC6-4E58-BB3B-959648091726}" dt="2024-05-05T20:13:05.491" v="588" actId="1037"/>
+        <pc:sldMkLst>
+          <pc:docMk/>
+          <pc:sldMk cId="2879615833" sldId="263"/>
+        </pc:sldMkLst>
+        <pc:spChg chg="mod ord">
+          <ac:chgData name="Ketelyn Medina" userId="4342a56e1256850b" providerId="LiveId" clId="{8082530A-CFC6-4E58-BB3B-959648091726}" dt="2024-05-05T20:08:15.781" v="565" actId="1076"/>
+          <ac:spMkLst>
+            <pc:docMk/>
+            <pc:sldMk cId="2879615833" sldId="263"/>
+            <ac:spMk id="2" creationId="{3DE9E981-2B47-1DAB-FDF3-3674F50CCEF6}"/>
+          </ac:spMkLst>
+        </pc:spChg>
+        <pc:spChg chg="del">
+          <ac:chgData name="Ketelyn Medina" userId="4342a56e1256850b" providerId="LiveId" clId="{8082530A-CFC6-4E58-BB3B-959648091726}" dt="2024-05-05T19:16:35.891" v="53" actId="478"/>
+          <ac:spMkLst>
+            <pc:docMk/>
+            <pc:sldMk cId="2879615833" sldId="263"/>
+            <ac:spMk id="3" creationId="{A053EAE1-584D-578E-C720-4BC1EB3D043B}"/>
+          </ac:spMkLst>
+        </pc:spChg>
+        <pc:spChg chg="add del mod">
+          <ac:chgData name="Ketelyn Medina" userId="4342a56e1256850b" providerId="LiveId" clId="{8082530A-CFC6-4E58-BB3B-959648091726}" dt="2024-05-05T20:01:41.716" v="442" actId="478"/>
+          <ac:spMkLst>
+            <pc:docMk/>
+            <pc:sldMk cId="2879615833" sldId="263"/>
+            <ac:spMk id="10" creationId="{07CD0220-1E3D-AF23-F36E-9D606443D182}"/>
+          </ac:spMkLst>
+        </pc:spChg>
+        <pc:spChg chg="add del mod">
+          <ac:chgData name="Ketelyn Medina" userId="4342a56e1256850b" providerId="LiveId" clId="{8082530A-CFC6-4E58-BB3B-959648091726}" dt="2024-05-05T20:04:44.396" v="467" actId="478"/>
+          <ac:spMkLst>
+            <pc:docMk/>
+            <pc:sldMk cId="2879615833" sldId="263"/>
+            <ac:spMk id="11" creationId="{4A602B47-0F74-8500-7F77-7D909487A8D4}"/>
+          </ac:spMkLst>
+        </pc:spChg>
+        <pc:spChg chg="add mod ord">
+          <ac:chgData name="Ketelyn Medina" userId="4342a56e1256850b" providerId="LiveId" clId="{8082530A-CFC6-4E58-BB3B-959648091726}" dt="2024-05-05T20:12:43.196" v="584" actId="1035"/>
+          <ac:spMkLst>
+            <pc:docMk/>
+            <pc:sldMk cId="2879615833" sldId="263"/>
+            <ac:spMk id="12" creationId="{64C27E7C-9DFD-E6AA-3945-C9EE26096BE0}"/>
+          </ac:spMkLst>
+        </pc:spChg>
+        <pc:spChg chg="add mod">
+          <ac:chgData name="Ketelyn Medina" userId="4342a56e1256850b" providerId="LiveId" clId="{8082530A-CFC6-4E58-BB3B-959648091726}" dt="2024-05-05T20:08:51.277" v="574" actId="1076"/>
+          <ac:spMkLst>
+            <pc:docMk/>
+            <pc:sldMk cId="2879615833" sldId="263"/>
+            <ac:spMk id="13" creationId="{E5ED7509-39BF-608C-BA75-2789F7D7E797}"/>
+          </ac:spMkLst>
+        </pc:spChg>
+        <pc:picChg chg="mod">
+          <ac:chgData name="Ketelyn Medina" userId="4342a56e1256850b" providerId="LiveId" clId="{8082530A-CFC6-4E58-BB3B-959648091726}" dt="2024-05-05T19:20:20.310" v="85" actId="1076"/>
+          <ac:picMkLst>
+            <pc:docMk/>
+            <pc:sldMk cId="2879615833" sldId="263"/>
+            <ac:picMk id="4" creationId="{28C772C4-5FD0-F7BD-55CA-782BB78F85AF}"/>
+          </ac:picMkLst>
+        </pc:picChg>
+        <pc:picChg chg="mod modCrop">
+          <ac:chgData name="Ketelyn Medina" userId="4342a56e1256850b" providerId="LiveId" clId="{8082530A-CFC6-4E58-BB3B-959648091726}" dt="2024-05-05T20:06:13.349" v="489" actId="1076"/>
+          <ac:picMkLst>
+            <pc:docMk/>
+            <pc:sldMk cId="2879615833" sldId="263"/>
+            <ac:picMk id="9" creationId="{E55A21B3-2B53-36E0-7161-25C25E5A7DB7}"/>
+          </ac:picMkLst>
+        </pc:picChg>
+        <pc:cxnChg chg="mod">
+          <ac:chgData name="Ketelyn Medina" userId="4342a56e1256850b" providerId="LiveId" clId="{8082530A-CFC6-4E58-BB3B-959648091726}" dt="2024-05-05T20:13:05.491" v="588" actId="1037"/>
+          <ac:cxnSpMkLst>
+            <pc:docMk/>
+            <pc:sldMk cId="2879615833" sldId="263"/>
+            <ac:cxnSpMk id="15" creationId="{F21413A5-5E8D-7121-F9C0-A640A6F20AA6}"/>
+          </ac:cxnSpMkLst>
+        </pc:cxnChg>
+      </pc:sldChg>
+      <pc:sldChg chg="addSp delSp modSp new mod ord">
+        <pc:chgData name="Ketelyn Medina" userId="4342a56e1256850b" providerId="LiveId" clId="{8082530A-CFC6-4E58-BB3B-959648091726}" dt="2024-05-05T20:08:04.613" v="564" actId="478"/>
+        <pc:sldMkLst>
+          <pc:docMk/>
+          <pc:sldMk cId="3199428709" sldId="264"/>
+        </pc:sldMkLst>
+        <pc:spChg chg="mod">
+          <ac:chgData name="Ketelyn Medina" userId="4342a56e1256850b" providerId="LiveId" clId="{8082530A-CFC6-4E58-BB3B-959648091726}" dt="2024-05-05T19:59:43.317" v="418" actId="1035"/>
+          <ac:spMkLst>
+            <pc:docMk/>
+            <pc:sldMk cId="3199428709" sldId="264"/>
+            <ac:spMk id="2" creationId="{217F3117-157E-57E0-E248-8F4C0D1DD7AA}"/>
+          </ac:spMkLst>
+        </pc:spChg>
+        <pc:spChg chg="del">
+          <ac:chgData name="Ketelyn Medina" userId="4342a56e1256850b" providerId="LiveId" clId="{8082530A-CFC6-4E58-BB3B-959648091726}" dt="2024-05-05T19:20:30.690" v="86" actId="478"/>
+          <ac:spMkLst>
+            <pc:docMk/>
+            <pc:sldMk cId="3199428709" sldId="264"/>
+            <ac:spMk id="3" creationId="{9DF6AC0E-E1F4-E0AB-E817-8ABF8B315A03}"/>
+          </ac:spMkLst>
+        </pc:spChg>
+        <pc:spChg chg="add del mod">
+          <ac:chgData name="Ketelyn Medina" userId="4342a56e1256850b" providerId="LiveId" clId="{8082530A-CFC6-4E58-BB3B-959648091726}" dt="2024-05-05T20:08:04.613" v="564" actId="478"/>
+          <ac:spMkLst>
+            <pc:docMk/>
+            <pc:sldMk cId="3199428709" sldId="264"/>
+            <ac:spMk id="5" creationId="{8224AE2B-540B-196A-1964-2F3D662B85B2}"/>
+          </ac:spMkLst>
+        </pc:spChg>
+        <pc:spChg chg="mod">
+          <ac:chgData name="Ketelyn Medina" userId="4342a56e1256850b" providerId="LiveId" clId="{8082530A-CFC6-4E58-BB3B-959648091726}" dt="2024-05-05T19:59:46.960" v="423" actId="1035"/>
+          <ac:spMkLst>
+            <pc:docMk/>
+            <pc:sldMk cId="3199428709" sldId="264"/>
+            <ac:spMk id="13" creationId="{FB07E5A2-A1E4-B5AC-1C27-438E31B49C30}"/>
+          </ac:spMkLst>
+        </pc:spChg>
+        <pc:picChg chg="mod">
+          <ac:chgData name="Ketelyn Medina" userId="4342a56e1256850b" providerId="LiveId" clId="{8082530A-CFC6-4E58-BB3B-959648091726}" dt="2024-05-05T19:48:24.710" v="338" actId="1076"/>
+          <ac:picMkLst>
+            <pc:docMk/>
+            <pc:sldMk cId="3199428709" sldId="264"/>
+            <ac:picMk id="4" creationId="{F4C98BD2-8A32-17F9-3476-F1D6E408DC3A}"/>
+          </ac:picMkLst>
+        </pc:picChg>
+        <pc:picChg chg="mod">
+          <ac:chgData name="Ketelyn Medina" userId="4342a56e1256850b" providerId="LiveId" clId="{8082530A-CFC6-4E58-BB3B-959648091726}" dt="2024-05-05T19:52:42.389" v="364" actId="1076"/>
+          <ac:picMkLst>
+            <pc:docMk/>
+            <pc:sldMk cId="3199428709" sldId="264"/>
+            <ac:picMk id="7" creationId="{F6600E1D-EA4F-BB17-8A69-84ED2CF374C3}"/>
+          </ac:picMkLst>
+        </pc:picChg>
+        <pc:cxnChg chg="add mod">
+          <ac:chgData name="Ketelyn Medina" userId="4342a56e1256850b" providerId="LiveId" clId="{8082530A-CFC6-4E58-BB3B-959648091726}" dt="2024-05-05T19:54:16.829" v="378" actId="14100"/>
+          <ac:cxnSpMkLst>
+            <pc:docMk/>
+            <pc:sldMk cId="3199428709" sldId="264"/>
+            <ac:cxnSpMk id="10" creationId="{CBB68B16-0053-910F-96C0-7F39DD033A88}"/>
+          </ac:cxnSpMkLst>
+        </pc:cxnChg>
+        <pc:cxnChg chg="add mod">
+          <ac:chgData name="Ketelyn Medina" userId="4342a56e1256850b" providerId="LiveId" clId="{8082530A-CFC6-4E58-BB3B-959648091726}" dt="2024-05-05T20:00:40.668" v="433" actId="1038"/>
+          <ac:cxnSpMkLst>
+            <pc:docMk/>
+            <pc:sldMk cId="3199428709" sldId="264"/>
+            <ac:cxnSpMk id="15" creationId="{174C23EE-4EFA-F74D-82EA-22F314FB5113}"/>
+          </ac:cxnSpMkLst>
+        </pc:cxnChg>
+        <pc:cxnChg chg="add mod">
+          <ac:chgData name="Ketelyn Medina" userId="4342a56e1256850b" providerId="LiveId" clId="{8082530A-CFC6-4E58-BB3B-959648091726}" dt="2024-05-05T20:00:17.711" v="427" actId="1076"/>
+          <ac:cxnSpMkLst>
+            <pc:docMk/>
+            <pc:sldMk cId="3199428709" sldId="264"/>
+            <ac:cxnSpMk id="16" creationId="{24B77DA2-68AD-74C3-257E-DAB63917C860}"/>
+          </ac:cxnSpMkLst>
+        </pc:cxnChg>
+        <pc:cxnChg chg="add mod">
+          <ac:chgData name="Ketelyn Medina" userId="4342a56e1256850b" providerId="LiveId" clId="{8082530A-CFC6-4E58-BB3B-959648091726}" dt="2024-05-05T20:00:26.550" v="429" actId="1076"/>
+          <ac:cxnSpMkLst>
+            <pc:docMk/>
+            <pc:sldMk cId="3199428709" sldId="264"/>
+            <ac:cxnSpMk id="17" creationId="{DBA654F9-0683-1175-B93A-FEAF124E087B}"/>
+          </ac:cxnSpMkLst>
+        </pc:cxnChg>
+        <pc:cxnChg chg="add del">
+          <ac:chgData name="Ketelyn Medina" userId="4342a56e1256850b" providerId="LiveId" clId="{8082530A-CFC6-4E58-BB3B-959648091726}" dt="2024-05-05T20:00:59.597" v="435" actId="478"/>
+          <ac:cxnSpMkLst>
+            <pc:docMk/>
+            <pc:sldMk cId="3199428709" sldId="264"/>
+            <ac:cxnSpMk id="19" creationId="{4E40A222-FED7-4DFC-A5D1-4187369A9F5B}"/>
+          </ac:cxnSpMkLst>
+        </pc:cxnChg>
+      </pc:sldChg>
+      <pc:sldChg chg="delSp new del mod ord">
+        <pc:chgData name="Ketelyn Medina" userId="4342a56e1256850b" providerId="LiveId" clId="{8082530A-CFC6-4E58-BB3B-959648091726}" dt="2024-05-05T19:19:10.156" v="68" actId="47"/>
+        <pc:sldMkLst>
+          <pc:docMk/>
+          <pc:sldMk cId="329946572" sldId="265"/>
+        </pc:sldMkLst>
+        <pc:spChg chg="del">
+          <ac:chgData name="Ketelyn Medina" userId="4342a56e1256850b" providerId="LiveId" clId="{8082530A-CFC6-4E58-BB3B-959648091726}" dt="2024-05-05T19:19:06.358" v="67" actId="478"/>
+          <ac:spMkLst>
+            <pc:docMk/>
+            <pc:sldMk cId="329946572" sldId="265"/>
+            <ac:spMk id="3" creationId="{D24AF1C7-31FB-8D5B-81D0-296537F9C3F8}"/>
+          </ac:spMkLst>
+        </pc:spChg>
+      </pc:sldChg>
+      <pc:sldChg chg="modSp add mod ord">
+        <pc:chgData name="Ketelyn Medina" userId="4342a56e1256850b" providerId="LiveId" clId="{8082530A-CFC6-4E58-BB3B-959648091726}" dt="2024-05-05T19:19:25.296" v="80" actId="20577"/>
+        <pc:sldMkLst>
+          <pc:docMk/>
+          <pc:sldMk cId="3980262589" sldId="265"/>
+        </pc:sldMkLst>
+        <pc:spChg chg="mod">
+          <ac:chgData name="Ketelyn Medina" userId="4342a56e1256850b" providerId="LiveId" clId="{8082530A-CFC6-4E58-BB3B-959648091726}" dt="2024-05-05T19:19:25.296" v="80" actId="20577"/>
+          <ac:spMkLst>
+            <pc:docMk/>
+            <pc:sldMk cId="3980262589" sldId="265"/>
+            <ac:spMk id="2" creationId="{217F3117-157E-57E0-E248-8F4C0D1DD7AA}"/>
+          </ac:spMkLst>
+        </pc:spChg>
+      </pc:sldChg>
+      <pc:sldChg chg="addSp delSp modSp add del mod ord">
+        <pc:chgData name="Ketelyn Medina" userId="4342a56e1256850b" providerId="LiveId" clId="{8082530A-CFC6-4E58-BB3B-959648091726}" dt="2024-05-05T19:54:26.656" v="380" actId="47"/>
+        <pc:sldMkLst>
+          <pc:docMk/>
+          <pc:sldMk cId="1247829460" sldId="266"/>
+        </pc:sldMkLst>
+        <pc:spChg chg="del">
+          <ac:chgData name="Ketelyn Medina" userId="4342a56e1256850b" providerId="LiveId" clId="{8082530A-CFC6-4E58-BB3B-959648091726}" dt="2024-05-05T19:22:11.139" v="96" actId="478"/>
+          <ac:spMkLst>
+            <pc:docMk/>
+            <pc:sldMk cId="1247829460" sldId="266"/>
+            <ac:spMk id="2" creationId="{217F3117-157E-57E0-E248-8F4C0D1DD7AA}"/>
+          </ac:spMkLst>
+        </pc:spChg>
+        <pc:spChg chg="add del mod">
+          <ac:chgData name="Ketelyn Medina" userId="4342a56e1256850b" providerId="LiveId" clId="{8082530A-CFC6-4E58-BB3B-959648091726}" dt="2024-05-05T19:22:13.658" v="97" actId="478"/>
+          <ac:spMkLst>
+            <pc:docMk/>
+            <pc:sldMk cId="1247829460" sldId="266"/>
+            <ac:spMk id="4" creationId="{6027F5ED-39FF-7917-3B14-574BFB00E8B9}"/>
+          </ac:spMkLst>
+        </pc:spChg>
+        <pc:spChg chg="add mod">
+          <ac:chgData name="Ketelyn Medina" userId="4342a56e1256850b" providerId="LiveId" clId="{8082530A-CFC6-4E58-BB3B-959648091726}" dt="2024-05-05T19:22:16.234" v="98"/>
+          <ac:spMkLst>
+            <pc:docMk/>
+            <pc:sldMk cId="1247829460" sldId="266"/>
+            <ac:spMk id="6" creationId="{49C34B81-B234-728C-05CD-ABBE7E1BC47F}"/>
+          </ac:spMkLst>
+        </pc:spChg>
+        <pc:picChg chg="add mod">
+          <ac:chgData name="Ketelyn Medina" userId="4342a56e1256850b" providerId="LiveId" clId="{8082530A-CFC6-4E58-BB3B-959648091726}" dt="2024-05-05T19:22:16.234" v="98"/>
+          <ac:picMkLst>
+            <pc:docMk/>
+            <pc:sldMk cId="1247829460" sldId="266"/>
+            <ac:picMk id="5" creationId="{A0F43605-50CF-2F52-901C-5567AD23653B}"/>
+          </ac:picMkLst>
+        </pc:picChg>
+      </pc:sldChg>
+      <pc:sldChg chg="delSp new del mod">
+        <pc:chgData name="Ketelyn Medina" userId="4342a56e1256850b" providerId="LiveId" clId="{8082530A-CFC6-4E58-BB3B-959648091726}" dt="2024-05-05T19:54:25.769" v="379" actId="47"/>
+        <pc:sldMkLst>
+          <pc:docMk/>
+          <pc:sldMk cId="2765048160" sldId="267"/>
+        </pc:sldMkLst>
+        <pc:spChg chg="del">
+          <ac:chgData name="Ketelyn Medina" userId="4342a56e1256850b" providerId="LiveId" clId="{8082530A-CFC6-4E58-BB3B-959648091726}" dt="2024-05-05T19:23:56.898" v="100" actId="478"/>
+          <ac:spMkLst>
+            <pc:docMk/>
+            <pc:sldMk cId="2765048160" sldId="267"/>
+            <ac:spMk id="2" creationId="{6BA1209C-BD52-CAD3-4716-DC69933B763D}"/>
+          </ac:spMkLst>
+        </pc:spChg>
+        <pc:spChg chg="del">
+          <ac:chgData name="Ketelyn Medina" userId="4342a56e1256850b" providerId="LiveId" clId="{8082530A-CFC6-4E58-BB3B-959648091726}" dt="2024-05-05T19:24:00.028" v="101" actId="478"/>
+          <ac:spMkLst>
+            <pc:docMk/>
+            <pc:sldMk cId="2765048160" sldId="267"/>
+            <ac:spMk id="3" creationId="{C8CD6B2E-D7F9-2165-D64E-EB7E1A34AF54}"/>
+          </ac:spMkLst>
+        </pc:spChg>
+      </pc:sldChg>
+      <pc:sldChg chg="addSp delSp modSp add mod">
+        <pc:chgData name="Ketelyn Medina" userId="4342a56e1256850b" providerId="LiveId" clId="{8082530A-CFC6-4E58-BB3B-959648091726}" dt="2024-05-05T20:10:00.045" v="575" actId="1076"/>
+        <pc:sldMkLst>
+          <pc:docMk/>
+          <pc:sldMk cId="2072898065" sldId="268"/>
+        </pc:sldMkLst>
+        <pc:spChg chg="mod">
+          <ac:chgData name="Ketelyn Medina" userId="4342a56e1256850b" providerId="LiveId" clId="{8082530A-CFC6-4E58-BB3B-959648091726}" dt="2024-05-05T19:26:22.399" v="121" actId="1076"/>
+          <ac:spMkLst>
+            <pc:docMk/>
+            <pc:sldMk cId="2072898065" sldId="268"/>
+            <ac:spMk id="2" creationId="{20C3634F-5961-75A1-7A12-38E0737A4070}"/>
+          </ac:spMkLst>
+        </pc:spChg>
+        <pc:spChg chg="add del mod">
+          <ac:chgData name="Ketelyn Medina" userId="4342a56e1256850b" providerId="LiveId" clId="{8082530A-CFC6-4E58-BB3B-959648091726}" dt="2024-05-05T20:01:54.132" v="448" actId="478"/>
+          <ac:spMkLst>
+            <pc:docMk/>
+            <pc:sldMk cId="2072898065" sldId="268"/>
+            <ac:spMk id="5" creationId="{2AD75C99-EACA-D6ED-FA13-F1BAB216FADF}"/>
+          </ac:spMkLst>
+        </pc:spChg>
+        <pc:spChg chg="add mod">
+          <ac:chgData name="Ketelyn Medina" userId="4342a56e1256850b" providerId="LiveId" clId="{8082530A-CFC6-4E58-BB3B-959648091726}" dt="2024-05-05T19:57:26.687" v="407" actId="1076"/>
+          <ac:spMkLst>
+            <pc:docMk/>
+            <pc:sldMk cId="2072898065" sldId="268"/>
+            <ac:spMk id="6" creationId="{758A17AB-1D4D-8690-642B-0C29618D1F4A}"/>
+          </ac:spMkLst>
+        </pc:spChg>
+        <pc:spChg chg="add mod">
+          <ac:chgData name="Ketelyn Medina" userId="4342a56e1256850b" providerId="LiveId" clId="{8082530A-CFC6-4E58-BB3B-959648091726}" dt="2024-05-05T20:10:00.045" v="575" actId="1076"/>
+          <ac:spMkLst>
+            <pc:docMk/>
+            <pc:sldMk cId="2072898065" sldId="268"/>
+            <ac:spMk id="8" creationId="{5E155FF2-7656-CDE9-2CC9-EB9C39C8F74C}"/>
+          </ac:spMkLst>
+        </pc:spChg>
+        <pc:picChg chg="del">
+          <ac:chgData name="Ketelyn Medina" userId="4342a56e1256850b" providerId="LiveId" clId="{8082530A-CFC6-4E58-BB3B-959648091726}" dt="2024-05-05T19:26:08.161" v="112" actId="478"/>
+          <ac:picMkLst>
+            <pc:docMk/>
+            <pc:sldMk cId="2072898065" sldId="268"/>
+            <ac:picMk id="7" creationId="{7427BD24-C700-4A91-B76D-690C6C721461}"/>
+          </ac:picMkLst>
+        </pc:picChg>
+        <pc:cxnChg chg="add mod">
+          <ac:chgData name="Ketelyn Medina" userId="4342a56e1256850b" providerId="LiveId" clId="{8082530A-CFC6-4E58-BB3B-959648091726}" dt="2024-05-05T19:26:40.325" v="123" actId="208"/>
+          <ac:cxnSpMkLst>
+            <pc:docMk/>
+            <pc:sldMk cId="2072898065" sldId="268"/>
+            <ac:cxnSpMk id="4" creationId="{34DCF844-A4A7-2391-B11B-BB1679AE4BC1}"/>
+          </ac:cxnSpMkLst>
+        </pc:cxnChg>
+      </pc:sldChg>
+      <pc:sldChg chg="addSp delSp modSp new del mod">
+        <pc:chgData name="Ketelyn Medina" userId="4342a56e1256850b" providerId="LiveId" clId="{8082530A-CFC6-4E58-BB3B-959648091726}" dt="2024-05-05T19:25:58.054" v="110" actId="47"/>
+        <pc:sldMkLst>
+          <pc:docMk/>
+          <pc:sldMk cId="4225901251" sldId="268"/>
+        </pc:sldMkLst>
+        <pc:spChg chg="del">
+          <ac:chgData name="Ketelyn Medina" userId="4342a56e1256850b" providerId="LiveId" clId="{8082530A-CFC6-4E58-BB3B-959648091726}" dt="2024-05-05T19:24:19.295" v="103" actId="478"/>
+          <ac:spMkLst>
+            <pc:docMk/>
+            <pc:sldMk cId="4225901251" sldId="268"/>
+            <ac:spMk id="2" creationId="{5F350EEE-F879-C2EA-34C2-9645095EE1E8}"/>
+          </ac:spMkLst>
+        </pc:spChg>
+        <pc:spChg chg="del">
+          <ac:chgData name="Ketelyn Medina" userId="4342a56e1256850b" providerId="LiveId" clId="{8082530A-CFC6-4E58-BB3B-959648091726}" dt="2024-05-05T19:24:21.253" v="104" actId="478"/>
+          <ac:spMkLst>
+            <pc:docMk/>
+            <pc:sldMk cId="4225901251" sldId="268"/>
+            <ac:spMk id="3" creationId="{C21B6BED-D64C-3188-36E2-E51C05D71B21}"/>
+          </ac:spMkLst>
+        </pc:spChg>
+        <pc:picChg chg="add mod">
+          <ac:chgData name="Ketelyn Medina" userId="4342a56e1256850b" providerId="LiveId" clId="{8082530A-CFC6-4E58-BB3B-959648091726}" dt="2024-05-05T19:25:13.728" v="106" actId="1076"/>
+          <ac:picMkLst>
+            <pc:docMk/>
+            <pc:sldMk cId="4225901251" sldId="268"/>
+            <ac:picMk id="4" creationId="{FBD5CD49-9FD1-370A-8862-2881BAF3E860}"/>
+          </ac:picMkLst>
+        </pc:picChg>
+        <pc:cxnChg chg="add">
+          <ac:chgData name="Ketelyn Medina" userId="4342a56e1256850b" providerId="LiveId" clId="{8082530A-CFC6-4E58-BB3B-959648091726}" dt="2024-05-05T19:25:27.901" v="107" actId="11529"/>
+          <ac:cxnSpMkLst>
+            <pc:docMk/>
+            <pc:sldMk cId="4225901251" sldId="268"/>
+            <ac:cxnSpMk id="6" creationId="{B227040F-558A-2175-ECC7-5998E2EDAB8D}"/>
+          </ac:cxnSpMkLst>
+        </pc:cxnChg>
+      </pc:sldChg>
+      <pc:sldChg chg="modSp add mod">
+        <pc:chgData name="Ketelyn Medina" userId="4342a56e1256850b" providerId="LiveId" clId="{8082530A-CFC6-4E58-BB3B-959648091726}" dt="2024-05-05T19:56:09.665" v="398" actId="20577"/>
+        <pc:sldMkLst>
+          <pc:docMk/>
+          <pc:sldMk cId="2732630965" sldId="269"/>
+        </pc:sldMkLst>
+        <pc:spChg chg="mod">
+          <ac:chgData name="Ketelyn Medina" userId="4342a56e1256850b" providerId="LiveId" clId="{8082530A-CFC6-4E58-BB3B-959648091726}" dt="2024-05-05T19:56:09.665" v="398" actId="20577"/>
+          <ac:spMkLst>
+            <pc:docMk/>
+            <pc:sldMk cId="2732630965" sldId="269"/>
+            <ac:spMk id="2" creationId="{217F3117-157E-57E0-E248-8F4C0D1DD7AA}"/>
+          </ac:spMkLst>
+        </pc:spChg>
+      </pc:sldChg>
+      <pc:sldChg chg="addSp delSp modSp new del mod ord setBg">
+        <pc:chgData name="Ketelyn Medina" userId="4342a56e1256850b" providerId="LiveId" clId="{8082530A-CFC6-4E58-BB3B-959648091726}" dt="2024-05-05T19:54:28.610" v="381" actId="47"/>
+        <pc:sldMkLst>
+          <pc:docMk/>
+          <pc:sldMk cId="3589351167" sldId="269"/>
+        </pc:sldMkLst>
+        <pc:spChg chg="del">
+          <ac:chgData name="Ketelyn Medina" userId="4342a56e1256850b" providerId="LiveId" clId="{8082530A-CFC6-4E58-BB3B-959648091726}" dt="2024-05-05T19:37:38.699" v="297" actId="478"/>
+          <ac:spMkLst>
+            <pc:docMk/>
+            <pc:sldMk cId="3589351167" sldId="269"/>
+            <ac:spMk id="2" creationId="{DCFD75E3-52B1-B303-64BE-F18E3D264019}"/>
+          </ac:spMkLst>
+        </pc:spChg>
+        <pc:spChg chg="del">
+          <ac:chgData name="Ketelyn Medina" userId="4342a56e1256850b" providerId="LiveId" clId="{8082530A-CFC6-4E58-BB3B-959648091726}" dt="2024-05-05T19:37:39.510" v="298" actId="478"/>
+          <ac:spMkLst>
+            <pc:docMk/>
+            <pc:sldMk cId="3589351167" sldId="269"/>
+            <ac:spMk id="3" creationId="{0EA19FD3-E2D3-6FE2-5AA3-52C0352FCDCE}"/>
+          </ac:spMkLst>
+        </pc:spChg>
+        <pc:picChg chg="add mod">
+          <ac:chgData name="Ketelyn Medina" userId="4342a56e1256850b" providerId="LiveId" clId="{8082530A-CFC6-4E58-BB3B-959648091726}" dt="2024-05-05T19:37:42.086" v="299" actId="1076"/>
+          <ac:picMkLst>
+            <pc:docMk/>
+            <pc:sldMk cId="3589351167" sldId="269"/>
+            <ac:picMk id="4" creationId="{4C7936CF-79DC-D7F8-E39B-B22A6F987822}"/>
+          </ac:picMkLst>
+        </pc:picChg>
       </pc:sldChg>
     </pc:docChg>
   </pc:docChgLst>
@@ -1369,7 +2804,7 @@
           <a:bodyPr/>
           <a:lstStyle/>
           <a:p>
-            <a:endParaRPr lang="pt-BR" dirty="0"/>
+            <a:endParaRPr lang="pt-BR"/>
           </a:p>
         </p:txBody>
       </p:sp>
@@ -1390,7 +2825,7 @@
           <a:p>
             <a:fld id="{A283612E-3D97-4146-9FF3-CB053927F864}" type="slidenum">
               <a:rPr lang="pt-BR" smtClean="0"/>
-              <a:t>4</a:t>
+              <a:t>6</a:t>
             </a:fld>
             <a:endParaRPr lang="pt-BR"/>
           </a:p>
@@ -4803,7 +6238,7 @@
           <a:lstStyle/>
           <a:p>
             <a:pPr algn="ctr"/>
-            <a:endParaRPr lang="en-US" dirty="0"/>
+            <a:endParaRPr lang="en-US"/>
           </a:p>
         </p:txBody>
       </p:sp>
@@ -4837,11 +6272,12 @@
           <a:p>
             <a:pPr algn="l"/>
             <a:r>
-              <a:rPr lang="pt-BR" sz="9000" dirty="0">
+              <a:rPr lang="pt-BR" sz="9000">
                 <a:solidFill>
                   <a:schemeClr val="bg1"/>
                 </a:solidFill>
-                <a:latin typeface="Varela"/>
+                <a:latin typeface="Verdana"/>
+                <a:ea typeface="Verdana"/>
               </a:rPr>
               <a:t>NETMED</a:t>
             </a:r>
@@ -4866,7 +6302,7 @@
         </p:nvSpPr>
         <p:spPr>
           <a:xfrm>
-            <a:off x="399316" y="1838632"/>
+            <a:off x="378439" y="1963893"/>
             <a:ext cx="4170847" cy="772367"/>
           </a:xfrm>
         </p:spPr>
@@ -4878,26 +6314,32 @@
           <a:p>
             <a:pPr algn="l"/>
             <a:r>
-              <a:rPr lang="pt-BR" sz="1600" dirty="0">
+              <a:rPr lang="pt-BR" sz="1500">
                 <a:solidFill>
                   <a:schemeClr val="bg1"/>
                 </a:solidFill>
+                <a:latin typeface="Verdana" panose="020B0604030504040204" pitchFamily="34" charset="0"/>
+                <a:ea typeface="Verdana" panose="020B0604030504040204" pitchFamily="34" charset="0"/>
               </a:rPr>
               <a:t>S</a:t>
             </a:r>
             <a:r>
-              <a:rPr lang="pt-BR" sz="1600" dirty="0">
+              <a:rPr lang="pt-BR" sz="1500">
                 <a:solidFill>
                   <a:schemeClr val="bg1"/>
                 </a:solidFill>
                 <a:effectLst/>
+                <a:latin typeface="Verdana" panose="020B0604030504040204" pitchFamily="34" charset="0"/>
+                <a:ea typeface="Verdana" panose="020B0604030504040204" pitchFamily="34" charset="0"/>
               </a:rPr>
               <a:t>ua parceira confiável em monitoramento de trafego de redes em hospitais!</a:t>
             </a:r>
-            <a:endParaRPr lang="pt-BR" sz="2000" dirty="0">
+            <a:endParaRPr lang="pt-BR" sz="1500">
               <a:solidFill>
                 <a:schemeClr val="bg1"/>
               </a:solidFill>
+              <a:latin typeface="Verdana" panose="020B0604030504040204" pitchFamily="34" charset="0"/>
+              <a:ea typeface="Verdana" panose="020B0604030504040204" pitchFamily="34" charset="0"/>
             </a:endParaRPr>
           </a:p>
         </p:txBody>
@@ -5091,7 +6533,7 @@
           </a:bodyPr>
           <a:lstStyle/>
           <a:p>
-            <a:endParaRPr lang="pt-BR" dirty="0"/>
+            <a:endParaRPr lang="pt-BR"/>
           </a:p>
         </p:txBody>
       </p:sp>
@@ -5164,10 +6606,153 @@
           </a:p>
         </p:txBody>
       </p:sp>
+      <p:sp>
+        <p:nvSpPr>
+          <p:cNvPr id="4" name="Retângulo 3">
+            <a:extLst>
+              <a:ext uri="{FF2B5EF4-FFF2-40B4-BE49-F238E27FC236}">
+                <a16:creationId xmlns:a16="http://schemas.microsoft.com/office/drawing/2014/main" id="{4B56DDF5-B432-44DE-E5BD-C62B4E7ECD16}"/>
+              </a:ext>
+            </a:extLst>
+          </p:cNvPr>
+          <p:cNvSpPr/>
+          <p:nvPr/>
+        </p:nvSpPr>
+        <p:spPr>
+          <a:xfrm>
+            <a:off x="481029" y="625683"/>
+            <a:ext cx="704088" cy="146293"/>
+          </a:xfrm>
+          <a:prstGeom prst="rect">
+            <a:avLst/>
+          </a:prstGeom>
+          <a:solidFill>
+            <a:srgbClr val="E63946"/>
+          </a:solidFill>
+          <a:ln>
+            <a:noFill/>
+          </a:ln>
+        </p:spPr>
+        <p:style>
+          <a:lnRef idx="2">
+            <a:schemeClr val="accent1">
+              <a:shade val="15000"/>
+            </a:schemeClr>
+          </a:lnRef>
+          <a:fillRef idx="1">
+            <a:schemeClr val="accent1"/>
+          </a:fillRef>
+          <a:effectRef idx="0">
+            <a:schemeClr val="accent1"/>
+          </a:effectRef>
+          <a:fontRef idx="minor">
+            <a:schemeClr val="lt1"/>
+          </a:fontRef>
+        </p:style>
+        <p:txBody>
+          <a:bodyPr rtlCol="0" anchor="ctr"/>
+          <a:lstStyle/>
+          <a:p>
+            <a:pPr algn="ctr"/>
+            <a:endParaRPr lang="pt-BR"/>
+          </a:p>
+        </p:txBody>
+      </p:sp>
     </p:spTree>
     <p:extLst>
       <p:ext uri="{BB962C8B-B14F-4D97-AF65-F5344CB8AC3E}">
         <p14:creationId xmlns:p14="http://schemas.microsoft.com/office/powerpoint/2010/main" val="2763673367"/>
+      </p:ext>
+    </p:extLst>
+  </p:cSld>
+  <p:clrMapOvr>
+    <a:masterClrMapping/>
+  </p:clrMapOvr>
+</p:sld>
+</file>
+
+<file path=ppt/slides/slide10.xml><?xml version="1.0" encoding="utf-8"?>
+<p:sld xmlns:a="http://schemas.openxmlformats.org/drawingml/2006/main" xmlns:r="http://schemas.openxmlformats.org/officeDocument/2006/relationships" xmlns:p="http://schemas.openxmlformats.org/presentationml/2006/main">
+  <p:cSld>
+    <p:bg>
+      <p:bgPr>
+        <a:solidFill>
+          <a:srgbClr val="EDF2F4"/>
+        </a:solidFill>
+        <a:effectLst/>
+      </p:bgPr>
+    </p:bg>
+    <p:spTree>
+      <p:nvGrpSpPr>
+        <p:cNvPr id="1" name=""/>
+        <p:cNvGrpSpPr/>
+        <p:nvPr/>
+      </p:nvGrpSpPr>
+      <p:grpSpPr>
+        <a:xfrm>
+          <a:off x="0" y="0"/>
+          <a:ext cx="0" cy="0"/>
+          <a:chOff x="0" y="0"/>
+          <a:chExt cx="0" cy="0"/>
+        </a:xfrm>
+      </p:grpSpPr>
+      <p:sp>
+        <p:nvSpPr>
+          <p:cNvPr id="2" name="Título 1">
+            <a:extLst>
+              <a:ext uri="{FF2B5EF4-FFF2-40B4-BE49-F238E27FC236}">
+                <a16:creationId xmlns:a16="http://schemas.microsoft.com/office/drawing/2014/main" id="{217F3117-157E-57E0-E248-8F4C0D1DD7AA}"/>
+              </a:ext>
+            </a:extLst>
+          </p:cNvPr>
+          <p:cNvSpPr>
+            <a:spLocks noGrp="1"/>
+          </p:cNvSpPr>
+          <p:nvPr>
+            <p:ph type="title"/>
+          </p:nvPr>
+        </p:nvSpPr>
+        <p:spPr/>
+        <p:txBody>
+          <a:bodyPr/>
+          <a:lstStyle/>
+          <a:p>
+            <a:r>
+              <a:rPr lang="pt-BR"/>
+              <a:t>Agradecimentos</a:t>
+            </a:r>
+          </a:p>
+        </p:txBody>
+      </p:sp>
+      <p:sp>
+        <p:nvSpPr>
+          <p:cNvPr id="3" name="Espaço Reservado para Conteúdo 2">
+            <a:extLst>
+              <a:ext uri="{FF2B5EF4-FFF2-40B4-BE49-F238E27FC236}">
+                <a16:creationId xmlns:a16="http://schemas.microsoft.com/office/drawing/2014/main" id="{9DF6AC0E-E1F4-E0AB-E817-8ABF8B315A03}"/>
+              </a:ext>
+            </a:extLst>
+          </p:cNvPr>
+          <p:cNvSpPr>
+            <a:spLocks noGrp="1"/>
+          </p:cNvSpPr>
+          <p:nvPr>
+            <p:ph idx="1"/>
+          </p:nvPr>
+        </p:nvSpPr>
+        <p:spPr/>
+        <p:txBody>
+          <a:bodyPr/>
+          <a:lstStyle/>
+          <a:p>
+            <a:endParaRPr lang="pt-BR"/>
+          </a:p>
+        </p:txBody>
+      </p:sp>
+    </p:spTree>
+    <p:extLst>
+      <p:ext uri="{BB962C8B-B14F-4D97-AF65-F5344CB8AC3E}">
+        <p14:creationId xmlns:p14="http://schemas.microsoft.com/office/powerpoint/2010/main" val="2732630965"/>
       </p:ext>
     </p:extLst>
   </p:cSld>
@@ -5264,7 +6849,7 @@
           <a:lstStyle/>
           <a:p>
             <a:pPr algn="ctr"/>
-            <a:endParaRPr lang="en-US" dirty="0"/>
+            <a:endParaRPr lang="en-US"/>
           </a:p>
         </p:txBody>
       </p:sp>
@@ -5364,8 +6949,8 @@
         </p:nvSpPr>
         <p:spPr>
           <a:xfrm>
-            <a:off x="728663" y="1115219"/>
-            <a:ext cx="5505449" cy="2387600"/>
+            <a:off x="298811" y="2664541"/>
+            <a:ext cx="2730334" cy="838277"/>
           </a:xfrm>
         </p:spPr>
         <p:txBody>
@@ -5379,6 +6964,8 @@
                 <a:solidFill>
                   <a:schemeClr val="bg1"/>
                 </a:solidFill>
+                <a:latin typeface="Verdana" panose="020B0604030504040204" pitchFamily="34" charset="0"/>
+                <a:ea typeface="Verdana" panose="020B0604030504040204" pitchFamily="34" charset="0"/>
               </a:rPr>
               <a:t>EQUIPE</a:t>
             </a:r>
@@ -5437,41 +7024,699 @@
           </a:fontRef>
         </p:style>
       </p:cxnSp>
-      <p:pic>
-        <p:nvPicPr>
-          <p:cNvPr id="7" name="Imagem 6" descr="Interface gráfica do usuário, Aplicativo&#10;&#10;Descrição gerada automaticamente">
-            <a:extLst>
-              <a:ext uri="{FF2B5EF4-FFF2-40B4-BE49-F238E27FC236}">
-                <a16:creationId xmlns:a16="http://schemas.microsoft.com/office/drawing/2014/main" id="{7427BD24-C700-4A91-B76D-690C6C721461}"/>
-              </a:ext>
-            </a:extLst>
-          </p:cNvPr>
-          <p:cNvPicPr>
-            <a:picLocks noChangeAspect="1"/>
-          </p:cNvPicPr>
+      <p:cxnSp>
+        <p:nvCxnSpPr>
+          <p:cNvPr id="4" name="Conector reto 3">
+            <a:extLst>
+              <a:ext uri="{FF2B5EF4-FFF2-40B4-BE49-F238E27FC236}">
+                <a16:creationId xmlns:a16="http://schemas.microsoft.com/office/drawing/2014/main" id="{21D7F901-1F99-184C-8891-F6B2CFAF6BF1}"/>
+              </a:ext>
+            </a:extLst>
+          </p:cNvPr>
+          <p:cNvCxnSpPr>
+            <a:cxnSpLocks/>
+          </p:cNvCxnSpPr>
           <p:nvPr/>
-        </p:nvPicPr>
-        <p:blipFill rotWithShape="1">
-          <a:blip r:embed="rId2">
-            <a:extLst>
-              <a:ext uri="{28A0092B-C50C-407E-A947-70E740481C1C}">
-                <a14:useLocalDpi xmlns:a14="http://schemas.microsoft.com/office/drawing/2010/main" val="0"/>
-              </a:ext>
-            </a:extLst>
-          </a:blip>
-          <a:srcRect t="14066"/>
-          <a:stretch/>
-        </p:blipFill>
+        </p:nvCxnSpPr>
         <p:spPr>
           <a:xfrm>
-            <a:off x="4038926" y="556140"/>
-            <a:ext cx="7699776" cy="5893357"/>
+            <a:off x="128585" y="3681408"/>
+            <a:ext cx="12063415" cy="0"/>
+          </a:xfrm>
+          <a:prstGeom prst="line">
+            <a:avLst/>
+          </a:prstGeom>
+          <a:ln>
+            <a:solidFill>
+              <a:srgbClr val="E63946"/>
+            </a:solidFill>
+          </a:ln>
+        </p:spPr>
+        <p:style>
+          <a:lnRef idx="2">
+            <a:schemeClr val="accent1"/>
+          </a:lnRef>
+          <a:fillRef idx="0">
+            <a:schemeClr val="accent1"/>
+          </a:fillRef>
+          <a:effectRef idx="1">
+            <a:schemeClr val="accent1"/>
+          </a:effectRef>
+          <a:fontRef idx="minor">
+            <a:schemeClr val="tx1"/>
+          </a:fontRef>
+        </p:style>
+      </p:cxnSp>
+      <p:sp>
+        <p:nvSpPr>
+          <p:cNvPr id="6" name="Título 1">
+            <a:extLst>
+              <a:ext uri="{FF2B5EF4-FFF2-40B4-BE49-F238E27FC236}">
+                <a16:creationId xmlns:a16="http://schemas.microsoft.com/office/drawing/2014/main" id="{4E7537EF-D56F-CCC9-22E5-6C7F49DCB6D5}"/>
+              </a:ext>
+            </a:extLst>
+          </p:cNvPr>
+          <p:cNvSpPr txBox="1">
+            <a:spLocks/>
+          </p:cNvSpPr>
+          <p:nvPr/>
+        </p:nvSpPr>
+        <p:spPr>
+          <a:xfrm>
+            <a:off x="4692906" y="3129044"/>
+            <a:ext cx="950810" cy="369603"/>
           </a:xfrm>
           <a:prstGeom prst="rect">
             <a:avLst/>
           </a:prstGeom>
         </p:spPr>
-      </p:pic>
+        <p:txBody>
+          <a:bodyPr vert="horz" lIns="91440" tIns="45720" rIns="91440" bIns="45720" rtlCol="0" anchor="ctr">
+            <a:normAutofit/>
+          </a:bodyPr>
+          <a:lstStyle>
+            <a:lvl1pPr algn="l" defTabSz="914400" rtl="0" eaLnBrk="1" latinLnBrk="0" hangingPunct="1">
+              <a:lnSpc>
+                <a:spcPct val="90000"/>
+              </a:lnSpc>
+              <a:spcBef>
+                <a:spcPct val="0"/>
+              </a:spcBef>
+              <a:buNone/>
+              <a:defRPr sz="4400" kern="1200">
+                <a:solidFill>
+                  <a:schemeClr val="tx1"/>
+                </a:solidFill>
+                <a:latin typeface="+mj-lt"/>
+                <a:ea typeface="+mj-ea"/>
+                <a:cs typeface="+mj-cs"/>
+              </a:defRPr>
+            </a:lvl1pPr>
+          </a:lstStyle>
+          <a:p>
+            <a:r>
+              <a:rPr lang="pt-BR" sz="1200" b="1">
+                <a:solidFill>
+                  <a:srgbClr val="EDF2F4"/>
+                </a:solidFill>
+                <a:latin typeface="Verdana" panose="020B0604030504040204" pitchFamily="34" charset="0"/>
+                <a:ea typeface="Verdana" panose="020B0604030504040204" pitchFamily="34" charset="0"/>
+              </a:rPr>
+              <a:t>Gabriel</a:t>
+            </a:r>
+          </a:p>
+        </p:txBody>
+      </p:sp>
+      <p:sp>
+        <p:nvSpPr>
+          <p:cNvPr id="8" name="Título 1">
+            <a:extLst>
+              <a:ext uri="{FF2B5EF4-FFF2-40B4-BE49-F238E27FC236}">
+                <a16:creationId xmlns:a16="http://schemas.microsoft.com/office/drawing/2014/main" id="{91752F69-58FC-2EE9-6892-82227E9FFCF7}"/>
+              </a:ext>
+            </a:extLst>
+          </p:cNvPr>
+          <p:cNvSpPr txBox="1">
+            <a:spLocks/>
+          </p:cNvSpPr>
+          <p:nvPr/>
+        </p:nvSpPr>
+        <p:spPr>
+          <a:xfrm>
+            <a:off x="7471701" y="3129044"/>
+            <a:ext cx="950810" cy="369603"/>
+          </a:xfrm>
+          <a:prstGeom prst="rect">
+            <a:avLst/>
+          </a:prstGeom>
+        </p:spPr>
+        <p:txBody>
+          <a:bodyPr vert="horz" lIns="91440" tIns="45720" rIns="91440" bIns="45720" rtlCol="0" anchor="ctr">
+            <a:normAutofit/>
+          </a:bodyPr>
+          <a:lstStyle>
+            <a:lvl1pPr algn="l" defTabSz="914400" rtl="0" eaLnBrk="1" latinLnBrk="0" hangingPunct="1">
+              <a:lnSpc>
+                <a:spcPct val="90000"/>
+              </a:lnSpc>
+              <a:spcBef>
+                <a:spcPct val="0"/>
+              </a:spcBef>
+              <a:buNone/>
+              <a:defRPr sz="4400" kern="1200">
+                <a:solidFill>
+                  <a:schemeClr val="tx1"/>
+                </a:solidFill>
+                <a:latin typeface="+mj-lt"/>
+                <a:ea typeface="+mj-ea"/>
+                <a:cs typeface="+mj-cs"/>
+              </a:defRPr>
+            </a:lvl1pPr>
+          </a:lstStyle>
+          <a:p>
+            <a:r>
+              <a:rPr lang="pt-BR" sz="1200" b="1">
+                <a:solidFill>
+                  <a:srgbClr val="EDF2F4"/>
+                </a:solidFill>
+                <a:latin typeface="Verdana" panose="020B0604030504040204" pitchFamily="34" charset="0"/>
+                <a:ea typeface="Verdana" panose="020B0604030504040204" pitchFamily="34" charset="0"/>
+              </a:rPr>
+              <a:t>Karen</a:t>
+            </a:r>
+          </a:p>
+        </p:txBody>
+      </p:sp>
+      <p:sp>
+        <p:nvSpPr>
+          <p:cNvPr id="9" name="Título 1">
+            <a:extLst>
+              <a:ext uri="{FF2B5EF4-FFF2-40B4-BE49-F238E27FC236}">
+                <a16:creationId xmlns:a16="http://schemas.microsoft.com/office/drawing/2014/main" id="{2590F574-FA60-E740-4314-C412C92F2270}"/>
+              </a:ext>
+            </a:extLst>
+          </p:cNvPr>
+          <p:cNvSpPr txBox="1">
+            <a:spLocks/>
+          </p:cNvSpPr>
+          <p:nvPr/>
+        </p:nvSpPr>
+        <p:spPr>
+          <a:xfrm>
+            <a:off x="10279992" y="3141768"/>
+            <a:ext cx="950810" cy="369603"/>
+          </a:xfrm>
+          <a:prstGeom prst="rect">
+            <a:avLst/>
+          </a:prstGeom>
+        </p:spPr>
+        <p:txBody>
+          <a:bodyPr vert="horz" lIns="91440" tIns="45720" rIns="91440" bIns="45720" rtlCol="0" anchor="ctr">
+            <a:normAutofit/>
+          </a:bodyPr>
+          <a:lstStyle>
+            <a:lvl1pPr algn="l" defTabSz="914400" rtl="0" eaLnBrk="1" latinLnBrk="0" hangingPunct="1">
+              <a:lnSpc>
+                <a:spcPct val="90000"/>
+              </a:lnSpc>
+              <a:spcBef>
+                <a:spcPct val="0"/>
+              </a:spcBef>
+              <a:buNone/>
+              <a:defRPr sz="4400" kern="1200">
+                <a:solidFill>
+                  <a:schemeClr val="tx1"/>
+                </a:solidFill>
+                <a:latin typeface="+mj-lt"/>
+                <a:ea typeface="+mj-ea"/>
+                <a:cs typeface="+mj-cs"/>
+              </a:defRPr>
+            </a:lvl1pPr>
+          </a:lstStyle>
+          <a:p>
+            <a:r>
+              <a:rPr lang="pt-BR" sz="1200" b="1" err="1">
+                <a:solidFill>
+                  <a:srgbClr val="EDF2F4"/>
+                </a:solidFill>
+                <a:latin typeface="Verdana" panose="020B0604030504040204" pitchFamily="34" charset="0"/>
+                <a:ea typeface="Verdana" panose="020B0604030504040204" pitchFamily="34" charset="0"/>
+              </a:rPr>
+              <a:t>Kaiqui</a:t>
+            </a:r>
+            <a:endParaRPr lang="pt-BR" sz="1200" b="1">
+              <a:solidFill>
+                <a:srgbClr val="EDF2F4"/>
+              </a:solidFill>
+              <a:latin typeface="Verdana" panose="020B0604030504040204" pitchFamily="34" charset="0"/>
+              <a:ea typeface="Verdana" panose="020B0604030504040204" pitchFamily="34" charset="0"/>
+            </a:endParaRPr>
+          </a:p>
+        </p:txBody>
+      </p:sp>
+      <p:sp>
+        <p:nvSpPr>
+          <p:cNvPr id="10" name="Título 1">
+            <a:extLst>
+              <a:ext uri="{FF2B5EF4-FFF2-40B4-BE49-F238E27FC236}">
+                <a16:creationId xmlns:a16="http://schemas.microsoft.com/office/drawing/2014/main" id="{7F5E3774-6326-A1FB-CE23-7AC3F5795168}"/>
+              </a:ext>
+            </a:extLst>
+          </p:cNvPr>
+          <p:cNvSpPr txBox="1">
+            <a:spLocks/>
+          </p:cNvSpPr>
+          <p:nvPr/>
+        </p:nvSpPr>
+        <p:spPr>
+          <a:xfrm>
+            <a:off x="4663410" y="6325221"/>
+            <a:ext cx="950810" cy="369603"/>
+          </a:xfrm>
+          <a:prstGeom prst="rect">
+            <a:avLst/>
+          </a:prstGeom>
+        </p:spPr>
+        <p:txBody>
+          <a:bodyPr vert="horz" lIns="91440" tIns="45720" rIns="91440" bIns="45720" rtlCol="0" anchor="ctr">
+            <a:normAutofit/>
+          </a:bodyPr>
+          <a:lstStyle>
+            <a:lvl1pPr algn="l" defTabSz="914400" rtl="0" eaLnBrk="1" latinLnBrk="0" hangingPunct="1">
+              <a:lnSpc>
+                <a:spcPct val="90000"/>
+              </a:lnSpc>
+              <a:spcBef>
+                <a:spcPct val="0"/>
+              </a:spcBef>
+              <a:buNone/>
+              <a:defRPr sz="4400" kern="1200">
+                <a:solidFill>
+                  <a:schemeClr val="tx1"/>
+                </a:solidFill>
+                <a:latin typeface="+mj-lt"/>
+                <a:ea typeface="+mj-ea"/>
+                <a:cs typeface="+mj-cs"/>
+              </a:defRPr>
+            </a:lvl1pPr>
+          </a:lstStyle>
+          <a:p>
+            <a:r>
+              <a:rPr lang="pt-BR" sz="1200" b="1">
+                <a:solidFill>
+                  <a:srgbClr val="EDF2F4"/>
+                </a:solidFill>
+                <a:latin typeface="Verdana" panose="020B0604030504040204" pitchFamily="34" charset="0"/>
+                <a:ea typeface="Verdana" panose="020B0604030504040204" pitchFamily="34" charset="0"/>
+              </a:rPr>
+              <a:t>Ketelyn</a:t>
+            </a:r>
+          </a:p>
+        </p:txBody>
+      </p:sp>
+      <p:sp>
+        <p:nvSpPr>
+          <p:cNvPr id="11" name="Título 1">
+            <a:extLst>
+              <a:ext uri="{FF2B5EF4-FFF2-40B4-BE49-F238E27FC236}">
+                <a16:creationId xmlns:a16="http://schemas.microsoft.com/office/drawing/2014/main" id="{0758A36C-2719-3437-0AA3-7B63A7D4523F}"/>
+              </a:ext>
+            </a:extLst>
+          </p:cNvPr>
+          <p:cNvSpPr txBox="1">
+            <a:spLocks/>
+          </p:cNvSpPr>
+          <p:nvPr/>
+        </p:nvSpPr>
+        <p:spPr>
+          <a:xfrm>
+            <a:off x="7471701" y="6325221"/>
+            <a:ext cx="950810" cy="369603"/>
+          </a:xfrm>
+          <a:prstGeom prst="rect">
+            <a:avLst/>
+          </a:prstGeom>
+        </p:spPr>
+        <p:txBody>
+          <a:bodyPr vert="horz" lIns="91440" tIns="45720" rIns="91440" bIns="45720" rtlCol="0" anchor="ctr">
+            <a:normAutofit/>
+          </a:bodyPr>
+          <a:lstStyle>
+            <a:lvl1pPr algn="l" defTabSz="914400" rtl="0" eaLnBrk="1" latinLnBrk="0" hangingPunct="1">
+              <a:lnSpc>
+                <a:spcPct val="90000"/>
+              </a:lnSpc>
+              <a:spcBef>
+                <a:spcPct val="0"/>
+              </a:spcBef>
+              <a:buNone/>
+              <a:defRPr sz="4400" kern="1200">
+                <a:solidFill>
+                  <a:schemeClr val="tx1"/>
+                </a:solidFill>
+                <a:latin typeface="+mj-lt"/>
+                <a:ea typeface="+mj-ea"/>
+                <a:cs typeface="+mj-cs"/>
+              </a:defRPr>
+            </a:lvl1pPr>
+          </a:lstStyle>
+          <a:p>
+            <a:r>
+              <a:rPr lang="pt-BR" sz="1200" b="1" err="1">
+                <a:solidFill>
+                  <a:srgbClr val="EDF2F4"/>
+                </a:solidFill>
+                <a:latin typeface="Verdana" panose="020B0604030504040204" pitchFamily="34" charset="0"/>
+                <a:ea typeface="Verdana" panose="020B0604030504040204" pitchFamily="34" charset="0"/>
+              </a:rPr>
+              <a:t>Matteus</a:t>
+            </a:r>
+            <a:endParaRPr lang="pt-BR" sz="1200" b="1">
+              <a:solidFill>
+                <a:srgbClr val="EDF2F4"/>
+              </a:solidFill>
+              <a:latin typeface="Verdana" panose="020B0604030504040204" pitchFamily="34" charset="0"/>
+              <a:ea typeface="Verdana" panose="020B0604030504040204" pitchFamily="34" charset="0"/>
+            </a:endParaRPr>
+          </a:p>
+        </p:txBody>
+      </p:sp>
+      <p:sp>
+        <p:nvSpPr>
+          <p:cNvPr id="12" name="Título 1">
+            <a:extLst>
+              <a:ext uri="{FF2B5EF4-FFF2-40B4-BE49-F238E27FC236}">
+                <a16:creationId xmlns:a16="http://schemas.microsoft.com/office/drawing/2014/main" id="{9BEDB3AC-AE45-9CDF-E6E6-AD5BF88E947C}"/>
+              </a:ext>
+            </a:extLst>
+          </p:cNvPr>
+          <p:cNvSpPr txBox="1">
+            <a:spLocks/>
+          </p:cNvSpPr>
+          <p:nvPr/>
+        </p:nvSpPr>
+        <p:spPr>
+          <a:xfrm>
+            <a:off x="10267390" y="6325220"/>
+            <a:ext cx="950810" cy="369603"/>
+          </a:xfrm>
+          <a:prstGeom prst="rect">
+            <a:avLst/>
+          </a:prstGeom>
+        </p:spPr>
+        <p:txBody>
+          <a:bodyPr vert="horz" lIns="91440" tIns="45720" rIns="91440" bIns="45720" rtlCol="0" anchor="ctr">
+            <a:normAutofit/>
+          </a:bodyPr>
+          <a:lstStyle>
+            <a:lvl1pPr algn="l" defTabSz="914400" rtl="0" eaLnBrk="1" latinLnBrk="0" hangingPunct="1">
+              <a:lnSpc>
+                <a:spcPct val="90000"/>
+              </a:lnSpc>
+              <a:spcBef>
+                <a:spcPct val="0"/>
+              </a:spcBef>
+              <a:buNone/>
+              <a:defRPr sz="4400" kern="1200">
+                <a:solidFill>
+                  <a:schemeClr val="tx1"/>
+                </a:solidFill>
+                <a:latin typeface="+mj-lt"/>
+                <a:ea typeface="+mj-ea"/>
+                <a:cs typeface="+mj-cs"/>
+              </a:defRPr>
+            </a:lvl1pPr>
+          </a:lstStyle>
+          <a:p>
+            <a:r>
+              <a:rPr lang="pt-BR" sz="1200" b="1">
+                <a:solidFill>
+                  <a:srgbClr val="EDF2F4"/>
+                </a:solidFill>
+                <a:latin typeface="Verdana" panose="020B0604030504040204" pitchFamily="34" charset="0"/>
+                <a:ea typeface="Verdana" panose="020B0604030504040204" pitchFamily="34" charset="0"/>
+              </a:rPr>
+              <a:t>Vagner</a:t>
+            </a:r>
+          </a:p>
+        </p:txBody>
+      </p:sp>
+      <p:sp>
+        <p:nvSpPr>
+          <p:cNvPr id="13" name="Retângulo: Cantos Arredondados 12">
+            <a:extLst>
+              <a:ext uri="{FF2B5EF4-FFF2-40B4-BE49-F238E27FC236}">
+                <a16:creationId xmlns:a16="http://schemas.microsoft.com/office/drawing/2014/main" id="{1B85FE7E-7811-C0CC-BD37-D59D2430DA8F}"/>
+              </a:ext>
+            </a:extLst>
+          </p:cNvPr>
+          <p:cNvSpPr/>
+          <p:nvPr/>
+        </p:nvSpPr>
+        <p:spPr>
+          <a:xfrm>
+            <a:off x="4019260" y="3911324"/>
+            <a:ext cx="2141031" cy="2211947"/>
+          </a:xfrm>
+          <a:prstGeom prst="roundRect">
+            <a:avLst/>
+          </a:prstGeom>
+        </p:spPr>
+        <p:style>
+          <a:lnRef idx="2">
+            <a:schemeClr val="accent1">
+              <a:shade val="15000"/>
+            </a:schemeClr>
+          </a:lnRef>
+          <a:fillRef idx="1">
+            <a:schemeClr val="accent1"/>
+          </a:fillRef>
+          <a:effectRef idx="0">
+            <a:schemeClr val="accent1"/>
+          </a:effectRef>
+          <a:fontRef idx="minor">
+            <a:schemeClr val="lt1"/>
+          </a:fontRef>
+        </p:style>
+        <p:txBody>
+          <a:bodyPr rtlCol="0" anchor="ctr"/>
+          <a:lstStyle/>
+          <a:p>
+            <a:pPr algn="ctr"/>
+            <a:endParaRPr lang="pt-BR"/>
+          </a:p>
+        </p:txBody>
+      </p:sp>
+      <p:sp>
+        <p:nvSpPr>
+          <p:cNvPr id="14" name="Retângulo: Cantos Arredondados 13">
+            <a:extLst>
+              <a:ext uri="{FF2B5EF4-FFF2-40B4-BE49-F238E27FC236}">
+                <a16:creationId xmlns:a16="http://schemas.microsoft.com/office/drawing/2014/main" id="{C23C76A1-98E2-3D1B-A38F-50E486868A8C}"/>
+              </a:ext>
+            </a:extLst>
+          </p:cNvPr>
+          <p:cNvSpPr/>
+          <p:nvPr/>
+        </p:nvSpPr>
+        <p:spPr>
+          <a:xfrm>
+            <a:off x="6798633" y="3947512"/>
+            <a:ext cx="2141031" cy="2211947"/>
+          </a:xfrm>
+          <a:prstGeom prst="roundRect">
+            <a:avLst/>
+          </a:prstGeom>
+        </p:spPr>
+        <p:style>
+          <a:lnRef idx="2">
+            <a:schemeClr val="accent1">
+              <a:shade val="15000"/>
+            </a:schemeClr>
+          </a:lnRef>
+          <a:fillRef idx="1">
+            <a:schemeClr val="accent1"/>
+          </a:fillRef>
+          <a:effectRef idx="0">
+            <a:schemeClr val="accent1"/>
+          </a:effectRef>
+          <a:fontRef idx="minor">
+            <a:schemeClr val="lt1"/>
+          </a:fontRef>
+        </p:style>
+        <p:txBody>
+          <a:bodyPr rtlCol="0" anchor="ctr"/>
+          <a:lstStyle/>
+          <a:p>
+            <a:pPr algn="ctr"/>
+            <a:endParaRPr lang="pt-BR"/>
+          </a:p>
+        </p:txBody>
+      </p:sp>
+      <p:sp>
+        <p:nvSpPr>
+          <p:cNvPr id="15" name="Retângulo: Cantos Arredondados 14">
+            <a:extLst>
+              <a:ext uri="{FF2B5EF4-FFF2-40B4-BE49-F238E27FC236}">
+                <a16:creationId xmlns:a16="http://schemas.microsoft.com/office/drawing/2014/main" id="{EA209A6C-E315-F9AA-CFA3-6FCE67FFC122}"/>
+              </a:ext>
+            </a:extLst>
+          </p:cNvPr>
+          <p:cNvSpPr/>
+          <p:nvPr/>
+        </p:nvSpPr>
+        <p:spPr>
+          <a:xfrm>
+            <a:off x="6798633" y="798981"/>
+            <a:ext cx="2141031" cy="2211947"/>
+          </a:xfrm>
+          <a:prstGeom prst="roundRect">
+            <a:avLst/>
+          </a:prstGeom>
+        </p:spPr>
+        <p:style>
+          <a:lnRef idx="2">
+            <a:schemeClr val="accent1">
+              <a:shade val="15000"/>
+            </a:schemeClr>
+          </a:lnRef>
+          <a:fillRef idx="1">
+            <a:schemeClr val="accent1"/>
+          </a:fillRef>
+          <a:effectRef idx="0">
+            <a:schemeClr val="accent1"/>
+          </a:effectRef>
+          <a:fontRef idx="minor">
+            <a:schemeClr val="lt1"/>
+          </a:fontRef>
+        </p:style>
+        <p:txBody>
+          <a:bodyPr rtlCol="0" anchor="ctr"/>
+          <a:lstStyle/>
+          <a:p>
+            <a:pPr algn="ctr"/>
+            <a:endParaRPr lang="pt-BR"/>
+          </a:p>
+        </p:txBody>
+      </p:sp>
+      <p:sp>
+        <p:nvSpPr>
+          <p:cNvPr id="16" name="Retângulo: Cantos Arredondados 15">
+            <a:extLst>
+              <a:ext uri="{FF2B5EF4-FFF2-40B4-BE49-F238E27FC236}">
+                <a16:creationId xmlns:a16="http://schemas.microsoft.com/office/drawing/2014/main" id="{0DF34D3A-0F19-B952-9A44-C049F2586551}"/>
+              </a:ext>
+            </a:extLst>
+          </p:cNvPr>
+          <p:cNvSpPr/>
+          <p:nvPr/>
+        </p:nvSpPr>
+        <p:spPr>
+          <a:xfrm>
+            <a:off x="4068299" y="798982"/>
+            <a:ext cx="2141031" cy="2211947"/>
+          </a:xfrm>
+          <a:prstGeom prst="roundRect">
+            <a:avLst/>
+          </a:prstGeom>
+        </p:spPr>
+        <p:style>
+          <a:lnRef idx="2">
+            <a:schemeClr val="accent1">
+              <a:shade val="15000"/>
+            </a:schemeClr>
+          </a:lnRef>
+          <a:fillRef idx="1">
+            <a:schemeClr val="accent1"/>
+          </a:fillRef>
+          <a:effectRef idx="0">
+            <a:schemeClr val="accent1"/>
+          </a:effectRef>
+          <a:fontRef idx="minor">
+            <a:schemeClr val="lt1"/>
+          </a:fontRef>
+        </p:style>
+        <p:txBody>
+          <a:bodyPr rtlCol="0" anchor="ctr"/>
+          <a:lstStyle/>
+          <a:p>
+            <a:pPr algn="ctr"/>
+            <a:endParaRPr lang="pt-BR"/>
+          </a:p>
+        </p:txBody>
+      </p:sp>
+      <p:sp>
+        <p:nvSpPr>
+          <p:cNvPr id="17" name="Retângulo: Cantos Arredondados 16">
+            <a:extLst>
+              <a:ext uri="{FF2B5EF4-FFF2-40B4-BE49-F238E27FC236}">
+                <a16:creationId xmlns:a16="http://schemas.microsoft.com/office/drawing/2014/main" id="{018C9701-DF63-8516-AB24-A731103D96CF}"/>
+              </a:ext>
+            </a:extLst>
+          </p:cNvPr>
+          <p:cNvSpPr/>
+          <p:nvPr/>
+        </p:nvSpPr>
+        <p:spPr>
+          <a:xfrm>
+            <a:off x="9578005" y="776476"/>
+            <a:ext cx="2141031" cy="2211947"/>
+          </a:xfrm>
+          <a:prstGeom prst="roundRect">
+            <a:avLst/>
+          </a:prstGeom>
+        </p:spPr>
+        <p:style>
+          <a:lnRef idx="2">
+            <a:schemeClr val="accent1">
+              <a:shade val="15000"/>
+            </a:schemeClr>
+          </a:lnRef>
+          <a:fillRef idx="1">
+            <a:schemeClr val="accent1"/>
+          </a:fillRef>
+          <a:effectRef idx="0">
+            <a:schemeClr val="accent1"/>
+          </a:effectRef>
+          <a:fontRef idx="minor">
+            <a:schemeClr val="lt1"/>
+          </a:fontRef>
+        </p:style>
+        <p:txBody>
+          <a:bodyPr rtlCol="0" anchor="ctr"/>
+          <a:lstStyle/>
+          <a:p>
+            <a:pPr algn="ctr"/>
+            <a:endParaRPr lang="pt-BR"/>
+          </a:p>
+        </p:txBody>
+      </p:sp>
+      <p:sp>
+        <p:nvSpPr>
+          <p:cNvPr id="18" name="Retângulo: Cantos Arredondados 17">
+            <a:extLst>
+              <a:ext uri="{FF2B5EF4-FFF2-40B4-BE49-F238E27FC236}">
+                <a16:creationId xmlns:a16="http://schemas.microsoft.com/office/drawing/2014/main" id="{8AAC1828-5CB0-497F-9340-BE848BE8F05E}"/>
+              </a:ext>
+            </a:extLst>
+          </p:cNvPr>
+          <p:cNvSpPr/>
+          <p:nvPr/>
+        </p:nvSpPr>
+        <p:spPr>
+          <a:xfrm>
+            <a:off x="9578004" y="3883359"/>
+            <a:ext cx="2141031" cy="2211947"/>
+          </a:xfrm>
+          <a:prstGeom prst="roundRect">
+            <a:avLst/>
+          </a:prstGeom>
+        </p:spPr>
+        <p:style>
+          <a:lnRef idx="2">
+            <a:schemeClr val="accent1">
+              <a:shade val="15000"/>
+            </a:schemeClr>
+          </a:lnRef>
+          <a:fillRef idx="1">
+            <a:schemeClr val="accent1"/>
+          </a:fillRef>
+          <a:effectRef idx="0">
+            <a:schemeClr val="accent1"/>
+          </a:effectRef>
+          <a:fontRef idx="minor">
+            <a:schemeClr val="lt1"/>
+          </a:fontRef>
+        </p:style>
+        <p:txBody>
+          <a:bodyPr rtlCol="0" anchor="ctr"/>
+          <a:lstStyle/>
+          <a:p>
+            <a:pPr algn="ctr"/>
+            <a:endParaRPr lang="pt-BR"/>
+          </a:p>
+        </p:txBody>
+      </p:sp>
     </p:spTree>
     <p:extLst>
       <p:ext uri="{BB962C8B-B14F-4D97-AF65-F5344CB8AC3E}">
@@ -5580,6 +7825,512 @@
 <file path=ppt/slides/slide3.xml><?xml version="1.0" encoding="utf-8"?>
 <p:sld xmlns:a="http://schemas.openxmlformats.org/drawingml/2006/main" xmlns:r="http://schemas.openxmlformats.org/officeDocument/2006/relationships" xmlns:p="http://schemas.openxmlformats.org/presentationml/2006/main">
   <p:cSld>
+    <p:bg>
+      <p:bgPr>
+        <a:solidFill>
+          <a:schemeClr val="bg1"/>
+        </a:solidFill>
+        <a:effectLst/>
+      </p:bgPr>
+    </p:bg>
+    <p:spTree>
+      <p:nvGrpSpPr>
+        <p:cNvPr id="1" name=""/>
+        <p:cNvGrpSpPr/>
+        <p:nvPr/>
+      </p:nvGrpSpPr>
+      <p:grpSpPr>
+        <a:xfrm>
+          <a:off x="0" y="0"/>
+          <a:ext cx="0" cy="0"/>
+          <a:chOff x="0" y="0"/>
+          <a:chExt cx="0" cy="0"/>
+        </a:xfrm>
+      </p:grpSpPr>
+      <p:sp>
+        <p:nvSpPr>
+          <p:cNvPr id="46" name="Rectangle 25">
+            <a:extLst>
+              <a:ext uri="{FF2B5EF4-FFF2-40B4-BE49-F238E27FC236}">
+                <a16:creationId xmlns:a16="http://schemas.microsoft.com/office/drawing/2014/main" id="{22A397E7-BF60-45B2-84C7-B074B76C37A7}"/>
+              </a:ext>
+              <a:ext uri="{C183D7F6-B498-43B3-948B-1728B52AA6E4}">
+                <adec:decorative xmlns:adec="http://schemas.microsoft.com/office/drawing/2017/decorative" val="1"/>
+              </a:ext>
+            </a:extLst>
+          </p:cNvPr>
+          <p:cNvSpPr>
+            <a:spLocks noGrp="1" noRot="1" noChangeAspect="1" noMove="1" noResize="1" noEditPoints="1" noAdjustHandles="1" noChangeArrowheads="1" noChangeShapeType="1" noTextEdit="1"/>
+          </p:cNvSpPr>
+          <p:nvPr>
+            <p:extLst>
+              <p:ext uri="{386F3935-93C4-4BCD-93E2-E3B085C9AB24}">
+                <p16:designElem xmlns:p16="http://schemas.microsoft.com/office/powerpoint/2015/main" val="1"/>
+              </p:ext>
+            </p:extLst>
+          </p:nvPr>
+        </p:nvSpPr>
+        <p:spPr>
+          <a:xfrm>
+            <a:off x="0" y="0"/>
+            <a:ext cx="12192000" cy="6858000"/>
+          </a:xfrm>
+          <a:prstGeom prst="rect">
+            <a:avLst/>
+          </a:prstGeom>
+          <a:solidFill>
+            <a:schemeClr val="tx1">
+              <a:lumMod val="95000"/>
+              <a:lumOff val="5000"/>
+            </a:schemeClr>
+          </a:solidFill>
+          <a:ln>
+            <a:noFill/>
+          </a:ln>
+        </p:spPr>
+        <p:style>
+          <a:lnRef idx="2">
+            <a:schemeClr val="accent1">
+              <a:shade val="50000"/>
+            </a:schemeClr>
+          </a:lnRef>
+          <a:fillRef idx="1">
+            <a:schemeClr val="accent1"/>
+          </a:fillRef>
+          <a:effectRef idx="0">
+            <a:schemeClr val="accent1"/>
+          </a:effectRef>
+          <a:fontRef idx="minor">
+            <a:schemeClr val="lt1"/>
+          </a:fontRef>
+        </p:style>
+        <p:txBody>
+          <a:bodyPr rtlCol="0" anchor="ctr"/>
+          <a:lstStyle/>
+          <a:p>
+            <a:pPr algn="ctr"/>
+            <a:endParaRPr lang="en-US"/>
+          </a:p>
+        </p:txBody>
+      </p:sp>
+      <p:sp>
+        <p:nvSpPr>
+          <p:cNvPr id="47" name="Rectangle 27">
+            <a:extLst>
+              <a:ext uri="{FF2B5EF4-FFF2-40B4-BE49-F238E27FC236}">
+                <a16:creationId xmlns:a16="http://schemas.microsoft.com/office/drawing/2014/main" id="{890DEF05-784E-4B61-89E4-04C4ECF4E5A0}"/>
+              </a:ext>
+              <a:ext uri="{C183D7F6-B498-43B3-948B-1728B52AA6E4}">
+                <adec:decorative xmlns:adec="http://schemas.microsoft.com/office/drawing/2017/decorative" val="1"/>
+              </a:ext>
+            </a:extLst>
+          </p:cNvPr>
+          <p:cNvSpPr>
+            <a:spLocks noGrp="1" noRot="1" noChangeAspect="1" noMove="1" noResize="1" noEditPoints="1" noAdjustHandles="1" noChangeArrowheads="1" noChangeShapeType="1" noTextEdit="1"/>
+          </p:cNvSpPr>
+          <p:nvPr>
+            <p:extLst>
+              <p:ext uri="{386F3935-93C4-4BCD-93E2-E3B085C9AB24}">
+                <p16:designElem xmlns:p16="http://schemas.microsoft.com/office/powerpoint/2015/main" val="1"/>
+              </p:ext>
+            </p:extLst>
+          </p:nvPr>
+        </p:nvSpPr>
+        <p:spPr>
+          <a:xfrm>
+            <a:off x="0" y="0"/>
+            <a:ext cx="12192000" cy="6858000"/>
+          </a:xfrm>
+          <a:prstGeom prst="rect">
+            <a:avLst/>
+          </a:prstGeom>
+          <a:gradFill>
+            <a:gsLst>
+              <a:gs pos="36000">
+                <a:schemeClr val="tx1">
+                  <a:lumMod val="95000"/>
+                  <a:lumOff val="5000"/>
+                </a:schemeClr>
+              </a:gs>
+              <a:gs pos="81000">
+                <a:schemeClr val="tx1">
+                  <a:lumMod val="95000"/>
+                  <a:lumOff val="5000"/>
+                  <a:alpha val="0"/>
+                </a:schemeClr>
+              </a:gs>
+            </a:gsLst>
+            <a:lin ang="0" scaled="0"/>
+          </a:gradFill>
+          <a:ln>
+            <a:noFill/>
+          </a:ln>
+        </p:spPr>
+        <p:style>
+          <a:lnRef idx="2">
+            <a:schemeClr val="accent1">
+              <a:shade val="50000"/>
+            </a:schemeClr>
+          </a:lnRef>
+          <a:fillRef idx="1">
+            <a:schemeClr val="accent1"/>
+          </a:fillRef>
+          <a:effectRef idx="0">
+            <a:schemeClr val="accent1"/>
+          </a:effectRef>
+          <a:fontRef idx="minor">
+            <a:schemeClr val="lt1"/>
+          </a:fontRef>
+        </p:style>
+        <p:txBody>
+          <a:bodyPr rtlCol="0" anchor="ctr"/>
+          <a:lstStyle/>
+          <a:p>
+            <a:pPr algn="ctr"/>
+            <a:endParaRPr lang="en-US"/>
+          </a:p>
+        </p:txBody>
+      </p:sp>
+      <p:sp>
+        <p:nvSpPr>
+          <p:cNvPr id="2" name="Título 1">
+            <a:extLst>
+              <a:ext uri="{FF2B5EF4-FFF2-40B4-BE49-F238E27FC236}">
+                <a16:creationId xmlns:a16="http://schemas.microsoft.com/office/drawing/2014/main" id="{20C3634F-5961-75A1-7A12-38E0737A4070}"/>
+              </a:ext>
+            </a:extLst>
+          </p:cNvPr>
+          <p:cNvSpPr>
+            <a:spLocks noGrp="1"/>
+          </p:cNvSpPr>
+          <p:nvPr>
+            <p:ph type="title"/>
+          </p:nvPr>
+        </p:nvSpPr>
+        <p:spPr>
+          <a:xfrm>
+            <a:off x="4956534" y="2737789"/>
+            <a:ext cx="1857221" cy="877605"/>
+          </a:xfrm>
+        </p:spPr>
+        <p:txBody>
+          <a:bodyPr vert="horz" lIns="91440" tIns="45720" rIns="91440" bIns="45720" rtlCol="0" anchor="b">
+            <a:normAutofit/>
+          </a:bodyPr>
+          <a:lstStyle/>
+          <a:p>
+            <a:r>
+              <a:rPr lang="en-US" sz="5000">
+                <a:solidFill>
+                  <a:schemeClr val="bg1"/>
+                </a:solidFill>
+              </a:rPr>
+              <a:t>VISITA</a:t>
+            </a:r>
+          </a:p>
+        </p:txBody>
+      </p:sp>
+      <p:cxnSp>
+        <p:nvCxnSpPr>
+          <p:cNvPr id="48" name="Straight Connector 29">
+            <a:extLst>
+              <a:ext uri="{FF2B5EF4-FFF2-40B4-BE49-F238E27FC236}">
+                <a16:creationId xmlns:a16="http://schemas.microsoft.com/office/drawing/2014/main" id="{C41BAEC7-F7B0-4224-8B18-8F74B7D87F0B}"/>
+              </a:ext>
+              <a:ext uri="{C183D7F6-B498-43B3-948B-1728B52AA6E4}">
+                <adec:decorative xmlns:adec="http://schemas.microsoft.com/office/drawing/2017/decorative" val="1"/>
+              </a:ext>
+            </a:extLst>
+          </p:cNvPr>
+          <p:cNvCxnSpPr>
+            <a:cxnSpLocks noGrp="1" noRot="1" noChangeAspect="1" noMove="1" noResize="1" noEditPoints="1" noAdjustHandles="1" noChangeArrowheads="1" noChangeShapeType="1"/>
+          </p:cNvCxnSpPr>
+          <p:nvPr>
+            <p:extLst>
+              <p:ext uri="{386F3935-93C4-4BCD-93E2-E3B085C9AB24}">
+                <p16:designElem xmlns:p16="http://schemas.microsoft.com/office/powerpoint/2015/main" val="1"/>
+              </p:ext>
+            </p:extLst>
+          </p:nvPr>
+        </p:nvCxnSpPr>
+        <p:spPr>
+          <a:xfrm flipH="1">
+            <a:off x="128585" y="3681408"/>
+            <a:ext cx="11934820" cy="0"/>
+          </a:xfrm>
+          <a:prstGeom prst="line">
+            <a:avLst/>
+          </a:prstGeom>
+          <a:ln w="12700">
+            <a:solidFill>
+              <a:schemeClr val="accent2"/>
+            </a:solidFill>
+          </a:ln>
+        </p:spPr>
+        <p:style>
+          <a:lnRef idx="1">
+            <a:schemeClr val="accent1"/>
+          </a:lnRef>
+          <a:fillRef idx="0">
+            <a:schemeClr val="accent1"/>
+          </a:fillRef>
+          <a:effectRef idx="0">
+            <a:schemeClr val="accent1"/>
+          </a:effectRef>
+          <a:fontRef idx="minor">
+            <a:schemeClr val="tx1"/>
+          </a:fontRef>
+        </p:style>
+      </p:cxnSp>
+      <p:cxnSp>
+        <p:nvCxnSpPr>
+          <p:cNvPr id="4" name="Conector reto 3">
+            <a:extLst>
+              <a:ext uri="{FF2B5EF4-FFF2-40B4-BE49-F238E27FC236}">
+                <a16:creationId xmlns:a16="http://schemas.microsoft.com/office/drawing/2014/main" id="{34DCF844-A4A7-2391-B11B-BB1679AE4BC1}"/>
+              </a:ext>
+            </a:extLst>
+          </p:cNvPr>
+          <p:cNvCxnSpPr/>
+          <p:nvPr/>
+        </p:nvCxnSpPr>
+        <p:spPr>
+          <a:xfrm>
+            <a:off x="128585" y="3681408"/>
+            <a:ext cx="11934820" cy="0"/>
+          </a:xfrm>
+          <a:prstGeom prst="line">
+            <a:avLst/>
+          </a:prstGeom>
+          <a:ln>
+            <a:solidFill>
+              <a:srgbClr val="E63946"/>
+            </a:solidFill>
+          </a:ln>
+        </p:spPr>
+        <p:style>
+          <a:lnRef idx="2">
+            <a:schemeClr val="accent1"/>
+          </a:lnRef>
+          <a:fillRef idx="0">
+            <a:schemeClr val="accent1"/>
+          </a:fillRef>
+          <a:effectRef idx="1">
+            <a:schemeClr val="accent1"/>
+          </a:effectRef>
+          <a:fontRef idx="minor">
+            <a:schemeClr val="tx1"/>
+          </a:fontRef>
+        </p:style>
+      </p:cxnSp>
+      <p:sp>
+        <p:nvSpPr>
+          <p:cNvPr id="6" name="Retângulo 5">
+            <a:extLst>
+              <a:ext uri="{FF2B5EF4-FFF2-40B4-BE49-F238E27FC236}">
+                <a16:creationId xmlns:a16="http://schemas.microsoft.com/office/drawing/2014/main" id="{758A17AB-1D4D-8690-642B-0C29618D1F4A}"/>
+              </a:ext>
+            </a:extLst>
+          </p:cNvPr>
+          <p:cNvSpPr/>
+          <p:nvPr/>
+        </p:nvSpPr>
+        <p:spPr>
+          <a:xfrm>
+            <a:off x="434425" y="292896"/>
+            <a:ext cx="2859381" cy="2755876"/>
+          </a:xfrm>
+          <a:prstGeom prst="rect">
+            <a:avLst/>
+          </a:prstGeom>
+        </p:spPr>
+        <p:style>
+          <a:lnRef idx="2">
+            <a:schemeClr val="accent1">
+              <a:shade val="15000"/>
+            </a:schemeClr>
+          </a:lnRef>
+          <a:fillRef idx="1">
+            <a:schemeClr val="accent1"/>
+          </a:fillRef>
+          <a:effectRef idx="0">
+            <a:schemeClr val="accent1"/>
+          </a:effectRef>
+          <a:fontRef idx="minor">
+            <a:schemeClr val="lt1"/>
+          </a:fontRef>
+        </p:style>
+        <p:txBody>
+          <a:bodyPr rtlCol="0" anchor="ctr"/>
+          <a:lstStyle/>
+          <a:p>
+            <a:pPr algn="ctr"/>
+            <a:endParaRPr lang="pt-BR"/>
+          </a:p>
+        </p:txBody>
+      </p:sp>
+      <p:sp>
+        <p:nvSpPr>
+          <p:cNvPr id="8" name="Retângulo 7">
+            <a:extLst>
+              <a:ext uri="{FF2B5EF4-FFF2-40B4-BE49-F238E27FC236}">
+                <a16:creationId xmlns:a16="http://schemas.microsoft.com/office/drawing/2014/main" id="{5E155FF2-7656-CDE9-2CC9-EB9C39C8F74C}"/>
+              </a:ext>
+            </a:extLst>
+          </p:cNvPr>
+          <p:cNvSpPr/>
+          <p:nvPr/>
+        </p:nvSpPr>
+        <p:spPr>
+          <a:xfrm>
+            <a:off x="5601277" y="4852886"/>
+            <a:ext cx="6590723" cy="1193952"/>
+          </a:xfrm>
+          <a:prstGeom prst="rect">
+            <a:avLst/>
+          </a:prstGeom>
+        </p:spPr>
+        <p:style>
+          <a:lnRef idx="2">
+            <a:schemeClr val="accent1">
+              <a:shade val="15000"/>
+            </a:schemeClr>
+          </a:lnRef>
+          <a:fillRef idx="1">
+            <a:schemeClr val="accent1"/>
+          </a:fillRef>
+          <a:effectRef idx="0">
+            <a:schemeClr val="accent1"/>
+          </a:effectRef>
+          <a:fontRef idx="minor">
+            <a:schemeClr val="lt1"/>
+          </a:fontRef>
+        </p:style>
+        <p:txBody>
+          <a:bodyPr rtlCol="0" anchor="ctr"/>
+          <a:lstStyle/>
+          <a:p>
+            <a:pPr algn="ctr"/>
+            <a:endParaRPr lang="pt-BR"/>
+          </a:p>
+        </p:txBody>
+      </p:sp>
+    </p:spTree>
+    <p:extLst>
+      <p:ext uri="{BB962C8B-B14F-4D97-AF65-F5344CB8AC3E}">
+        <p14:creationId xmlns:p14="http://schemas.microsoft.com/office/powerpoint/2010/main" val="2072898065"/>
+      </p:ext>
+    </p:extLst>
+  </p:cSld>
+  <p:clrMapOvr>
+    <a:masterClrMapping/>
+  </p:clrMapOvr>
+  <p:timing>
+    <p:tnLst>
+      <p:par>
+        <p:cTn id="1" dur="indefinite" restart="never" nodeType="tmRoot">
+          <p:childTnLst>
+            <p:seq concurrent="1" nextAc="seek">
+              <p:cTn id="2" dur="indefinite" nodeType="mainSeq">
+                <p:childTnLst>
+                  <p:par>
+                    <p:cTn id="3" fill="hold">
+                      <p:stCondLst>
+                        <p:cond delay="indefinite"/>
+                        <p:cond evt="onBegin" delay="0">
+                          <p:tn val="2"/>
+                        </p:cond>
+                      </p:stCondLst>
+                      <p:childTnLst>
+                        <p:par>
+                          <p:cTn id="4" fill="hold">
+                            <p:stCondLst>
+                              <p:cond delay="0"/>
+                            </p:stCondLst>
+                            <p:childTnLst>
+                              <p:par>
+                                <p:cTn id="5" presetID="10" presetClass="entr" presetSubtype="0" fill="hold" grpId="0" nodeType="withEffect">
+                                  <p:stCondLst>
+                                    <p:cond delay="1000"/>
+                                  </p:stCondLst>
+                                  <p:iterate type="lt">
+                                    <p:tmPct val="10000"/>
+                                  </p:iterate>
+                                  <p:childTnLst>
+                                    <p:set>
+                                      <p:cBhvr>
+                                        <p:cTn id="6" dur="1" fill="hold">
+                                          <p:stCondLst>
+                                            <p:cond delay="0"/>
+                                          </p:stCondLst>
+                                        </p:cTn>
+                                        <p:tgtEl>
+                                          <p:spTgt spid="2"/>
+                                        </p:tgtEl>
+                                        <p:attrNameLst>
+                                          <p:attrName>style.visibility</p:attrName>
+                                        </p:attrNameLst>
+                                      </p:cBhvr>
+                                      <p:to>
+                                        <p:strVal val="visible"/>
+                                      </p:to>
+                                    </p:set>
+                                    <p:animEffect transition="in" filter="fade">
+                                      <p:cBhvr>
+                                        <p:cTn id="7" dur="400"/>
+                                        <p:tgtEl>
+                                          <p:spTgt spid="2"/>
+                                        </p:tgtEl>
+                                      </p:cBhvr>
+                                    </p:animEffect>
+                                  </p:childTnLst>
+                                </p:cTn>
+                              </p:par>
+                            </p:childTnLst>
+                          </p:cTn>
+                        </p:par>
+                      </p:childTnLst>
+                    </p:cTn>
+                  </p:par>
+                </p:childTnLst>
+              </p:cTn>
+              <p:prevCondLst>
+                <p:cond evt="onPrev" delay="0">
+                  <p:tgtEl>
+                    <p:sldTgt/>
+                  </p:tgtEl>
+                </p:cond>
+              </p:prevCondLst>
+              <p:nextCondLst>
+                <p:cond evt="onNext" delay="0">
+                  <p:tgtEl>
+                    <p:sldTgt/>
+                  </p:tgtEl>
+                </p:cond>
+              </p:nextCondLst>
+            </p:seq>
+          </p:childTnLst>
+        </p:cTn>
+      </p:par>
+    </p:tnLst>
+    <p:bldLst>
+      <p:bldP spid="2" grpId="0"/>
+    </p:bldLst>
+  </p:timing>
+</p:sld>
+</file>
+
+<file path=ppt/slides/slide4.xml><?xml version="1.0" encoding="utf-8"?>
+<p:sld xmlns:a="http://schemas.openxmlformats.org/drawingml/2006/main" xmlns:r="http://schemas.openxmlformats.org/officeDocument/2006/relationships" xmlns:p="http://schemas.openxmlformats.org/presentationml/2006/main">
+  <p:cSld>
+    <p:bg>
+      <p:bgPr>
+        <a:solidFill>
+          <a:schemeClr val="tx1"/>
+        </a:solidFill>
+        <a:effectLst/>
+      </p:bgPr>
+    </p:bg>
     <p:spTree>
       <p:nvGrpSpPr>
         <p:cNvPr id="1" name=""/>
@@ -5610,13 +8361,22 @@
             <p:ph type="title"/>
           </p:nvPr>
         </p:nvSpPr>
-        <p:spPr/>
+        <p:spPr>
+          <a:xfrm>
+            <a:off x="402465" y="19484"/>
+            <a:ext cx="10515600" cy="1325563"/>
+          </a:xfrm>
+        </p:spPr>
         <p:txBody>
           <a:bodyPr/>
           <a:lstStyle/>
           <a:p>
             <a:r>
-              <a:rPr lang="pt-BR" dirty="0"/>
+              <a:rPr lang="pt-BR">
+                <a:solidFill>
+                  <a:schemeClr val="bg1"/>
+                </a:solidFill>
+              </a:rPr>
               <a:t>Metodologia e Organização</a:t>
             </a:r>
           </a:p>
@@ -5645,7 +8405,7 @@
           </a:xfrm>
         </p:spPr>
         <p:txBody>
-          <a:bodyPr>
+          <a:bodyPr vert="horz" lIns="91440" tIns="45720" rIns="91440" bIns="45720" rtlCol="0" anchor="t">
             <a:normAutofit/>
           </a:bodyPr>
           <a:lstStyle/>
@@ -5654,47 +8414,83 @@
               <a:buNone/>
             </a:pPr>
             <a:r>
-              <a:rPr lang="pt-BR" sz="6000" dirty="0"/>
+              <a:rPr lang="pt-BR" sz="6000">
+                <a:solidFill>
+                  <a:schemeClr val="bg1"/>
+                </a:solidFill>
+              </a:rPr>
               <a:t>SCRUM:</a:t>
             </a:r>
           </a:p>
           <a:p>
             <a:r>
-              <a:rPr lang="pt-BR" sz="2000" dirty="0"/>
+              <a:rPr lang="pt-BR" sz="2000">
+                <a:solidFill>
+                  <a:schemeClr val="bg1"/>
+                </a:solidFill>
+              </a:rPr>
               <a:t>Daily</a:t>
             </a:r>
           </a:p>
           <a:p>
             <a:r>
-              <a:rPr lang="pt-BR" sz="2000" dirty="0"/>
+              <a:rPr lang="pt-BR" sz="2000">
+                <a:solidFill>
+                  <a:schemeClr val="bg1"/>
+                </a:solidFill>
+              </a:rPr>
               <a:t>Sprints</a:t>
             </a:r>
           </a:p>
           <a:p>
             <a:r>
-              <a:rPr lang="pt-BR" sz="2000" dirty="0"/>
+              <a:rPr lang="pt-BR" sz="2000">
+                <a:solidFill>
+                  <a:schemeClr val="bg1"/>
+                </a:solidFill>
+              </a:rPr>
               <a:t>Sprint Planning</a:t>
             </a:r>
           </a:p>
           <a:p>
             <a:r>
-              <a:rPr lang="pt-BR" sz="2000" dirty="0"/>
+              <a:rPr lang="pt-BR" sz="2000">
+                <a:solidFill>
+                  <a:schemeClr val="bg1"/>
+                </a:solidFill>
+              </a:rPr>
               <a:t>Sprint </a:t>
             </a:r>
             <a:r>
-              <a:rPr lang="pt-BR" sz="2000" dirty="0" err="1"/>
+              <a:rPr lang="pt-BR" sz="2000" err="1">
+                <a:solidFill>
+                  <a:schemeClr val="bg1"/>
+                </a:solidFill>
+              </a:rPr>
               <a:t>Retrospective</a:t>
             </a:r>
-            <a:endParaRPr lang="pt-BR" sz="2000" dirty="0"/>
-          </a:p>
-          <a:p>
-            <a:endParaRPr lang="pt-BR" sz="1800" dirty="0"/>
+            <a:endParaRPr lang="pt-BR" sz="2000">
+              <a:solidFill>
+                <a:schemeClr val="bg1"/>
+              </a:solidFill>
+            </a:endParaRPr>
+          </a:p>
+          <a:p>
+            <a:endParaRPr lang="pt-BR" sz="1800">
+              <a:solidFill>
+                <a:schemeClr val="bg1"/>
+              </a:solidFill>
+            </a:endParaRPr>
           </a:p>
           <a:p>
             <a:pPr marL="0" indent="0">
               <a:buNone/>
             </a:pPr>
-            <a:endParaRPr lang="pt-BR" sz="1800" dirty="0"/>
+            <a:endParaRPr lang="pt-BR" sz="1800">
+              <a:solidFill>
+                <a:schemeClr val="bg1"/>
+              </a:solidFill>
+            </a:endParaRPr>
           </a:p>
         </p:txBody>
       </p:sp>
@@ -5715,6 +8511,15 @@
         <p:blipFill>
           <a:blip r:embed="rId2">
             <a:extLst>
+              <a:ext uri="{BEBA8EAE-BF5A-486C-A8C5-ECC9F3942E4B}">
+                <a14:imgProps xmlns:a14="http://schemas.microsoft.com/office/drawing/2010/main">
+                  <a14:imgLayer r:embed="rId3">
+                    <a14:imgEffect>
+                      <a14:brightnessContrast bright="100000"/>
+                    </a14:imgEffect>
+                  </a14:imgLayer>
+                </a14:imgProps>
+              </a:ext>
               <a:ext uri="{28A0092B-C50C-407E-A947-70E740481C1C}">
                 <a14:useLocalDpi xmlns:a14="http://schemas.microsoft.com/office/drawing/2010/main" val="0"/>
               </a:ext>
@@ -5727,13 +8532,12 @@
         </p:blipFill>
         <p:spPr bwMode="auto">
           <a:xfrm>
-            <a:off x="7133422" y="1601937"/>
+            <a:off x="4753477" y="1601937"/>
             <a:ext cx="1182963" cy="1182963"/>
           </a:xfrm>
           <a:prstGeom prst="rect">
             <a:avLst/>
           </a:prstGeom>
-          <a:noFill/>
           <a:extLst>
             <a:ext uri="{909E8E84-426E-40DD-AFC4-6F175D3DCCD1}">
               <a14:hiddenFill xmlns:a14="http://schemas.microsoft.com/office/drawing/2010/main">
@@ -5759,7 +8563,7 @@
         </p:nvSpPr>
         <p:spPr>
           <a:xfrm>
-            <a:off x="8290932" y="1690688"/>
+            <a:off x="5942302" y="1690688"/>
             <a:ext cx="3062868" cy="1015663"/>
           </a:xfrm>
           <a:prstGeom prst="rect">
@@ -5768,16 +8572,24 @@
           <a:noFill/>
         </p:spPr>
         <p:txBody>
-          <a:bodyPr wrap="square" rtlCol="0">
+          <a:bodyPr wrap="square" lIns="91440" tIns="45720" rIns="91440" bIns="45720" rtlCol="0" anchor="t">
             <a:spAutoFit/>
           </a:bodyPr>
           <a:lstStyle/>
           <a:p>
             <a:r>
-              <a:rPr lang="pt-BR" sz="6000" dirty="0"/>
+              <a:rPr lang="pt-BR" sz="6000">
+                <a:solidFill>
+                  <a:schemeClr val="bg1"/>
+                </a:solidFill>
+              </a:rPr>
               <a:t>GitHub</a:t>
             </a:r>
-            <a:endParaRPr lang="pt-BR" sz="4400" dirty="0"/>
+            <a:endParaRPr lang="pt-BR" sz="4400">
+              <a:solidFill>
+                <a:schemeClr val="bg1"/>
+              </a:solidFill>
+            </a:endParaRPr>
           </a:p>
         </p:txBody>
       </p:sp>
@@ -5796,7 +8608,7 @@
           <p:nvPr/>
         </p:nvPicPr>
         <p:blipFill>
-          <a:blip r:embed="rId3">
+          <a:blip r:embed="rId4">
             <a:extLst>
               <a:ext uri="{28A0092B-C50C-407E-A947-70E740481C1C}">
                 <a14:useLocalDpi xmlns:a14="http://schemas.microsoft.com/office/drawing/2010/main" val="0"/>
@@ -5810,7 +8622,7 @@
         </p:blipFill>
         <p:spPr bwMode="auto">
           <a:xfrm>
-            <a:off x="7580559" y="2916355"/>
+            <a:off x="5231929" y="2916355"/>
             <a:ext cx="442565" cy="442565"/>
           </a:xfrm>
           <a:prstGeom prst="rect">
@@ -5842,7 +8654,7 @@
         </p:nvSpPr>
         <p:spPr>
           <a:xfrm>
-            <a:off x="8125128" y="2924892"/>
+            <a:off x="5776498" y="2924892"/>
             <a:ext cx="2519921" cy="461665"/>
           </a:xfrm>
           <a:prstGeom prst="rect">
@@ -5851,16 +8663,24 @@
           <a:noFill/>
         </p:spPr>
         <p:txBody>
-          <a:bodyPr wrap="none" rtlCol="0">
+          <a:bodyPr wrap="none" lIns="91440" tIns="45720" rIns="91440" bIns="45720" rtlCol="0" anchor="t">
             <a:spAutoFit/>
           </a:bodyPr>
           <a:lstStyle/>
           <a:p>
             <a:r>
-              <a:rPr lang="pt-BR" sz="2400" dirty="0" err="1"/>
+              <a:rPr lang="pt-BR" sz="2400" err="1">
+                <a:solidFill>
+                  <a:schemeClr val="bg1"/>
+                </a:solidFill>
+              </a:rPr>
               <a:t>Banco_de_Dados</a:t>
             </a:r>
-            <a:endParaRPr lang="pt-BR" dirty="0"/>
+            <a:endParaRPr lang="pt-BR">
+              <a:solidFill>
+                <a:schemeClr val="bg1"/>
+              </a:solidFill>
+            </a:endParaRPr>
           </a:p>
         </p:txBody>
       </p:sp>
@@ -5879,7 +8699,7 @@
           <p:nvPr/>
         </p:nvPicPr>
         <p:blipFill>
-          <a:blip r:embed="rId3">
+          <a:blip r:embed="rId4">
             <a:extLst>
               <a:ext uri="{28A0092B-C50C-407E-A947-70E740481C1C}">
                 <a14:useLocalDpi xmlns:a14="http://schemas.microsoft.com/office/drawing/2010/main" val="0"/>
@@ -5893,7 +8713,7 @@
         </p:blipFill>
         <p:spPr bwMode="auto">
           <a:xfrm>
-            <a:off x="7582594" y="3630876"/>
+            <a:off x="5233964" y="3630876"/>
             <a:ext cx="442565" cy="442565"/>
           </a:xfrm>
           <a:prstGeom prst="rect">
@@ -5925,7 +8745,7 @@
         </p:nvSpPr>
         <p:spPr>
           <a:xfrm>
-            <a:off x="8130854" y="3643447"/>
+            <a:off x="5782224" y="3643447"/>
             <a:ext cx="1911229" cy="461665"/>
           </a:xfrm>
           <a:prstGeom prst="rect">
@@ -5934,16 +8754,24 @@
           <a:noFill/>
         </p:spPr>
         <p:txBody>
-          <a:bodyPr wrap="none" rtlCol="0">
+          <a:bodyPr wrap="none" lIns="91440" tIns="45720" rIns="91440" bIns="45720" rtlCol="0" anchor="t">
             <a:spAutoFit/>
           </a:bodyPr>
           <a:lstStyle/>
           <a:p>
             <a:r>
-              <a:rPr lang="pt-BR" sz="2400" dirty="0"/>
+              <a:rPr lang="pt-BR" sz="2400">
+                <a:solidFill>
+                  <a:schemeClr val="bg1"/>
+                </a:solidFill>
+              </a:rPr>
               <a:t>Documentos</a:t>
             </a:r>
-            <a:endParaRPr lang="pt-BR" dirty="0"/>
+            <a:endParaRPr lang="pt-BR">
+              <a:solidFill>
+                <a:schemeClr val="bg1"/>
+              </a:solidFill>
+            </a:endParaRPr>
           </a:p>
         </p:txBody>
       </p:sp>
@@ -5962,7 +8790,7 @@
           <p:nvPr/>
         </p:nvPicPr>
         <p:blipFill>
-          <a:blip r:embed="rId3">
+          <a:blip r:embed="rId4">
             <a:extLst>
               <a:ext uri="{28A0092B-C50C-407E-A947-70E740481C1C}">
                 <a14:useLocalDpi xmlns:a14="http://schemas.microsoft.com/office/drawing/2010/main" val="0"/>
@@ -5976,7 +8804,7 @@
         </p:blipFill>
         <p:spPr bwMode="auto">
           <a:xfrm>
-            <a:off x="7566330" y="4336774"/>
+            <a:off x="5217700" y="4336774"/>
             <a:ext cx="442565" cy="442565"/>
           </a:xfrm>
           <a:prstGeom prst="rect">
@@ -6008,7 +8836,7 @@
         </p:nvSpPr>
         <p:spPr>
           <a:xfrm>
-            <a:off x="8126883" y="4336209"/>
+            <a:off x="5778253" y="4336209"/>
             <a:ext cx="2120260" cy="461665"/>
           </a:xfrm>
           <a:prstGeom prst="rect">
@@ -6023,10 +8851,18 @@
           <a:lstStyle/>
           <a:p>
             <a:r>
-              <a:rPr lang="pt-BR" sz="2400" dirty="0" err="1"/>
+              <a:rPr lang="pt-BR" sz="2400" err="1">
+                <a:solidFill>
+                  <a:srgbClr val="FFFFFF"/>
+                </a:solidFill>
+              </a:rPr>
               <a:t>Login_Netmed</a:t>
             </a:r>
-            <a:endParaRPr lang="pt-BR" dirty="0"/>
+            <a:endParaRPr lang="pt-BR">
+              <a:solidFill>
+                <a:srgbClr val="FFFFFF"/>
+              </a:solidFill>
+            </a:endParaRPr>
           </a:p>
         </p:txBody>
       </p:sp>
@@ -6045,7 +8881,7 @@
           <p:nvPr/>
         </p:nvPicPr>
         <p:blipFill>
-          <a:blip r:embed="rId3">
+          <a:blip r:embed="rId4">
             <a:extLst>
               <a:ext uri="{28A0092B-C50C-407E-A947-70E740481C1C}">
                 <a14:useLocalDpi xmlns:a14="http://schemas.microsoft.com/office/drawing/2010/main" val="0"/>
@@ -6059,7 +8895,7 @@
         </p:blipFill>
         <p:spPr bwMode="auto">
           <a:xfrm>
-            <a:off x="7592429" y="5087715"/>
+            <a:off x="5243799" y="5087715"/>
             <a:ext cx="442565" cy="442565"/>
           </a:xfrm>
           <a:prstGeom prst="rect">
@@ -6091,7 +8927,7 @@
         </p:nvSpPr>
         <p:spPr>
           <a:xfrm>
-            <a:off x="8152982" y="5087150"/>
+            <a:off x="5804352" y="5087150"/>
             <a:ext cx="2494529" cy="461665"/>
           </a:xfrm>
           <a:prstGeom prst="rect">
@@ -6106,10 +8942,18 @@
           <a:lstStyle/>
           <a:p>
             <a:r>
-              <a:rPr lang="pt-BR" sz="2400" u="sng" dirty="0" err="1"/>
+              <a:rPr lang="pt-BR" sz="2400" u="sng" err="1">
+                <a:solidFill>
+                  <a:srgbClr val="FFFFFF"/>
+                </a:solidFill>
+              </a:rPr>
               <a:t>Site_Institucional</a:t>
             </a:r>
-            <a:endParaRPr lang="pt-BR" u="sng" dirty="0"/>
+            <a:endParaRPr lang="pt-BR" u="sng">
+              <a:solidFill>
+                <a:srgbClr val="FFFFFF"/>
+              </a:solidFill>
+            </a:endParaRPr>
           </a:p>
         </p:txBody>
       </p:sp>
@@ -6136,7 +8980,7 @@
           <a:noFill/>
         </p:spPr>
         <p:txBody>
-          <a:bodyPr wrap="square" rtlCol="0">
+          <a:bodyPr wrap="square" lIns="91440" tIns="45720" rIns="91440" bIns="45720" rtlCol="0" anchor="t">
             <a:spAutoFit/>
           </a:bodyPr>
           <a:lstStyle/>
@@ -6145,7 +8989,11 @@
               <a:buNone/>
             </a:pPr>
             <a:r>
-              <a:rPr lang="pt-BR" sz="6000" dirty="0"/>
+              <a:rPr lang="pt-BR" sz="6000">
+                <a:solidFill>
+                  <a:schemeClr val="bg1"/>
+                </a:solidFill>
+              </a:rPr>
               <a:t>EOS:</a:t>
             </a:r>
           </a:p>
@@ -6155,7 +9003,11 @@
               <a:buChar char="•"/>
             </a:pPr>
             <a:r>
-              <a:rPr lang="pt-BR" sz="2000" dirty="0"/>
+              <a:rPr lang="pt-BR" sz="2000">
+                <a:solidFill>
+                  <a:schemeClr val="bg1"/>
+                </a:solidFill>
+              </a:rPr>
               <a:t>L-10</a:t>
             </a:r>
           </a:p>
@@ -6165,15 +9017,73 @@
               <a:buChar char="•"/>
             </a:pPr>
             <a:r>
-              <a:rPr lang="pt-BR" sz="2000" dirty="0"/>
+              <a:rPr lang="pt-BR" sz="2000">
+                <a:solidFill>
+                  <a:schemeClr val="bg1"/>
+                </a:solidFill>
+              </a:rPr>
               <a:t>IDS</a:t>
             </a:r>
           </a:p>
           <a:p>
-            <a:endParaRPr lang="pt-BR" sz="1600" dirty="0"/>
-          </a:p>
-          <a:p>
-            <a:endParaRPr lang="pt-BR" dirty="0"/>
+            <a:endParaRPr lang="pt-BR" sz="1600"/>
+          </a:p>
+          <a:p>
+            <a:endParaRPr lang="pt-BR"/>
+          </a:p>
+        </p:txBody>
+      </p:sp>
+      <p:sp>
+        <p:nvSpPr>
+          <p:cNvPr id="5" name="Paralelogramo 4">
+            <a:extLst>
+              <a:ext uri="{FF2B5EF4-FFF2-40B4-BE49-F238E27FC236}">
+                <a16:creationId xmlns:a16="http://schemas.microsoft.com/office/drawing/2014/main" id="{1073AEE9-7520-BA20-CFC7-315A0E597E9D}"/>
+              </a:ext>
+            </a:extLst>
+          </p:cNvPr>
+          <p:cNvSpPr/>
+          <p:nvPr/>
+        </p:nvSpPr>
+        <p:spPr>
+          <a:xfrm>
+            <a:off x="8996819" y="-106645"/>
+            <a:ext cx="4235710" cy="7725601"/>
+          </a:xfrm>
+          <a:prstGeom prst="parallelogram">
+            <a:avLst/>
+          </a:prstGeom>
+          <a:solidFill>
+            <a:srgbClr val="E63946"/>
+          </a:solidFill>
+          <a:ln w="57150">
+            <a:solidFill>
+              <a:srgbClr val="EDF2F4"/>
+            </a:solidFill>
+          </a:ln>
+        </p:spPr>
+        <p:style>
+          <a:lnRef idx="2">
+            <a:schemeClr val="accent1">
+              <a:shade val="15000"/>
+            </a:schemeClr>
+          </a:lnRef>
+          <a:fillRef idx="1">
+            <a:schemeClr val="accent1"/>
+          </a:fillRef>
+          <a:effectRef idx="0">
+            <a:schemeClr val="accent1"/>
+          </a:effectRef>
+          <a:fontRef idx="minor">
+            <a:schemeClr val="lt1"/>
+          </a:fontRef>
+        </p:style>
+        <p:txBody>
+          <a:bodyPr rtlCol="0" anchor="ctr"/>
+          <a:lstStyle/>
+          <a:p>
+            <a:pPr algn="ctr"/>
+            <a:endParaRPr lang="pt-BR"/>
           </a:p>
         </p:txBody>
       </p:sp>
@@ -6190,9 +9100,269 @@
 </p:sld>
 </file>
 
-<file path=ppt/slides/slide4.xml><?xml version="1.0" encoding="utf-8"?>
+<file path=ppt/slides/slide5.xml><?xml version="1.0" encoding="utf-8"?>
 <p:sld xmlns:a="http://schemas.openxmlformats.org/drawingml/2006/main" xmlns:r="http://schemas.openxmlformats.org/officeDocument/2006/relationships" xmlns:p="http://schemas.openxmlformats.org/presentationml/2006/main">
   <p:cSld>
+    <p:bg>
+      <p:bgPr>
+        <a:solidFill>
+          <a:srgbClr val="EDF2F4"/>
+        </a:solidFill>
+        <a:effectLst/>
+      </p:bgPr>
+    </p:bg>
+    <p:spTree>
+      <p:nvGrpSpPr>
+        <p:cNvPr id="1" name=""/>
+        <p:cNvGrpSpPr/>
+        <p:nvPr/>
+      </p:nvGrpSpPr>
+      <p:grpSpPr>
+        <a:xfrm>
+          <a:off x="0" y="0"/>
+          <a:ext cx="0" cy="0"/>
+          <a:chOff x="0" y="0"/>
+          <a:chExt cx="0" cy="0"/>
+        </a:xfrm>
+      </p:grpSpPr>
+      <p:sp>
+        <p:nvSpPr>
+          <p:cNvPr id="12" name="Retângulo 11">
+            <a:extLst>
+              <a:ext uri="{FF2B5EF4-FFF2-40B4-BE49-F238E27FC236}">
+                <a16:creationId xmlns:a16="http://schemas.microsoft.com/office/drawing/2014/main" id="{64C27E7C-9DFD-E6AA-3945-C9EE26096BE0}"/>
+              </a:ext>
+            </a:extLst>
+          </p:cNvPr>
+          <p:cNvSpPr/>
+          <p:nvPr/>
+        </p:nvSpPr>
+        <p:spPr>
+          <a:xfrm>
+            <a:off x="-88490" y="6370324"/>
+            <a:ext cx="12418142" cy="1438642"/>
+          </a:xfrm>
+          <a:prstGeom prst="rect">
+            <a:avLst/>
+          </a:prstGeom>
+          <a:solidFill>
+            <a:srgbClr val="E63946"/>
+          </a:solidFill>
+          <a:ln w="57150">
+            <a:solidFill>
+              <a:srgbClr val="151529"/>
+            </a:solidFill>
+          </a:ln>
+        </p:spPr>
+        <p:style>
+          <a:lnRef idx="2">
+            <a:schemeClr val="accent1">
+              <a:shade val="15000"/>
+            </a:schemeClr>
+          </a:lnRef>
+          <a:fillRef idx="1">
+            <a:schemeClr val="accent1"/>
+          </a:fillRef>
+          <a:effectRef idx="0">
+            <a:schemeClr val="accent1"/>
+          </a:effectRef>
+          <a:fontRef idx="minor">
+            <a:schemeClr val="lt1"/>
+          </a:fontRef>
+        </p:style>
+        <p:txBody>
+          <a:bodyPr rtlCol="0" anchor="ctr"/>
+          <a:lstStyle/>
+          <a:p>
+            <a:pPr algn="ctr"/>
+            <a:endParaRPr lang="pt-BR"/>
+          </a:p>
+        </p:txBody>
+      </p:sp>
+      <p:pic>
+        <p:nvPicPr>
+          <p:cNvPr id="9" name="Imagem 8" descr="Diagrama&#10;&#10;Descrição gerada automaticamente">
+            <a:extLst>
+              <a:ext uri="{FF2B5EF4-FFF2-40B4-BE49-F238E27FC236}">
+                <a16:creationId xmlns:a16="http://schemas.microsoft.com/office/drawing/2014/main" id="{E55A21B3-2B53-36E0-7161-25C25E5A7DB7}"/>
+              </a:ext>
+            </a:extLst>
+          </p:cNvPr>
+          <p:cNvPicPr>
+            <a:picLocks noChangeAspect="1"/>
+          </p:cNvPicPr>
+          <p:nvPr/>
+        </p:nvPicPr>
+        <p:blipFill rotWithShape="1">
+          <a:blip r:embed="rId2"/>
+          <a:srcRect l="5232" t="8195" r="12581" b="14493"/>
+          <a:stretch/>
+        </p:blipFill>
+        <p:spPr>
+          <a:xfrm>
+            <a:off x="820993" y="615249"/>
+            <a:ext cx="10550013" cy="5663381"/>
+          </a:xfrm>
+          <a:prstGeom prst="rect">
+            <a:avLst/>
+          </a:prstGeom>
+        </p:spPr>
+      </p:pic>
+      <p:sp>
+        <p:nvSpPr>
+          <p:cNvPr id="2" name="Título 1">
+            <a:extLst>
+              <a:ext uri="{FF2B5EF4-FFF2-40B4-BE49-F238E27FC236}">
+                <a16:creationId xmlns:a16="http://schemas.microsoft.com/office/drawing/2014/main" id="{3DE9E981-2B47-1DAB-FDF3-3674F50CCEF6}"/>
+              </a:ext>
+            </a:extLst>
+          </p:cNvPr>
+          <p:cNvSpPr>
+            <a:spLocks noGrp="1"/>
+          </p:cNvSpPr>
+          <p:nvPr>
+            <p:ph type="title"/>
+          </p:nvPr>
+        </p:nvSpPr>
+        <p:spPr>
+          <a:xfrm>
+            <a:off x="218722" y="380008"/>
+            <a:ext cx="3468375" cy="613050"/>
+          </a:xfrm>
+        </p:spPr>
+        <p:txBody>
+          <a:bodyPr>
+            <a:noAutofit/>
+          </a:bodyPr>
+          <a:lstStyle/>
+          <a:p>
+            <a:r>
+              <a:rPr lang="pt-BR" sz="3200">
+                <a:latin typeface="Verdana"/>
+                <a:ea typeface="Verdana"/>
+              </a:rPr>
+              <a:t>Solução Técnica</a:t>
+            </a:r>
+          </a:p>
+        </p:txBody>
+      </p:sp>
+      <p:sp>
+        <p:nvSpPr>
+          <p:cNvPr id="13" name="Retângulo 12">
+            <a:extLst>
+              <a:ext uri="{FF2B5EF4-FFF2-40B4-BE49-F238E27FC236}">
+                <a16:creationId xmlns:a16="http://schemas.microsoft.com/office/drawing/2014/main" id="{E5ED7509-39BF-608C-BA75-2789F7D7E797}"/>
+              </a:ext>
+            </a:extLst>
+          </p:cNvPr>
+          <p:cNvSpPr/>
+          <p:nvPr/>
+        </p:nvSpPr>
+        <p:spPr>
+          <a:xfrm>
+            <a:off x="0" y="993058"/>
+            <a:ext cx="3834583" cy="116421"/>
+          </a:xfrm>
+          <a:prstGeom prst="rect">
+            <a:avLst/>
+          </a:prstGeom>
+          <a:solidFill>
+            <a:srgbClr val="E63946"/>
+          </a:solidFill>
+          <a:ln w="57150">
+            <a:noFill/>
+          </a:ln>
+        </p:spPr>
+        <p:style>
+          <a:lnRef idx="2">
+            <a:schemeClr val="accent1">
+              <a:shade val="15000"/>
+            </a:schemeClr>
+          </a:lnRef>
+          <a:fillRef idx="1">
+            <a:schemeClr val="accent1"/>
+          </a:fillRef>
+          <a:effectRef idx="0">
+            <a:schemeClr val="accent1"/>
+          </a:effectRef>
+          <a:fontRef idx="minor">
+            <a:schemeClr val="lt1"/>
+          </a:fontRef>
+        </p:style>
+        <p:txBody>
+          <a:bodyPr rtlCol="0" anchor="ctr"/>
+          <a:lstStyle/>
+          <a:p>
+            <a:pPr algn="ctr"/>
+            <a:endParaRPr lang="pt-BR"/>
+          </a:p>
+        </p:txBody>
+      </p:sp>
+      <p:cxnSp>
+        <p:nvCxnSpPr>
+          <p:cNvPr id="15" name="Conector de Seta Reta 14">
+            <a:extLst>
+              <a:ext uri="{FF2B5EF4-FFF2-40B4-BE49-F238E27FC236}">
+                <a16:creationId xmlns:a16="http://schemas.microsoft.com/office/drawing/2014/main" id="{F21413A5-5E8D-7121-F9C0-A640A6F20AA6}"/>
+              </a:ext>
+            </a:extLst>
+          </p:cNvPr>
+          <p:cNvCxnSpPr/>
+          <p:nvPr/>
+        </p:nvCxnSpPr>
+        <p:spPr>
+          <a:xfrm flipV="1">
+            <a:off x="-224880" y="1080558"/>
+            <a:ext cx="4055688" cy="7620"/>
+          </a:xfrm>
+          <a:prstGeom prst="straightConnector1">
+            <a:avLst/>
+          </a:prstGeom>
+          <a:ln w="57150">
+            <a:solidFill>
+              <a:srgbClr val="151529"/>
+            </a:solidFill>
+          </a:ln>
+        </p:spPr>
+        <p:style>
+          <a:lnRef idx="2">
+            <a:schemeClr val="accent1"/>
+          </a:lnRef>
+          <a:fillRef idx="0">
+            <a:schemeClr val="accent1"/>
+          </a:fillRef>
+          <a:effectRef idx="1">
+            <a:schemeClr val="accent1"/>
+          </a:effectRef>
+          <a:fontRef idx="minor">
+            <a:schemeClr val="tx1"/>
+          </a:fontRef>
+        </p:style>
+      </p:cxnSp>
+    </p:spTree>
+    <p:extLst>
+      <p:ext uri="{BB962C8B-B14F-4D97-AF65-F5344CB8AC3E}">
+        <p14:creationId xmlns:p14="http://schemas.microsoft.com/office/powerpoint/2010/main" val="2879615833"/>
+      </p:ext>
+    </p:extLst>
+  </p:cSld>
+  <p:clrMapOvr>
+    <a:masterClrMapping/>
+  </p:clrMapOvr>
+</p:sld>
+</file>
+
+<file path=ppt/slides/slide6.xml><?xml version="1.0" encoding="utf-8"?>
+<p:sld xmlns:a="http://schemas.openxmlformats.org/drawingml/2006/main" xmlns:r="http://schemas.openxmlformats.org/officeDocument/2006/relationships" xmlns:p="http://schemas.openxmlformats.org/presentationml/2006/main">
+  <p:cSld>
+    <p:bg>
+      <p:bgPr>
+        <a:solidFill>
+          <a:srgbClr val="EDF2F4"/>
+        </a:solidFill>
+        <a:effectLst/>
+      </p:bgPr>
+    </p:bg>
     <p:spTree>
       <p:nvGrpSpPr>
         <p:cNvPr id="1" name=""/>
@@ -6222,14 +9392,14 @@
           <p:nvPr>
             <p:extLst>
               <p:ext uri="{D42A27DB-BD31-4B8C-83A1-F6EECF244321}">
-                <p14:modId xmlns:p14="http://schemas.microsoft.com/office/powerpoint/2010/main" val="3162187178"/>
+                <p14:modId xmlns:p14="http://schemas.microsoft.com/office/powerpoint/2010/main" val="447063563"/>
               </p:ext>
             </p:extLst>
           </p:nvPr>
         </p:nvGraphicFramePr>
         <p:xfrm>
-          <a:off x="946895" y="3490728"/>
-          <a:ext cx="1983118" cy="2706876"/>
+          <a:off x="1495605" y="4182617"/>
+          <a:ext cx="1983118" cy="2432556"/>
         </p:xfrm>
         <a:graphic>
           <a:graphicData uri="http://schemas.openxmlformats.org/drawingml/2006/table">
@@ -6254,13 +9424,45 @@
                     <a:p>
                       <a:pPr algn="ctr"/>
                       <a:r>
-                        <a:rPr lang="pt-BR" dirty="0" err="1"/>
+                        <a:rPr lang="pt-BR" err="1">
+                          <a:solidFill>
+                            <a:srgbClr val="151529"/>
+                          </a:solidFill>
+                        </a:rPr>
                         <a:t>endereco</a:t>
                       </a:r>
-                      <a:endParaRPr lang="pt-BR" dirty="0"/>
+                      <a:endParaRPr lang="pt-BR">
+                        <a:solidFill>
+                          <a:srgbClr val="151529"/>
+                        </a:solidFill>
+                      </a:endParaRPr>
                     </a:p>
                   </a:txBody>
-                  <a:tcPr/>
+                  <a:tcPr>
+                    <a:lnL w="12700">
+                      <a:solidFill>
+                        <a:schemeClr val="tx1"/>
+                      </a:solidFill>
+                    </a:lnL>
+                    <a:lnR w="12700">
+                      <a:solidFill>
+                        <a:schemeClr val="tx1"/>
+                      </a:solidFill>
+                    </a:lnR>
+                    <a:lnT w="12700">
+                      <a:solidFill>
+                        <a:schemeClr val="tx1"/>
+                      </a:solidFill>
+                    </a:lnT>
+                    <a:lnB w="12700">
+                      <a:solidFill>
+                        <a:schemeClr val="tx1"/>
+                      </a:solidFill>
+                    </a:lnB>
+                    <a:solidFill>
+                      <a:srgbClr val="E63946"/>
+                    </a:solidFill>
+                  </a:tcPr>
                 </a:tc>
                 <a:extLst>
                   <a:ext uri="{0D108BD9-81ED-4DB2-BD59-A6C34878D82A}">
@@ -6275,64 +9477,74 @@
                     <a:lstStyle/>
                     <a:p>
                       <a:r>
-                        <a:rPr lang="pt-BR" dirty="0"/>
-                        <a:t>   </a:t>
+                        <a:rPr lang="pt-BR"/>
+                        <a:t>   </a:t>
                       </a:r>
                       <a:r>
-                        <a:rPr lang="pt-BR" dirty="0" err="1"/>
+                        <a:rPr lang="pt-BR" err="1"/>
                         <a:t>idEndereco</a:t>
                       </a:r>
-                      <a:endParaRPr lang="pt-BR" dirty="0"/>
+                      <a:endParaRPr lang="pt-BR"/>
                     </a:p>
                     <a:p>
                       <a:r>
-                        <a:rPr lang="pt-BR" dirty="0"/>
-                        <a:t>   rua</a:t>
+                        <a:rPr lang="pt-BR"/>
+                        <a:t>   rua</a:t>
                       </a:r>
                     </a:p>
                     <a:p>
                       <a:r>
-                        <a:rPr lang="pt-BR" dirty="0"/>
-                        <a:t>   bairro</a:t>
+                        <a:rPr lang="pt-BR"/>
+                        <a:t>   bairro</a:t>
                       </a:r>
                     </a:p>
                     <a:p>
                       <a:r>
-                        <a:rPr lang="pt-BR" dirty="0"/>
-                        <a:t>   Cidade</a:t>
+                        <a:rPr lang="pt-BR"/>
+                        <a:t>   Cidade</a:t>
                       </a:r>
                     </a:p>
                     <a:p>
                       <a:r>
-                        <a:rPr lang="pt-BR" dirty="0"/>
-                        <a:t>   Estado</a:t>
+                        <a:rPr lang="pt-BR"/>
+                        <a:t>   Estado</a:t>
                       </a:r>
                     </a:p>
                     <a:p>
                       <a:r>
-                        <a:rPr lang="pt-BR" dirty="0"/>
-                        <a:t>   Numero</a:t>
+                        <a:rPr lang="pt-BR"/>
+                        <a:t>   Numero</a:t>
                       </a:r>
                     </a:p>
                     <a:p>
                       <a:r>
-                        <a:rPr lang="pt-BR" dirty="0"/>
-                        <a:t>   Complemento</a:t>
+                        <a:rPr lang="pt-BR"/>
+                        <a:t>   Complemento</a:t>
                       </a:r>
                     </a:p>
-                    <a:p>
-                      <a:r>
-                        <a:rPr lang="pt-BR" dirty="0"/>
-                        <a:t>   </a:t>
-                      </a:r>
-                      <a:r>
-                        <a:rPr lang="pt-BR" dirty="0" err="1"/>
-                        <a:t>fkEmpresa</a:t>
-                      </a:r>
-                      <a:endParaRPr lang="pt-BR" dirty="0"/>
-                    </a:p>
                   </a:txBody>
-                  <a:tcPr/>
+                  <a:tcPr>
+                    <a:lnL w="12700">
+                      <a:solidFill>
+                        <a:schemeClr val="tx1"/>
+                      </a:solidFill>
+                    </a:lnL>
+                    <a:lnR w="12700">
+                      <a:solidFill>
+                        <a:schemeClr val="tx1"/>
+                      </a:solidFill>
+                    </a:lnR>
+                    <a:lnT w="12700">
+                      <a:solidFill>
+                        <a:schemeClr val="tx1"/>
+                      </a:solidFill>
+                    </a:lnT>
+                    <a:lnB w="12700">
+                      <a:solidFill>
+                        <a:schemeClr val="tx1"/>
+                      </a:solidFill>
+                    </a:lnB>
+                  </a:tcPr>
                 </a:tc>
                 <a:extLst>
                   <a:ext uri="{0D108BD9-81ED-4DB2-BD59-A6C34878D82A}">
@@ -6359,14 +9571,14 @@
           <p:nvPr>
             <p:extLst>
               <p:ext uri="{D42A27DB-BD31-4B8C-83A1-F6EECF244321}">
-                <p14:modId xmlns:p14="http://schemas.microsoft.com/office/powerpoint/2010/main" val="1910069521"/>
+                <p14:modId xmlns:p14="http://schemas.microsoft.com/office/powerpoint/2010/main" val="884994225"/>
               </p:ext>
             </p:extLst>
           </p:nvPr>
         </p:nvGraphicFramePr>
         <p:xfrm>
-          <a:off x="3706850" y="4368804"/>
-          <a:ext cx="1612490" cy="1828800"/>
+          <a:off x="4255559" y="4392638"/>
+          <a:ext cx="1612490" cy="2103120"/>
         </p:xfrm>
         <a:graphic>
           <a:graphicData uri="http://schemas.openxmlformats.org/drawingml/2006/table">
@@ -6391,12 +9603,40 @@
                     <a:p>
                       <a:pPr algn="ctr"/>
                       <a:r>
-                        <a:rPr lang="pt-BR" dirty="0"/>
+                        <a:rPr lang="pt-BR">
+                          <a:solidFill>
+                            <a:srgbClr val="151529"/>
+                          </a:solidFill>
+                        </a:rPr>
                         <a:t>empresa</a:t>
                       </a:r>
                     </a:p>
                   </a:txBody>
-                  <a:tcPr/>
+                  <a:tcPr>
+                    <a:lnL w="12700">
+                      <a:solidFill>
+                        <a:schemeClr val="tx1"/>
+                      </a:solidFill>
+                    </a:lnL>
+                    <a:lnR w="12700">
+                      <a:solidFill>
+                        <a:schemeClr val="tx1"/>
+                      </a:solidFill>
+                    </a:lnR>
+                    <a:lnT w="12700">
+                      <a:solidFill>
+                        <a:schemeClr val="tx1"/>
+                      </a:solidFill>
+                    </a:lnT>
+                    <a:lnB w="12700">
+                      <a:solidFill>
+                        <a:schemeClr val="tx1"/>
+                      </a:solidFill>
+                    </a:lnB>
+                    <a:solidFill>
+                      <a:srgbClr val="E63946"/>
+                    </a:solidFill>
+                  </a:tcPr>
                 </a:tc>
                 <a:extLst>
                   <a:ext uri="{0D108BD9-81ED-4DB2-BD59-A6C34878D82A}">
@@ -6411,51 +9651,96 @@
                     <a:lstStyle/>
                     <a:p>
                       <a:r>
-                        <a:rPr lang="pt-BR" dirty="0"/>
-                        <a:t>   </a:t>
+                        <a:rPr lang="pt-BR"/>
+                        <a:t>   </a:t>
                       </a:r>
                       <a:r>
-                        <a:rPr lang="pt-BR" dirty="0" err="1"/>
+                        <a:rPr lang="pt-BR" err="1"/>
                         <a:t>idEmpresa</a:t>
                       </a:r>
-                      <a:endParaRPr lang="pt-BR" dirty="0"/>
+                      <a:endParaRPr lang="pt-BR"/>
                     </a:p>
                     <a:p>
                       <a:r>
-                        <a:rPr lang="pt-BR" dirty="0"/>
-                        <a:t>   nome</a:t>
+                        <a:rPr lang="pt-BR"/>
+                        <a:t>   nome</a:t>
                       </a:r>
                     </a:p>
                     <a:p>
                       <a:r>
-                        <a:rPr lang="pt-BR" dirty="0"/>
-                        <a:t>   </a:t>
+                        <a:rPr lang="pt-BR"/>
+                        <a:t>   </a:t>
                       </a:r>
                       <a:r>
-                        <a:rPr lang="pt-BR" dirty="0" err="1"/>
+                        <a:rPr lang="pt-BR" err="1"/>
                         <a:t>cnpj</a:t>
                       </a:r>
-                      <a:endParaRPr lang="pt-BR" dirty="0"/>
+                      <a:endParaRPr lang="pt-BR"/>
                     </a:p>
                     <a:p>
                       <a:r>
-                        <a:rPr lang="pt-BR" dirty="0"/>
-                        <a:t>   </a:t>
+                        <a:rPr lang="pt-BR"/>
+                        <a:t>   </a:t>
                       </a:r>
                       <a:r>
-                        <a:rPr lang="pt-BR" dirty="0" err="1"/>
+                        <a:rPr lang="pt-BR" err="1"/>
                         <a:t>email</a:t>
                       </a:r>
-                      <a:endParaRPr lang="pt-BR" dirty="0"/>
+                      <a:endParaRPr lang="pt-BR"/>
                     </a:p>
                     <a:p>
                       <a:r>
-                        <a:rPr lang="pt-BR" dirty="0"/>
-                        <a:t>   senha</a:t>
+                        <a:rPr lang="pt-BR"/>
+                        <a:t>   senha</a:t>
                       </a:r>
                     </a:p>
+                    <a:p>
+                      <a:pPr lvl="0">
+                        <a:buNone/>
+                      </a:pPr>
+                      <a:r>
+                        <a:rPr lang="pt-BR" sz="1800" b="0" i="0" u="none" strike="noStrike" noProof="0">
+                          <a:solidFill>
+                            <a:srgbClr val="000000"/>
+                          </a:solidFill>
+                          <a:latin typeface="Segoe UI"/>
+                        </a:rPr>
+                        <a:t>   </a:t>
+                      </a:r>
+                      <a:r>
+                        <a:rPr lang="pt-BR" sz="1800" b="0" i="0" u="none" strike="noStrike" noProof="0" err="1">
+                          <a:solidFill>
+                            <a:srgbClr val="000000"/>
+                          </a:solidFill>
+                          <a:latin typeface="Segoe UI"/>
+                        </a:rPr>
+                        <a:t>fkEndereco</a:t>
+                      </a:r>
+                      <a:endParaRPr lang="pt-BR"/>
+                    </a:p>
                   </a:txBody>
-                  <a:tcPr/>
+                  <a:tcPr>
+                    <a:lnL w="12700">
+                      <a:solidFill>
+                        <a:schemeClr val="tx1"/>
+                      </a:solidFill>
+                    </a:lnL>
+                    <a:lnR w="12700">
+                      <a:solidFill>
+                        <a:schemeClr val="tx1"/>
+                      </a:solidFill>
+                    </a:lnR>
+                    <a:lnT w="12700">
+                      <a:solidFill>
+                        <a:schemeClr val="tx1"/>
+                      </a:solidFill>
+                    </a:lnT>
+                    <a:lnB w="12700">
+                      <a:solidFill>
+                        <a:schemeClr val="tx1"/>
+                      </a:solidFill>
+                    </a:lnB>
+                  </a:tcPr>
                 </a:tc>
                 <a:extLst>
                   <a:ext uri="{0D108BD9-81ED-4DB2-BD59-A6C34878D82A}">
@@ -6482,13 +9767,13 @@
           <p:nvPr>
             <p:extLst>
               <p:ext uri="{D42A27DB-BD31-4B8C-83A1-F6EECF244321}">
-                <p14:modId xmlns:p14="http://schemas.microsoft.com/office/powerpoint/2010/main" val="3516839442"/>
+                <p14:modId xmlns:p14="http://schemas.microsoft.com/office/powerpoint/2010/main" val="2570466973"/>
               </p:ext>
             </p:extLst>
           </p:nvPr>
         </p:nvGraphicFramePr>
         <p:xfrm>
-          <a:off x="3672436" y="1795494"/>
+          <a:off x="4221145" y="1819328"/>
           <a:ext cx="1681317" cy="1833880"/>
         </p:xfrm>
         <a:graphic>
@@ -6514,12 +9799,40 @@
                     <a:p>
                       <a:pPr algn="ctr"/>
                       <a:r>
-                        <a:rPr lang="pt-BR" dirty="0"/>
+                        <a:rPr lang="pt-BR">
+                          <a:solidFill>
+                            <a:srgbClr val="151529"/>
+                          </a:solidFill>
+                        </a:rPr>
                         <a:t>atendente</a:t>
                       </a:r>
                     </a:p>
                   </a:txBody>
-                  <a:tcPr/>
+                  <a:tcPr>
+                    <a:lnL w="12700">
+                      <a:solidFill>
+                        <a:schemeClr val="tx1"/>
+                      </a:solidFill>
+                    </a:lnL>
+                    <a:lnR w="12700">
+                      <a:solidFill>
+                        <a:schemeClr val="tx1"/>
+                      </a:solidFill>
+                    </a:lnR>
+                    <a:lnT w="12700">
+                      <a:solidFill>
+                        <a:schemeClr val="tx1"/>
+                      </a:solidFill>
+                    </a:lnT>
+                    <a:lnB w="12700">
+                      <a:solidFill>
+                        <a:schemeClr val="tx1"/>
+                      </a:solidFill>
+                    </a:lnB>
+                    <a:solidFill>
+                      <a:srgbClr val="E63946"/>
+                    </a:solidFill>
+                  </a:tcPr>
                 </a:tc>
                 <a:extLst>
                   <a:ext uri="{0D108BD9-81ED-4DB2-BD59-A6C34878D82A}">
@@ -6534,51 +9847,72 @@
                     <a:lstStyle/>
                     <a:p>
                       <a:r>
-                        <a:rPr lang="pt-BR" dirty="0"/>
-                        <a:t>   </a:t>
+                        <a:rPr lang="pt-BR"/>
+                        <a:t>   </a:t>
                       </a:r>
                       <a:r>
-                        <a:rPr lang="pt-BR" dirty="0" err="1"/>
+                        <a:rPr lang="pt-BR" err="1"/>
                         <a:t>idAtendente</a:t>
                       </a:r>
-                      <a:endParaRPr lang="pt-BR" dirty="0"/>
+                      <a:endParaRPr lang="pt-BR"/>
                     </a:p>
                     <a:p>
                       <a:r>
-                        <a:rPr lang="pt-BR" dirty="0"/>
-                        <a:t>   </a:t>
+                        <a:rPr lang="pt-BR"/>
+                        <a:t>   </a:t>
                       </a:r>
                       <a:r>
-                        <a:rPr lang="pt-BR" dirty="0" err="1"/>
+                        <a:rPr lang="pt-BR" err="1"/>
                         <a:t>fkEmpresa</a:t>
                       </a:r>
-                      <a:endParaRPr lang="pt-BR" dirty="0"/>
+                      <a:endParaRPr lang="pt-BR"/>
                     </a:p>
                     <a:p>
                       <a:r>
-                        <a:rPr lang="pt-BR" dirty="0"/>
-                        <a:t>   nome</a:t>
+                        <a:rPr lang="pt-BR"/>
+                        <a:t>   nome</a:t>
                       </a:r>
                     </a:p>
                     <a:p>
                       <a:r>
-                        <a:rPr lang="pt-BR" dirty="0"/>
-                        <a:t>   </a:t>
+                        <a:rPr lang="pt-BR"/>
+                        <a:t>   </a:t>
                       </a:r>
                       <a:r>
-                        <a:rPr lang="pt-BR" dirty="0" err="1"/>
+                        <a:rPr lang="pt-BR" err="1"/>
                         <a:t>email</a:t>
                       </a:r>
-                      <a:endParaRPr lang="pt-BR" dirty="0"/>
+                      <a:endParaRPr lang="pt-BR"/>
                     </a:p>
                     <a:p>
                       <a:r>
-                        <a:rPr lang="pt-BR" dirty="0"/>
-                        <a:t>   senha</a:t>
+                        <a:rPr lang="pt-BR"/>
+                        <a:t>   senha</a:t>
                       </a:r>
                     </a:p>
                   </a:txBody>
-                  <a:tcPr/>
+                  <a:tcPr>
+                    <a:lnL w="12700">
+                      <a:solidFill>
+                        <a:schemeClr val="tx1"/>
+                      </a:solidFill>
+                    </a:lnL>
+                    <a:lnR w="12700">
+                      <a:solidFill>
+                        <a:schemeClr val="tx1"/>
+                      </a:solidFill>
+                    </a:lnR>
+                    <a:lnT w="12700">
+                      <a:solidFill>
+                        <a:schemeClr val="tx1"/>
+                      </a:solidFill>
+                    </a:lnT>
+                    <a:lnB w="12700">
+                      <a:solidFill>
+                        <a:schemeClr val="tx1"/>
+                      </a:solidFill>
+                    </a:lnB>
+                  </a:tcPr>
                 </a:tc>
                 <a:extLst>
                   <a:ext uri="{0D108BD9-81ED-4DB2-BD59-A6C34878D82A}">
@@ -6605,13 +9939,13 @@
           <p:nvPr>
             <p:extLst>
               <p:ext uri="{D42A27DB-BD31-4B8C-83A1-F6EECF244321}">
-                <p14:modId xmlns:p14="http://schemas.microsoft.com/office/powerpoint/2010/main" val="3255987704"/>
+                <p14:modId xmlns:p14="http://schemas.microsoft.com/office/powerpoint/2010/main" val="835536500"/>
               </p:ext>
             </p:extLst>
           </p:nvPr>
         </p:nvGraphicFramePr>
         <p:xfrm>
-          <a:off x="6076340" y="4644276"/>
+          <a:off x="6625049" y="4668110"/>
           <a:ext cx="1895987" cy="1280160"/>
         </p:xfrm>
         <a:graphic>
@@ -6637,12 +9971,40 @@
                     <a:p>
                       <a:pPr algn="ctr"/>
                       <a:r>
-                        <a:rPr lang="pt-BR" dirty="0"/>
+                        <a:rPr lang="pt-BR">
+                          <a:solidFill>
+                            <a:srgbClr val="151529"/>
+                          </a:solidFill>
+                        </a:rPr>
                         <a:t>maquina</a:t>
                       </a:r>
                     </a:p>
                   </a:txBody>
-                  <a:tcPr/>
+                  <a:tcPr>
+                    <a:lnL w="12700">
+                      <a:solidFill>
+                        <a:schemeClr val="tx1"/>
+                      </a:solidFill>
+                    </a:lnL>
+                    <a:lnR w="12700">
+                      <a:solidFill>
+                        <a:schemeClr val="tx1"/>
+                      </a:solidFill>
+                    </a:lnR>
+                    <a:lnT w="12700">
+                      <a:solidFill>
+                        <a:schemeClr val="tx1"/>
+                      </a:solidFill>
+                    </a:lnT>
+                    <a:lnB w="12700">
+                      <a:solidFill>
+                        <a:schemeClr val="tx1"/>
+                      </a:solidFill>
+                    </a:lnB>
+                    <a:solidFill>
+                      <a:srgbClr val="E63946"/>
+                    </a:solidFill>
+                  </a:tcPr>
                 </a:tc>
                 <a:extLst>
                   <a:ext uri="{0D108BD9-81ED-4DB2-BD59-A6C34878D82A}">
@@ -6657,37 +10019,58 @@
                     <a:lstStyle/>
                     <a:p>
                       <a:r>
-                        <a:rPr lang="pt-BR" dirty="0"/>
-                        <a:t>   </a:t>
+                        <a:rPr lang="pt-BR"/>
+                        <a:t>   </a:t>
                       </a:r>
                       <a:r>
-                        <a:rPr lang="pt-BR" dirty="0" err="1"/>
+                        <a:rPr lang="pt-BR" err="1"/>
                         <a:t>idMaquina</a:t>
                       </a:r>
-                      <a:endParaRPr lang="pt-BR" dirty="0"/>
+                      <a:endParaRPr lang="pt-BR"/>
                     </a:p>
                     <a:p>
                       <a:r>
-                        <a:rPr lang="pt-BR" dirty="0"/>
-                        <a:t>   nome</a:t>
+                        <a:rPr lang="pt-BR"/>
+                        <a:t>   nome</a:t>
                       </a:r>
                     </a:p>
                     <a:p>
                       <a:r>
-                        <a:rPr lang="pt-BR" dirty="0"/>
-                        <a:t>   </a:t>
+                        <a:rPr lang="pt-BR"/>
+                        <a:t>   </a:t>
                       </a:r>
                       <a:r>
-                        <a:rPr lang="pt-BR" dirty="0" err="1"/>
+                        <a:rPr lang="pt-BR" err="1"/>
                         <a:t>fkEmpresa</a:t>
                       </a:r>
                       <a:r>
-                        <a:rPr lang="pt-BR" dirty="0"/>
-                        <a:t> </a:t>
+                        <a:rPr lang="pt-BR"/>
+                        <a:t> </a:t>
                       </a:r>
                     </a:p>
                   </a:txBody>
-                  <a:tcPr/>
+                  <a:tcPr>
+                    <a:lnL w="12700">
+                      <a:solidFill>
+                        <a:schemeClr val="tx1"/>
+                      </a:solidFill>
+                    </a:lnL>
+                    <a:lnR w="12700">
+                      <a:solidFill>
+                        <a:schemeClr val="tx1"/>
+                      </a:solidFill>
+                    </a:lnR>
+                    <a:lnT w="12700">
+                      <a:solidFill>
+                        <a:schemeClr val="tx1"/>
+                      </a:solidFill>
+                    </a:lnT>
+                    <a:lnB w="12700">
+                      <a:solidFill>
+                        <a:schemeClr val="tx1"/>
+                      </a:solidFill>
+                    </a:lnB>
+                  </a:tcPr>
                 </a:tc>
                 <a:extLst>
                   <a:ext uri="{0D108BD9-81ED-4DB2-BD59-A6C34878D82A}">
@@ -6714,13 +10097,13 @@
           <p:nvPr>
             <p:extLst>
               <p:ext uri="{D42A27DB-BD31-4B8C-83A1-F6EECF244321}">
-                <p14:modId xmlns:p14="http://schemas.microsoft.com/office/powerpoint/2010/main" val="2959573102"/>
+                <p14:modId xmlns:p14="http://schemas.microsoft.com/office/powerpoint/2010/main" val="4035210403"/>
               </p:ext>
             </p:extLst>
           </p:nvPr>
         </p:nvGraphicFramePr>
         <p:xfrm>
-          <a:off x="8735147" y="4403220"/>
+          <a:off x="9283857" y="4427054"/>
           <a:ext cx="2589161" cy="1833880"/>
         </p:xfrm>
         <a:graphic>
@@ -6745,12 +10128,40 @@
                     <a:lstStyle/>
                     <a:p>
                       <a:r>
-                        <a:rPr lang="pt-BR" dirty="0"/>
+                        <a:rPr lang="pt-BR">
+                          <a:solidFill>
+                            <a:srgbClr val="151529"/>
+                          </a:solidFill>
+                        </a:rPr>
                         <a:t>componentes</a:t>
                       </a:r>
                     </a:p>
                   </a:txBody>
-                  <a:tcPr/>
+                  <a:tcPr>
+                    <a:lnL w="12700">
+                      <a:solidFill>
+                        <a:schemeClr val="tx1"/>
+                      </a:solidFill>
+                    </a:lnL>
+                    <a:lnR w="12700">
+                      <a:solidFill>
+                        <a:schemeClr val="tx1"/>
+                      </a:solidFill>
+                    </a:lnR>
+                    <a:lnT w="12700">
+                      <a:solidFill>
+                        <a:schemeClr val="tx1"/>
+                      </a:solidFill>
+                    </a:lnT>
+                    <a:lnB w="12700">
+                      <a:solidFill>
+                        <a:schemeClr val="tx1"/>
+                      </a:solidFill>
+                    </a:lnB>
+                    <a:solidFill>
+                      <a:srgbClr val="E63946"/>
+                    </a:solidFill>
+                  </a:tcPr>
                 </a:tc>
                 <a:extLst>
                   <a:ext uri="{0D108BD9-81ED-4DB2-BD59-A6C34878D82A}">
@@ -6765,61 +10176,57 @@
                     <a:lstStyle/>
                     <a:p>
                       <a:r>
-                        <a:rPr lang="pt-BR" dirty="0"/>
-                        <a:t>   </a:t>
+                        <a:rPr lang="pt-BR"/>
+                        <a:t>   idComponente</a:t>
                       </a:r>
-                      <a:r>
-                        <a:rPr lang="pt-BR" dirty="0" err="1"/>
-                        <a:t>idComponente</a:t>
-                      </a:r>
-                      <a:endParaRPr lang="pt-BR" dirty="0"/>
                     </a:p>
                     <a:p>
                       <a:r>
-                        <a:rPr lang="pt-BR" dirty="0"/>
-                        <a:t>   </a:t>
+                        <a:rPr lang="pt-BR"/>
+                        <a:t>   fkMaquina</a:t>
                       </a:r>
-                      <a:r>
-                        <a:rPr lang="pt-BR" dirty="0" err="1"/>
-                        <a:t>fkMaquina</a:t>
-                      </a:r>
-                      <a:endParaRPr lang="pt-BR" dirty="0"/>
                     </a:p>
                     <a:p>
                       <a:r>
-                        <a:rPr lang="pt-BR" dirty="0"/>
-                        <a:t>   </a:t>
+                        <a:rPr lang="pt-BR"/>
+                        <a:t>   tipoComponente</a:t>
                       </a:r>
-                      <a:r>
-                        <a:rPr lang="pt-BR" dirty="0" err="1"/>
-                        <a:t>tipoComponente</a:t>
-                      </a:r>
-                      <a:endParaRPr lang="pt-BR" dirty="0"/>
                     </a:p>
                     <a:p>
                       <a:r>
-                        <a:rPr lang="pt-BR" dirty="0"/>
-                        <a:t>   </a:t>
+                        <a:rPr lang="pt-BR"/>
+                        <a:t>   nomeCampo</a:t>
                       </a:r>
-                      <a:r>
-                        <a:rPr lang="pt-BR" dirty="0" err="1"/>
-                        <a:t>nomeCampo</a:t>
-                      </a:r>
-                      <a:endParaRPr lang="pt-BR" dirty="0"/>
                     </a:p>
                     <a:p>
                       <a:r>
-                        <a:rPr lang="pt-BR" dirty="0"/>
-                        <a:t>   </a:t>
+                        <a:rPr lang="pt-BR"/>
+                        <a:t>   valorCampo</a:t>
                       </a:r>
-                      <a:r>
-                        <a:rPr lang="pt-BR" dirty="0" err="1"/>
-                        <a:t>valorCampo</a:t>
-                      </a:r>
-                      <a:endParaRPr lang="pt-BR" dirty="0"/>
                     </a:p>
                   </a:txBody>
-                  <a:tcPr/>
+                  <a:tcPr>
+                    <a:lnL w="12700">
+                      <a:solidFill>
+                        <a:schemeClr val="tx1"/>
+                      </a:solidFill>
+                    </a:lnL>
+                    <a:lnR w="12700">
+                      <a:solidFill>
+                        <a:schemeClr val="tx1"/>
+                      </a:solidFill>
+                    </a:lnR>
+                    <a:lnT w="12700">
+                      <a:solidFill>
+                        <a:schemeClr val="tx1"/>
+                      </a:solidFill>
+                    </a:lnT>
+                    <a:lnB w="12700">
+                      <a:solidFill>
+                        <a:schemeClr val="tx1"/>
+                      </a:solidFill>
+                    </a:lnB>
+                  </a:tcPr>
                 </a:tc>
                 <a:extLst>
                   <a:ext uri="{0D108BD9-81ED-4DB2-BD59-A6C34878D82A}">
@@ -6846,13 +10253,13 @@
           <p:nvPr>
             <p:extLst>
               <p:ext uri="{D42A27DB-BD31-4B8C-83A1-F6EECF244321}">
-                <p14:modId xmlns:p14="http://schemas.microsoft.com/office/powerpoint/2010/main" val="1474154669"/>
+                <p14:modId xmlns:p14="http://schemas.microsoft.com/office/powerpoint/2010/main" val="990503345"/>
               </p:ext>
             </p:extLst>
           </p:nvPr>
         </p:nvGraphicFramePr>
         <p:xfrm>
-          <a:off x="8824921" y="1467676"/>
+          <a:off x="9373630" y="1491510"/>
           <a:ext cx="2323690" cy="2382520"/>
         </p:xfrm>
         <a:graphic>
@@ -6877,13 +10284,40 @@
                     <a:lstStyle/>
                     <a:p>
                       <a:r>
-                        <a:rPr lang="pt-BR" dirty="0" err="1"/>
+                        <a:rPr lang="pt-BR">
+                          <a:solidFill>
+                            <a:srgbClr val="151529"/>
+                          </a:solidFill>
+                        </a:rPr>
                         <a:t>dadosTempoReal</a:t>
                       </a:r>
-                      <a:endParaRPr lang="pt-BR" dirty="0"/>
                     </a:p>
                   </a:txBody>
-                  <a:tcPr/>
+                  <a:tcPr>
+                    <a:lnL w="12700">
+                      <a:solidFill>
+                        <a:schemeClr val="tx1"/>
+                      </a:solidFill>
+                    </a:lnL>
+                    <a:lnR w="12700">
+                      <a:solidFill>
+                        <a:schemeClr val="tx1"/>
+                      </a:solidFill>
+                    </a:lnR>
+                    <a:lnT w="12700">
+                      <a:solidFill>
+                        <a:schemeClr val="tx1"/>
+                      </a:solidFill>
+                    </a:lnT>
+                    <a:lnB w="12700">
+                      <a:solidFill>
+                        <a:schemeClr val="tx1"/>
+                      </a:solidFill>
+                    </a:lnB>
+                    <a:solidFill>
+                      <a:srgbClr val="E63946"/>
+                    </a:solidFill>
+                  </a:tcPr>
                 </a:tc>
                 <a:extLst>
                   <a:ext uri="{0D108BD9-81ED-4DB2-BD59-A6C34878D82A}">
@@ -6898,86 +10332,69 @@
                     <a:lstStyle/>
                     <a:p>
                       <a:r>
-                        <a:rPr lang="pt-BR" dirty="0"/>
-                        <a:t>   </a:t>
-                      </a:r>
-                      <a:r>
-                        <a:rPr lang="pt-BR" dirty="0" err="1"/>
-                        <a:t>idDadosTempoReal</a:t>
-                      </a:r>
-                      <a:endParaRPr lang="pt-BR" dirty="0"/>
-                    </a:p>
-                    <a:p>
-                      <a:r>
-                        <a:rPr lang="pt-BR" dirty="0"/>
-                        <a:t>   </a:t>
-                      </a:r>
-                      <a:r>
-                        <a:rPr lang="pt-BR" dirty="0" err="1"/>
-                        <a:t>fkComponente</a:t>
-                      </a:r>
-                      <a:r>
-                        <a:rPr lang="pt-BR" dirty="0"/>
-                        <a:t> </a:t>
+                        <a:rPr lang="pt-BR"/>
+                        <a:t>   idDadosTempoReal</a:t>
                       </a:r>
                     </a:p>
                     <a:p>
                       <a:r>
-                        <a:rPr lang="pt-BR" dirty="0"/>
-                        <a:t>   </a:t>
+                        <a:rPr lang="pt-BR"/>
+                        <a:t>   fkComponente </a:t>
                       </a:r>
-                      <a:r>
-                        <a:rPr lang="pt-BR" dirty="0" err="1"/>
-                        <a:t>fkMaquina</a:t>
-                      </a:r>
-                      <a:endParaRPr lang="pt-BR" dirty="0"/>
                     </a:p>
                     <a:p>
                       <a:r>
-                        <a:rPr lang="pt-BR" dirty="0"/>
-                        <a:t>   </a:t>
+                        <a:rPr lang="pt-BR"/>
+                        <a:t>   fkMaquina</a:t>
                       </a:r>
-                      <a:r>
-                        <a:rPr lang="pt-BR" dirty="0" err="1"/>
-                        <a:t>dataHora</a:t>
-                      </a:r>
-                      <a:endParaRPr lang="pt-BR" dirty="0"/>
                     </a:p>
                     <a:p>
                       <a:r>
-                        <a:rPr lang="pt-BR" dirty="0"/>
-                        <a:t>   </a:t>
+                        <a:rPr lang="pt-BR"/>
+                        <a:t>   dataHora</a:t>
                       </a:r>
-                      <a:r>
-                        <a:rPr lang="pt-BR" dirty="0" err="1"/>
-                        <a:t>nomeCampo</a:t>
-                      </a:r>
-                      <a:endParaRPr lang="pt-BR" dirty="0"/>
                     </a:p>
                     <a:p>
                       <a:r>
-                        <a:rPr lang="pt-BR" dirty="0"/>
-                        <a:t>   </a:t>
+                        <a:rPr lang="pt-BR"/>
+                        <a:t>   nomeCampo</a:t>
                       </a:r>
-                      <a:r>
-                        <a:rPr lang="pt-BR" dirty="0" err="1"/>
-                        <a:t>valorCampo</a:t>
-                      </a:r>
-                      <a:endParaRPr lang="pt-BR" dirty="0"/>
                     </a:p>
                     <a:p>
                       <a:r>
-                        <a:rPr lang="pt-BR" dirty="0"/>
-                        <a:t>   </a:t>
+                        <a:rPr lang="pt-BR"/>
+                        <a:t>   valorCampo</a:t>
                       </a:r>
+                    </a:p>
+                    <a:p>
                       <a:r>
-                        <a:rPr lang="pt-BR" dirty="0" err="1"/>
-                        <a:t>unidadeMedida</a:t>
+                        <a:rPr lang="pt-BR"/>
+                        <a:t>   unidadeMedida</a:t>
                       </a:r>
-                      <a:endParaRPr lang="pt-BR" dirty="0"/>
                     </a:p>
                   </a:txBody>
-                  <a:tcPr/>
+                  <a:tcPr>
+                    <a:lnL w="12700">
+                      <a:solidFill>
+                        <a:schemeClr val="tx1"/>
+                      </a:solidFill>
+                    </a:lnL>
+                    <a:lnR w="12700">
+                      <a:solidFill>
+                        <a:schemeClr val="tx1"/>
+                      </a:solidFill>
+                    </a:lnR>
+                    <a:lnT w="12700">
+                      <a:solidFill>
+                        <a:schemeClr val="tx1"/>
+                      </a:solidFill>
+                    </a:lnT>
+                    <a:lnB w="12700">
+                      <a:solidFill>
+                        <a:schemeClr val="tx1"/>
+                      </a:solidFill>
+                    </a:lnB>
+                  </a:tcPr>
                 </a:tc>
                 <a:extLst>
                   <a:ext uri="{0D108BD9-81ED-4DB2-BD59-A6C34878D82A}">
@@ -7020,7 +10437,7 @@
         </p:blipFill>
         <p:spPr>
           <a:xfrm rot="16200000">
-            <a:off x="8831832" y="1877222"/>
+            <a:off x="9380541" y="1901056"/>
             <a:ext cx="249084" cy="249084"/>
           </a:xfrm>
           <a:prstGeom prst="rect">
@@ -7059,7 +10476,7 @@
         </p:blipFill>
         <p:spPr>
           <a:xfrm rot="16200000">
-            <a:off x="8829372" y="2145970"/>
+            <a:off x="9378081" y="2169804"/>
             <a:ext cx="249084" cy="249084"/>
           </a:xfrm>
           <a:prstGeom prst="rect">
@@ -7098,7 +10515,7 @@
         </p:blipFill>
         <p:spPr>
           <a:xfrm rot="16200000">
-            <a:off x="8752351" y="4826004"/>
+            <a:off x="9301060" y="4849838"/>
             <a:ext cx="249084" cy="249084"/>
           </a:xfrm>
           <a:prstGeom prst="rect">
@@ -7137,7 +10554,7 @@
         </p:blipFill>
         <p:spPr>
           <a:xfrm rot="16200000">
-            <a:off x="8752351" y="5100572"/>
+            <a:off x="9301060" y="5124406"/>
             <a:ext cx="249084" cy="249084"/>
           </a:xfrm>
           <a:prstGeom prst="rect">
@@ -7176,7 +10593,7 @@
         </p:blipFill>
         <p:spPr>
           <a:xfrm rot="16200000">
-            <a:off x="8830190" y="2430370"/>
+            <a:off x="9378900" y="2454204"/>
             <a:ext cx="249084" cy="249084"/>
           </a:xfrm>
           <a:prstGeom prst="rect">
@@ -7198,7 +10615,7 @@
         </p:nvGrpSpPr>
         <p:grpSpPr>
           <a:xfrm>
-            <a:off x="7972327" y="5225849"/>
+            <a:off x="8521036" y="5249683"/>
             <a:ext cx="780024" cy="235240"/>
             <a:chOff x="7991987" y="4222951"/>
             <a:chExt cx="780024" cy="235240"/>
@@ -7327,7 +10744,7 @@
         </p:nvGrpSpPr>
         <p:grpSpPr>
           <a:xfrm rot="16200000">
-            <a:off x="9695868" y="3993553"/>
+            <a:off x="10244577" y="4017387"/>
             <a:ext cx="595673" cy="235233"/>
             <a:chOff x="9314426" y="3111023"/>
             <a:chExt cx="595673" cy="235233"/>
@@ -7458,7 +10875,7 @@
         </p:nvCxnSpPr>
         <p:spPr>
           <a:xfrm>
-            <a:off x="5958353" y="5299680"/>
+            <a:off x="6507062" y="5323514"/>
             <a:ext cx="135191" cy="124542"/>
           </a:xfrm>
           <a:prstGeom prst="line">
@@ -7494,7 +10911,7 @@
         </p:nvCxnSpPr>
         <p:spPr>
           <a:xfrm flipV="1">
-            <a:off x="5958353" y="5188982"/>
+            <a:off x="6507062" y="5212816"/>
             <a:ext cx="135191" cy="114711"/>
           </a:xfrm>
           <a:prstGeom prst="line">
@@ -7530,7 +10947,7 @@
         </p:nvGrpSpPr>
         <p:grpSpPr>
           <a:xfrm rot="16200000">
-            <a:off x="4123082" y="3888706"/>
+            <a:off x="4671791" y="3912540"/>
             <a:ext cx="780024" cy="235240"/>
             <a:chOff x="9314426" y="3111004"/>
             <a:chExt cx="780024" cy="235240"/>
@@ -7661,7 +11078,7 @@
         </p:nvCxnSpPr>
         <p:spPr>
           <a:xfrm>
-            <a:off x="2933011" y="5336547"/>
+            <a:off x="3481720" y="5360381"/>
             <a:ext cx="105157" cy="0"/>
           </a:xfrm>
           <a:prstGeom prst="line">
@@ -7699,7 +11116,7 @@
         </p:nvCxnSpPr>
         <p:spPr>
           <a:xfrm>
-            <a:off x="3116826" y="5334178"/>
+            <a:off x="3665536" y="5358012"/>
             <a:ext cx="114988" cy="0"/>
           </a:xfrm>
           <a:prstGeom prst="line">
@@ -7737,7 +11154,7 @@
         </p:nvCxnSpPr>
         <p:spPr>
           <a:xfrm>
-            <a:off x="3350884" y="5341460"/>
+            <a:off x="3899593" y="5365294"/>
             <a:ext cx="105157" cy="0"/>
           </a:xfrm>
           <a:prstGeom prst="line">
@@ -7775,7 +11192,7 @@
         </p:nvCxnSpPr>
         <p:spPr>
           <a:xfrm>
-            <a:off x="3574027" y="5339091"/>
+            <a:off x="4122736" y="5362925"/>
             <a:ext cx="114988" cy="0"/>
           </a:xfrm>
           <a:prstGeom prst="line">
@@ -7828,7 +11245,7 @@
         </p:blipFill>
         <p:spPr>
           <a:xfrm rot="16200000">
-            <a:off x="6066508" y="5065256"/>
+            <a:off x="6615217" y="5089090"/>
             <a:ext cx="249084" cy="249084"/>
           </a:xfrm>
           <a:prstGeom prst="rect">
@@ -7867,7 +11284,7 @@
         </p:blipFill>
         <p:spPr>
           <a:xfrm rot="16200000">
-            <a:off x="3701441" y="4796507"/>
+            <a:off x="4250150" y="4820341"/>
             <a:ext cx="249084" cy="249084"/>
           </a:xfrm>
           <a:prstGeom prst="rect">
@@ -7906,7 +11323,7 @@
         </p:blipFill>
         <p:spPr>
           <a:xfrm rot="16200000">
-            <a:off x="942883" y="3967452"/>
+            <a:off x="1491592" y="4669779"/>
             <a:ext cx="249084" cy="249084"/>
           </a:xfrm>
           <a:prstGeom prst="rect">
@@ -7945,7 +11362,7 @@
         </p:blipFill>
         <p:spPr>
           <a:xfrm rot="16200000">
-            <a:off x="3672436" y="2194400"/>
+            <a:off x="4221145" y="2218234"/>
             <a:ext cx="249084" cy="249084"/>
           </a:xfrm>
           <a:prstGeom prst="rect">
@@ -7984,7 +11401,7 @@
         </p:blipFill>
         <p:spPr>
           <a:xfrm rot="16200000">
-            <a:off x="3677355" y="2484454"/>
+            <a:off x="4226064" y="2508288"/>
             <a:ext cx="249084" cy="249084"/>
           </a:xfrm>
           <a:prstGeom prst="rect">
@@ -8010,16 +11427,21 @@
         </p:nvSpPr>
         <p:spPr>
           <a:xfrm>
-            <a:off x="825912" y="287243"/>
-            <a:ext cx="10515600" cy="1325563"/>
+            <a:off x="4662465" y="3097"/>
+            <a:ext cx="7530231" cy="1325563"/>
           </a:xfrm>
         </p:spPr>
         <p:txBody>
-          <a:bodyPr/>
+          <a:bodyPr>
+            <a:normAutofit/>
+          </a:bodyPr>
           <a:lstStyle/>
           <a:p>
             <a:r>
-              <a:rPr lang="pt-BR" dirty="0"/>
+              <a:rPr lang="pt-BR" sz="3200">
+                <a:latin typeface="Verdana" panose="020B0604030504040204" pitchFamily="34" charset="0"/>
+                <a:ea typeface="Verdana" panose="020B0604030504040204" pitchFamily="34" charset="0"/>
+              </a:rPr>
               <a:t>Diagrama Entidade Relacionamento</a:t>
             </a:r>
           </a:p>
@@ -8041,7 +11463,7 @@
         </p:nvCxnSpPr>
         <p:spPr>
           <a:xfrm>
-            <a:off x="5327176" y="5302136"/>
+            <a:off x="5875886" y="5325970"/>
             <a:ext cx="105157" cy="0"/>
           </a:xfrm>
           <a:prstGeom prst="line">
@@ -8079,7 +11501,7 @@
         </p:nvCxnSpPr>
         <p:spPr>
           <a:xfrm>
-            <a:off x="5510991" y="5299767"/>
+            <a:off x="6059700" y="5323601"/>
             <a:ext cx="114988" cy="0"/>
           </a:xfrm>
           <a:prstGeom prst="line">
@@ -8117,7 +11539,7 @@
         </p:nvCxnSpPr>
         <p:spPr>
           <a:xfrm>
-            <a:off x="5745049" y="5307049"/>
+            <a:off x="6293758" y="5330883"/>
             <a:ext cx="105157" cy="0"/>
           </a:xfrm>
           <a:prstGeom prst="line">
@@ -8155,7 +11577,7 @@
         </p:nvCxnSpPr>
         <p:spPr>
           <a:xfrm>
-            <a:off x="5968192" y="5304680"/>
+            <a:off x="6516901" y="5328514"/>
             <a:ext cx="114988" cy="0"/>
           </a:xfrm>
           <a:prstGeom prst="line">
@@ -8177,10 +11599,2387 @@
           </a:fontRef>
         </p:style>
       </p:cxnSp>
+      <p:sp>
+        <p:nvSpPr>
+          <p:cNvPr id="11" name="CaixaDeTexto 10">
+            <a:extLst>
+              <a:ext uri="{FF2B5EF4-FFF2-40B4-BE49-F238E27FC236}">
+                <a16:creationId xmlns:a16="http://schemas.microsoft.com/office/drawing/2014/main" id="{1E059546-72F0-E08C-E609-1C8CF93E8E28}"/>
+              </a:ext>
+            </a:extLst>
+          </p:cNvPr>
+          <p:cNvSpPr txBox="1"/>
+          <p:nvPr/>
+        </p:nvSpPr>
+        <p:spPr>
+          <a:xfrm>
+            <a:off x="-2393607" y="2227742"/>
+            <a:ext cx="2323691" cy="1077218"/>
+          </a:xfrm>
+          <a:prstGeom prst="rect">
+            <a:avLst/>
+          </a:prstGeom>
+          <a:noFill/>
+        </p:spPr>
+        <p:txBody>
+          <a:bodyPr wrap="square">
+            <a:spAutoFit/>
+          </a:bodyPr>
+          <a:lstStyle/>
+          <a:p>
+            <a:r>
+              <a:rPr lang="pt-BR" sz="1600"/>
+              <a:t>azul clarinho - A8DADC</a:t>
+            </a:r>
+          </a:p>
+          <a:p>
+            <a:r>
+              <a:rPr lang="pt-BR" sz="1600"/>
+              <a:t>azul normal - 457B9D</a:t>
+            </a:r>
+          </a:p>
+          <a:p>
+            <a:r>
+              <a:rPr lang="pt-BR" sz="1600"/>
+              <a:t>azul escuro +/- - 1D3557</a:t>
+            </a:r>
+          </a:p>
+          <a:p>
+            <a:r>
+              <a:rPr lang="pt-BR" sz="1600"/>
+              <a:t>azul escuro - 22223B</a:t>
+            </a:r>
+          </a:p>
+        </p:txBody>
+      </p:sp>
+      <p:sp>
+        <p:nvSpPr>
+          <p:cNvPr id="2" name="Retângulo 1">
+            <a:extLst>
+              <a:ext uri="{FF2B5EF4-FFF2-40B4-BE49-F238E27FC236}">
+                <a16:creationId xmlns:a16="http://schemas.microsoft.com/office/drawing/2014/main" id="{15F0688F-0443-982F-2B56-6B3685FE18C8}"/>
+              </a:ext>
+            </a:extLst>
+          </p:cNvPr>
+          <p:cNvSpPr/>
+          <p:nvPr/>
+        </p:nvSpPr>
+        <p:spPr>
+          <a:xfrm rot="18120000">
+            <a:off x="-3425142" y="196769"/>
+            <a:ext cx="7432109" cy="3653423"/>
+          </a:xfrm>
+          <a:prstGeom prst="rect">
+            <a:avLst/>
+          </a:prstGeom>
+          <a:solidFill>
+            <a:srgbClr val="E63946"/>
+          </a:solidFill>
+          <a:ln w="57150">
+            <a:solidFill>
+              <a:srgbClr val="151529"/>
+            </a:solidFill>
+          </a:ln>
+        </p:spPr>
+        <p:style>
+          <a:lnRef idx="2">
+            <a:schemeClr val="accent1">
+              <a:shade val="15000"/>
+            </a:schemeClr>
+          </a:lnRef>
+          <a:fillRef idx="1">
+            <a:schemeClr val="accent1"/>
+          </a:fillRef>
+          <a:effectRef idx="0">
+            <a:schemeClr val="accent1"/>
+          </a:effectRef>
+          <a:fontRef idx="minor">
+            <a:schemeClr val="lt1"/>
+          </a:fontRef>
+        </p:style>
+        <p:txBody>
+          <a:bodyPr rtlCol="0" anchor="ctr"/>
+          <a:lstStyle/>
+          <a:p>
+            <a:pPr algn="ctr"/>
+            <a:endParaRPr lang="pt-BR"/>
+          </a:p>
+        </p:txBody>
+      </p:sp>
+      <p:sp>
+        <p:nvSpPr>
+          <p:cNvPr id="3" name="Retângulo 2">
+            <a:extLst>
+              <a:ext uri="{FF2B5EF4-FFF2-40B4-BE49-F238E27FC236}">
+                <a16:creationId xmlns:a16="http://schemas.microsoft.com/office/drawing/2014/main" id="{3D7E231D-2619-8189-8D12-5370F1E78595}"/>
+              </a:ext>
+            </a:extLst>
+          </p:cNvPr>
+          <p:cNvSpPr/>
+          <p:nvPr/>
+        </p:nvSpPr>
+        <p:spPr>
+          <a:xfrm rot="18120000">
+            <a:off x="-3543268" y="123352"/>
+            <a:ext cx="7432109" cy="3653423"/>
+          </a:xfrm>
+          <a:prstGeom prst="rect">
+            <a:avLst/>
+          </a:prstGeom>
+          <a:solidFill>
+            <a:srgbClr val="E63946"/>
+          </a:solidFill>
+          <a:ln w="57150">
+            <a:solidFill>
+              <a:srgbClr val="151529"/>
+            </a:solidFill>
+          </a:ln>
+        </p:spPr>
+        <p:style>
+          <a:lnRef idx="2">
+            <a:schemeClr val="accent1">
+              <a:shade val="15000"/>
+            </a:schemeClr>
+          </a:lnRef>
+          <a:fillRef idx="1">
+            <a:schemeClr val="accent1"/>
+          </a:fillRef>
+          <a:effectRef idx="0">
+            <a:schemeClr val="accent1"/>
+          </a:effectRef>
+          <a:fontRef idx="minor">
+            <a:schemeClr val="lt1"/>
+          </a:fontRef>
+        </p:style>
+        <p:txBody>
+          <a:bodyPr rtlCol="0" anchor="ctr"/>
+          <a:lstStyle/>
+          <a:p>
+            <a:pPr algn="ctr"/>
+            <a:endParaRPr lang="pt-BR"/>
+          </a:p>
+        </p:txBody>
+      </p:sp>
+      <p:cxnSp>
+        <p:nvCxnSpPr>
+          <p:cNvPr id="17" name="Conector de Seta Reta 16">
+            <a:extLst>
+              <a:ext uri="{FF2B5EF4-FFF2-40B4-BE49-F238E27FC236}">
+                <a16:creationId xmlns:a16="http://schemas.microsoft.com/office/drawing/2014/main" id="{5B16F823-F43C-A669-2594-01B0D2DA2A09}"/>
+              </a:ext>
+            </a:extLst>
+          </p:cNvPr>
+          <p:cNvCxnSpPr/>
+          <p:nvPr/>
+        </p:nvCxnSpPr>
+        <p:spPr>
+          <a:xfrm flipV="1">
+            <a:off x="4749800" y="919480"/>
+            <a:ext cx="7442200" cy="33020"/>
+          </a:xfrm>
+          <a:prstGeom prst="straightConnector1">
+            <a:avLst/>
+          </a:prstGeom>
+          <a:ln w="57150">
+            <a:solidFill>
+              <a:srgbClr val="151529"/>
+            </a:solidFill>
+          </a:ln>
+        </p:spPr>
+        <p:style>
+          <a:lnRef idx="2">
+            <a:schemeClr val="accent1"/>
+          </a:lnRef>
+          <a:fillRef idx="0">
+            <a:schemeClr val="accent1"/>
+          </a:fillRef>
+          <a:effectRef idx="1">
+            <a:schemeClr val="accent1"/>
+          </a:effectRef>
+          <a:fontRef idx="minor">
+            <a:schemeClr val="tx1"/>
+          </a:fontRef>
+        </p:style>
+      </p:cxnSp>
     </p:spTree>
     <p:extLst>
       <p:ext uri="{BB962C8B-B14F-4D97-AF65-F5344CB8AC3E}">
         <p14:creationId xmlns:p14="http://schemas.microsoft.com/office/powerpoint/2010/main" val="2305173294"/>
+      </p:ext>
+    </p:extLst>
+  </p:cSld>
+  <p:clrMapOvr>
+    <a:masterClrMapping/>
+  </p:clrMapOvr>
+</p:sld>
+</file>
+
+<file path=ppt/slides/slide7.xml><?xml version="1.0" encoding="utf-8"?>
+<p:sld xmlns:a="http://schemas.openxmlformats.org/drawingml/2006/main" xmlns:r="http://schemas.openxmlformats.org/officeDocument/2006/relationships" xmlns:p="http://schemas.openxmlformats.org/presentationml/2006/main">
+  <p:cSld>
+    <p:bg>
+      <p:bgPr>
+        <a:solidFill>
+          <a:srgbClr val="EDF2F4"/>
+        </a:solidFill>
+        <a:effectLst/>
+      </p:bgPr>
+    </p:bg>
+    <p:spTree>
+      <p:nvGrpSpPr>
+        <p:cNvPr id="1" name=""/>
+        <p:cNvGrpSpPr/>
+        <p:nvPr/>
+      </p:nvGrpSpPr>
+      <p:grpSpPr>
+        <a:xfrm>
+          <a:off x="0" y="0"/>
+          <a:ext cx="0" cy="0"/>
+          <a:chOff x="0" y="0"/>
+          <a:chExt cx="0" cy="0"/>
+        </a:xfrm>
+      </p:grpSpPr>
+      <p:sp>
+        <p:nvSpPr>
+          <p:cNvPr id="13" name="Retângulo 12">
+            <a:extLst>
+              <a:ext uri="{FF2B5EF4-FFF2-40B4-BE49-F238E27FC236}">
+                <a16:creationId xmlns:a16="http://schemas.microsoft.com/office/drawing/2014/main" id="{FB07E5A2-A1E4-B5AC-1C27-438E31B49C30}"/>
+              </a:ext>
+            </a:extLst>
+          </p:cNvPr>
+          <p:cNvSpPr/>
+          <p:nvPr/>
+        </p:nvSpPr>
+        <p:spPr>
+          <a:xfrm>
+            <a:off x="-135698" y="-334027"/>
+            <a:ext cx="12515588" cy="1409177"/>
+          </a:xfrm>
+          <a:prstGeom prst="rect">
+            <a:avLst/>
+          </a:prstGeom>
+          <a:solidFill>
+            <a:srgbClr val="E63946"/>
+          </a:solidFill>
+          <a:ln w="57150">
+            <a:solidFill>
+              <a:srgbClr val="151529"/>
+            </a:solidFill>
+          </a:ln>
+        </p:spPr>
+        <p:style>
+          <a:lnRef idx="2">
+            <a:schemeClr val="accent1">
+              <a:shade val="15000"/>
+            </a:schemeClr>
+          </a:lnRef>
+          <a:fillRef idx="1">
+            <a:schemeClr val="accent1"/>
+          </a:fillRef>
+          <a:effectRef idx="0">
+            <a:schemeClr val="accent1"/>
+          </a:effectRef>
+          <a:fontRef idx="minor">
+            <a:schemeClr val="lt1"/>
+          </a:fontRef>
+        </p:style>
+        <p:txBody>
+          <a:bodyPr rtlCol="0" anchor="ctr"/>
+          <a:lstStyle/>
+          <a:p>
+            <a:pPr algn="ctr"/>
+            <a:endParaRPr lang="pt-BR"/>
+          </a:p>
+        </p:txBody>
+      </p:sp>
+      <p:sp>
+        <p:nvSpPr>
+          <p:cNvPr id="2" name="Título 1">
+            <a:extLst>
+              <a:ext uri="{FF2B5EF4-FFF2-40B4-BE49-F238E27FC236}">
+                <a16:creationId xmlns:a16="http://schemas.microsoft.com/office/drawing/2014/main" id="{217F3117-157E-57E0-E248-8F4C0D1DD7AA}"/>
+              </a:ext>
+            </a:extLst>
+          </p:cNvPr>
+          <p:cNvSpPr>
+            <a:spLocks noGrp="1"/>
+          </p:cNvSpPr>
+          <p:nvPr>
+            <p:ph type="title"/>
+          </p:nvPr>
+        </p:nvSpPr>
+        <p:spPr>
+          <a:xfrm>
+            <a:off x="153578" y="304180"/>
+            <a:ext cx="1922711" cy="628269"/>
+          </a:xfrm>
+        </p:spPr>
+        <p:txBody>
+          <a:bodyPr>
+            <a:noAutofit/>
+          </a:bodyPr>
+          <a:lstStyle/>
+          <a:p>
+            <a:r>
+              <a:rPr lang="pt-BR"/>
+              <a:t>BPMN</a:t>
+            </a:r>
+          </a:p>
+        </p:txBody>
+      </p:sp>
+      <p:grpSp>
+        <p:nvGrpSpPr>
+          <p:cNvPr id="12" name="Agrupar 11">
+            <a:extLst>
+              <a:ext uri="{FF2B5EF4-FFF2-40B4-BE49-F238E27FC236}">
+                <a16:creationId xmlns:a16="http://schemas.microsoft.com/office/drawing/2014/main" id="{79DD95E4-274D-2BA8-B044-FFA9535950FB}"/>
+              </a:ext>
+            </a:extLst>
+          </p:cNvPr>
+          <p:cNvGrpSpPr/>
+          <p:nvPr/>
+        </p:nvGrpSpPr>
+        <p:grpSpPr>
+          <a:xfrm>
+            <a:off x="871603" y="1719463"/>
+            <a:ext cx="10448794" cy="4836536"/>
+            <a:chOff x="871603" y="1281052"/>
+            <a:chExt cx="10448794" cy="4836536"/>
+          </a:xfrm>
+        </p:grpSpPr>
+        <p:pic>
+          <p:nvPicPr>
+            <p:cNvPr id="7" name="Imagem 6" descr="Linha do tempo&#10;&#10;Descrição gerada automaticamente">
+              <a:extLst>
+                <a:ext uri="{FF2B5EF4-FFF2-40B4-BE49-F238E27FC236}">
+                  <a16:creationId xmlns:a16="http://schemas.microsoft.com/office/drawing/2014/main" id="{F6600E1D-EA4F-BB17-8A69-84ED2CF374C3}"/>
+                </a:ext>
+              </a:extLst>
+            </p:cNvPr>
+            <p:cNvPicPr>
+              <a:picLocks noChangeAspect="1"/>
+            </p:cNvPicPr>
+            <p:nvPr/>
+          </p:nvPicPr>
+          <p:blipFill>
+            <a:blip r:embed="rId2"/>
+            <a:stretch>
+              <a:fillRect/>
+            </a:stretch>
+          </p:blipFill>
+          <p:spPr>
+            <a:xfrm>
+              <a:off x="871603" y="1281052"/>
+              <a:ext cx="10448794" cy="4836536"/>
+            </a:xfrm>
+            <a:prstGeom prst="rect">
+              <a:avLst/>
+            </a:prstGeom>
+          </p:spPr>
+        </p:pic>
+        <p:cxnSp>
+          <p:nvCxnSpPr>
+            <p:cNvPr id="10" name="Conector reto 9">
+              <a:extLst>
+                <a:ext uri="{FF2B5EF4-FFF2-40B4-BE49-F238E27FC236}">
+                  <a16:creationId xmlns:a16="http://schemas.microsoft.com/office/drawing/2014/main" id="{CBB68B16-0053-910F-96C0-7F39DD033A88}"/>
+                </a:ext>
+              </a:extLst>
+            </p:cNvPr>
+            <p:cNvCxnSpPr>
+              <a:cxnSpLocks/>
+              <a:endCxn id="7" idx="3"/>
+            </p:cNvCxnSpPr>
+            <p:nvPr/>
+          </p:nvCxnSpPr>
+          <p:spPr>
+            <a:xfrm>
+              <a:off x="1136239" y="3686236"/>
+              <a:ext cx="10184158" cy="13084"/>
+            </a:xfrm>
+            <a:prstGeom prst="line">
+              <a:avLst/>
+            </a:prstGeom>
+            <a:ln>
+              <a:solidFill>
+                <a:srgbClr val="E63946"/>
+              </a:solidFill>
+            </a:ln>
+          </p:spPr>
+          <p:style>
+            <a:lnRef idx="2">
+              <a:schemeClr val="accent1"/>
+            </a:lnRef>
+            <a:fillRef idx="0">
+              <a:schemeClr val="accent1"/>
+            </a:fillRef>
+            <a:effectRef idx="1">
+              <a:schemeClr val="accent1"/>
+            </a:effectRef>
+            <a:fontRef idx="minor">
+              <a:schemeClr val="tx1"/>
+            </a:fontRef>
+          </p:style>
+        </p:cxnSp>
+        <p:sp>
+          <p:nvSpPr>
+            <p:cNvPr id="8" name="Fluxograma: Conector 7">
+              <a:extLst>
+                <a:ext uri="{FF2B5EF4-FFF2-40B4-BE49-F238E27FC236}">
+                  <a16:creationId xmlns:a16="http://schemas.microsoft.com/office/drawing/2014/main" id="{35614A1D-66B5-4300-DE5C-089C71A67B0B}"/>
+                </a:ext>
+              </a:extLst>
+            </p:cNvPr>
+            <p:cNvSpPr/>
+            <p:nvPr/>
+          </p:nvSpPr>
+          <p:spPr>
+            <a:xfrm>
+              <a:off x="1649259" y="1711889"/>
+              <a:ext cx="459287" cy="459287"/>
+            </a:xfrm>
+            <a:prstGeom prst="flowChartConnector">
+              <a:avLst/>
+            </a:prstGeom>
+            <a:solidFill>
+              <a:schemeClr val="accent6"/>
+            </a:solidFill>
+          </p:spPr>
+          <p:style>
+            <a:lnRef idx="2">
+              <a:schemeClr val="accent1">
+                <a:shade val="15000"/>
+              </a:schemeClr>
+            </a:lnRef>
+            <a:fillRef idx="1">
+              <a:schemeClr val="accent1"/>
+            </a:fillRef>
+            <a:effectRef idx="0">
+              <a:schemeClr val="accent1"/>
+            </a:effectRef>
+            <a:fontRef idx="minor">
+              <a:schemeClr val="lt1"/>
+            </a:fontRef>
+          </p:style>
+          <p:txBody>
+            <a:bodyPr rtlCol="0" anchor="ctr"/>
+            <a:lstStyle/>
+            <a:p>
+              <a:pPr algn="ctr"/>
+              <a:endParaRPr lang="pt-BR"/>
+            </a:p>
+          </p:txBody>
+        </p:sp>
+        <p:sp>
+          <p:nvSpPr>
+            <p:cNvPr id="9" name="Fluxograma: Conector 8">
+              <a:extLst>
+                <a:ext uri="{FF2B5EF4-FFF2-40B4-BE49-F238E27FC236}">
+                  <a16:creationId xmlns:a16="http://schemas.microsoft.com/office/drawing/2014/main" id="{BA37A01E-F6F1-D413-F0ED-DCD07BEFD27B}"/>
+                </a:ext>
+              </a:extLst>
+            </p:cNvPr>
+            <p:cNvSpPr/>
+            <p:nvPr/>
+          </p:nvSpPr>
+          <p:spPr>
+            <a:xfrm>
+              <a:off x="10073012" y="1711888"/>
+              <a:ext cx="459287" cy="459287"/>
+            </a:xfrm>
+            <a:prstGeom prst="flowChartConnector">
+              <a:avLst/>
+            </a:prstGeom>
+            <a:solidFill>
+              <a:srgbClr val="FF0000"/>
+            </a:solidFill>
+          </p:spPr>
+          <p:style>
+            <a:lnRef idx="2">
+              <a:schemeClr val="accent1">
+                <a:shade val="15000"/>
+              </a:schemeClr>
+            </a:lnRef>
+            <a:fillRef idx="1">
+              <a:schemeClr val="accent1"/>
+            </a:fillRef>
+            <a:effectRef idx="0">
+              <a:schemeClr val="accent1"/>
+            </a:effectRef>
+            <a:fontRef idx="minor">
+              <a:schemeClr val="lt1"/>
+            </a:fontRef>
+          </p:style>
+          <p:txBody>
+            <a:bodyPr rtlCol="0" anchor="ctr"/>
+            <a:lstStyle/>
+            <a:p>
+              <a:pPr algn="ctr"/>
+              <a:endParaRPr lang="pt-BR"/>
+            </a:p>
+          </p:txBody>
+        </p:sp>
+      </p:grpSp>
+      <p:cxnSp>
+        <p:nvCxnSpPr>
+          <p:cNvPr id="15" name="Conector reto 14">
+            <a:extLst>
+              <a:ext uri="{FF2B5EF4-FFF2-40B4-BE49-F238E27FC236}">
+                <a16:creationId xmlns:a16="http://schemas.microsoft.com/office/drawing/2014/main" id="{174C23EE-4EFA-F74D-82EA-22F314FB5113}"/>
+              </a:ext>
+            </a:extLst>
+          </p:cNvPr>
+          <p:cNvCxnSpPr/>
+          <p:nvPr/>
+        </p:nvCxnSpPr>
+        <p:spPr>
+          <a:xfrm>
+            <a:off x="881435" y="1709631"/>
+            <a:ext cx="0" cy="4836536"/>
+          </a:xfrm>
+          <a:prstGeom prst="line">
+            <a:avLst/>
+          </a:prstGeom>
+          <a:ln>
+            <a:solidFill>
+              <a:srgbClr val="E63946"/>
+            </a:solidFill>
+          </a:ln>
+        </p:spPr>
+        <p:style>
+          <a:lnRef idx="2">
+            <a:schemeClr val="accent1"/>
+          </a:lnRef>
+          <a:fillRef idx="0">
+            <a:schemeClr val="accent1"/>
+          </a:fillRef>
+          <a:effectRef idx="1">
+            <a:schemeClr val="accent1"/>
+          </a:effectRef>
+          <a:fontRef idx="minor">
+            <a:schemeClr val="tx1"/>
+          </a:fontRef>
+        </p:style>
+      </p:cxnSp>
+      <p:cxnSp>
+        <p:nvCxnSpPr>
+          <p:cNvPr id="16" name="Conector reto 15">
+            <a:extLst>
+              <a:ext uri="{FF2B5EF4-FFF2-40B4-BE49-F238E27FC236}">
+                <a16:creationId xmlns:a16="http://schemas.microsoft.com/office/drawing/2014/main" id="{24B77DA2-68AD-74C3-257E-DAB63917C860}"/>
+              </a:ext>
+            </a:extLst>
+          </p:cNvPr>
+          <p:cNvCxnSpPr/>
+          <p:nvPr/>
+        </p:nvCxnSpPr>
+        <p:spPr>
+          <a:xfrm>
+            <a:off x="1147519" y="1719463"/>
+            <a:ext cx="0" cy="4836536"/>
+          </a:xfrm>
+          <a:prstGeom prst="line">
+            <a:avLst/>
+          </a:prstGeom>
+          <a:ln>
+            <a:solidFill>
+              <a:srgbClr val="E63946"/>
+            </a:solidFill>
+          </a:ln>
+        </p:spPr>
+        <p:style>
+          <a:lnRef idx="2">
+            <a:schemeClr val="accent1"/>
+          </a:lnRef>
+          <a:fillRef idx="0">
+            <a:schemeClr val="accent1"/>
+          </a:fillRef>
+          <a:effectRef idx="1">
+            <a:schemeClr val="accent1"/>
+          </a:effectRef>
+          <a:fontRef idx="minor">
+            <a:schemeClr val="tx1"/>
+          </a:fontRef>
+        </p:style>
+      </p:cxnSp>
+      <p:cxnSp>
+        <p:nvCxnSpPr>
+          <p:cNvPr id="17" name="Conector reto 16">
+            <a:extLst>
+              <a:ext uri="{FF2B5EF4-FFF2-40B4-BE49-F238E27FC236}">
+                <a16:creationId xmlns:a16="http://schemas.microsoft.com/office/drawing/2014/main" id="{DBA654F9-0683-1175-B93A-FEAF124E087B}"/>
+              </a:ext>
+            </a:extLst>
+          </p:cNvPr>
+          <p:cNvCxnSpPr/>
+          <p:nvPr/>
+        </p:nvCxnSpPr>
+        <p:spPr>
+          <a:xfrm>
+            <a:off x="1417293" y="1719463"/>
+            <a:ext cx="0" cy="4836536"/>
+          </a:xfrm>
+          <a:prstGeom prst="line">
+            <a:avLst/>
+          </a:prstGeom>
+          <a:ln>
+            <a:solidFill>
+              <a:srgbClr val="E63946"/>
+            </a:solidFill>
+          </a:ln>
+        </p:spPr>
+        <p:style>
+          <a:lnRef idx="2">
+            <a:schemeClr val="accent1"/>
+          </a:lnRef>
+          <a:fillRef idx="0">
+            <a:schemeClr val="accent1"/>
+          </a:fillRef>
+          <a:effectRef idx="1">
+            <a:schemeClr val="accent1"/>
+          </a:effectRef>
+          <a:fontRef idx="minor">
+            <a:schemeClr val="tx1"/>
+          </a:fontRef>
+        </p:style>
+      </p:cxnSp>
+    </p:spTree>
+    <p:extLst>
+      <p:ext uri="{BB962C8B-B14F-4D97-AF65-F5344CB8AC3E}">
+        <p14:creationId xmlns:p14="http://schemas.microsoft.com/office/powerpoint/2010/main" val="3199428709"/>
+      </p:ext>
+    </p:extLst>
+  </p:cSld>
+  <p:clrMapOvr>
+    <a:masterClrMapping/>
+  </p:clrMapOvr>
+</p:sld>
+</file>
+
+<file path=ppt/slides/slide8.xml><?xml version="1.0" encoding="utf-8"?>
+<p:sld xmlns:a="http://schemas.openxmlformats.org/drawingml/2006/main" xmlns:r="http://schemas.openxmlformats.org/officeDocument/2006/relationships" xmlns:p="http://schemas.openxmlformats.org/presentationml/2006/main">
+  <p:cSld>
+    <p:bg>
+      <p:bgPr>
+        <a:solidFill>
+          <a:srgbClr val="FFFFFF"/>
+        </a:solidFill>
+        <a:effectLst/>
+      </p:bgPr>
+    </p:bg>
+    <p:spTree>
+      <p:nvGrpSpPr>
+        <p:cNvPr id="1" name=""/>
+        <p:cNvGrpSpPr/>
+        <p:nvPr/>
+      </p:nvGrpSpPr>
+      <p:grpSpPr>
+        <a:xfrm>
+          <a:off x="0" y="0"/>
+          <a:ext cx="0" cy="0"/>
+          <a:chOff x="0" y="0"/>
+          <a:chExt cx="0" cy="0"/>
+        </a:xfrm>
+      </p:grpSpPr>
+      <p:sp>
+        <p:nvSpPr>
+          <p:cNvPr id="6" name="Rectangle 1">
+            <a:extLst>
+              <a:ext uri="{FF2B5EF4-FFF2-40B4-BE49-F238E27FC236}">
+                <a16:creationId xmlns:a16="http://schemas.microsoft.com/office/drawing/2014/main" id="{510F9FC8-E3E0-4916-7E1A-FA4DDBD00DE7}"/>
+              </a:ext>
+            </a:extLst>
+          </p:cNvPr>
+          <p:cNvSpPr>
+            <a:spLocks noChangeArrowheads="1"/>
+          </p:cNvSpPr>
+          <p:nvPr/>
+        </p:nvSpPr>
+        <p:spPr bwMode="auto">
+          <a:xfrm>
+            <a:off x="0" y="0"/>
+            <a:ext cx="12192000" cy="0"/>
+          </a:xfrm>
+          <a:prstGeom prst="rect">
+            <a:avLst/>
+          </a:prstGeom>
+          <a:noFill/>
+          <a:ln>
+            <a:noFill/>
+          </a:ln>
+          <a:effectLst/>
+          <a:extLst>
+            <a:ext uri="{909E8E84-426E-40DD-AFC4-6F175D3DCCD1}">
+              <a14:hiddenFill xmlns:a14="http://schemas.microsoft.com/office/drawing/2010/main">
+                <a:solidFill>
+                  <a:schemeClr val="accent1"/>
+                </a:solidFill>
+              </a14:hiddenFill>
+            </a:ext>
+            <a:ext uri="{91240B29-F687-4F45-9708-019B960494DF}">
+              <a14:hiddenLine xmlns:a14="http://schemas.microsoft.com/office/drawing/2010/main" w="9525">
+                <a:solidFill>
+                  <a:schemeClr val="tx1"/>
+                </a:solidFill>
+                <a:miter lim="800000"/>
+                <a:headEnd/>
+                <a:tailEnd/>
+              </a14:hiddenLine>
+            </a:ext>
+            <a:ext uri="{AF507438-7753-43E0-B8FC-AC1667EBCBE1}">
+              <a14:hiddenEffects xmlns:a14="http://schemas.microsoft.com/office/drawing/2010/main">
+                <a:effectLst>
+                  <a:outerShdw dist="35921" dir="2700000" algn="ctr" rotWithShape="0">
+                    <a:schemeClr val="bg2"/>
+                  </a:outerShdw>
+                </a:effectLst>
+              </a14:hiddenEffects>
+            </a:ext>
+          </a:extLst>
+        </p:spPr>
+        <p:txBody>
+          <a:bodyPr vert="horz" wrap="none" lIns="91440" tIns="45720" rIns="91440" bIns="45720" numCol="1" anchor="ctr" anchorCtr="0" compatLnSpc="1">
+            <a:prstTxWarp prst="textNoShape">
+              <a:avLst/>
+            </a:prstTxWarp>
+            <a:spAutoFit/>
+          </a:bodyPr>
+          <a:lstStyle/>
+          <a:p>
+            <a:endParaRPr lang="pt-BR"/>
+          </a:p>
+        </p:txBody>
+      </p:sp>
+      <p:sp>
+        <p:nvSpPr>
+          <p:cNvPr id="2" name="Título 1">
+            <a:extLst>
+              <a:ext uri="{FF2B5EF4-FFF2-40B4-BE49-F238E27FC236}">
+                <a16:creationId xmlns:a16="http://schemas.microsoft.com/office/drawing/2014/main" id="{BF51CFD8-D552-A71D-BE12-450E14F80B68}"/>
+              </a:ext>
+            </a:extLst>
+          </p:cNvPr>
+          <p:cNvSpPr>
+            <a:spLocks noGrp="1"/>
+          </p:cNvSpPr>
+          <p:nvPr>
+            <p:ph type="ctrTitle"/>
+          </p:nvPr>
+        </p:nvSpPr>
+        <p:spPr>
+          <a:xfrm>
+            <a:off x="5288674" y="2893329"/>
+            <a:ext cx="1614652" cy="777500"/>
+          </a:xfrm>
+        </p:spPr>
+        <p:txBody>
+          <a:bodyPr anchor="b">
+            <a:noAutofit/>
+          </a:bodyPr>
+          <a:lstStyle/>
+          <a:p>
+            <a:pPr algn="l"/>
+            <a:r>
+              <a:rPr lang="pt-BR" sz="4400">
+                <a:solidFill>
+                  <a:schemeClr val="bg1"/>
+                </a:solidFill>
+                <a:latin typeface="Varela"/>
+              </a:rPr>
+              <a:t>VISITA</a:t>
+            </a:r>
+          </a:p>
+        </p:txBody>
+      </p:sp>
+      <p:sp>
+        <p:nvSpPr>
+          <p:cNvPr id="3" name="Retângulo: Cantos Superiores Arredondados 2">
+            <a:extLst>
+              <a:ext uri="{FF2B5EF4-FFF2-40B4-BE49-F238E27FC236}">
+                <a16:creationId xmlns:a16="http://schemas.microsoft.com/office/drawing/2014/main" id="{89591122-9BDA-B1DC-83C5-582FBE8040DE}"/>
+              </a:ext>
+            </a:extLst>
+          </p:cNvPr>
+          <p:cNvSpPr/>
+          <p:nvPr/>
+        </p:nvSpPr>
+        <p:spPr>
+          <a:xfrm rot="5400000">
+            <a:off x="4820262" y="-774294"/>
+            <a:ext cx="6341808" cy="8406583"/>
+          </a:xfrm>
+          <a:prstGeom prst="round2SameRect">
+            <a:avLst/>
+          </a:prstGeom>
+          <a:solidFill>
+            <a:srgbClr val="BABAD8"/>
+          </a:solidFill>
+          <a:ln>
+            <a:noFill/>
+          </a:ln>
+        </p:spPr>
+        <p:style>
+          <a:lnRef idx="2">
+            <a:schemeClr val="accent1">
+              <a:shade val="15000"/>
+            </a:schemeClr>
+          </a:lnRef>
+          <a:fillRef idx="1">
+            <a:schemeClr val="accent1"/>
+          </a:fillRef>
+          <a:effectRef idx="0">
+            <a:schemeClr val="accent1"/>
+          </a:effectRef>
+          <a:fontRef idx="minor">
+            <a:schemeClr val="lt1"/>
+          </a:fontRef>
+        </p:style>
+        <p:txBody>
+          <a:bodyPr rtlCol="0" anchor="ctr"/>
+          <a:lstStyle>
+            <a:defPPr>
+              <a:defRPr lang="pt-BR"/>
+            </a:defPPr>
+            <a:lvl1pPr marL="0" algn="l" defTabSz="914400" rtl="0" eaLnBrk="1" latinLnBrk="0" hangingPunct="1">
+              <a:defRPr sz="1800" kern="1200">
+                <a:solidFill>
+                  <a:schemeClr val="lt1"/>
+                </a:solidFill>
+                <a:latin typeface="+mn-lt"/>
+                <a:ea typeface="+mn-ea"/>
+                <a:cs typeface="+mn-cs"/>
+              </a:defRPr>
+            </a:lvl1pPr>
+            <a:lvl2pPr marL="457200" algn="l" defTabSz="914400" rtl="0" eaLnBrk="1" latinLnBrk="0" hangingPunct="1">
+              <a:defRPr sz="1800" kern="1200">
+                <a:solidFill>
+                  <a:schemeClr val="lt1"/>
+                </a:solidFill>
+                <a:latin typeface="+mn-lt"/>
+                <a:ea typeface="+mn-ea"/>
+                <a:cs typeface="+mn-cs"/>
+              </a:defRPr>
+            </a:lvl2pPr>
+            <a:lvl3pPr marL="914400" algn="l" defTabSz="914400" rtl="0" eaLnBrk="1" latinLnBrk="0" hangingPunct="1">
+              <a:defRPr sz="1800" kern="1200">
+                <a:solidFill>
+                  <a:schemeClr val="lt1"/>
+                </a:solidFill>
+                <a:latin typeface="+mn-lt"/>
+                <a:ea typeface="+mn-ea"/>
+                <a:cs typeface="+mn-cs"/>
+              </a:defRPr>
+            </a:lvl3pPr>
+            <a:lvl4pPr marL="1371600" algn="l" defTabSz="914400" rtl="0" eaLnBrk="1" latinLnBrk="0" hangingPunct="1">
+              <a:defRPr sz="1800" kern="1200">
+                <a:solidFill>
+                  <a:schemeClr val="lt1"/>
+                </a:solidFill>
+                <a:latin typeface="+mn-lt"/>
+                <a:ea typeface="+mn-ea"/>
+                <a:cs typeface="+mn-cs"/>
+              </a:defRPr>
+            </a:lvl4pPr>
+            <a:lvl5pPr marL="1828800" algn="l" defTabSz="914400" rtl="0" eaLnBrk="1" latinLnBrk="0" hangingPunct="1">
+              <a:defRPr sz="1800" kern="1200">
+                <a:solidFill>
+                  <a:schemeClr val="lt1"/>
+                </a:solidFill>
+                <a:latin typeface="+mn-lt"/>
+                <a:ea typeface="+mn-ea"/>
+                <a:cs typeface="+mn-cs"/>
+              </a:defRPr>
+            </a:lvl5pPr>
+            <a:lvl6pPr marL="2286000" algn="l" defTabSz="914400" rtl="0" eaLnBrk="1" latinLnBrk="0" hangingPunct="1">
+              <a:defRPr sz="1800" kern="1200">
+                <a:solidFill>
+                  <a:schemeClr val="lt1"/>
+                </a:solidFill>
+                <a:latin typeface="+mn-lt"/>
+                <a:ea typeface="+mn-ea"/>
+                <a:cs typeface="+mn-cs"/>
+              </a:defRPr>
+            </a:lvl6pPr>
+            <a:lvl7pPr marL="2743200" algn="l" defTabSz="914400" rtl="0" eaLnBrk="1" latinLnBrk="0" hangingPunct="1">
+              <a:defRPr sz="1800" kern="1200">
+                <a:solidFill>
+                  <a:schemeClr val="lt1"/>
+                </a:solidFill>
+                <a:latin typeface="+mn-lt"/>
+                <a:ea typeface="+mn-ea"/>
+                <a:cs typeface="+mn-cs"/>
+              </a:defRPr>
+            </a:lvl7pPr>
+            <a:lvl8pPr marL="3200400" algn="l" defTabSz="914400" rtl="0" eaLnBrk="1" latinLnBrk="0" hangingPunct="1">
+              <a:defRPr sz="1800" kern="1200">
+                <a:solidFill>
+                  <a:schemeClr val="lt1"/>
+                </a:solidFill>
+                <a:latin typeface="+mn-lt"/>
+                <a:ea typeface="+mn-ea"/>
+                <a:cs typeface="+mn-cs"/>
+              </a:defRPr>
+            </a:lvl8pPr>
+            <a:lvl9pPr marL="3657600" algn="l" defTabSz="914400" rtl="0" eaLnBrk="1" latinLnBrk="0" hangingPunct="1">
+              <a:defRPr sz="1800" kern="1200">
+                <a:solidFill>
+                  <a:schemeClr val="lt1"/>
+                </a:solidFill>
+                <a:latin typeface="+mn-lt"/>
+                <a:ea typeface="+mn-ea"/>
+                <a:cs typeface="+mn-cs"/>
+              </a:defRPr>
+            </a:lvl9pPr>
+          </a:lstStyle>
+          <a:p>
+            <a:pPr algn="ctr"/>
+            <a:endParaRPr lang="pt-BR"/>
+          </a:p>
+        </p:txBody>
+      </p:sp>
+      <p:sp>
+        <p:nvSpPr>
+          <p:cNvPr id="4" name="Retângulo: Cantos Superiores Arredondados 3">
+            <a:extLst>
+              <a:ext uri="{FF2B5EF4-FFF2-40B4-BE49-F238E27FC236}">
+                <a16:creationId xmlns:a16="http://schemas.microsoft.com/office/drawing/2014/main" id="{D61A0B57-C428-45B5-84A6-0C5ACB69650B}"/>
+              </a:ext>
+            </a:extLst>
+          </p:cNvPr>
+          <p:cNvSpPr/>
+          <p:nvPr/>
+        </p:nvSpPr>
+        <p:spPr>
+          <a:xfrm rot="5400000">
+            <a:off x="217732" y="1564523"/>
+            <a:ext cx="6690689" cy="3689784"/>
+          </a:xfrm>
+          <a:prstGeom prst="round2SameRect">
+            <a:avLst/>
+          </a:prstGeom>
+          <a:solidFill>
+            <a:srgbClr val="E4E4F0"/>
+          </a:solidFill>
+          <a:ln>
+            <a:noFill/>
+          </a:ln>
+        </p:spPr>
+        <p:style>
+          <a:lnRef idx="2">
+            <a:schemeClr val="accent1">
+              <a:shade val="15000"/>
+            </a:schemeClr>
+          </a:lnRef>
+          <a:fillRef idx="1">
+            <a:schemeClr val="accent1"/>
+          </a:fillRef>
+          <a:effectRef idx="0">
+            <a:schemeClr val="accent1"/>
+          </a:effectRef>
+          <a:fontRef idx="minor">
+            <a:schemeClr val="lt1"/>
+          </a:fontRef>
+        </p:style>
+        <p:txBody>
+          <a:bodyPr rtlCol="0" anchor="ctr"/>
+          <a:lstStyle>
+            <a:defPPr>
+              <a:defRPr lang="pt-BR"/>
+            </a:defPPr>
+            <a:lvl1pPr marL="0" algn="l" defTabSz="914400" rtl="0" eaLnBrk="1" latinLnBrk="0" hangingPunct="1">
+              <a:defRPr sz="1800" kern="1200">
+                <a:solidFill>
+                  <a:schemeClr val="lt1"/>
+                </a:solidFill>
+                <a:latin typeface="+mn-lt"/>
+                <a:ea typeface="+mn-ea"/>
+                <a:cs typeface="+mn-cs"/>
+              </a:defRPr>
+            </a:lvl1pPr>
+            <a:lvl2pPr marL="457200" algn="l" defTabSz="914400" rtl="0" eaLnBrk="1" latinLnBrk="0" hangingPunct="1">
+              <a:defRPr sz="1800" kern="1200">
+                <a:solidFill>
+                  <a:schemeClr val="lt1"/>
+                </a:solidFill>
+                <a:latin typeface="+mn-lt"/>
+                <a:ea typeface="+mn-ea"/>
+                <a:cs typeface="+mn-cs"/>
+              </a:defRPr>
+            </a:lvl2pPr>
+            <a:lvl3pPr marL="914400" algn="l" defTabSz="914400" rtl="0" eaLnBrk="1" latinLnBrk="0" hangingPunct="1">
+              <a:defRPr sz="1800" kern="1200">
+                <a:solidFill>
+                  <a:schemeClr val="lt1"/>
+                </a:solidFill>
+                <a:latin typeface="+mn-lt"/>
+                <a:ea typeface="+mn-ea"/>
+                <a:cs typeface="+mn-cs"/>
+              </a:defRPr>
+            </a:lvl3pPr>
+            <a:lvl4pPr marL="1371600" algn="l" defTabSz="914400" rtl="0" eaLnBrk="1" latinLnBrk="0" hangingPunct="1">
+              <a:defRPr sz="1800" kern="1200">
+                <a:solidFill>
+                  <a:schemeClr val="lt1"/>
+                </a:solidFill>
+                <a:latin typeface="+mn-lt"/>
+                <a:ea typeface="+mn-ea"/>
+                <a:cs typeface="+mn-cs"/>
+              </a:defRPr>
+            </a:lvl4pPr>
+            <a:lvl5pPr marL="1828800" algn="l" defTabSz="914400" rtl="0" eaLnBrk="1" latinLnBrk="0" hangingPunct="1">
+              <a:defRPr sz="1800" kern="1200">
+                <a:solidFill>
+                  <a:schemeClr val="lt1"/>
+                </a:solidFill>
+                <a:latin typeface="+mn-lt"/>
+                <a:ea typeface="+mn-ea"/>
+                <a:cs typeface="+mn-cs"/>
+              </a:defRPr>
+            </a:lvl5pPr>
+            <a:lvl6pPr marL="2286000" algn="l" defTabSz="914400" rtl="0" eaLnBrk="1" latinLnBrk="0" hangingPunct="1">
+              <a:defRPr sz="1800" kern="1200">
+                <a:solidFill>
+                  <a:schemeClr val="lt1"/>
+                </a:solidFill>
+                <a:latin typeface="+mn-lt"/>
+                <a:ea typeface="+mn-ea"/>
+                <a:cs typeface="+mn-cs"/>
+              </a:defRPr>
+            </a:lvl6pPr>
+            <a:lvl7pPr marL="2743200" algn="l" defTabSz="914400" rtl="0" eaLnBrk="1" latinLnBrk="0" hangingPunct="1">
+              <a:defRPr sz="1800" kern="1200">
+                <a:solidFill>
+                  <a:schemeClr val="lt1"/>
+                </a:solidFill>
+                <a:latin typeface="+mn-lt"/>
+                <a:ea typeface="+mn-ea"/>
+                <a:cs typeface="+mn-cs"/>
+              </a:defRPr>
+            </a:lvl7pPr>
+            <a:lvl8pPr marL="3200400" algn="l" defTabSz="914400" rtl="0" eaLnBrk="1" latinLnBrk="0" hangingPunct="1">
+              <a:defRPr sz="1800" kern="1200">
+                <a:solidFill>
+                  <a:schemeClr val="lt1"/>
+                </a:solidFill>
+                <a:latin typeface="+mn-lt"/>
+                <a:ea typeface="+mn-ea"/>
+                <a:cs typeface="+mn-cs"/>
+              </a:defRPr>
+            </a:lvl8pPr>
+            <a:lvl9pPr marL="3657600" algn="l" defTabSz="914400" rtl="0" eaLnBrk="1" latinLnBrk="0" hangingPunct="1">
+              <a:defRPr sz="1800" kern="1200">
+                <a:solidFill>
+                  <a:schemeClr val="lt1"/>
+                </a:solidFill>
+                <a:latin typeface="+mn-lt"/>
+                <a:ea typeface="+mn-ea"/>
+                <a:cs typeface="+mn-cs"/>
+              </a:defRPr>
+            </a:lvl9pPr>
+          </a:lstStyle>
+          <a:p>
+            <a:pPr algn="ctr"/>
+            <a:endParaRPr lang="pt-BR"/>
+          </a:p>
+        </p:txBody>
+      </p:sp>
+      <p:sp>
+        <p:nvSpPr>
+          <p:cNvPr id="5" name="Retângulo: Cantos Superiores Arredondados 4">
+            <a:extLst>
+              <a:ext uri="{FF2B5EF4-FFF2-40B4-BE49-F238E27FC236}">
+                <a16:creationId xmlns:a16="http://schemas.microsoft.com/office/drawing/2014/main" id="{38563621-48BD-35F9-6511-8CD4F0AB0255}"/>
+              </a:ext>
+            </a:extLst>
+          </p:cNvPr>
+          <p:cNvSpPr/>
+          <p:nvPr/>
+        </p:nvSpPr>
+        <p:spPr>
+          <a:xfrm rot="5400000">
+            <a:off x="-870266" y="872722"/>
+            <a:ext cx="6858000" cy="5112555"/>
+          </a:xfrm>
+          <a:prstGeom prst="round2SameRect">
+            <a:avLst/>
+          </a:prstGeom>
+          <a:solidFill>
+            <a:srgbClr val="22223B"/>
+          </a:solidFill>
+          <a:ln>
+            <a:noFill/>
+          </a:ln>
+        </p:spPr>
+        <p:style>
+          <a:lnRef idx="2">
+            <a:schemeClr val="accent1">
+              <a:shade val="15000"/>
+            </a:schemeClr>
+          </a:lnRef>
+          <a:fillRef idx="1">
+            <a:schemeClr val="accent1"/>
+          </a:fillRef>
+          <a:effectRef idx="0">
+            <a:schemeClr val="accent1"/>
+          </a:effectRef>
+          <a:fontRef idx="minor">
+            <a:schemeClr val="lt1"/>
+          </a:fontRef>
+        </p:style>
+        <p:txBody>
+          <a:bodyPr rtlCol="0" anchor="ctr"/>
+          <a:lstStyle>
+            <a:defPPr>
+              <a:defRPr lang="pt-BR"/>
+            </a:defPPr>
+            <a:lvl1pPr marL="0" algn="l" defTabSz="914400" rtl="0" eaLnBrk="1" latinLnBrk="0" hangingPunct="1">
+              <a:defRPr sz="1800" kern="1200">
+                <a:solidFill>
+                  <a:schemeClr val="lt1"/>
+                </a:solidFill>
+                <a:latin typeface="+mn-lt"/>
+                <a:ea typeface="+mn-ea"/>
+                <a:cs typeface="+mn-cs"/>
+              </a:defRPr>
+            </a:lvl1pPr>
+            <a:lvl2pPr marL="457200" algn="l" defTabSz="914400" rtl="0" eaLnBrk="1" latinLnBrk="0" hangingPunct="1">
+              <a:defRPr sz="1800" kern="1200">
+                <a:solidFill>
+                  <a:schemeClr val="lt1"/>
+                </a:solidFill>
+                <a:latin typeface="+mn-lt"/>
+                <a:ea typeface="+mn-ea"/>
+                <a:cs typeface="+mn-cs"/>
+              </a:defRPr>
+            </a:lvl2pPr>
+            <a:lvl3pPr marL="914400" algn="l" defTabSz="914400" rtl="0" eaLnBrk="1" latinLnBrk="0" hangingPunct="1">
+              <a:defRPr sz="1800" kern="1200">
+                <a:solidFill>
+                  <a:schemeClr val="lt1"/>
+                </a:solidFill>
+                <a:latin typeface="+mn-lt"/>
+                <a:ea typeface="+mn-ea"/>
+                <a:cs typeface="+mn-cs"/>
+              </a:defRPr>
+            </a:lvl3pPr>
+            <a:lvl4pPr marL="1371600" algn="l" defTabSz="914400" rtl="0" eaLnBrk="1" latinLnBrk="0" hangingPunct="1">
+              <a:defRPr sz="1800" kern="1200">
+                <a:solidFill>
+                  <a:schemeClr val="lt1"/>
+                </a:solidFill>
+                <a:latin typeface="+mn-lt"/>
+                <a:ea typeface="+mn-ea"/>
+                <a:cs typeface="+mn-cs"/>
+              </a:defRPr>
+            </a:lvl4pPr>
+            <a:lvl5pPr marL="1828800" algn="l" defTabSz="914400" rtl="0" eaLnBrk="1" latinLnBrk="0" hangingPunct="1">
+              <a:defRPr sz="1800" kern="1200">
+                <a:solidFill>
+                  <a:schemeClr val="lt1"/>
+                </a:solidFill>
+                <a:latin typeface="+mn-lt"/>
+                <a:ea typeface="+mn-ea"/>
+                <a:cs typeface="+mn-cs"/>
+              </a:defRPr>
+            </a:lvl5pPr>
+            <a:lvl6pPr marL="2286000" algn="l" defTabSz="914400" rtl="0" eaLnBrk="1" latinLnBrk="0" hangingPunct="1">
+              <a:defRPr sz="1800" kern="1200">
+                <a:solidFill>
+                  <a:schemeClr val="lt1"/>
+                </a:solidFill>
+                <a:latin typeface="+mn-lt"/>
+                <a:ea typeface="+mn-ea"/>
+                <a:cs typeface="+mn-cs"/>
+              </a:defRPr>
+            </a:lvl6pPr>
+            <a:lvl7pPr marL="2743200" algn="l" defTabSz="914400" rtl="0" eaLnBrk="1" latinLnBrk="0" hangingPunct="1">
+              <a:defRPr sz="1800" kern="1200">
+                <a:solidFill>
+                  <a:schemeClr val="lt1"/>
+                </a:solidFill>
+                <a:latin typeface="+mn-lt"/>
+                <a:ea typeface="+mn-ea"/>
+                <a:cs typeface="+mn-cs"/>
+              </a:defRPr>
+            </a:lvl7pPr>
+            <a:lvl8pPr marL="3200400" algn="l" defTabSz="914400" rtl="0" eaLnBrk="1" latinLnBrk="0" hangingPunct="1">
+              <a:defRPr sz="1800" kern="1200">
+                <a:solidFill>
+                  <a:schemeClr val="lt1"/>
+                </a:solidFill>
+                <a:latin typeface="+mn-lt"/>
+                <a:ea typeface="+mn-ea"/>
+                <a:cs typeface="+mn-cs"/>
+              </a:defRPr>
+            </a:lvl8pPr>
+            <a:lvl9pPr marL="3657600" algn="l" defTabSz="914400" rtl="0" eaLnBrk="1" latinLnBrk="0" hangingPunct="1">
+              <a:defRPr sz="1800" kern="1200">
+                <a:solidFill>
+                  <a:schemeClr val="lt1"/>
+                </a:solidFill>
+                <a:latin typeface="+mn-lt"/>
+                <a:ea typeface="+mn-ea"/>
+                <a:cs typeface="+mn-cs"/>
+              </a:defRPr>
+            </a:lvl9pPr>
+          </a:lstStyle>
+          <a:p>
+            <a:pPr algn="ctr"/>
+            <a:endParaRPr lang="pt-BR"/>
+          </a:p>
+        </p:txBody>
+      </p:sp>
+      <p:sp>
+        <p:nvSpPr>
+          <p:cNvPr id="7" name="Título 1">
+            <a:extLst>
+              <a:ext uri="{FF2B5EF4-FFF2-40B4-BE49-F238E27FC236}">
+                <a16:creationId xmlns:a16="http://schemas.microsoft.com/office/drawing/2014/main" id="{11E245A8-0589-E184-57BD-64071F3E7DBC}"/>
+              </a:ext>
+            </a:extLst>
+          </p:cNvPr>
+          <p:cNvSpPr>
+            <a:spLocks noGrp="1"/>
+          </p:cNvSpPr>
+          <p:nvPr/>
+        </p:nvSpPr>
+        <p:spPr>
+          <a:xfrm>
+            <a:off x="432390" y="599767"/>
+            <a:ext cx="3689784" cy="860649"/>
+          </a:xfrm>
+          <a:prstGeom prst="rect">
+            <a:avLst/>
+          </a:prstGeom>
+        </p:spPr>
+        <p:txBody>
+          <a:bodyPr vert="horz" lIns="91440" tIns="45720" rIns="91440" bIns="45720" rtlCol="0" anchor="ctr">
+            <a:noAutofit/>
+          </a:bodyPr>
+          <a:lstStyle>
+            <a:lvl1pPr algn="l" defTabSz="914400" rtl="0" eaLnBrk="1" latinLnBrk="0" hangingPunct="1">
+              <a:lnSpc>
+                <a:spcPct val="90000"/>
+              </a:lnSpc>
+              <a:spcBef>
+                <a:spcPct val="0"/>
+              </a:spcBef>
+              <a:buNone/>
+              <a:defRPr sz="4400" kern="1200">
+                <a:solidFill>
+                  <a:schemeClr val="tx1"/>
+                </a:solidFill>
+                <a:latin typeface="+mj-lt"/>
+                <a:ea typeface="+mj-ea"/>
+                <a:cs typeface="+mj-cs"/>
+              </a:defRPr>
+            </a:lvl1pPr>
+          </a:lstStyle>
+          <a:p>
+            <a:r>
+              <a:rPr lang="pt-BR" sz="1600">
+                <a:solidFill>
+                  <a:srgbClr val="EDF2F4"/>
+                </a:solidFill>
+                <a:latin typeface="Verdana" panose="020B0604030504040204" pitchFamily="34" charset="0"/>
+                <a:ea typeface="Verdana" panose="020B0604030504040204" pitchFamily="34" charset="0"/>
+              </a:rPr>
+              <a:t>O que é o SSH e sua importância na segurança da comunicação em rede?</a:t>
+            </a:r>
+          </a:p>
+        </p:txBody>
+      </p:sp>
+      <p:sp>
+        <p:nvSpPr>
+          <p:cNvPr id="8" name="Título 1">
+            <a:extLst>
+              <a:ext uri="{FF2B5EF4-FFF2-40B4-BE49-F238E27FC236}">
+                <a16:creationId xmlns:a16="http://schemas.microsoft.com/office/drawing/2014/main" id="{F8E54ECC-C108-E4E1-1D93-A126BC5205E4}"/>
+              </a:ext>
+            </a:extLst>
+          </p:cNvPr>
+          <p:cNvSpPr txBox="1">
+            <a:spLocks/>
+          </p:cNvSpPr>
+          <p:nvPr/>
+        </p:nvSpPr>
+        <p:spPr>
+          <a:xfrm>
+            <a:off x="432390" y="2998674"/>
+            <a:ext cx="3689784" cy="860649"/>
+          </a:xfrm>
+          <a:prstGeom prst="rect">
+            <a:avLst/>
+          </a:prstGeom>
+        </p:spPr>
+        <p:txBody>
+          <a:bodyPr vert="horz" lIns="91440" tIns="45720" rIns="91440" bIns="45720" rtlCol="0" anchor="ctr">
+            <a:noAutofit/>
+          </a:bodyPr>
+          <a:lstStyle>
+            <a:defPPr>
+              <a:defRPr lang="pt-BR"/>
+            </a:defPPr>
+            <a:lvl1pPr marL="0" algn="l" defTabSz="914400" rtl="0" eaLnBrk="1" latinLnBrk="0" hangingPunct="1">
+              <a:defRPr sz="1800" kern="1200">
+                <a:solidFill>
+                  <a:schemeClr val="tx1"/>
+                </a:solidFill>
+                <a:latin typeface="+mn-lt"/>
+                <a:ea typeface="+mn-ea"/>
+                <a:cs typeface="+mn-cs"/>
+              </a:defRPr>
+            </a:lvl1pPr>
+            <a:lvl2pPr marL="457200" algn="l" defTabSz="914400" rtl="0" eaLnBrk="1" latinLnBrk="0" hangingPunct="1">
+              <a:defRPr sz="1800" kern="1200">
+                <a:solidFill>
+                  <a:schemeClr val="tx1"/>
+                </a:solidFill>
+                <a:latin typeface="+mn-lt"/>
+                <a:ea typeface="+mn-ea"/>
+                <a:cs typeface="+mn-cs"/>
+              </a:defRPr>
+            </a:lvl2pPr>
+            <a:lvl3pPr marL="914400" algn="l" defTabSz="914400" rtl="0" eaLnBrk="1" latinLnBrk="0" hangingPunct="1">
+              <a:defRPr sz="1800" kern="1200">
+                <a:solidFill>
+                  <a:schemeClr val="tx1"/>
+                </a:solidFill>
+                <a:latin typeface="+mn-lt"/>
+                <a:ea typeface="+mn-ea"/>
+                <a:cs typeface="+mn-cs"/>
+              </a:defRPr>
+            </a:lvl3pPr>
+            <a:lvl4pPr marL="1371600" algn="l" defTabSz="914400" rtl="0" eaLnBrk="1" latinLnBrk="0" hangingPunct="1">
+              <a:defRPr sz="1800" kern="1200">
+                <a:solidFill>
+                  <a:schemeClr val="tx1"/>
+                </a:solidFill>
+                <a:latin typeface="+mn-lt"/>
+                <a:ea typeface="+mn-ea"/>
+                <a:cs typeface="+mn-cs"/>
+              </a:defRPr>
+            </a:lvl4pPr>
+            <a:lvl5pPr marL="1828800" algn="l" defTabSz="914400" rtl="0" eaLnBrk="1" latinLnBrk="0" hangingPunct="1">
+              <a:defRPr sz="1800" kern="1200">
+                <a:solidFill>
+                  <a:schemeClr val="tx1"/>
+                </a:solidFill>
+                <a:latin typeface="+mn-lt"/>
+                <a:ea typeface="+mn-ea"/>
+                <a:cs typeface="+mn-cs"/>
+              </a:defRPr>
+            </a:lvl5pPr>
+            <a:lvl6pPr marL="2286000" algn="l" defTabSz="914400" rtl="0" eaLnBrk="1" latinLnBrk="0" hangingPunct="1">
+              <a:defRPr sz="1800" kern="1200">
+                <a:solidFill>
+                  <a:schemeClr val="tx1"/>
+                </a:solidFill>
+                <a:latin typeface="+mn-lt"/>
+                <a:ea typeface="+mn-ea"/>
+                <a:cs typeface="+mn-cs"/>
+              </a:defRPr>
+            </a:lvl6pPr>
+            <a:lvl7pPr marL="2743200" algn="l" defTabSz="914400" rtl="0" eaLnBrk="1" latinLnBrk="0" hangingPunct="1">
+              <a:defRPr sz="1800" kern="1200">
+                <a:solidFill>
+                  <a:schemeClr val="tx1"/>
+                </a:solidFill>
+                <a:latin typeface="+mn-lt"/>
+                <a:ea typeface="+mn-ea"/>
+                <a:cs typeface="+mn-cs"/>
+              </a:defRPr>
+            </a:lvl7pPr>
+            <a:lvl8pPr marL="3200400" algn="l" defTabSz="914400" rtl="0" eaLnBrk="1" latinLnBrk="0" hangingPunct="1">
+              <a:defRPr sz="1800" kern="1200">
+                <a:solidFill>
+                  <a:schemeClr val="tx1"/>
+                </a:solidFill>
+                <a:latin typeface="+mn-lt"/>
+                <a:ea typeface="+mn-ea"/>
+                <a:cs typeface="+mn-cs"/>
+              </a:defRPr>
+            </a:lvl8pPr>
+            <a:lvl9pPr marL="3657600" algn="l" defTabSz="914400" rtl="0" eaLnBrk="1" latinLnBrk="0" hangingPunct="1">
+              <a:defRPr sz="1800" kern="1200">
+                <a:solidFill>
+                  <a:schemeClr val="tx1"/>
+                </a:solidFill>
+                <a:latin typeface="+mn-lt"/>
+                <a:ea typeface="+mn-ea"/>
+                <a:cs typeface="+mn-cs"/>
+              </a:defRPr>
+            </a:lvl9pPr>
+          </a:lstStyle>
+          <a:p>
+            <a:r>
+              <a:rPr lang="pt-BR" sz="1600">
+                <a:solidFill>
+                  <a:srgbClr val="EDF2F4"/>
+                </a:solidFill>
+                <a:latin typeface="Verdana" panose="020B0604030504040204" pitchFamily="34" charset="0"/>
+                <a:ea typeface="Verdana" panose="020B0604030504040204" pitchFamily="34" charset="0"/>
+              </a:rPr>
+              <a:t>Como os técnicos podem utilizar o SSH para se conectar a instância na AWS de forma segura e eficiente?</a:t>
+            </a:r>
+          </a:p>
+        </p:txBody>
+      </p:sp>
+      <p:sp>
+        <p:nvSpPr>
+          <p:cNvPr id="9" name="Título 1">
+            <a:extLst>
+              <a:ext uri="{FF2B5EF4-FFF2-40B4-BE49-F238E27FC236}">
+                <a16:creationId xmlns:a16="http://schemas.microsoft.com/office/drawing/2014/main" id="{5E20E90A-338E-1E1B-6BED-86BE1E283FBB}"/>
+              </a:ext>
+            </a:extLst>
+          </p:cNvPr>
+          <p:cNvSpPr txBox="1">
+            <a:spLocks/>
+          </p:cNvSpPr>
+          <p:nvPr/>
+        </p:nvSpPr>
+        <p:spPr>
+          <a:xfrm>
+            <a:off x="432390" y="5397582"/>
+            <a:ext cx="3689784" cy="860649"/>
+          </a:xfrm>
+          <a:prstGeom prst="rect">
+            <a:avLst/>
+          </a:prstGeom>
+        </p:spPr>
+        <p:txBody>
+          <a:bodyPr vert="horz" lIns="91440" tIns="45720" rIns="91440" bIns="45720" rtlCol="0" anchor="ctr">
+            <a:noAutofit/>
+          </a:bodyPr>
+          <a:lstStyle>
+            <a:defPPr>
+              <a:defRPr lang="pt-BR"/>
+            </a:defPPr>
+            <a:lvl1pPr marL="0" algn="l" defTabSz="914400" rtl="0" eaLnBrk="1" latinLnBrk="0" hangingPunct="1">
+              <a:defRPr sz="1800" kern="1200">
+                <a:solidFill>
+                  <a:schemeClr val="tx1"/>
+                </a:solidFill>
+                <a:latin typeface="+mn-lt"/>
+                <a:ea typeface="+mn-ea"/>
+                <a:cs typeface="+mn-cs"/>
+              </a:defRPr>
+            </a:lvl1pPr>
+            <a:lvl2pPr marL="457200" algn="l" defTabSz="914400" rtl="0" eaLnBrk="1" latinLnBrk="0" hangingPunct="1">
+              <a:defRPr sz="1800" kern="1200">
+                <a:solidFill>
+                  <a:schemeClr val="tx1"/>
+                </a:solidFill>
+                <a:latin typeface="+mn-lt"/>
+                <a:ea typeface="+mn-ea"/>
+                <a:cs typeface="+mn-cs"/>
+              </a:defRPr>
+            </a:lvl2pPr>
+            <a:lvl3pPr marL="914400" algn="l" defTabSz="914400" rtl="0" eaLnBrk="1" latinLnBrk="0" hangingPunct="1">
+              <a:defRPr sz="1800" kern="1200">
+                <a:solidFill>
+                  <a:schemeClr val="tx1"/>
+                </a:solidFill>
+                <a:latin typeface="+mn-lt"/>
+                <a:ea typeface="+mn-ea"/>
+                <a:cs typeface="+mn-cs"/>
+              </a:defRPr>
+            </a:lvl3pPr>
+            <a:lvl4pPr marL="1371600" algn="l" defTabSz="914400" rtl="0" eaLnBrk="1" latinLnBrk="0" hangingPunct="1">
+              <a:defRPr sz="1800" kern="1200">
+                <a:solidFill>
+                  <a:schemeClr val="tx1"/>
+                </a:solidFill>
+                <a:latin typeface="+mn-lt"/>
+                <a:ea typeface="+mn-ea"/>
+                <a:cs typeface="+mn-cs"/>
+              </a:defRPr>
+            </a:lvl4pPr>
+            <a:lvl5pPr marL="1828800" algn="l" defTabSz="914400" rtl="0" eaLnBrk="1" latinLnBrk="0" hangingPunct="1">
+              <a:defRPr sz="1800" kern="1200">
+                <a:solidFill>
+                  <a:schemeClr val="tx1"/>
+                </a:solidFill>
+                <a:latin typeface="+mn-lt"/>
+                <a:ea typeface="+mn-ea"/>
+                <a:cs typeface="+mn-cs"/>
+              </a:defRPr>
+            </a:lvl5pPr>
+            <a:lvl6pPr marL="2286000" algn="l" defTabSz="914400" rtl="0" eaLnBrk="1" latinLnBrk="0" hangingPunct="1">
+              <a:defRPr sz="1800" kern="1200">
+                <a:solidFill>
+                  <a:schemeClr val="tx1"/>
+                </a:solidFill>
+                <a:latin typeface="+mn-lt"/>
+                <a:ea typeface="+mn-ea"/>
+                <a:cs typeface="+mn-cs"/>
+              </a:defRPr>
+            </a:lvl6pPr>
+            <a:lvl7pPr marL="2743200" algn="l" defTabSz="914400" rtl="0" eaLnBrk="1" latinLnBrk="0" hangingPunct="1">
+              <a:defRPr sz="1800" kern="1200">
+                <a:solidFill>
+                  <a:schemeClr val="tx1"/>
+                </a:solidFill>
+                <a:latin typeface="+mn-lt"/>
+                <a:ea typeface="+mn-ea"/>
+                <a:cs typeface="+mn-cs"/>
+              </a:defRPr>
+            </a:lvl7pPr>
+            <a:lvl8pPr marL="3200400" algn="l" defTabSz="914400" rtl="0" eaLnBrk="1" latinLnBrk="0" hangingPunct="1">
+              <a:defRPr sz="1800" kern="1200">
+                <a:solidFill>
+                  <a:schemeClr val="tx1"/>
+                </a:solidFill>
+                <a:latin typeface="+mn-lt"/>
+                <a:ea typeface="+mn-ea"/>
+                <a:cs typeface="+mn-cs"/>
+              </a:defRPr>
+            </a:lvl8pPr>
+            <a:lvl9pPr marL="3657600" algn="l" defTabSz="914400" rtl="0" eaLnBrk="1" latinLnBrk="0" hangingPunct="1">
+              <a:defRPr sz="1800" kern="1200">
+                <a:solidFill>
+                  <a:schemeClr val="tx1"/>
+                </a:solidFill>
+                <a:latin typeface="+mn-lt"/>
+                <a:ea typeface="+mn-ea"/>
+                <a:cs typeface="+mn-cs"/>
+              </a:defRPr>
+            </a:lvl9pPr>
+          </a:lstStyle>
+          <a:p>
+            <a:r>
+              <a:rPr lang="pt-BR" sz="1600">
+                <a:solidFill>
+                  <a:srgbClr val="EDF2F4"/>
+                </a:solidFill>
+                <a:latin typeface="Verdana" panose="020B0604030504040204" pitchFamily="34" charset="0"/>
+                <a:ea typeface="Verdana" panose="020B0604030504040204" pitchFamily="34" charset="0"/>
+              </a:rPr>
+              <a:t>Qual a flexibilidade e a praticidade dessa conexão?</a:t>
+            </a:r>
+          </a:p>
+        </p:txBody>
+      </p:sp>
+      <p:sp>
+        <p:nvSpPr>
+          <p:cNvPr id="10" name="Fluxograma: Processo Alternativo 9">
+            <a:extLst>
+              <a:ext uri="{FF2B5EF4-FFF2-40B4-BE49-F238E27FC236}">
+                <a16:creationId xmlns:a16="http://schemas.microsoft.com/office/drawing/2014/main" id="{0698AE17-AC4B-111C-2E40-07BD8BEF3A6F}"/>
+              </a:ext>
+            </a:extLst>
+          </p:cNvPr>
+          <p:cNvSpPr/>
+          <p:nvPr/>
+        </p:nvSpPr>
+        <p:spPr>
+          <a:xfrm>
+            <a:off x="2457" y="4503175"/>
+            <a:ext cx="12192000" cy="235646"/>
+          </a:xfrm>
+          <a:prstGeom prst="flowChartAlternateProcess">
+            <a:avLst/>
+          </a:prstGeom>
+          <a:solidFill>
+            <a:srgbClr val="E4E4F0"/>
+          </a:solidFill>
+          <a:ln>
+            <a:noFill/>
+          </a:ln>
+        </p:spPr>
+        <p:style>
+          <a:lnRef idx="2">
+            <a:schemeClr val="accent1">
+              <a:shade val="15000"/>
+            </a:schemeClr>
+          </a:lnRef>
+          <a:fillRef idx="1">
+            <a:schemeClr val="accent1"/>
+          </a:fillRef>
+          <a:effectRef idx="0">
+            <a:schemeClr val="accent1"/>
+          </a:effectRef>
+          <a:fontRef idx="minor">
+            <a:schemeClr val="lt1"/>
+          </a:fontRef>
+        </p:style>
+        <p:txBody>
+          <a:bodyPr rtlCol="0" anchor="ctr"/>
+          <a:lstStyle>
+            <a:defPPr>
+              <a:defRPr lang="pt-BR"/>
+            </a:defPPr>
+            <a:lvl1pPr marL="0" algn="l" defTabSz="914400" rtl="0" eaLnBrk="1" latinLnBrk="0" hangingPunct="1">
+              <a:defRPr sz="1800" kern="1200">
+                <a:solidFill>
+                  <a:schemeClr val="lt1"/>
+                </a:solidFill>
+                <a:latin typeface="+mn-lt"/>
+                <a:ea typeface="+mn-ea"/>
+                <a:cs typeface="+mn-cs"/>
+              </a:defRPr>
+            </a:lvl1pPr>
+            <a:lvl2pPr marL="457200" algn="l" defTabSz="914400" rtl="0" eaLnBrk="1" latinLnBrk="0" hangingPunct="1">
+              <a:defRPr sz="1800" kern="1200">
+                <a:solidFill>
+                  <a:schemeClr val="lt1"/>
+                </a:solidFill>
+                <a:latin typeface="+mn-lt"/>
+                <a:ea typeface="+mn-ea"/>
+                <a:cs typeface="+mn-cs"/>
+              </a:defRPr>
+            </a:lvl2pPr>
+            <a:lvl3pPr marL="914400" algn="l" defTabSz="914400" rtl="0" eaLnBrk="1" latinLnBrk="0" hangingPunct="1">
+              <a:defRPr sz="1800" kern="1200">
+                <a:solidFill>
+                  <a:schemeClr val="lt1"/>
+                </a:solidFill>
+                <a:latin typeface="+mn-lt"/>
+                <a:ea typeface="+mn-ea"/>
+                <a:cs typeface="+mn-cs"/>
+              </a:defRPr>
+            </a:lvl3pPr>
+            <a:lvl4pPr marL="1371600" algn="l" defTabSz="914400" rtl="0" eaLnBrk="1" latinLnBrk="0" hangingPunct="1">
+              <a:defRPr sz="1800" kern="1200">
+                <a:solidFill>
+                  <a:schemeClr val="lt1"/>
+                </a:solidFill>
+                <a:latin typeface="+mn-lt"/>
+                <a:ea typeface="+mn-ea"/>
+                <a:cs typeface="+mn-cs"/>
+              </a:defRPr>
+            </a:lvl4pPr>
+            <a:lvl5pPr marL="1828800" algn="l" defTabSz="914400" rtl="0" eaLnBrk="1" latinLnBrk="0" hangingPunct="1">
+              <a:defRPr sz="1800" kern="1200">
+                <a:solidFill>
+                  <a:schemeClr val="lt1"/>
+                </a:solidFill>
+                <a:latin typeface="+mn-lt"/>
+                <a:ea typeface="+mn-ea"/>
+                <a:cs typeface="+mn-cs"/>
+              </a:defRPr>
+            </a:lvl5pPr>
+            <a:lvl6pPr marL="2286000" algn="l" defTabSz="914400" rtl="0" eaLnBrk="1" latinLnBrk="0" hangingPunct="1">
+              <a:defRPr sz="1800" kern="1200">
+                <a:solidFill>
+                  <a:schemeClr val="lt1"/>
+                </a:solidFill>
+                <a:latin typeface="+mn-lt"/>
+                <a:ea typeface="+mn-ea"/>
+                <a:cs typeface="+mn-cs"/>
+              </a:defRPr>
+            </a:lvl6pPr>
+            <a:lvl7pPr marL="2743200" algn="l" defTabSz="914400" rtl="0" eaLnBrk="1" latinLnBrk="0" hangingPunct="1">
+              <a:defRPr sz="1800" kern="1200">
+                <a:solidFill>
+                  <a:schemeClr val="lt1"/>
+                </a:solidFill>
+                <a:latin typeface="+mn-lt"/>
+                <a:ea typeface="+mn-ea"/>
+                <a:cs typeface="+mn-cs"/>
+              </a:defRPr>
+            </a:lvl7pPr>
+            <a:lvl8pPr marL="3200400" algn="l" defTabSz="914400" rtl="0" eaLnBrk="1" latinLnBrk="0" hangingPunct="1">
+              <a:defRPr sz="1800" kern="1200">
+                <a:solidFill>
+                  <a:schemeClr val="lt1"/>
+                </a:solidFill>
+                <a:latin typeface="+mn-lt"/>
+                <a:ea typeface="+mn-ea"/>
+                <a:cs typeface="+mn-cs"/>
+              </a:defRPr>
+            </a:lvl8pPr>
+            <a:lvl9pPr marL="3657600" algn="l" defTabSz="914400" rtl="0" eaLnBrk="1" latinLnBrk="0" hangingPunct="1">
+              <a:defRPr sz="1800" kern="1200">
+                <a:solidFill>
+                  <a:schemeClr val="lt1"/>
+                </a:solidFill>
+                <a:latin typeface="+mn-lt"/>
+                <a:ea typeface="+mn-ea"/>
+                <a:cs typeface="+mn-cs"/>
+              </a:defRPr>
+            </a:lvl9pPr>
+          </a:lstStyle>
+          <a:p>
+            <a:pPr algn="ctr"/>
+            <a:endParaRPr lang="pt-BR"/>
+          </a:p>
+        </p:txBody>
+      </p:sp>
+      <p:sp>
+        <p:nvSpPr>
+          <p:cNvPr id="11" name="Fluxograma: Processo Alternativo 10">
+            <a:extLst>
+              <a:ext uri="{FF2B5EF4-FFF2-40B4-BE49-F238E27FC236}">
+                <a16:creationId xmlns:a16="http://schemas.microsoft.com/office/drawing/2014/main" id="{891B84C8-505A-FFFE-DA01-46ADF443374B}"/>
+              </a:ext>
+            </a:extLst>
+          </p:cNvPr>
+          <p:cNvSpPr/>
+          <p:nvPr/>
+        </p:nvSpPr>
+        <p:spPr>
+          <a:xfrm>
+            <a:off x="-2458" y="1848954"/>
+            <a:ext cx="12196915" cy="235646"/>
+          </a:xfrm>
+          <a:prstGeom prst="flowChartAlternateProcess">
+            <a:avLst/>
+          </a:prstGeom>
+          <a:solidFill>
+            <a:srgbClr val="E4E4F0"/>
+          </a:solidFill>
+          <a:ln>
+            <a:noFill/>
+          </a:ln>
+        </p:spPr>
+        <p:style>
+          <a:lnRef idx="2">
+            <a:schemeClr val="accent1">
+              <a:shade val="15000"/>
+            </a:schemeClr>
+          </a:lnRef>
+          <a:fillRef idx="1">
+            <a:schemeClr val="accent1"/>
+          </a:fillRef>
+          <a:effectRef idx="0">
+            <a:schemeClr val="accent1"/>
+          </a:effectRef>
+          <a:fontRef idx="minor">
+            <a:schemeClr val="lt1"/>
+          </a:fontRef>
+        </p:style>
+        <p:txBody>
+          <a:bodyPr rtlCol="0" anchor="ctr"/>
+          <a:lstStyle>
+            <a:defPPr>
+              <a:defRPr lang="pt-BR"/>
+            </a:defPPr>
+            <a:lvl1pPr marL="0" algn="l" defTabSz="914400" rtl="0" eaLnBrk="1" latinLnBrk="0" hangingPunct="1">
+              <a:defRPr sz="1800" kern="1200">
+                <a:solidFill>
+                  <a:schemeClr val="lt1"/>
+                </a:solidFill>
+                <a:latin typeface="+mn-lt"/>
+                <a:ea typeface="+mn-ea"/>
+                <a:cs typeface="+mn-cs"/>
+              </a:defRPr>
+            </a:lvl1pPr>
+            <a:lvl2pPr marL="457200" algn="l" defTabSz="914400" rtl="0" eaLnBrk="1" latinLnBrk="0" hangingPunct="1">
+              <a:defRPr sz="1800" kern="1200">
+                <a:solidFill>
+                  <a:schemeClr val="lt1"/>
+                </a:solidFill>
+                <a:latin typeface="+mn-lt"/>
+                <a:ea typeface="+mn-ea"/>
+                <a:cs typeface="+mn-cs"/>
+              </a:defRPr>
+            </a:lvl2pPr>
+            <a:lvl3pPr marL="914400" algn="l" defTabSz="914400" rtl="0" eaLnBrk="1" latinLnBrk="0" hangingPunct="1">
+              <a:defRPr sz="1800" kern="1200">
+                <a:solidFill>
+                  <a:schemeClr val="lt1"/>
+                </a:solidFill>
+                <a:latin typeface="+mn-lt"/>
+                <a:ea typeface="+mn-ea"/>
+                <a:cs typeface="+mn-cs"/>
+              </a:defRPr>
+            </a:lvl3pPr>
+            <a:lvl4pPr marL="1371600" algn="l" defTabSz="914400" rtl="0" eaLnBrk="1" latinLnBrk="0" hangingPunct="1">
+              <a:defRPr sz="1800" kern="1200">
+                <a:solidFill>
+                  <a:schemeClr val="lt1"/>
+                </a:solidFill>
+                <a:latin typeface="+mn-lt"/>
+                <a:ea typeface="+mn-ea"/>
+                <a:cs typeface="+mn-cs"/>
+              </a:defRPr>
+            </a:lvl4pPr>
+            <a:lvl5pPr marL="1828800" algn="l" defTabSz="914400" rtl="0" eaLnBrk="1" latinLnBrk="0" hangingPunct="1">
+              <a:defRPr sz="1800" kern="1200">
+                <a:solidFill>
+                  <a:schemeClr val="lt1"/>
+                </a:solidFill>
+                <a:latin typeface="+mn-lt"/>
+                <a:ea typeface="+mn-ea"/>
+                <a:cs typeface="+mn-cs"/>
+              </a:defRPr>
+            </a:lvl5pPr>
+            <a:lvl6pPr marL="2286000" algn="l" defTabSz="914400" rtl="0" eaLnBrk="1" latinLnBrk="0" hangingPunct="1">
+              <a:defRPr sz="1800" kern="1200">
+                <a:solidFill>
+                  <a:schemeClr val="lt1"/>
+                </a:solidFill>
+                <a:latin typeface="+mn-lt"/>
+                <a:ea typeface="+mn-ea"/>
+                <a:cs typeface="+mn-cs"/>
+              </a:defRPr>
+            </a:lvl6pPr>
+            <a:lvl7pPr marL="2743200" algn="l" defTabSz="914400" rtl="0" eaLnBrk="1" latinLnBrk="0" hangingPunct="1">
+              <a:defRPr sz="1800" kern="1200">
+                <a:solidFill>
+                  <a:schemeClr val="lt1"/>
+                </a:solidFill>
+                <a:latin typeface="+mn-lt"/>
+                <a:ea typeface="+mn-ea"/>
+                <a:cs typeface="+mn-cs"/>
+              </a:defRPr>
+            </a:lvl7pPr>
+            <a:lvl8pPr marL="3200400" algn="l" defTabSz="914400" rtl="0" eaLnBrk="1" latinLnBrk="0" hangingPunct="1">
+              <a:defRPr sz="1800" kern="1200">
+                <a:solidFill>
+                  <a:schemeClr val="lt1"/>
+                </a:solidFill>
+                <a:latin typeface="+mn-lt"/>
+                <a:ea typeface="+mn-ea"/>
+                <a:cs typeface="+mn-cs"/>
+              </a:defRPr>
+            </a:lvl8pPr>
+            <a:lvl9pPr marL="3657600" algn="l" defTabSz="914400" rtl="0" eaLnBrk="1" latinLnBrk="0" hangingPunct="1">
+              <a:defRPr sz="1800" kern="1200">
+                <a:solidFill>
+                  <a:schemeClr val="lt1"/>
+                </a:solidFill>
+                <a:latin typeface="+mn-lt"/>
+                <a:ea typeface="+mn-ea"/>
+                <a:cs typeface="+mn-cs"/>
+              </a:defRPr>
+            </a:lvl9pPr>
+          </a:lstStyle>
+          <a:p>
+            <a:pPr algn="ctr"/>
+            <a:endParaRPr lang="pt-BR"/>
+          </a:p>
+        </p:txBody>
+      </p:sp>
+      <p:sp>
+        <p:nvSpPr>
+          <p:cNvPr id="12" name="Título 1">
+            <a:extLst>
+              <a:ext uri="{FF2B5EF4-FFF2-40B4-BE49-F238E27FC236}">
+                <a16:creationId xmlns:a16="http://schemas.microsoft.com/office/drawing/2014/main" id="{7F6C1108-6AB0-FD06-EE7C-072DC9BA704B}"/>
+              </a:ext>
+            </a:extLst>
+          </p:cNvPr>
+          <p:cNvSpPr txBox="1">
+            <a:spLocks/>
+          </p:cNvSpPr>
+          <p:nvPr/>
+        </p:nvSpPr>
+        <p:spPr>
+          <a:xfrm>
+            <a:off x="6400806" y="599767"/>
+            <a:ext cx="3689784" cy="993058"/>
+          </a:xfrm>
+          <a:prstGeom prst="rect">
+            <a:avLst/>
+          </a:prstGeom>
+        </p:spPr>
+        <p:txBody>
+          <a:bodyPr vert="horz" lIns="91440" tIns="45720" rIns="91440" bIns="45720" rtlCol="0" anchor="ctr">
+            <a:noAutofit/>
+          </a:bodyPr>
+          <a:lstStyle>
+            <a:defPPr>
+              <a:defRPr lang="pt-BR"/>
+            </a:defPPr>
+            <a:lvl1pPr marL="0" algn="l" defTabSz="914400" rtl="0" eaLnBrk="1" latinLnBrk="0" hangingPunct="1">
+              <a:defRPr sz="1800" kern="1200">
+                <a:solidFill>
+                  <a:schemeClr val="tx1"/>
+                </a:solidFill>
+                <a:latin typeface="+mn-lt"/>
+                <a:ea typeface="+mn-ea"/>
+                <a:cs typeface="+mn-cs"/>
+              </a:defRPr>
+            </a:lvl1pPr>
+            <a:lvl2pPr marL="457200" algn="l" defTabSz="914400" rtl="0" eaLnBrk="1" latinLnBrk="0" hangingPunct="1">
+              <a:defRPr sz="1800" kern="1200">
+                <a:solidFill>
+                  <a:schemeClr val="tx1"/>
+                </a:solidFill>
+                <a:latin typeface="+mn-lt"/>
+                <a:ea typeface="+mn-ea"/>
+                <a:cs typeface="+mn-cs"/>
+              </a:defRPr>
+            </a:lvl2pPr>
+            <a:lvl3pPr marL="914400" algn="l" defTabSz="914400" rtl="0" eaLnBrk="1" latinLnBrk="0" hangingPunct="1">
+              <a:defRPr sz="1800" kern="1200">
+                <a:solidFill>
+                  <a:schemeClr val="tx1"/>
+                </a:solidFill>
+                <a:latin typeface="+mn-lt"/>
+                <a:ea typeface="+mn-ea"/>
+                <a:cs typeface="+mn-cs"/>
+              </a:defRPr>
+            </a:lvl3pPr>
+            <a:lvl4pPr marL="1371600" algn="l" defTabSz="914400" rtl="0" eaLnBrk="1" latinLnBrk="0" hangingPunct="1">
+              <a:defRPr sz="1800" kern="1200">
+                <a:solidFill>
+                  <a:schemeClr val="tx1"/>
+                </a:solidFill>
+                <a:latin typeface="+mn-lt"/>
+                <a:ea typeface="+mn-ea"/>
+                <a:cs typeface="+mn-cs"/>
+              </a:defRPr>
+            </a:lvl4pPr>
+            <a:lvl5pPr marL="1828800" algn="l" defTabSz="914400" rtl="0" eaLnBrk="1" latinLnBrk="0" hangingPunct="1">
+              <a:defRPr sz="1800" kern="1200">
+                <a:solidFill>
+                  <a:schemeClr val="tx1"/>
+                </a:solidFill>
+                <a:latin typeface="+mn-lt"/>
+                <a:ea typeface="+mn-ea"/>
+                <a:cs typeface="+mn-cs"/>
+              </a:defRPr>
+            </a:lvl5pPr>
+            <a:lvl6pPr marL="2286000" algn="l" defTabSz="914400" rtl="0" eaLnBrk="1" latinLnBrk="0" hangingPunct="1">
+              <a:defRPr sz="1800" kern="1200">
+                <a:solidFill>
+                  <a:schemeClr val="tx1"/>
+                </a:solidFill>
+                <a:latin typeface="+mn-lt"/>
+                <a:ea typeface="+mn-ea"/>
+                <a:cs typeface="+mn-cs"/>
+              </a:defRPr>
+            </a:lvl6pPr>
+            <a:lvl7pPr marL="2743200" algn="l" defTabSz="914400" rtl="0" eaLnBrk="1" latinLnBrk="0" hangingPunct="1">
+              <a:defRPr sz="1800" kern="1200">
+                <a:solidFill>
+                  <a:schemeClr val="tx1"/>
+                </a:solidFill>
+                <a:latin typeface="+mn-lt"/>
+                <a:ea typeface="+mn-ea"/>
+                <a:cs typeface="+mn-cs"/>
+              </a:defRPr>
+            </a:lvl7pPr>
+            <a:lvl8pPr marL="3200400" algn="l" defTabSz="914400" rtl="0" eaLnBrk="1" latinLnBrk="0" hangingPunct="1">
+              <a:defRPr sz="1800" kern="1200">
+                <a:solidFill>
+                  <a:schemeClr val="tx1"/>
+                </a:solidFill>
+                <a:latin typeface="+mn-lt"/>
+                <a:ea typeface="+mn-ea"/>
+                <a:cs typeface="+mn-cs"/>
+              </a:defRPr>
+            </a:lvl8pPr>
+            <a:lvl9pPr marL="3657600" algn="l" defTabSz="914400" rtl="0" eaLnBrk="1" latinLnBrk="0" hangingPunct="1">
+              <a:defRPr sz="1800" kern="1200">
+                <a:solidFill>
+                  <a:schemeClr val="tx1"/>
+                </a:solidFill>
+                <a:latin typeface="+mn-lt"/>
+                <a:ea typeface="+mn-ea"/>
+                <a:cs typeface="+mn-cs"/>
+              </a:defRPr>
+            </a:lvl9pPr>
+          </a:lstStyle>
+          <a:p>
+            <a:r>
+              <a:rPr lang="pt-BR" sz="1600">
+                <a:solidFill>
+                  <a:srgbClr val="22223B"/>
+                </a:solidFill>
+                <a:latin typeface="Verdana" panose="020B0604030504040204" pitchFamily="34" charset="0"/>
+                <a:ea typeface="Verdana" panose="020B0604030504040204" pitchFamily="34" charset="0"/>
+              </a:rPr>
+              <a:t>O SSH, ou </a:t>
+            </a:r>
+            <a:r>
+              <a:rPr lang="pt-BR" sz="1600" err="1">
+                <a:solidFill>
+                  <a:srgbClr val="22223B"/>
+                </a:solidFill>
+                <a:latin typeface="Verdana" panose="020B0604030504040204" pitchFamily="34" charset="0"/>
+                <a:ea typeface="Verdana" panose="020B0604030504040204" pitchFamily="34" charset="0"/>
+              </a:rPr>
+              <a:t>Secure</a:t>
+            </a:r>
+            <a:r>
+              <a:rPr lang="pt-BR" sz="1600">
+                <a:solidFill>
+                  <a:srgbClr val="22223B"/>
+                </a:solidFill>
+                <a:latin typeface="Verdana" panose="020B0604030504040204" pitchFamily="34" charset="0"/>
+                <a:ea typeface="Verdana" panose="020B0604030504040204" pitchFamily="34" charset="0"/>
+              </a:rPr>
+              <a:t> Shell, é um protocolo que garante comunicação segura entre dois sistemas.</a:t>
+            </a:r>
+          </a:p>
+        </p:txBody>
+      </p:sp>
+      <p:sp>
+        <p:nvSpPr>
+          <p:cNvPr id="13" name="Título 1">
+            <a:extLst>
+              <a:ext uri="{FF2B5EF4-FFF2-40B4-BE49-F238E27FC236}">
+                <a16:creationId xmlns:a16="http://schemas.microsoft.com/office/drawing/2014/main" id="{EC1031B5-4455-A8A1-E498-E567D02E32B1}"/>
+              </a:ext>
+            </a:extLst>
+          </p:cNvPr>
+          <p:cNvSpPr txBox="1">
+            <a:spLocks/>
+          </p:cNvSpPr>
+          <p:nvPr/>
+        </p:nvSpPr>
+        <p:spPr>
+          <a:xfrm>
+            <a:off x="6400806" y="2863563"/>
+            <a:ext cx="3689784" cy="1165204"/>
+          </a:xfrm>
+          <a:prstGeom prst="rect">
+            <a:avLst/>
+          </a:prstGeom>
+        </p:spPr>
+        <p:txBody>
+          <a:bodyPr vert="horz" lIns="91440" tIns="45720" rIns="91440" bIns="45720" rtlCol="0" anchor="ctr">
+            <a:noAutofit/>
+          </a:bodyPr>
+          <a:lstStyle>
+            <a:defPPr>
+              <a:defRPr lang="pt-BR"/>
+            </a:defPPr>
+            <a:lvl1pPr marL="0" algn="l" defTabSz="914400" rtl="0" eaLnBrk="1" latinLnBrk="0" hangingPunct="1">
+              <a:defRPr sz="1800" kern="1200">
+                <a:solidFill>
+                  <a:schemeClr val="tx1"/>
+                </a:solidFill>
+                <a:latin typeface="+mn-lt"/>
+                <a:ea typeface="+mn-ea"/>
+                <a:cs typeface="+mn-cs"/>
+              </a:defRPr>
+            </a:lvl1pPr>
+            <a:lvl2pPr marL="457200" algn="l" defTabSz="914400" rtl="0" eaLnBrk="1" latinLnBrk="0" hangingPunct="1">
+              <a:defRPr sz="1800" kern="1200">
+                <a:solidFill>
+                  <a:schemeClr val="tx1"/>
+                </a:solidFill>
+                <a:latin typeface="+mn-lt"/>
+                <a:ea typeface="+mn-ea"/>
+                <a:cs typeface="+mn-cs"/>
+              </a:defRPr>
+            </a:lvl2pPr>
+            <a:lvl3pPr marL="914400" algn="l" defTabSz="914400" rtl="0" eaLnBrk="1" latinLnBrk="0" hangingPunct="1">
+              <a:defRPr sz="1800" kern="1200">
+                <a:solidFill>
+                  <a:schemeClr val="tx1"/>
+                </a:solidFill>
+                <a:latin typeface="+mn-lt"/>
+                <a:ea typeface="+mn-ea"/>
+                <a:cs typeface="+mn-cs"/>
+              </a:defRPr>
+            </a:lvl3pPr>
+            <a:lvl4pPr marL="1371600" algn="l" defTabSz="914400" rtl="0" eaLnBrk="1" latinLnBrk="0" hangingPunct="1">
+              <a:defRPr sz="1800" kern="1200">
+                <a:solidFill>
+                  <a:schemeClr val="tx1"/>
+                </a:solidFill>
+                <a:latin typeface="+mn-lt"/>
+                <a:ea typeface="+mn-ea"/>
+                <a:cs typeface="+mn-cs"/>
+              </a:defRPr>
+            </a:lvl4pPr>
+            <a:lvl5pPr marL="1828800" algn="l" defTabSz="914400" rtl="0" eaLnBrk="1" latinLnBrk="0" hangingPunct="1">
+              <a:defRPr sz="1800" kern="1200">
+                <a:solidFill>
+                  <a:schemeClr val="tx1"/>
+                </a:solidFill>
+                <a:latin typeface="+mn-lt"/>
+                <a:ea typeface="+mn-ea"/>
+                <a:cs typeface="+mn-cs"/>
+              </a:defRPr>
+            </a:lvl5pPr>
+            <a:lvl6pPr marL="2286000" algn="l" defTabSz="914400" rtl="0" eaLnBrk="1" latinLnBrk="0" hangingPunct="1">
+              <a:defRPr sz="1800" kern="1200">
+                <a:solidFill>
+                  <a:schemeClr val="tx1"/>
+                </a:solidFill>
+                <a:latin typeface="+mn-lt"/>
+                <a:ea typeface="+mn-ea"/>
+                <a:cs typeface="+mn-cs"/>
+              </a:defRPr>
+            </a:lvl6pPr>
+            <a:lvl7pPr marL="2743200" algn="l" defTabSz="914400" rtl="0" eaLnBrk="1" latinLnBrk="0" hangingPunct="1">
+              <a:defRPr sz="1800" kern="1200">
+                <a:solidFill>
+                  <a:schemeClr val="tx1"/>
+                </a:solidFill>
+                <a:latin typeface="+mn-lt"/>
+                <a:ea typeface="+mn-ea"/>
+                <a:cs typeface="+mn-cs"/>
+              </a:defRPr>
+            </a:lvl7pPr>
+            <a:lvl8pPr marL="3200400" algn="l" defTabSz="914400" rtl="0" eaLnBrk="1" latinLnBrk="0" hangingPunct="1">
+              <a:defRPr sz="1800" kern="1200">
+                <a:solidFill>
+                  <a:schemeClr val="tx1"/>
+                </a:solidFill>
+                <a:latin typeface="+mn-lt"/>
+                <a:ea typeface="+mn-ea"/>
+                <a:cs typeface="+mn-cs"/>
+              </a:defRPr>
+            </a:lvl8pPr>
+            <a:lvl9pPr marL="3657600" algn="l" defTabSz="914400" rtl="0" eaLnBrk="1" latinLnBrk="0" hangingPunct="1">
+              <a:defRPr sz="1800" kern="1200">
+                <a:solidFill>
+                  <a:schemeClr val="tx1"/>
+                </a:solidFill>
+                <a:latin typeface="+mn-lt"/>
+                <a:ea typeface="+mn-ea"/>
+                <a:cs typeface="+mn-cs"/>
+              </a:defRPr>
+            </a:lvl9pPr>
+          </a:lstStyle>
+          <a:p>
+            <a:r>
+              <a:rPr lang="pt-BR" sz="1600">
+                <a:solidFill>
+                  <a:srgbClr val="22223B"/>
+                </a:solidFill>
+                <a:latin typeface="Verdana" panose="020B0604030504040204" pitchFamily="34" charset="0"/>
+                <a:ea typeface="Verdana" panose="020B0604030504040204" pitchFamily="34" charset="0"/>
+              </a:rPr>
+              <a:t>Esse método oferece segurança robusta, já que a autenticação é baseada em chaves criptográficas e elimina a necessidade de senhas.</a:t>
+            </a:r>
+          </a:p>
+        </p:txBody>
+      </p:sp>
+      <p:sp>
+        <p:nvSpPr>
+          <p:cNvPr id="15" name="Título 1">
+            <a:extLst>
+              <a:ext uri="{FF2B5EF4-FFF2-40B4-BE49-F238E27FC236}">
+                <a16:creationId xmlns:a16="http://schemas.microsoft.com/office/drawing/2014/main" id="{083A9691-7D67-9B57-2076-BD83D12C11C7}"/>
+              </a:ext>
+            </a:extLst>
+          </p:cNvPr>
+          <p:cNvSpPr txBox="1">
+            <a:spLocks/>
+          </p:cNvSpPr>
+          <p:nvPr/>
+        </p:nvSpPr>
+        <p:spPr>
+          <a:xfrm>
+            <a:off x="6400806" y="5101306"/>
+            <a:ext cx="3689784" cy="1108913"/>
+          </a:xfrm>
+          <a:prstGeom prst="rect">
+            <a:avLst/>
+          </a:prstGeom>
+        </p:spPr>
+        <p:txBody>
+          <a:bodyPr vert="horz" lIns="91440" tIns="45720" rIns="91440" bIns="45720" rtlCol="0" anchor="ctr">
+            <a:noAutofit/>
+          </a:bodyPr>
+          <a:lstStyle>
+            <a:defPPr>
+              <a:defRPr lang="pt-BR"/>
+            </a:defPPr>
+            <a:lvl1pPr marL="0" algn="l" defTabSz="914400" rtl="0" eaLnBrk="1" latinLnBrk="0" hangingPunct="1">
+              <a:defRPr sz="1800" kern="1200">
+                <a:solidFill>
+                  <a:schemeClr val="tx1"/>
+                </a:solidFill>
+                <a:latin typeface="+mn-lt"/>
+                <a:ea typeface="+mn-ea"/>
+                <a:cs typeface="+mn-cs"/>
+              </a:defRPr>
+            </a:lvl1pPr>
+            <a:lvl2pPr marL="457200" algn="l" defTabSz="914400" rtl="0" eaLnBrk="1" latinLnBrk="0" hangingPunct="1">
+              <a:defRPr sz="1800" kern="1200">
+                <a:solidFill>
+                  <a:schemeClr val="tx1"/>
+                </a:solidFill>
+                <a:latin typeface="+mn-lt"/>
+                <a:ea typeface="+mn-ea"/>
+                <a:cs typeface="+mn-cs"/>
+              </a:defRPr>
+            </a:lvl2pPr>
+            <a:lvl3pPr marL="914400" algn="l" defTabSz="914400" rtl="0" eaLnBrk="1" latinLnBrk="0" hangingPunct="1">
+              <a:defRPr sz="1800" kern="1200">
+                <a:solidFill>
+                  <a:schemeClr val="tx1"/>
+                </a:solidFill>
+                <a:latin typeface="+mn-lt"/>
+                <a:ea typeface="+mn-ea"/>
+                <a:cs typeface="+mn-cs"/>
+              </a:defRPr>
+            </a:lvl3pPr>
+            <a:lvl4pPr marL="1371600" algn="l" defTabSz="914400" rtl="0" eaLnBrk="1" latinLnBrk="0" hangingPunct="1">
+              <a:defRPr sz="1800" kern="1200">
+                <a:solidFill>
+                  <a:schemeClr val="tx1"/>
+                </a:solidFill>
+                <a:latin typeface="+mn-lt"/>
+                <a:ea typeface="+mn-ea"/>
+                <a:cs typeface="+mn-cs"/>
+              </a:defRPr>
+            </a:lvl4pPr>
+            <a:lvl5pPr marL="1828800" algn="l" defTabSz="914400" rtl="0" eaLnBrk="1" latinLnBrk="0" hangingPunct="1">
+              <a:defRPr sz="1800" kern="1200">
+                <a:solidFill>
+                  <a:schemeClr val="tx1"/>
+                </a:solidFill>
+                <a:latin typeface="+mn-lt"/>
+                <a:ea typeface="+mn-ea"/>
+                <a:cs typeface="+mn-cs"/>
+              </a:defRPr>
+            </a:lvl5pPr>
+            <a:lvl6pPr marL="2286000" algn="l" defTabSz="914400" rtl="0" eaLnBrk="1" latinLnBrk="0" hangingPunct="1">
+              <a:defRPr sz="1800" kern="1200">
+                <a:solidFill>
+                  <a:schemeClr val="tx1"/>
+                </a:solidFill>
+                <a:latin typeface="+mn-lt"/>
+                <a:ea typeface="+mn-ea"/>
+                <a:cs typeface="+mn-cs"/>
+              </a:defRPr>
+            </a:lvl6pPr>
+            <a:lvl7pPr marL="2743200" algn="l" defTabSz="914400" rtl="0" eaLnBrk="1" latinLnBrk="0" hangingPunct="1">
+              <a:defRPr sz="1800" kern="1200">
+                <a:solidFill>
+                  <a:schemeClr val="tx1"/>
+                </a:solidFill>
+                <a:latin typeface="+mn-lt"/>
+                <a:ea typeface="+mn-ea"/>
+                <a:cs typeface="+mn-cs"/>
+              </a:defRPr>
+            </a:lvl7pPr>
+            <a:lvl8pPr marL="3200400" algn="l" defTabSz="914400" rtl="0" eaLnBrk="1" latinLnBrk="0" hangingPunct="1">
+              <a:defRPr sz="1800" kern="1200">
+                <a:solidFill>
+                  <a:schemeClr val="tx1"/>
+                </a:solidFill>
+                <a:latin typeface="+mn-lt"/>
+                <a:ea typeface="+mn-ea"/>
+                <a:cs typeface="+mn-cs"/>
+              </a:defRPr>
+            </a:lvl8pPr>
+            <a:lvl9pPr marL="3657600" algn="l" defTabSz="914400" rtl="0" eaLnBrk="1" latinLnBrk="0" hangingPunct="1">
+              <a:defRPr sz="1800" kern="1200">
+                <a:solidFill>
+                  <a:schemeClr val="tx1"/>
+                </a:solidFill>
+                <a:latin typeface="+mn-lt"/>
+                <a:ea typeface="+mn-ea"/>
+                <a:cs typeface="+mn-cs"/>
+              </a:defRPr>
+            </a:lvl9pPr>
+          </a:lstStyle>
+          <a:p>
+            <a:r>
+              <a:rPr lang="pt-BR" sz="1600">
+                <a:solidFill>
+                  <a:srgbClr val="22223B"/>
+                </a:solidFill>
+                <a:latin typeface="Verdana" panose="020B0604030504040204" pitchFamily="34" charset="0"/>
+                <a:ea typeface="Verdana" panose="020B0604030504040204" pitchFamily="34" charset="0"/>
+              </a:rPr>
+              <a:t>Tem flexibilidade ao permitir o acesso remoto seguro a instâncias, capacidade de gerenciar e configurar as instâncias remotamente</a:t>
+            </a:r>
+          </a:p>
+        </p:txBody>
+      </p:sp>
+    </p:spTree>
+    <p:extLst>
+      <p:ext uri="{BB962C8B-B14F-4D97-AF65-F5344CB8AC3E}">
+        <p14:creationId xmlns:p14="http://schemas.microsoft.com/office/powerpoint/2010/main" val="230846951"/>
+      </p:ext>
+    </p:extLst>
+  </p:cSld>
+  <p:clrMapOvr>
+    <a:masterClrMapping/>
+  </p:clrMapOvr>
+  <p:transition spd="slow">
+    <p:wipe/>
+  </p:transition>
+</p:sld>
+</file>
+
+<file path=ppt/slides/slide9.xml><?xml version="1.0" encoding="utf-8"?>
+<p:sld xmlns:a="http://schemas.openxmlformats.org/drawingml/2006/main" xmlns:r="http://schemas.openxmlformats.org/officeDocument/2006/relationships" xmlns:p="http://schemas.openxmlformats.org/presentationml/2006/main">
+  <p:cSld>
+    <p:bg>
+      <p:bgPr>
+        <a:solidFill>
+          <a:srgbClr val="EDF2F4"/>
+        </a:solidFill>
+        <a:effectLst/>
+      </p:bgPr>
+    </p:bg>
+    <p:spTree>
+      <p:nvGrpSpPr>
+        <p:cNvPr id="1" name=""/>
+        <p:cNvGrpSpPr/>
+        <p:nvPr/>
+      </p:nvGrpSpPr>
+      <p:grpSpPr>
+        <a:xfrm>
+          <a:off x="0" y="0"/>
+          <a:ext cx="0" cy="0"/>
+          <a:chOff x="0" y="0"/>
+          <a:chExt cx="0" cy="0"/>
+        </a:xfrm>
+      </p:grpSpPr>
+      <p:sp>
+        <p:nvSpPr>
+          <p:cNvPr id="2" name="Título 1">
+            <a:extLst>
+              <a:ext uri="{FF2B5EF4-FFF2-40B4-BE49-F238E27FC236}">
+                <a16:creationId xmlns:a16="http://schemas.microsoft.com/office/drawing/2014/main" id="{217F3117-157E-57E0-E248-8F4C0D1DD7AA}"/>
+              </a:ext>
+            </a:extLst>
+          </p:cNvPr>
+          <p:cNvSpPr>
+            <a:spLocks noGrp="1"/>
+          </p:cNvSpPr>
+          <p:nvPr>
+            <p:ph type="title"/>
+          </p:nvPr>
+        </p:nvSpPr>
+        <p:spPr/>
+        <p:txBody>
+          <a:bodyPr/>
+          <a:lstStyle/>
+          <a:p>
+            <a:r>
+              <a:rPr lang="pt-BR"/>
+              <a:t>Conclusão</a:t>
+            </a:r>
+          </a:p>
+        </p:txBody>
+      </p:sp>
+      <p:sp>
+        <p:nvSpPr>
+          <p:cNvPr id="3" name="Espaço Reservado para Conteúdo 2">
+            <a:extLst>
+              <a:ext uri="{FF2B5EF4-FFF2-40B4-BE49-F238E27FC236}">
+                <a16:creationId xmlns:a16="http://schemas.microsoft.com/office/drawing/2014/main" id="{9DF6AC0E-E1F4-E0AB-E817-8ABF8B315A03}"/>
+              </a:ext>
+            </a:extLst>
+          </p:cNvPr>
+          <p:cNvSpPr>
+            <a:spLocks noGrp="1"/>
+          </p:cNvSpPr>
+          <p:nvPr>
+            <p:ph idx="1"/>
+          </p:nvPr>
+        </p:nvSpPr>
+        <p:spPr/>
+        <p:txBody>
+          <a:bodyPr/>
+          <a:lstStyle/>
+          <a:p>
+            <a:endParaRPr lang="pt-BR"/>
+          </a:p>
+        </p:txBody>
+      </p:sp>
+    </p:spTree>
+    <p:extLst>
+      <p:ext uri="{BB962C8B-B14F-4D97-AF65-F5344CB8AC3E}">
+        <p14:creationId xmlns:p14="http://schemas.microsoft.com/office/powerpoint/2010/main" val="3980262589"/>
       </p:ext>
     </p:extLst>
   </p:cSld>
